--- a/DisruptCapstone.pptx
+++ b/DisruptCapstone.pptx
@@ -214,7 +214,7 @@
           <a:p>
             <a:fld id="{3B666320-670A-47B1-93E1-B1C48CAC2FDA}" type="datetimeFigureOut">
               <a:rPr lang="en-US" smtClean="0"/>
-              <a:t>1/5/2019</a:t>
+              <a:t>1/7/2019</a:t>
             </a:fld>
             <a:endParaRPr lang="en-US"/>
           </a:p>
@@ -1064,7 +1064,7 @@
           <a:p>
             <a:fld id="{214BFDFA-5419-4355-A3FB-206F18F64EF6}" type="datetimeFigureOut">
               <a:rPr lang="en-US" smtClean="0"/>
-              <a:t>1/5/2019</a:t>
+              <a:t>1/7/2019</a:t>
             </a:fld>
             <a:endParaRPr lang="en-US"/>
           </a:p>
@@ -1272,7 +1272,7 @@
           <a:p>
             <a:fld id="{214BFDFA-5419-4355-A3FB-206F18F64EF6}" type="datetimeFigureOut">
               <a:rPr lang="en-US" smtClean="0"/>
-              <a:t>1/5/2019</a:t>
+              <a:t>1/7/2019</a:t>
             </a:fld>
             <a:endParaRPr lang="en-US"/>
           </a:p>
@@ -1528,7 +1528,7 @@
           <a:p>
             <a:fld id="{214BFDFA-5419-4355-A3FB-206F18F64EF6}" type="datetimeFigureOut">
               <a:rPr lang="en-US" smtClean="0"/>
-              <a:t>1/5/2019</a:t>
+              <a:t>1/7/2019</a:t>
             </a:fld>
             <a:endParaRPr lang="en-US"/>
           </a:p>
@@ -1698,7 +1698,7 @@
           <a:p>
             <a:fld id="{214BFDFA-5419-4355-A3FB-206F18F64EF6}" type="datetimeFigureOut">
               <a:rPr lang="en-US" smtClean="0"/>
-              <a:t>1/5/2019</a:t>
+              <a:t>1/7/2019</a:t>
             </a:fld>
             <a:endParaRPr lang="en-US"/>
           </a:p>
@@ -2041,7 +2041,7 @@
           <a:p>
             <a:fld id="{214BFDFA-5419-4355-A3FB-206F18F64EF6}" type="datetimeFigureOut">
               <a:rPr lang="en-US" smtClean="0"/>
-              <a:t>1/5/2019</a:t>
+              <a:t>1/7/2019</a:t>
             </a:fld>
             <a:endParaRPr lang="en-US"/>
           </a:p>
@@ -2316,7 +2316,7 @@
           <a:p>
             <a:fld id="{214BFDFA-5419-4355-A3FB-206F18F64EF6}" type="datetimeFigureOut">
               <a:rPr lang="en-US" smtClean="0"/>
-              <a:t>1/5/2019</a:t>
+              <a:t>1/7/2019</a:t>
             </a:fld>
             <a:endParaRPr lang="en-US"/>
           </a:p>
@@ -2695,7 +2695,7 @@
           <a:p>
             <a:fld id="{214BFDFA-5419-4355-A3FB-206F18F64EF6}" type="datetimeFigureOut">
               <a:rPr lang="en-US" smtClean="0"/>
-              <a:t>1/5/2019</a:t>
+              <a:t>1/7/2019</a:t>
             </a:fld>
             <a:endParaRPr lang="en-US"/>
           </a:p>
@@ -2813,7 +2813,7 @@
           <a:p>
             <a:fld id="{214BFDFA-5419-4355-A3FB-206F18F64EF6}" type="datetimeFigureOut">
               <a:rPr lang="en-US" smtClean="0"/>
-              <a:t>1/5/2019</a:t>
+              <a:t>1/7/2019</a:t>
             </a:fld>
             <a:endParaRPr lang="en-US"/>
           </a:p>
@@ -2984,7 +2984,7 @@
           <a:p>
             <a:fld id="{214BFDFA-5419-4355-A3FB-206F18F64EF6}" type="datetimeFigureOut">
               <a:rPr lang="en-US" smtClean="0"/>
-              <a:t>1/5/2019</a:t>
+              <a:t>1/7/2019</a:t>
             </a:fld>
             <a:endParaRPr lang="en-US"/>
           </a:p>
@@ -3338,7 +3338,7 @@
           <a:p>
             <a:fld id="{214BFDFA-5419-4355-A3FB-206F18F64EF6}" type="datetimeFigureOut">
               <a:rPr lang="en-US" smtClean="0"/>
-              <a:t>1/5/2019</a:t>
+              <a:t>1/7/2019</a:t>
             </a:fld>
             <a:endParaRPr lang="en-US"/>
           </a:p>
@@ -3715,7 +3715,7 @@
           <a:p>
             <a:fld id="{214BFDFA-5419-4355-A3FB-206F18F64EF6}" type="datetimeFigureOut">
               <a:rPr lang="en-US" smtClean="0"/>
-              <a:t>1/5/2019</a:t>
+              <a:t>1/7/2019</a:t>
             </a:fld>
             <a:endParaRPr lang="en-US"/>
           </a:p>
@@ -4002,7 +4002,7 @@
           <a:p>
             <a:fld id="{214BFDFA-5419-4355-A3FB-206F18F64EF6}" type="datetimeFigureOut">
               <a:rPr lang="en-US" smtClean="0"/>
-              <a:t>1/5/2019</a:t>
+              <a:t>1/7/2019</a:t>
             </a:fld>
             <a:endParaRPr lang="en-US"/>
           </a:p>
@@ -4775,8 +4775,8 @@
           </a:extLst>
         </p:spPr>
       </p:pic>
-      <mc:AlternateContent xmlns:mc="http://schemas.openxmlformats.org/markup-compatibility/2006">
-        <mc:Choice xmlns:a14="http://schemas.microsoft.com/office/drawing/2010/main" Requires="a14">
+      <mc:AlternateContent xmlns:mc="http://schemas.openxmlformats.org/markup-compatibility/2006" xmlns:a14="http://schemas.microsoft.com/office/drawing/2010/main">
+        <mc:Choice Requires="a14">
           <p:sp>
             <p:nvSpPr>
               <p:cNvPr id="6" name="TextBox 5">
@@ -4902,7 +4902,7 @@
             </p:txBody>
           </p:sp>
         </mc:Choice>
-        <mc:Fallback>
+        <mc:Fallback xmlns="">
           <p:sp>
             <p:nvSpPr>
               <p:cNvPr id="6" name="TextBox 5">
@@ -4947,8 +4947,8 @@
           </p:sp>
         </mc:Fallback>
       </mc:AlternateContent>
-      <mc:AlternateContent xmlns:mc="http://schemas.openxmlformats.org/markup-compatibility/2006">
-        <mc:Choice xmlns:a14="http://schemas.microsoft.com/office/drawing/2010/main" Requires="a14">
+      <mc:AlternateContent xmlns:mc="http://schemas.openxmlformats.org/markup-compatibility/2006" xmlns:a14="http://schemas.microsoft.com/office/drawing/2010/main">
+        <mc:Choice Requires="a14">
           <p:sp>
             <p:nvSpPr>
               <p:cNvPr id="15" name="TextBox 14">
@@ -5074,7 +5074,7 @@
             </p:txBody>
           </p:sp>
         </mc:Choice>
-        <mc:Fallback>
+        <mc:Fallback xmlns="">
           <p:sp>
             <p:nvSpPr>
               <p:cNvPr id="15" name="TextBox 14">
@@ -5119,8 +5119,8 @@
           </p:sp>
         </mc:Fallback>
       </mc:AlternateContent>
-      <mc:AlternateContent xmlns:mc="http://schemas.openxmlformats.org/markup-compatibility/2006">
-        <mc:Choice xmlns:a14="http://schemas.microsoft.com/office/drawing/2010/main" Requires="a14">
+      <mc:AlternateContent xmlns:mc="http://schemas.openxmlformats.org/markup-compatibility/2006" xmlns:a14="http://schemas.microsoft.com/office/drawing/2010/main">
+        <mc:Choice Requires="a14">
           <p:sp>
             <p:nvSpPr>
               <p:cNvPr id="16" name="TextBox 15">
@@ -5228,7 +5228,7 @@
             </p:txBody>
           </p:sp>
         </mc:Choice>
-        <mc:Fallback>
+        <mc:Fallback xmlns="">
           <p:sp>
             <p:nvSpPr>
               <p:cNvPr id="16" name="TextBox 15">
@@ -10517,14 +10517,14 @@
           <p:nvPr>
             <p:extLst>
               <p:ext uri="{D42A27DB-BD31-4B8C-83A1-F6EECF244321}">
-                <p14:modId xmlns:p14="http://schemas.microsoft.com/office/powerpoint/2010/main" val="463697784"/>
+                <p14:modId xmlns:p14="http://schemas.microsoft.com/office/powerpoint/2010/main" val="2065753695"/>
               </p:ext>
             </p:extLst>
           </p:nvPr>
         </p:nvGraphicFramePr>
         <p:xfrm>
-          <a:off x="0" y="988906"/>
-          <a:ext cx="12192000" cy="5329899"/>
+          <a:off x="0" y="888460"/>
+          <a:ext cx="12192000" cy="5538280"/>
         </p:xfrm>
         <a:graphic>
           <a:graphicData uri="http://schemas.openxmlformats.org/drawingml/2006/table">
@@ -10569,7 +10569,7 @@
                   </a:extLst>
                 </a:gridCol>
               </a:tblGrid>
-              <a:tr h="893367">
+              <a:tr h="928294">
                 <a:tc>
                   <a:txBody>
                     <a:bodyPr/>
@@ -10671,7 +10671,7 @@
                   </a:ext>
                 </a:extLst>
               </a:tr>
-              <a:tr h="510495">
+              <a:tr h="530454">
                 <a:tc>
                   <a:txBody>
                     <a:bodyPr/>
@@ -10758,7 +10758,7 @@
                   </a:ext>
                 </a:extLst>
               </a:tr>
-              <a:tr h="510495">
+              <a:tr h="530454">
                 <a:tc>
                   <a:txBody>
                     <a:bodyPr/>
@@ -10845,7 +10845,7 @@
                   </a:ext>
                 </a:extLst>
               </a:tr>
-              <a:tr h="510495">
+              <a:tr h="855135">
                 <a:tc>
                   <a:txBody>
                     <a:bodyPr/>
@@ -10932,7 +10932,7 @@
                   </a:ext>
                 </a:extLst>
               </a:tr>
-              <a:tr h="510495">
+              <a:tr h="530454">
                 <a:tc>
                   <a:txBody>
                     <a:bodyPr/>
@@ -11019,7 +11019,7 @@
                   </a:ext>
                 </a:extLst>
               </a:tr>
-              <a:tr h="893367">
+              <a:tr h="928294">
                 <a:tc>
                   <a:txBody>
                     <a:bodyPr/>
@@ -11106,7 +11106,7 @@
                   </a:ext>
                 </a:extLst>
               </a:tr>
-              <a:tr h="893367">
+              <a:tr h="1235195">
                 <a:tc>
                   <a:txBody>
                     <a:bodyPr/>
@@ -11130,7 +11130,7 @@
                     <a:p>
                       <a:pPr algn="r" fontAlgn="ctr"/>
                       <a:r>
-                        <a:rPr lang="en-US" sz="2400">
+                        <a:rPr lang="en-US" sz="2400" dirty="0">
                           <a:effectLst/>
                         </a:rPr>
                         <a:t>12</a:t>

--- a/DisruptCapstone.pptx
+++ b/DisruptCapstone.pptx
@@ -5,27 +5,31 @@
     <p:sldMasterId id="2147483702" r:id="rId1"/>
   </p:sldMasterIdLst>
   <p:notesMasterIdLst>
-    <p:notesMasterId r:id="rId20"/>
+    <p:notesMasterId r:id="rId24"/>
   </p:notesMasterIdLst>
   <p:sldIdLst>
     <p:sldId id="256" r:id="rId2"/>
     <p:sldId id="257" r:id="rId3"/>
     <p:sldId id="258" r:id="rId4"/>
     <p:sldId id="260" r:id="rId5"/>
-    <p:sldId id="263" r:id="rId6"/>
-    <p:sldId id="265" r:id="rId7"/>
-    <p:sldId id="266" r:id="rId8"/>
+    <p:sldId id="266" r:id="rId6"/>
+    <p:sldId id="263" r:id="rId7"/>
+    <p:sldId id="265" r:id="rId8"/>
     <p:sldId id="267" r:id="rId9"/>
-    <p:sldId id="268" r:id="rId10"/>
-    <p:sldId id="269" r:id="rId11"/>
-    <p:sldId id="270" r:id="rId12"/>
-    <p:sldId id="271" r:id="rId13"/>
-    <p:sldId id="272" r:id="rId14"/>
-    <p:sldId id="273" r:id="rId15"/>
-    <p:sldId id="274" r:id="rId16"/>
-    <p:sldId id="275" r:id="rId17"/>
-    <p:sldId id="261" r:id="rId18"/>
-    <p:sldId id="262" r:id="rId19"/>
+    <p:sldId id="271" r:id="rId10"/>
+    <p:sldId id="268" r:id="rId11"/>
+    <p:sldId id="269" r:id="rId12"/>
+    <p:sldId id="270" r:id="rId13"/>
+    <p:sldId id="277" r:id="rId14"/>
+    <p:sldId id="272" r:id="rId15"/>
+    <p:sldId id="273" r:id="rId16"/>
+    <p:sldId id="274" r:id="rId17"/>
+    <p:sldId id="275" r:id="rId18"/>
+    <p:sldId id="278" r:id="rId19"/>
+    <p:sldId id="279" r:id="rId20"/>
+    <p:sldId id="261" r:id="rId21"/>
+    <p:sldId id="262" r:id="rId22"/>
+    <p:sldId id="276" r:id="rId23"/>
   </p:sldIdLst>
   <p:sldSz cx="12192000" cy="6858000"/>
   <p:notesSz cx="6858000" cy="9144000"/>
@@ -525,16 +529,7 @@
           <a:bodyPr/>
           <a:lstStyle/>
           <a:p>
-            <a:r>
-              <a:rPr lang="en-US" dirty="0"/>
-              <a:t>Precision, aka – how many of our positive predictions were correct?</a:t>
-            </a:r>
-          </a:p>
-          <a:p>
-            <a:r>
-              <a:rPr lang="en-US" dirty="0"/>
-              <a:t>Recall, aka – how many of the positive cases did we catch?</a:t>
-            </a:r>
+            <a:endParaRPr lang="en-US" dirty="0"/>
           </a:p>
         </p:txBody>
       </p:sp>
@@ -555,7 +550,7 @@
           <a:p>
             <a:fld id="{9A6E0AFD-2E99-43A4-B753-A9B7F1577876}" type="slidenum">
               <a:rPr lang="en-US" smtClean="0"/>
-              <a:t>10</a:t>
+              <a:t>2</a:t>
             </a:fld>
             <a:endParaRPr lang="en-US"/>
           </a:p>
@@ -564,7 +559,271 @@
     </p:spTree>
     <p:extLst>
       <p:ext uri="{BB962C8B-B14F-4D97-AF65-F5344CB8AC3E}">
-        <p14:creationId xmlns:p14="http://schemas.microsoft.com/office/powerpoint/2010/main" val="562785300"/>
+        <p14:creationId xmlns:p14="http://schemas.microsoft.com/office/powerpoint/2010/main" val="1208161031"/>
+      </p:ext>
+    </p:extLst>
+  </p:cSld>
+  <p:clrMapOvr>
+    <a:masterClrMapping/>
+  </p:clrMapOvr>
+</p:notes>
+</file>
+
+<file path=ppt/notesSlides/notesSlide10.xml><?xml version="1.0" encoding="utf-8"?>
+<p:notes xmlns:a="http://schemas.openxmlformats.org/drawingml/2006/main" xmlns:r="http://schemas.openxmlformats.org/officeDocument/2006/relationships" xmlns:p="http://schemas.openxmlformats.org/presentationml/2006/main">
+  <p:cSld>
+    <p:spTree>
+      <p:nvGrpSpPr>
+        <p:cNvPr id="1" name=""/>
+        <p:cNvGrpSpPr/>
+        <p:nvPr/>
+      </p:nvGrpSpPr>
+      <p:grpSpPr>
+        <a:xfrm>
+          <a:off x="0" y="0"/>
+          <a:ext cx="0" cy="0"/>
+          <a:chOff x="0" y="0"/>
+          <a:chExt cx="0" cy="0"/>
+        </a:xfrm>
+      </p:grpSpPr>
+      <p:sp>
+        <p:nvSpPr>
+          <p:cNvPr id="2" name="Slide Image Placeholder 1"/>
+          <p:cNvSpPr>
+            <a:spLocks noGrp="1" noRot="1" noChangeAspect="1"/>
+          </p:cNvSpPr>
+          <p:nvPr>
+            <p:ph type="sldImg"/>
+          </p:nvPr>
+        </p:nvSpPr>
+        <p:spPr/>
+      </p:sp>
+      <p:sp>
+        <p:nvSpPr>
+          <p:cNvPr id="3" name="Notes Placeholder 2"/>
+          <p:cNvSpPr>
+            <a:spLocks noGrp="1"/>
+          </p:cNvSpPr>
+          <p:nvPr>
+            <p:ph type="body" idx="1"/>
+          </p:nvPr>
+        </p:nvSpPr>
+        <p:spPr/>
+        <p:txBody>
+          <a:bodyPr/>
+          <a:lstStyle/>
+          <a:p>
+            <a:r>
+              <a:rPr lang="en-US" dirty="0"/>
+              <a:t>% of variance first 2 components uses</a:t>
+            </a:r>
+          </a:p>
+          <a:p>
+            <a:r>
+              <a:rPr lang="en-US" dirty="0"/>
+              <a:t>Make sure to explain the finite permutations due to categories</a:t>
+            </a:r>
+          </a:p>
+        </p:txBody>
+      </p:sp>
+      <p:sp>
+        <p:nvSpPr>
+          <p:cNvPr id="4" name="Slide Number Placeholder 3"/>
+          <p:cNvSpPr>
+            <a:spLocks noGrp="1"/>
+          </p:cNvSpPr>
+          <p:nvPr>
+            <p:ph type="sldNum" sz="quarter" idx="5"/>
+          </p:nvPr>
+        </p:nvSpPr>
+        <p:spPr/>
+        <p:txBody>
+          <a:bodyPr/>
+          <a:lstStyle/>
+          <a:p>
+            <a:fld id="{9A6E0AFD-2E99-43A4-B753-A9B7F1577876}" type="slidenum">
+              <a:rPr lang="en-US" smtClean="0"/>
+              <a:t>16</a:t>
+            </a:fld>
+            <a:endParaRPr lang="en-US"/>
+          </a:p>
+        </p:txBody>
+      </p:sp>
+    </p:spTree>
+    <p:extLst>
+      <p:ext uri="{BB962C8B-B14F-4D97-AF65-F5344CB8AC3E}">
+        <p14:creationId xmlns:p14="http://schemas.microsoft.com/office/powerpoint/2010/main" val="4113534820"/>
+      </p:ext>
+    </p:extLst>
+  </p:cSld>
+  <p:clrMapOvr>
+    <a:masterClrMapping/>
+  </p:clrMapOvr>
+</p:notes>
+</file>
+
+<file path=ppt/notesSlides/notesSlide11.xml><?xml version="1.0" encoding="utf-8"?>
+<p:notes xmlns:a="http://schemas.openxmlformats.org/drawingml/2006/main" xmlns:r="http://schemas.openxmlformats.org/officeDocument/2006/relationships" xmlns:p="http://schemas.openxmlformats.org/presentationml/2006/main">
+  <p:cSld>
+    <p:spTree>
+      <p:nvGrpSpPr>
+        <p:cNvPr id="1" name=""/>
+        <p:cNvGrpSpPr/>
+        <p:nvPr/>
+      </p:nvGrpSpPr>
+      <p:grpSpPr>
+        <a:xfrm>
+          <a:off x="0" y="0"/>
+          <a:ext cx="0" cy="0"/>
+          <a:chOff x="0" y="0"/>
+          <a:chExt cx="0" cy="0"/>
+        </a:xfrm>
+      </p:grpSpPr>
+      <p:sp>
+        <p:nvSpPr>
+          <p:cNvPr id="2" name="Slide Image Placeholder 1"/>
+          <p:cNvSpPr>
+            <a:spLocks noGrp="1" noRot="1" noChangeAspect="1"/>
+          </p:cNvSpPr>
+          <p:nvPr>
+            <p:ph type="sldImg"/>
+          </p:nvPr>
+        </p:nvSpPr>
+        <p:spPr/>
+      </p:sp>
+      <p:sp>
+        <p:nvSpPr>
+          <p:cNvPr id="3" name="Notes Placeholder 2"/>
+          <p:cNvSpPr>
+            <a:spLocks noGrp="1"/>
+          </p:cNvSpPr>
+          <p:nvPr>
+            <p:ph type="body" idx="1"/>
+          </p:nvPr>
+        </p:nvSpPr>
+        <p:spPr/>
+        <p:txBody>
+          <a:bodyPr/>
+          <a:lstStyle/>
+          <a:p>
+            <a:endParaRPr lang="en-US" dirty="0"/>
+          </a:p>
+        </p:txBody>
+      </p:sp>
+      <p:sp>
+        <p:nvSpPr>
+          <p:cNvPr id="4" name="Slide Number Placeholder 3"/>
+          <p:cNvSpPr>
+            <a:spLocks noGrp="1"/>
+          </p:cNvSpPr>
+          <p:nvPr>
+            <p:ph type="sldNum" sz="quarter" idx="5"/>
+          </p:nvPr>
+        </p:nvSpPr>
+        <p:spPr/>
+        <p:txBody>
+          <a:bodyPr/>
+          <a:lstStyle/>
+          <a:p>
+            <a:fld id="{9A6E0AFD-2E99-43A4-B753-A9B7F1577876}" type="slidenum">
+              <a:rPr lang="en-US" smtClean="0"/>
+              <a:t>17</a:t>
+            </a:fld>
+            <a:endParaRPr lang="en-US"/>
+          </a:p>
+        </p:txBody>
+      </p:sp>
+    </p:spTree>
+    <p:extLst>
+      <p:ext uri="{BB962C8B-B14F-4D97-AF65-F5344CB8AC3E}">
+        <p14:creationId xmlns:p14="http://schemas.microsoft.com/office/powerpoint/2010/main" val="727642365"/>
+      </p:ext>
+    </p:extLst>
+  </p:cSld>
+  <p:clrMapOvr>
+    <a:masterClrMapping/>
+  </p:clrMapOvr>
+</p:notes>
+</file>
+
+<file path=ppt/notesSlides/notesSlide12.xml><?xml version="1.0" encoding="utf-8"?>
+<p:notes xmlns:a="http://schemas.openxmlformats.org/drawingml/2006/main" xmlns:r="http://schemas.openxmlformats.org/officeDocument/2006/relationships" xmlns:p="http://schemas.openxmlformats.org/presentationml/2006/main">
+  <p:cSld>
+    <p:spTree>
+      <p:nvGrpSpPr>
+        <p:cNvPr id="1" name=""/>
+        <p:cNvGrpSpPr/>
+        <p:nvPr/>
+      </p:nvGrpSpPr>
+      <p:grpSpPr>
+        <a:xfrm>
+          <a:off x="0" y="0"/>
+          <a:ext cx="0" cy="0"/>
+          <a:chOff x="0" y="0"/>
+          <a:chExt cx="0" cy="0"/>
+        </a:xfrm>
+      </p:grpSpPr>
+      <p:sp>
+        <p:nvSpPr>
+          <p:cNvPr id="2" name="Slide Image Placeholder 1"/>
+          <p:cNvSpPr>
+            <a:spLocks noGrp="1" noRot="1" noChangeAspect="1"/>
+          </p:cNvSpPr>
+          <p:nvPr>
+            <p:ph type="sldImg"/>
+          </p:nvPr>
+        </p:nvSpPr>
+        <p:spPr/>
+      </p:sp>
+      <p:sp>
+        <p:nvSpPr>
+          <p:cNvPr id="3" name="Notes Placeholder 2"/>
+          <p:cNvSpPr>
+            <a:spLocks noGrp="1"/>
+          </p:cNvSpPr>
+          <p:nvPr>
+            <p:ph type="body" idx="1"/>
+          </p:nvPr>
+        </p:nvSpPr>
+        <p:spPr/>
+        <p:txBody>
+          <a:bodyPr/>
+          <a:lstStyle/>
+          <a:p>
+            <a:r>
+              <a:rPr lang="en-US" dirty="0"/>
+              <a:t>RESOURCES</a:t>
+            </a:r>
+          </a:p>
+        </p:txBody>
+      </p:sp>
+      <p:sp>
+        <p:nvSpPr>
+          <p:cNvPr id="4" name="Slide Number Placeholder 3"/>
+          <p:cNvSpPr>
+            <a:spLocks noGrp="1"/>
+          </p:cNvSpPr>
+          <p:nvPr>
+            <p:ph type="sldNum" sz="quarter" idx="5"/>
+          </p:nvPr>
+        </p:nvSpPr>
+        <p:spPr/>
+        <p:txBody>
+          <a:bodyPr/>
+          <a:lstStyle/>
+          <a:p>
+            <a:fld id="{9A6E0AFD-2E99-43A4-B753-A9B7F1577876}" type="slidenum">
+              <a:rPr lang="en-US" smtClean="0"/>
+              <a:t>20</a:t>
+            </a:fld>
+            <a:endParaRPr lang="en-US"/>
+          </a:p>
+        </p:txBody>
+      </p:sp>
+    </p:spTree>
+    <p:extLst>
+      <p:ext uri="{BB962C8B-B14F-4D97-AF65-F5344CB8AC3E}">
+        <p14:creationId xmlns:p14="http://schemas.microsoft.com/office/powerpoint/2010/main" val="1958773056"/>
       </p:ext>
     </p:extLst>
   </p:cSld>
@@ -618,16 +877,7 @@
           <a:bodyPr/>
           <a:lstStyle/>
           <a:p>
-            <a:r>
-              <a:rPr lang="en-US" dirty="0"/>
-              <a:t>Not necessarily a good idea: Multiple Correspondence Analysis is more appropriate</a:t>
-            </a:r>
-          </a:p>
-          <a:p>
-            <a:r>
-              <a:rPr lang="en-US" dirty="0"/>
-              <a:t>Fake data with just 2 dimensions for easy visualization. Hope is that we can get some intuition around what’s happening here and extrapolate that to larger dimensional data</a:t>
-            </a:r>
+            <a:endParaRPr lang="en-US" dirty="0"/>
           </a:p>
         </p:txBody>
       </p:sp>
@@ -648,7 +898,7 @@
           <a:p>
             <a:fld id="{9A6E0AFD-2E99-43A4-B753-A9B7F1577876}" type="slidenum">
               <a:rPr lang="en-US" smtClean="0"/>
-              <a:t>13</a:t>
+              <a:t>4</a:t>
             </a:fld>
             <a:endParaRPr lang="en-US"/>
           </a:p>
@@ -657,7 +907,7 @@
     </p:spTree>
     <p:extLst>
       <p:ext uri="{BB962C8B-B14F-4D97-AF65-F5344CB8AC3E}">
-        <p14:creationId xmlns:p14="http://schemas.microsoft.com/office/powerpoint/2010/main" val="2330112359"/>
+        <p14:creationId xmlns:p14="http://schemas.microsoft.com/office/powerpoint/2010/main" val="1253722556"/>
       </p:ext>
     </p:extLst>
   </p:cSld>
@@ -711,10 +961,7 @@
           <a:bodyPr/>
           <a:lstStyle/>
           <a:p>
-            <a:r>
-              <a:rPr lang="en-US" dirty="0"/>
-              <a:t>Also note – the 3 points each component picks up are not the same 3 values as the other</a:t>
-            </a:r>
+            <a:endParaRPr lang="en-US" dirty="0"/>
           </a:p>
         </p:txBody>
       </p:sp>
@@ -735,7 +982,7 @@
           <a:p>
             <a:fld id="{9A6E0AFD-2E99-43A4-B753-A9B7F1577876}" type="slidenum">
               <a:rPr lang="en-US" smtClean="0"/>
-              <a:t>14</a:t>
+              <a:t>5</a:t>
             </a:fld>
             <a:endParaRPr lang="en-US"/>
           </a:p>
@@ -744,7 +991,7 @@
     </p:spTree>
     <p:extLst>
       <p:ext uri="{BB962C8B-B14F-4D97-AF65-F5344CB8AC3E}">
-        <p14:creationId xmlns:p14="http://schemas.microsoft.com/office/powerpoint/2010/main" val="3392197165"/>
+        <p14:creationId xmlns:p14="http://schemas.microsoft.com/office/powerpoint/2010/main" val="2677409466"/>
       </p:ext>
     </p:extLst>
   </p:cSld>
@@ -819,7 +1066,7 @@
           <a:p>
             <a:fld id="{9A6E0AFD-2E99-43A4-B753-A9B7F1577876}" type="slidenum">
               <a:rPr lang="en-US" smtClean="0"/>
-              <a:t>15</a:t>
+              <a:t>10</a:t>
             </a:fld>
             <a:endParaRPr lang="en-US"/>
           </a:p>
@@ -828,7 +1075,488 @@
     </p:spTree>
     <p:extLst>
       <p:ext uri="{BB962C8B-B14F-4D97-AF65-F5344CB8AC3E}">
-        <p14:creationId xmlns:p14="http://schemas.microsoft.com/office/powerpoint/2010/main" val="4113534820"/>
+        <p14:creationId xmlns:p14="http://schemas.microsoft.com/office/powerpoint/2010/main" val="1644994445"/>
+      </p:ext>
+    </p:extLst>
+  </p:cSld>
+  <p:clrMapOvr>
+    <a:masterClrMapping/>
+  </p:clrMapOvr>
+</p:notes>
+</file>
+
+<file path=ppt/notesSlides/notesSlide5.xml><?xml version="1.0" encoding="utf-8"?>
+<p:notes xmlns:a="http://schemas.openxmlformats.org/drawingml/2006/main" xmlns:r="http://schemas.openxmlformats.org/officeDocument/2006/relationships" xmlns:p="http://schemas.openxmlformats.org/presentationml/2006/main">
+  <p:cSld>
+    <p:spTree>
+      <p:nvGrpSpPr>
+        <p:cNvPr id="1" name=""/>
+        <p:cNvGrpSpPr/>
+        <p:nvPr/>
+      </p:nvGrpSpPr>
+      <p:grpSpPr>
+        <a:xfrm>
+          <a:off x="0" y="0"/>
+          <a:ext cx="0" cy="0"/>
+          <a:chOff x="0" y="0"/>
+          <a:chExt cx="0" cy="0"/>
+        </a:xfrm>
+      </p:grpSpPr>
+      <p:sp>
+        <p:nvSpPr>
+          <p:cNvPr id="2" name="Slide Image Placeholder 1"/>
+          <p:cNvSpPr>
+            <a:spLocks noGrp="1" noRot="1" noChangeAspect="1"/>
+          </p:cNvSpPr>
+          <p:nvPr>
+            <p:ph type="sldImg"/>
+          </p:nvPr>
+        </p:nvSpPr>
+        <p:spPr/>
+      </p:sp>
+      <p:sp>
+        <p:nvSpPr>
+          <p:cNvPr id="3" name="Notes Placeholder 2"/>
+          <p:cNvSpPr>
+            <a:spLocks noGrp="1"/>
+          </p:cNvSpPr>
+          <p:nvPr>
+            <p:ph type="body" idx="1"/>
+          </p:nvPr>
+        </p:nvSpPr>
+        <p:spPr/>
+        <p:txBody>
+          <a:bodyPr/>
+          <a:lstStyle/>
+          <a:p>
+            <a:r>
+              <a:rPr lang="en-US" dirty="0"/>
+              <a:t>Precision, aka – how many of our positive predictions were correct?</a:t>
+            </a:r>
+          </a:p>
+          <a:p>
+            <a:r>
+              <a:rPr lang="en-US" dirty="0"/>
+              <a:t>Recall, aka – how many of the positive cases did we catch?</a:t>
+            </a:r>
+          </a:p>
+        </p:txBody>
+      </p:sp>
+      <p:sp>
+        <p:nvSpPr>
+          <p:cNvPr id="4" name="Slide Number Placeholder 3"/>
+          <p:cNvSpPr>
+            <a:spLocks noGrp="1"/>
+          </p:cNvSpPr>
+          <p:nvPr>
+            <p:ph type="sldNum" sz="quarter" idx="5"/>
+          </p:nvPr>
+        </p:nvSpPr>
+        <p:spPr/>
+        <p:txBody>
+          <a:bodyPr/>
+          <a:lstStyle/>
+          <a:p>
+            <a:fld id="{9A6E0AFD-2E99-43A4-B753-A9B7F1577876}" type="slidenum">
+              <a:rPr lang="en-US" smtClean="0"/>
+              <a:t>11</a:t>
+            </a:fld>
+            <a:endParaRPr lang="en-US"/>
+          </a:p>
+        </p:txBody>
+      </p:sp>
+    </p:spTree>
+    <p:extLst>
+      <p:ext uri="{BB962C8B-B14F-4D97-AF65-F5344CB8AC3E}">
+        <p14:creationId xmlns:p14="http://schemas.microsoft.com/office/powerpoint/2010/main" val="562785300"/>
+      </p:ext>
+    </p:extLst>
+  </p:cSld>
+  <p:clrMapOvr>
+    <a:masterClrMapping/>
+  </p:clrMapOvr>
+</p:notes>
+</file>
+
+<file path=ppt/notesSlides/notesSlide6.xml><?xml version="1.0" encoding="utf-8"?>
+<p:notes xmlns:a="http://schemas.openxmlformats.org/drawingml/2006/main" xmlns:r="http://schemas.openxmlformats.org/officeDocument/2006/relationships" xmlns:p="http://schemas.openxmlformats.org/presentationml/2006/main">
+  <p:cSld>
+    <p:spTree>
+      <p:nvGrpSpPr>
+        <p:cNvPr id="1" name=""/>
+        <p:cNvGrpSpPr/>
+        <p:nvPr/>
+      </p:nvGrpSpPr>
+      <p:grpSpPr>
+        <a:xfrm>
+          <a:off x="0" y="0"/>
+          <a:ext cx="0" cy="0"/>
+          <a:chOff x="0" y="0"/>
+          <a:chExt cx="0" cy="0"/>
+        </a:xfrm>
+      </p:grpSpPr>
+      <p:sp>
+        <p:nvSpPr>
+          <p:cNvPr id="2" name="Slide Image Placeholder 1"/>
+          <p:cNvSpPr>
+            <a:spLocks noGrp="1" noRot="1" noChangeAspect="1"/>
+          </p:cNvSpPr>
+          <p:nvPr>
+            <p:ph type="sldImg"/>
+          </p:nvPr>
+        </p:nvSpPr>
+        <p:spPr/>
+      </p:sp>
+      <p:sp>
+        <p:nvSpPr>
+          <p:cNvPr id="3" name="Notes Placeholder 2"/>
+          <p:cNvSpPr>
+            <a:spLocks noGrp="1"/>
+          </p:cNvSpPr>
+          <p:nvPr>
+            <p:ph type="body" idx="1"/>
+          </p:nvPr>
+        </p:nvSpPr>
+        <p:spPr/>
+        <p:txBody>
+          <a:bodyPr/>
+          <a:lstStyle/>
+          <a:p>
+            <a:endParaRPr lang="en-US" dirty="0"/>
+          </a:p>
+        </p:txBody>
+      </p:sp>
+      <p:sp>
+        <p:nvSpPr>
+          <p:cNvPr id="4" name="Slide Number Placeholder 3"/>
+          <p:cNvSpPr>
+            <a:spLocks noGrp="1"/>
+          </p:cNvSpPr>
+          <p:nvPr>
+            <p:ph type="sldNum" sz="quarter" idx="5"/>
+          </p:nvPr>
+        </p:nvSpPr>
+        <p:spPr/>
+        <p:txBody>
+          <a:bodyPr/>
+          <a:lstStyle/>
+          <a:p>
+            <a:fld id="{9A6E0AFD-2E99-43A4-B753-A9B7F1577876}" type="slidenum">
+              <a:rPr lang="en-US" smtClean="0"/>
+              <a:t>12</a:t>
+            </a:fld>
+            <a:endParaRPr lang="en-US"/>
+          </a:p>
+        </p:txBody>
+      </p:sp>
+    </p:spTree>
+    <p:extLst>
+      <p:ext uri="{BB962C8B-B14F-4D97-AF65-F5344CB8AC3E}">
+        <p14:creationId xmlns:p14="http://schemas.microsoft.com/office/powerpoint/2010/main" val="2155606467"/>
+      </p:ext>
+    </p:extLst>
+  </p:cSld>
+  <p:clrMapOvr>
+    <a:masterClrMapping/>
+  </p:clrMapOvr>
+</p:notes>
+</file>
+
+<file path=ppt/notesSlides/notesSlide7.xml><?xml version="1.0" encoding="utf-8"?>
+<p:notes xmlns:a="http://schemas.openxmlformats.org/drawingml/2006/main" xmlns:r="http://schemas.openxmlformats.org/officeDocument/2006/relationships" xmlns:p="http://schemas.openxmlformats.org/presentationml/2006/main">
+  <p:cSld>
+    <p:spTree>
+      <p:nvGrpSpPr>
+        <p:cNvPr id="1" name=""/>
+        <p:cNvGrpSpPr/>
+        <p:nvPr/>
+      </p:nvGrpSpPr>
+      <p:grpSpPr>
+        <a:xfrm>
+          <a:off x="0" y="0"/>
+          <a:ext cx="0" cy="0"/>
+          <a:chOff x="0" y="0"/>
+          <a:chExt cx="0" cy="0"/>
+        </a:xfrm>
+      </p:grpSpPr>
+      <p:sp>
+        <p:nvSpPr>
+          <p:cNvPr id="2" name="Slide Image Placeholder 1"/>
+          <p:cNvSpPr>
+            <a:spLocks noGrp="1" noRot="1" noChangeAspect="1"/>
+          </p:cNvSpPr>
+          <p:nvPr>
+            <p:ph type="sldImg"/>
+          </p:nvPr>
+        </p:nvSpPr>
+        <p:spPr/>
+      </p:sp>
+      <p:sp>
+        <p:nvSpPr>
+          <p:cNvPr id="3" name="Notes Placeholder 2"/>
+          <p:cNvSpPr>
+            <a:spLocks noGrp="1"/>
+          </p:cNvSpPr>
+          <p:nvPr>
+            <p:ph type="body" idx="1"/>
+          </p:nvPr>
+        </p:nvSpPr>
+        <p:spPr/>
+        <p:txBody>
+          <a:bodyPr/>
+          <a:lstStyle/>
+          <a:p>
+            <a:r>
+              <a:rPr lang="en-US" dirty="0"/>
+              <a:t>Make sure to explain the finite permutations due to categories</a:t>
+            </a:r>
+          </a:p>
+        </p:txBody>
+      </p:sp>
+      <p:sp>
+        <p:nvSpPr>
+          <p:cNvPr id="4" name="Slide Number Placeholder 3"/>
+          <p:cNvSpPr>
+            <a:spLocks noGrp="1"/>
+          </p:cNvSpPr>
+          <p:nvPr>
+            <p:ph type="sldNum" sz="quarter" idx="5"/>
+          </p:nvPr>
+        </p:nvSpPr>
+        <p:spPr/>
+        <p:txBody>
+          <a:bodyPr/>
+          <a:lstStyle/>
+          <a:p>
+            <a:fld id="{9A6E0AFD-2E99-43A4-B753-A9B7F1577876}" type="slidenum">
+              <a:rPr lang="en-US" smtClean="0"/>
+              <a:t>13</a:t>
+            </a:fld>
+            <a:endParaRPr lang="en-US"/>
+          </a:p>
+        </p:txBody>
+      </p:sp>
+    </p:spTree>
+    <p:extLst>
+      <p:ext uri="{BB962C8B-B14F-4D97-AF65-F5344CB8AC3E}">
+        <p14:creationId xmlns:p14="http://schemas.microsoft.com/office/powerpoint/2010/main" val="1161681457"/>
+      </p:ext>
+    </p:extLst>
+  </p:cSld>
+  <p:clrMapOvr>
+    <a:masterClrMapping/>
+  </p:clrMapOvr>
+</p:notes>
+</file>
+
+<file path=ppt/notesSlides/notesSlide8.xml><?xml version="1.0" encoding="utf-8"?>
+<p:notes xmlns:a="http://schemas.openxmlformats.org/drawingml/2006/main" xmlns:r="http://schemas.openxmlformats.org/officeDocument/2006/relationships" xmlns:p="http://schemas.openxmlformats.org/presentationml/2006/main">
+  <p:cSld>
+    <p:spTree>
+      <p:nvGrpSpPr>
+        <p:cNvPr id="1" name=""/>
+        <p:cNvGrpSpPr/>
+        <p:nvPr/>
+      </p:nvGrpSpPr>
+      <p:grpSpPr>
+        <a:xfrm>
+          <a:off x="0" y="0"/>
+          <a:ext cx="0" cy="0"/>
+          <a:chOff x="0" y="0"/>
+          <a:chExt cx="0" cy="0"/>
+        </a:xfrm>
+      </p:grpSpPr>
+      <p:sp>
+        <p:nvSpPr>
+          <p:cNvPr id="2" name="Slide Image Placeholder 1"/>
+          <p:cNvSpPr>
+            <a:spLocks noGrp="1" noRot="1" noChangeAspect="1"/>
+          </p:cNvSpPr>
+          <p:nvPr>
+            <p:ph type="sldImg"/>
+          </p:nvPr>
+        </p:nvSpPr>
+        <p:spPr/>
+      </p:sp>
+      <p:sp>
+        <p:nvSpPr>
+          <p:cNvPr id="3" name="Notes Placeholder 2"/>
+          <p:cNvSpPr>
+            <a:spLocks noGrp="1"/>
+          </p:cNvSpPr>
+          <p:nvPr>
+            <p:ph type="body" idx="1"/>
+          </p:nvPr>
+        </p:nvSpPr>
+        <p:spPr/>
+        <p:txBody>
+          <a:bodyPr/>
+          <a:lstStyle/>
+          <a:p>
+            <a:r>
+              <a:rPr lang="en-US" dirty="0"/>
+              <a:t>Not necessarily a good idea: Multiple Correspondence Analysis is more appropriate</a:t>
+            </a:r>
+          </a:p>
+          <a:p>
+            <a:r>
+              <a:rPr lang="en-US" dirty="0"/>
+              <a:t>Fake data with just 2 dimensions for easy visualization. Hope is that we can get some intuition around what’s happening here and extrapolate that to larger dimensional data</a:t>
+            </a:r>
+          </a:p>
+          <a:p>
+            <a:r>
+              <a:rPr lang="en-US" dirty="0"/>
+              <a:t>Animation?</a:t>
+            </a:r>
+          </a:p>
+        </p:txBody>
+      </p:sp>
+      <p:sp>
+        <p:nvSpPr>
+          <p:cNvPr id="4" name="Slide Number Placeholder 3"/>
+          <p:cNvSpPr>
+            <a:spLocks noGrp="1"/>
+          </p:cNvSpPr>
+          <p:nvPr>
+            <p:ph type="sldNum" sz="quarter" idx="5"/>
+          </p:nvPr>
+        </p:nvSpPr>
+        <p:spPr/>
+        <p:txBody>
+          <a:bodyPr/>
+          <a:lstStyle/>
+          <a:p>
+            <a:fld id="{9A6E0AFD-2E99-43A4-B753-A9B7F1577876}" type="slidenum">
+              <a:rPr lang="en-US" smtClean="0"/>
+              <a:t>14</a:t>
+            </a:fld>
+            <a:endParaRPr lang="en-US"/>
+          </a:p>
+        </p:txBody>
+      </p:sp>
+    </p:spTree>
+    <p:extLst>
+      <p:ext uri="{BB962C8B-B14F-4D97-AF65-F5344CB8AC3E}">
+        <p14:creationId xmlns:p14="http://schemas.microsoft.com/office/powerpoint/2010/main" val="2330112359"/>
+      </p:ext>
+    </p:extLst>
+  </p:cSld>
+  <p:clrMapOvr>
+    <a:masterClrMapping/>
+  </p:clrMapOvr>
+</p:notes>
+</file>
+
+<file path=ppt/notesSlides/notesSlide9.xml><?xml version="1.0" encoding="utf-8"?>
+<p:notes xmlns:a="http://schemas.openxmlformats.org/drawingml/2006/main" xmlns:r="http://schemas.openxmlformats.org/officeDocument/2006/relationships" xmlns:p="http://schemas.openxmlformats.org/presentationml/2006/main">
+  <p:cSld>
+    <p:spTree>
+      <p:nvGrpSpPr>
+        <p:cNvPr id="1" name=""/>
+        <p:cNvGrpSpPr/>
+        <p:nvPr/>
+      </p:nvGrpSpPr>
+      <p:grpSpPr>
+        <a:xfrm>
+          <a:off x="0" y="0"/>
+          <a:ext cx="0" cy="0"/>
+          <a:chOff x="0" y="0"/>
+          <a:chExt cx="0" cy="0"/>
+        </a:xfrm>
+      </p:grpSpPr>
+      <p:sp>
+        <p:nvSpPr>
+          <p:cNvPr id="2" name="Slide Image Placeholder 1"/>
+          <p:cNvSpPr>
+            <a:spLocks noGrp="1" noRot="1" noChangeAspect="1"/>
+          </p:cNvSpPr>
+          <p:nvPr>
+            <p:ph type="sldImg"/>
+          </p:nvPr>
+        </p:nvSpPr>
+        <p:spPr/>
+      </p:sp>
+      <p:sp>
+        <p:nvSpPr>
+          <p:cNvPr id="3" name="Notes Placeholder 2"/>
+          <p:cNvSpPr>
+            <a:spLocks noGrp="1"/>
+          </p:cNvSpPr>
+          <p:nvPr>
+            <p:ph type="body" idx="1"/>
+          </p:nvPr>
+        </p:nvSpPr>
+        <p:spPr/>
+        <p:txBody>
+          <a:bodyPr/>
+          <a:lstStyle/>
+          <a:p>
+            <a:r>
+              <a:rPr lang="en-US" dirty="0"/>
+              <a:t>Also note – the 3 points each component picks up are not the same 3 values as the other</a:t>
+            </a:r>
+          </a:p>
+          <a:p>
+            <a:endParaRPr lang="en-US" dirty="0"/>
+          </a:p>
+          <a:p>
+            <a:r>
+              <a:rPr lang="en-US" dirty="0"/>
+              <a:t>Add resources at the end: MCA</a:t>
+            </a:r>
+          </a:p>
+          <a:p>
+            <a:r>
+              <a:rPr lang="en-US" dirty="0"/>
+              <a:t>Gilbert </a:t>
+            </a:r>
+            <a:r>
+              <a:rPr lang="en-US" dirty="0" err="1"/>
+              <a:t>strang</a:t>
+            </a:r>
+            <a:r>
+              <a:rPr lang="en-US" dirty="0"/>
+              <a:t> </a:t>
+            </a:r>
+            <a:r>
+              <a:rPr lang="en-US" dirty="0" err="1"/>
+              <a:t>mit</a:t>
+            </a:r>
+            <a:r>
+              <a:rPr lang="en-US" dirty="0"/>
+              <a:t> lecture</a:t>
+            </a:r>
+          </a:p>
+        </p:txBody>
+      </p:sp>
+      <p:sp>
+        <p:nvSpPr>
+          <p:cNvPr id="4" name="Slide Number Placeholder 3"/>
+          <p:cNvSpPr>
+            <a:spLocks noGrp="1"/>
+          </p:cNvSpPr>
+          <p:nvPr>
+            <p:ph type="sldNum" sz="quarter" idx="5"/>
+          </p:nvPr>
+        </p:nvSpPr>
+        <p:spPr/>
+        <p:txBody>
+          <a:bodyPr/>
+          <a:lstStyle/>
+          <a:p>
+            <a:fld id="{9A6E0AFD-2E99-43A4-B753-A9B7F1577876}" type="slidenum">
+              <a:rPr lang="en-US" smtClean="0"/>
+              <a:t>15</a:t>
+            </a:fld>
+            <a:endParaRPr lang="en-US"/>
+          </a:p>
+        </p:txBody>
+      </p:sp>
+    </p:spTree>
+    <p:extLst>
+      <p:ext uri="{BB962C8B-B14F-4D97-AF65-F5344CB8AC3E}">
+        <p14:creationId xmlns:p14="http://schemas.microsoft.com/office/powerpoint/2010/main" val="3392197165"/>
       </p:ext>
     </p:extLst>
   </p:cSld>
@@ -4551,8 +5279,16 @@
           <a:p>
             <a:r>
               <a:rPr lang="en-US" dirty="0"/>
-              <a:t>Children’s Screen Time &amp; Social Skills</a:t>
+              <a:t>Predicting Children’s Social Skills:</a:t>
             </a:r>
+            <a:br>
+              <a:rPr lang="en-US" dirty="0"/>
+            </a:br>
+            <a:r>
+              <a:rPr lang="en-US" sz="6000" dirty="0"/>
+              <a:t>Supervised Learning &amp; PCA</a:t>
+            </a:r>
+            <a:endParaRPr lang="en-US" dirty="0"/>
           </a:p>
         </p:txBody>
       </p:sp>
@@ -4572,12 +5308,20 @@
             <p:ph type="subTitle" idx="1"/>
           </p:nvPr>
         </p:nvSpPr>
-        <p:spPr/>
+        <p:spPr>
+          <a:xfrm>
+            <a:off x="1097280" y="5928610"/>
+            <a:ext cx="10058400" cy="464490"/>
+          </a:xfrm>
+        </p:spPr>
         <p:txBody>
           <a:bodyPr/>
           <a:lstStyle/>
           <a:p>
-            <a:endParaRPr lang="en-US" dirty="0"/>
+            <a:r>
+              <a:rPr lang="en-US" dirty="0"/>
+              <a:t>Greg Condit</a:t>
+            </a:r>
           </a:p>
         </p:txBody>
       </p:sp>
@@ -4717,23 +5461,253 @@
         </p:spPr>
         <p:txBody>
           <a:bodyPr>
-            <a:normAutofit/>
+            <a:normAutofit lnSpcReduction="10000"/>
           </a:bodyPr>
           <a:lstStyle/>
           <a:p>
             <a:r>
               <a:rPr lang="en-US" dirty="0"/>
-              <a:t>Search for the correct class balance, then retry:</a:t>
+              <a:t>Example: A school administration is trying to prevent classrooms from having too many disruptive students, so they are trying to identify which of their incoming students are likely to be disruptive in advance (disrupt score &gt; x)</a:t>
             </a:r>
           </a:p>
         </p:txBody>
       </p:sp>
+      <p:sp>
+        <p:nvSpPr>
+          <p:cNvPr id="10" name="TextBox 9">
+            <a:extLst>
+              <a:ext uri="{FF2B5EF4-FFF2-40B4-BE49-F238E27FC236}">
+                <a16:creationId xmlns:a16="http://schemas.microsoft.com/office/drawing/2014/main" id="{9E0D7BA9-92AE-4BD7-B10F-A8FE7EB324E9}"/>
+              </a:ext>
+            </a:extLst>
+          </p:cNvPr>
+          <p:cNvSpPr txBox="1"/>
+          <p:nvPr/>
+        </p:nvSpPr>
+        <p:spPr>
+          <a:xfrm>
+            <a:off x="4406006" y="1834419"/>
+            <a:ext cx="3305520" cy="461665"/>
+          </a:xfrm>
+          <a:prstGeom prst="rect">
+            <a:avLst/>
+          </a:prstGeom>
+          <a:noFill/>
+        </p:spPr>
+        <p:txBody>
+          <a:bodyPr wrap="none" rtlCol="0">
+            <a:spAutoFit/>
+          </a:bodyPr>
+          <a:lstStyle/>
+          <a:p>
+            <a:r>
+              <a:rPr lang="en-US" sz="2400" b="1" u="sng" dirty="0"/>
+              <a:t>Basic Logistic Regression</a:t>
+            </a:r>
+          </a:p>
+        </p:txBody>
+      </p:sp>
+      <p:grpSp>
+        <p:nvGrpSpPr>
+          <p:cNvPr id="9" name="Group 8">
+            <a:extLst>
+              <a:ext uri="{FF2B5EF4-FFF2-40B4-BE49-F238E27FC236}">
+                <a16:creationId xmlns:a16="http://schemas.microsoft.com/office/drawing/2014/main" id="{D281A5DA-EA60-45A7-9FC0-FA74F7FD42DF}"/>
+              </a:ext>
+            </a:extLst>
+          </p:cNvPr>
+          <p:cNvGrpSpPr/>
+          <p:nvPr/>
+        </p:nvGrpSpPr>
+        <p:grpSpPr>
+          <a:xfrm>
+            <a:off x="9417267" y="34871"/>
+            <a:ext cx="2564091" cy="2480283"/>
+            <a:chOff x="9417267" y="34871"/>
+            <a:chExt cx="2564091" cy="2480283"/>
+          </a:xfrm>
+        </p:grpSpPr>
+        <p:pic>
+          <p:nvPicPr>
+            <p:cNvPr id="12" name="Picture 11">
+              <a:extLst>
+                <a:ext uri="{FF2B5EF4-FFF2-40B4-BE49-F238E27FC236}">
+                  <a16:creationId xmlns:a16="http://schemas.microsoft.com/office/drawing/2014/main" id="{EEACCC34-2A2F-403B-B1CF-68BCFA78B8DE}"/>
+                </a:ext>
+              </a:extLst>
+            </p:cNvPr>
+            <p:cNvPicPr>
+              <a:picLocks noChangeAspect="1"/>
+            </p:cNvPicPr>
+            <p:nvPr/>
+          </p:nvPicPr>
+          <p:blipFill rotWithShape="1">
+            <a:blip r:embed="rId3"/>
+            <a:srcRect l="52811" t="26088" r="24405" b="52123"/>
+            <a:stretch/>
+          </p:blipFill>
+          <p:spPr>
+            <a:xfrm>
+              <a:off x="9417267" y="34871"/>
+              <a:ext cx="2564091" cy="2480283"/>
+            </a:xfrm>
+            <a:prstGeom prst="rect">
+              <a:avLst/>
+            </a:prstGeom>
+          </p:spPr>
+        </p:pic>
+        <p:cxnSp>
+          <p:nvCxnSpPr>
+            <p:cNvPr id="7" name="Straight Connector 6">
+              <a:extLst>
+                <a:ext uri="{FF2B5EF4-FFF2-40B4-BE49-F238E27FC236}">
+                  <a16:creationId xmlns:a16="http://schemas.microsoft.com/office/drawing/2014/main" id="{CB669731-6231-4BAA-ACB6-AD8C65D19156}"/>
+                </a:ext>
+              </a:extLst>
+            </p:cNvPr>
+            <p:cNvCxnSpPr/>
+            <p:nvPr/>
+          </p:nvCxnSpPr>
+          <p:spPr>
+            <a:xfrm>
+              <a:off x="10923206" y="573436"/>
+              <a:ext cx="0" cy="1784640"/>
+            </a:xfrm>
+            <a:prstGeom prst="line">
+              <a:avLst/>
+            </a:prstGeom>
+            <a:ln w="38100">
+              <a:solidFill>
+                <a:srgbClr val="FF0000"/>
+              </a:solidFill>
+            </a:ln>
+          </p:spPr>
+          <p:style>
+            <a:lnRef idx="1">
+              <a:schemeClr val="accent1"/>
+            </a:lnRef>
+            <a:fillRef idx="0">
+              <a:schemeClr val="accent1"/>
+            </a:fillRef>
+            <a:effectRef idx="0">
+              <a:schemeClr val="accent1"/>
+            </a:effectRef>
+            <a:fontRef idx="minor">
+              <a:schemeClr val="tx1"/>
+            </a:fontRef>
+          </p:style>
+        </p:cxnSp>
+        <p:sp>
+          <p:nvSpPr>
+            <p:cNvPr id="8" name="Arrow: Right 7">
+              <a:extLst>
+                <a:ext uri="{FF2B5EF4-FFF2-40B4-BE49-F238E27FC236}">
+                  <a16:creationId xmlns:a16="http://schemas.microsoft.com/office/drawing/2014/main" id="{A4155B1C-F9C7-47F2-B143-1BE3BDD6C5E6}"/>
+                </a:ext>
+              </a:extLst>
+            </p:cNvPr>
+            <p:cNvSpPr/>
+            <p:nvPr/>
+          </p:nvSpPr>
+          <p:spPr>
+            <a:xfrm>
+              <a:off x="11041444" y="520733"/>
+              <a:ext cx="234223" cy="205532"/>
+            </a:xfrm>
+            <a:prstGeom prst="rightArrow">
+              <a:avLst/>
+            </a:prstGeom>
+            <a:solidFill>
+              <a:srgbClr val="FF0000"/>
+            </a:solidFill>
+            <a:ln>
+              <a:noFill/>
+            </a:ln>
+          </p:spPr>
+          <p:style>
+            <a:lnRef idx="2">
+              <a:schemeClr val="accent1">
+                <a:shade val="50000"/>
+              </a:schemeClr>
+            </a:lnRef>
+            <a:fillRef idx="1">
+              <a:schemeClr val="accent1"/>
+            </a:fillRef>
+            <a:effectRef idx="0">
+              <a:schemeClr val="accent1"/>
+            </a:effectRef>
+            <a:fontRef idx="minor">
+              <a:schemeClr val="lt1"/>
+            </a:fontRef>
+          </p:style>
+          <p:txBody>
+            <a:bodyPr rtlCol="0" anchor="ctr"/>
+            <a:lstStyle/>
+            <a:p>
+              <a:pPr algn="ctr"/>
+              <a:endParaRPr lang="en-US"/>
+            </a:p>
+          </p:txBody>
+        </p:sp>
+        <p:sp>
+          <p:nvSpPr>
+            <p:cNvPr id="17" name="Arrow: Right 16">
+              <a:extLst>
+                <a:ext uri="{FF2B5EF4-FFF2-40B4-BE49-F238E27FC236}">
+                  <a16:creationId xmlns:a16="http://schemas.microsoft.com/office/drawing/2014/main" id="{5E5CE735-E7D5-449A-8065-CD2947092E2B}"/>
+                </a:ext>
+              </a:extLst>
+            </p:cNvPr>
+            <p:cNvSpPr/>
+            <p:nvPr/>
+          </p:nvSpPr>
+          <p:spPr>
+            <a:xfrm flipH="1">
+              <a:off x="10546706" y="520734"/>
+              <a:ext cx="257645" cy="205532"/>
+            </a:xfrm>
+            <a:prstGeom prst="rightArrow">
+              <a:avLst/>
+            </a:prstGeom>
+            <a:solidFill>
+              <a:srgbClr val="00B050"/>
+            </a:solidFill>
+            <a:ln>
+              <a:noFill/>
+            </a:ln>
+          </p:spPr>
+          <p:style>
+            <a:lnRef idx="2">
+              <a:schemeClr val="accent1">
+                <a:shade val="50000"/>
+              </a:schemeClr>
+            </a:lnRef>
+            <a:fillRef idx="1">
+              <a:schemeClr val="accent1"/>
+            </a:fillRef>
+            <a:effectRef idx="0">
+              <a:schemeClr val="accent1"/>
+            </a:effectRef>
+            <a:fontRef idx="minor">
+              <a:schemeClr val="lt1"/>
+            </a:fontRef>
+          </p:style>
+          <p:txBody>
+            <a:bodyPr rtlCol="0" anchor="ctr"/>
+            <a:lstStyle/>
+            <a:p>
+              <a:pPr algn="ctr"/>
+              <a:endParaRPr lang="en-US"/>
+            </a:p>
+          </p:txBody>
+        </p:sp>
+      </p:grpSp>
       <p:pic>
         <p:nvPicPr>
-          <p:cNvPr id="7170" name="Picture 2">
+          <p:cNvPr id="5122" name="Picture 2">
             <a:extLst>
               <a:ext uri="{FF2B5EF4-FFF2-40B4-BE49-F238E27FC236}">
-                <a16:creationId xmlns:a16="http://schemas.microsoft.com/office/drawing/2014/main" id="{69672979-8ED6-497B-BA8A-F3937B0618C1}"/>
+                <a16:creationId xmlns:a16="http://schemas.microsoft.com/office/drawing/2014/main" id="{65293C22-C993-46B5-88E8-767D08D4BCD3}"/>
               </a:ext>
             </a:extLst>
           </p:cNvPr>
@@ -4743,7 +5717,7 @@
           <p:nvPr/>
         </p:nvPicPr>
         <p:blipFill>
-          <a:blip r:embed="rId3">
+          <a:blip r:embed="rId4">
             <a:extLst>
               <a:ext uri="{28A0092B-C50C-407E-A947-70E740481C1C}">
                 <a14:useLocalDpi xmlns:a14="http://schemas.microsoft.com/office/drawing/2010/main" val="0"/>
@@ -4757,8 +5731,8 @@
         </p:blipFill>
         <p:spPr bwMode="auto">
           <a:xfrm>
-            <a:off x="6042316" y="1527842"/>
-            <a:ext cx="6120704" cy="4341251"/>
+            <a:off x="213810" y="2522672"/>
+            <a:ext cx="11820525" cy="3800475"/>
           </a:xfrm>
           <a:prstGeom prst="rect">
             <a:avLst/>
@@ -4775,8 +5749,329 @@
           </a:extLst>
         </p:spPr>
       </p:pic>
-      <mc:AlternateContent xmlns:mc="http://schemas.openxmlformats.org/markup-compatibility/2006" xmlns:a14="http://schemas.microsoft.com/office/drawing/2010/main">
-        <mc:Choice Requires="a14">
+    </p:spTree>
+    <p:extLst>
+      <p:ext uri="{BB962C8B-B14F-4D97-AF65-F5344CB8AC3E}">
+        <p14:creationId xmlns:p14="http://schemas.microsoft.com/office/powerpoint/2010/main" val="2553793376"/>
+      </p:ext>
+    </p:extLst>
+  </p:cSld>
+  <p:clrMapOvr>
+    <a:masterClrMapping/>
+  </p:clrMapOvr>
+  <p:timing>
+    <p:tnLst>
+      <p:par>
+        <p:cTn id="1" dur="indefinite" restart="never" nodeType="tmRoot">
+          <p:childTnLst>
+            <p:seq concurrent="1" nextAc="seek">
+              <p:cTn id="2" dur="indefinite" nodeType="mainSeq">
+                <p:childTnLst>
+                  <p:par>
+                    <p:cTn id="3" fill="hold">
+                      <p:stCondLst>
+                        <p:cond delay="indefinite"/>
+                      </p:stCondLst>
+                      <p:childTnLst>
+                        <p:par>
+                          <p:cTn id="4" fill="hold">
+                            <p:stCondLst>
+                              <p:cond delay="0"/>
+                            </p:stCondLst>
+                            <p:childTnLst>
+                              <p:par>
+                                <p:cTn id="5" presetID="10" presetClass="entr" presetSubtype="0" fill="hold" nodeType="clickEffect">
+                                  <p:stCondLst>
+                                    <p:cond delay="0"/>
+                                  </p:stCondLst>
+                                  <p:childTnLst>
+                                    <p:set>
+                                      <p:cBhvr>
+                                        <p:cTn id="6" dur="1" fill="hold">
+                                          <p:stCondLst>
+                                            <p:cond delay="0"/>
+                                          </p:stCondLst>
+                                        </p:cTn>
+                                        <p:tgtEl>
+                                          <p:spTgt spid="9"/>
+                                        </p:tgtEl>
+                                        <p:attrNameLst>
+                                          <p:attrName>style.visibility</p:attrName>
+                                        </p:attrNameLst>
+                                      </p:cBhvr>
+                                      <p:to>
+                                        <p:strVal val="visible"/>
+                                      </p:to>
+                                    </p:set>
+                                    <p:animEffect transition="in" filter="fade">
+                                      <p:cBhvr>
+                                        <p:cTn id="7" dur="500"/>
+                                        <p:tgtEl>
+                                          <p:spTgt spid="9"/>
+                                        </p:tgtEl>
+                                      </p:cBhvr>
+                                    </p:animEffect>
+                                  </p:childTnLst>
+                                </p:cTn>
+                              </p:par>
+                            </p:childTnLst>
+                          </p:cTn>
+                        </p:par>
+                      </p:childTnLst>
+                    </p:cTn>
+                  </p:par>
+                  <p:par>
+                    <p:cTn id="8" fill="hold">
+                      <p:stCondLst>
+                        <p:cond delay="indefinite"/>
+                      </p:stCondLst>
+                      <p:childTnLst>
+                        <p:par>
+                          <p:cTn id="9" fill="hold">
+                            <p:stCondLst>
+                              <p:cond delay="0"/>
+                            </p:stCondLst>
+                            <p:childTnLst>
+                              <p:par>
+                                <p:cTn id="10" presetID="10" presetClass="entr" presetSubtype="0" fill="hold" grpId="0" nodeType="clickEffect">
+                                  <p:stCondLst>
+                                    <p:cond delay="0"/>
+                                  </p:stCondLst>
+                                  <p:childTnLst>
+                                    <p:set>
+                                      <p:cBhvr>
+                                        <p:cTn id="11" dur="1" fill="hold">
+                                          <p:stCondLst>
+                                            <p:cond delay="0"/>
+                                          </p:stCondLst>
+                                        </p:cTn>
+                                        <p:tgtEl>
+                                          <p:spTgt spid="10"/>
+                                        </p:tgtEl>
+                                        <p:attrNameLst>
+                                          <p:attrName>style.visibility</p:attrName>
+                                        </p:attrNameLst>
+                                      </p:cBhvr>
+                                      <p:to>
+                                        <p:strVal val="visible"/>
+                                      </p:to>
+                                    </p:set>
+                                    <p:animEffect transition="in" filter="fade">
+                                      <p:cBhvr>
+                                        <p:cTn id="12" dur="500"/>
+                                        <p:tgtEl>
+                                          <p:spTgt spid="10"/>
+                                        </p:tgtEl>
+                                      </p:cBhvr>
+                                    </p:animEffect>
+                                  </p:childTnLst>
+                                </p:cTn>
+                              </p:par>
+                              <p:par>
+                                <p:cTn id="13" presetID="10" presetClass="entr" presetSubtype="0" fill="hold" nodeType="withEffect">
+                                  <p:stCondLst>
+                                    <p:cond delay="0"/>
+                                  </p:stCondLst>
+                                  <p:childTnLst>
+                                    <p:set>
+                                      <p:cBhvr>
+                                        <p:cTn id="14" dur="1" fill="hold">
+                                          <p:stCondLst>
+                                            <p:cond delay="0"/>
+                                          </p:stCondLst>
+                                        </p:cTn>
+                                        <p:tgtEl>
+                                          <p:spTgt spid="5122"/>
+                                        </p:tgtEl>
+                                        <p:attrNameLst>
+                                          <p:attrName>style.visibility</p:attrName>
+                                        </p:attrNameLst>
+                                      </p:cBhvr>
+                                      <p:to>
+                                        <p:strVal val="visible"/>
+                                      </p:to>
+                                    </p:set>
+                                    <p:animEffect transition="in" filter="fade">
+                                      <p:cBhvr>
+                                        <p:cTn id="15" dur="500"/>
+                                        <p:tgtEl>
+                                          <p:spTgt spid="5122"/>
+                                        </p:tgtEl>
+                                      </p:cBhvr>
+                                    </p:animEffect>
+                                  </p:childTnLst>
+                                </p:cTn>
+                              </p:par>
+                            </p:childTnLst>
+                          </p:cTn>
+                        </p:par>
+                      </p:childTnLst>
+                    </p:cTn>
+                  </p:par>
+                </p:childTnLst>
+              </p:cTn>
+              <p:prevCondLst>
+                <p:cond evt="onPrev" delay="0">
+                  <p:tgtEl>
+                    <p:sldTgt/>
+                  </p:tgtEl>
+                </p:cond>
+              </p:prevCondLst>
+              <p:nextCondLst>
+                <p:cond evt="onNext" delay="0">
+                  <p:tgtEl>
+                    <p:sldTgt/>
+                  </p:tgtEl>
+                </p:cond>
+              </p:nextCondLst>
+            </p:seq>
+          </p:childTnLst>
+        </p:cTn>
+      </p:par>
+    </p:tnLst>
+    <p:bldLst>
+      <p:bldP spid="10" grpId="0"/>
+    </p:bldLst>
+  </p:timing>
+</p:sld>
+</file>
+
+<file path=ppt/slides/slide11.xml><?xml version="1.0" encoding="utf-8"?>
+<p:sld xmlns:a="http://schemas.openxmlformats.org/drawingml/2006/main" xmlns:r="http://schemas.openxmlformats.org/officeDocument/2006/relationships" xmlns:p="http://schemas.openxmlformats.org/presentationml/2006/main">
+  <p:cSld>
+    <p:spTree>
+      <p:nvGrpSpPr>
+        <p:cNvPr id="1" name=""/>
+        <p:cNvGrpSpPr/>
+        <p:nvPr/>
+      </p:nvGrpSpPr>
+      <p:grpSpPr>
+        <a:xfrm>
+          <a:off x="0" y="0"/>
+          <a:ext cx="0" cy="0"/>
+          <a:chOff x="0" y="0"/>
+          <a:chExt cx="0" cy="0"/>
+        </a:xfrm>
+      </p:grpSpPr>
+      <p:sp>
+        <p:nvSpPr>
+          <p:cNvPr id="4" name="Rectangle 3">
+            <a:extLst>
+              <a:ext uri="{FF2B5EF4-FFF2-40B4-BE49-F238E27FC236}">
+                <a16:creationId xmlns:a16="http://schemas.microsoft.com/office/drawing/2014/main" id="{EAC4D742-BBDF-4B86-8616-C724315B18A5}"/>
+              </a:ext>
+            </a:extLst>
+          </p:cNvPr>
+          <p:cNvSpPr/>
+          <p:nvPr/>
+        </p:nvSpPr>
+        <p:spPr>
+          <a:xfrm>
+            <a:off x="854242" y="1660358"/>
+            <a:ext cx="10539663" cy="144379"/>
+          </a:xfrm>
+          <a:prstGeom prst="rect">
+            <a:avLst/>
+          </a:prstGeom>
+          <a:ln>
+            <a:solidFill>
+              <a:schemeClr val="bg1"/>
+            </a:solidFill>
+          </a:ln>
+        </p:spPr>
+        <p:style>
+          <a:lnRef idx="2">
+            <a:schemeClr val="dk1"/>
+          </a:lnRef>
+          <a:fillRef idx="1">
+            <a:schemeClr val="lt1"/>
+          </a:fillRef>
+          <a:effectRef idx="0">
+            <a:schemeClr val="dk1"/>
+          </a:effectRef>
+          <a:fontRef idx="minor">
+            <a:schemeClr val="dk1"/>
+          </a:fontRef>
+        </p:style>
+        <p:txBody>
+          <a:bodyPr rtlCol="0" anchor="ctr"/>
+          <a:lstStyle/>
+          <a:p>
+            <a:pPr algn="ctr"/>
+            <a:endParaRPr lang="en-US" dirty="0"/>
+          </a:p>
+        </p:txBody>
+      </p:sp>
+      <p:sp>
+        <p:nvSpPr>
+          <p:cNvPr id="2" name="Title 1">
+            <a:extLst>
+              <a:ext uri="{FF2B5EF4-FFF2-40B4-BE49-F238E27FC236}">
+                <a16:creationId xmlns:a16="http://schemas.microsoft.com/office/drawing/2014/main" id="{5BC616D9-14F3-4F9A-94DD-D8464CB9287C}"/>
+              </a:ext>
+            </a:extLst>
+          </p:cNvPr>
+          <p:cNvSpPr>
+            <a:spLocks noGrp="1"/>
+          </p:cNvSpPr>
+          <p:nvPr>
+            <p:ph type="title"/>
+          </p:nvPr>
+        </p:nvSpPr>
+        <p:spPr>
+          <a:xfrm>
+            <a:off x="1097280" y="143395"/>
+            <a:ext cx="10058400" cy="845511"/>
+          </a:xfrm>
+        </p:spPr>
+        <p:txBody>
+          <a:bodyPr/>
+          <a:lstStyle/>
+          <a:p>
+            <a:r>
+              <a:rPr lang="en-US" dirty="0"/>
+              <a:t>Predicting Disruptive Behavior</a:t>
+            </a:r>
+          </a:p>
+        </p:txBody>
+      </p:sp>
+      <p:sp>
+        <p:nvSpPr>
+          <p:cNvPr id="3" name="Content Placeholder 2">
+            <a:extLst>
+              <a:ext uri="{FF2B5EF4-FFF2-40B4-BE49-F238E27FC236}">
+                <a16:creationId xmlns:a16="http://schemas.microsoft.com/office/drawing/2014/main" id="{F33731AE-60CD-44F7-A6CE-837F375F5F65}"/>
+              </a:ext>
+            </a:extLst>
+          </p:cNvPr>
+          <p:cNvSpPr>
+            <a:spLocks noGrp="1"/>
+          </p:cNvSpPr>
+          <p:nvPr>
+            <p:ph idx="1"/>
+          </p:nvPr>
+        </p:nvSpPr>
+        <p:spPr>
+          <a:xfrm>
+            <a:off x="1036320" y="988907"/>
+            <a:ext cx="8380947" cy="845512"/>
+          </a:xfrm>
+        </p:spPr>
+        <p:txBody>
+          <a:bodyPr>
+            <a:normAutofit/>
+          </a:bodyPr>
+          <a:lstStyle/>
+          <a:p>
+            <a:r>
+              <a:rPr lang="en-US" dirty="0"/>
+              <a:t>Search for the correct class balance, then retry:</a:t>
+            </a:r>
+          </a:p>
+        </p:txBody>
+      </p:sp>
+      <mc:AlternateContent xmlns:mc="http://schemas.openxmlformats.org/markup-compatibility/2006">
+        <mc:Choice xmlns:a14="http://schemas.microsoft.com/office/drawing/2010/main" Requires="a14">
           <p:sp>
             <p:nvSpPr>
               <p:cNvPr id="6" name="TextBox 5">
@@ -4791,8 +6086,8 @@
             </p:nvSpPr>
             <p:spPr>
               <a:xfrm>
-                <a:off x="590390" y="1732547"/>
-                <a:ext cx="5451926" cy="537327"/>
+                <a:off x="590389" y="1732547"/>
+                <a:ext cx="7032459" cy="557012"/>
               </a:xfrm>
               <a:prstGeom prst="rect">
                 <a:avLst/>
@@ -4892,6 +6187,37 @@
                         </m:r>
                       </m:den>
                     </m:f>
+                    <m:r>
+                      <a:rPr lang="en-US" sz="2400" b="0" i="1" smtClean="0">
+                        <a:latin typeface="Cambria Math" panose="02040503050406030204" pitchFamily="18" charset="0"/>
+                      </a:rPr>
+                      <m:t>= </m:t>
+                    </m:r>
+                    <m:f>
+                      <m:fPr>
+                        <m:ctrlPr>
+                          <a:rPr lang="en-US" sz="2400" b="0" i="1" smtClean="0">
+                            <a:latin typeface="Cambria Math" panose="02040503050406030204" pitchFamily="18" charset="0"/>
+                          </a:rPr>
+                        </m:ctrlPr>
+                      </m:fPr>
+                      <m:num>
+                        <m:r>
+                          <a:rPr lang="en-US" sz="2400" b="0" i="1" smtClean="0">
+                            <a:latin typeface="Cambria Math" panose="02040503050406030204" pitchFamily="18" charset="0"/>
+                          </a:rPr>
+                          <m:t>1</m:t>
+                        </m:r>
+                      </m:num>
+                      <m:den>
+                        <m:r>
+                          <a:rPr lang="en-US" sz="2400" b="0" i="1" smtClean="0">
+                            <a:latin typeface="Cambria Math" panose="02040503050406030204" pitchFamily="18" charset="0"/>
+                          </a:rPr>
+                          <m:t>1+0</m:t>
+                        </m:r>
+                      </m:den>
+                    </m:f>
                   </m:oMath>
                 </a14:m>
                 <a:r>
@@ -4902,7 +6228,7 @@
             </p:txBody>
           </p:sp>
         </mc:Choice>
-        <mc:Fallback xmlns="">
+        <mc:Fallback>
           <p:sp>
             <p:nvSpPr>
               <p:cNvPr id="6" name="TextBox 5">
@@ -4919,14 +6245,14 @@
             </p:nvSpPr>
             <p:spPr>
               <a:xfrm>
-                <a:off x="590390" y="1732547"/>
-                <a:ext cx="5451926" cy="537327"/>
+                <a:off x="590389" y="1732547"/>
+                <a:ext cx="7032459" cy="557012"/>
               </a:xfrm>
               <a:prstGeom prst="rect">
                 <a:avLst/>
               </a:prstGeom>
               <a:blipFill>
-                <a:blip r:embed="rId4"/>
+                <a:blip r:embed="rId3"/>
                 <a:stretch>
                   <a:fillRect/>
                 </a:stretch>
@@ -4947,8 +6273,8 @@
           </p:sp>
         </mc:Fallback>
       </mc:AlternateContent>
-      <mc:AlternateContent xmlns:mc="http://schemas.openxmlformats.org/markup-compatibility/2006" xmlns:a14="http://schemas.microsoft.com/office/drawing/2010/main">
-        <mc:Choice Requires="a14">
+      <mc:AlternateContent xmlns:mc="http://schemas.openxmlformats.org/markup-compatibility/2006">
+        <mc:Choice xmlns:a14="http://schemas.microsoft.com/office/drawing/2010/main" Requires="a14">
           <p:sp>
             <p:nvSpPr>
               <p:cNvPr id="15" name="TextBox 14">
@@ -4963,8 +6289,8 @@
             </p:nvSpPr>
             <p:spPr>
               <a:xfrm>
-                <a:off x="590390" y="2680284"/>
-                <a:ext cx="5451926" cy="579454"/>
+                <a:off x="966403" y="2666968"/>
+                <a:ext cx="6280429" cy="579454"/>
               </a:xfrm>
               <a:prstGeom prst="rect">
                 <a:avLst/>
@@ -5064,6 +6390,37 @@
                         </m:r>
                       </m:den>
                     </m:f>
+                    <m:r>
+                      <a:rPr lang="en-US" sz="2400" b="0" i="1" smtClean="0">
+                        <a:latin typeface="Cambria Math" panose="02040503050406030204" pitchFamily="18" charset="0"/>
+                      </a:rPr>
+                      <m:t>= </m:t>
+                    </m:r>
+                    <m:f>
+                      <m:fPr>
+                        <m:ctrlPr>
+                          <a:rPr lang="en-US" sz="2400" b="0" i="1" smtClean="0">
+                            <a:latin typeface="Cambria Math" panose="02040503050406030204" pitchFamily="18" charset="0"/>
+                          </a:rPr>
+                        </m:ctrlPr>
+                      </m:fPr>
+                      <m:num>
+                        <m:r>
+                          <a:rPr lang="en-US" sz="2400" b="0" i="1" smtClean="0">
+                            <a:latin typeface="Cambria Math" panose="02040503050406030204" pitchFamily="18" charset="0"/>
+                          </a:rPr>
+                          <m:t>1</m:t>
+                        </m:r>
+                      </m:num>
+                      <m:den>
+                        <m:r>
+                          <a:rPr lang="en-US" sz="2400" b="0" i="1" smtClean="0">
+                            <a:latin typeface="Cambria Math" panose="02040503050406030204" pitchFamily="18" charset="0"/>
+                          </a:rPr>
+                          <m:t>1+32</m:t>
+                        </m:r>
+                      </m:den>
+                    </m:f>
                   </m:oMath>
                 </a14:m>
                 <a:r>
@@ -5074,7 +6431,7 @@
             </p:txBody>
           </p:sp>
         </mc:Choice>
-        <mc:Fallback xmlns="">
+        <mc:Fallback>
           <p:sp>
             <p:nvSpPr>
               <p:cNvPr id="15" name="TextBox 14">
@@ -5091,14 +6448,14 @@
             </p:nvSpPr>
             <p:spPr>
               <a:xfrm>
-                <a:off x="590390" y="2680284"/>
-                <a:ext cx="5451926" cy="579454"/>
+                <a:off x="966403" y="2666968"/>
+                <a:ext cx="6280429" cy="579454"/>
               </a:xfrm>
               <a:prstGeom prst="rect">
                 <a:avLst/>
               </a:prstGeom>
               <a:blipFill>
-                <a:blip r:embed="rId5"/>
+                <a:blip r:embed="rId4"/>
                 <a:stretch>
                   <a:fillRect/>
                 </a:stretch>
@@ -5119,8 +6476,8 @@
           </p:sp>
         </mc:Fallback>
       </mc:AlternateContent>
-      <mc:AlternateContent xmlns:mc="http://schemas.openxmlformats.org/markup-compatibility/2006" xmlns:a14="http://schemas.microsoft.com/office/drawing/2010/main">
-        <mc:Choice Requires="a14">
+      <mc:AlternateContent xmlns:mc="http://schemas.openxmlformats.org/markup-compatibility/2006">
+        <mc:Choice xmlns:a14="http://schemas.microsoft.com/office/drawing/2010/main" Requires="a14">
           <p:sp>
             <p:nvSpPr>
               <p:cNvPr id="16" name="TextBox 15">
@@ -5135,8 +6492,8 @@
             </p:nvSpPr>
             <p:spPr>
               <a:xfrm>
-                <a:off x="590390" y="3510983"/>
-                <a:ext cx="5066491" cy="866904"/>
+                <a:off x="1496243" y="3748624"/>
+                <a:ext cx="8237416" cy="928396"/>
               </a:xfrm>
               <a:prstGeom prst="rect">
                 <a:avLst/>
@@ -5218,6 +6575,95 @@
                         </m:r>
                       </m:den>
                     </m:f>
+                    <m:r>
+                      <a:rPr lang="en-US" sz="3600" b="0" i="1" smtClean="0">
+                        <a:latin typeface="Cambria Math" panose="02040503050406030204" pitchFamily="18" charset="0"/>
+                      </a:rPr>
+                      <m:t>= </m:t>
+                    </m:r>
+                    <m:f>
+                      <m:fPr>
+                        <m:ctrlPr>
+                          <a:rPr lang="en-US" sz="3600" b="0" i="1" smtClean="0">
+                            <a:latin typeface="Cambria Math" panose="02040503050406030204" pitchFamily="18" charset="0"/>
+                          </a:rPr>
+                        </m:ctrlPr>
+                      </m:fPr>
+                      <m:num>
+                        <m:r>
+                          <a:rPr lang="en-US" sz="3600" b="0" i="1" smtClean="0">
+                            <a:latin typeface="Cambria Math" panose="02040503050406030204" pitchFamily="18" charset="0"/>
+                          </a:rPr>
+                          <m:t>2∗1∗</m:t>
+                        </m:r>
+                        <m:f>
+                          <m:fPr>
+                            <m:type m:val="skw"/>
+                            <m:ctrlPr>
+                              <a:rPr lang="en-US" sz="3600" b="0" i="1" smtClean="0">
+                                <a:latin typeface="Cambria Math" panose="02040503050406030204" pitchFamily="18" charset="0"/>
+                              </a:rPr>
+                            </m:ctrlPr>
+                          </m:fPr>
+                          <m:num>
+                            <m:r>
+                              <a:rPr lang="en-US" sz="3600" b="0" i="1" smtClean="0">
+                                <a:latin typeface="Cambria Math" panose="02040503050406030204" pitchFamily="18" charset="0"/>
+                              </a:rPr>
+                              <m:t>1</m:t>
+                            </m:r>
+                          </m:num>
+                          <m:den>
+                            <m:r>
+                              <a:rPr lang="en-US" sz="3600" b="0" i="1" smtClean="0">
+                                <a:latin typeface="Cambria Math" panose="02040503050406030204" pitchFamily="18" charset="0"/>
+                              </a:rPr>
+                              <m:t>33</m:t>
+                            </m:r>
+                          </m:den>
+                        </m:f>
+                      </m:num>
+                      <m:den>
+                        <m:r>
+                          <a:rPr lang="en-US" sz="3600" b="0" i="1" smtClean="0">
+                            <a:latin typeface="Cambria Math" panose="02040503050406030204" pitchFamily="18" charset="0"/>
+                          </a:rPr>
+                          <m:t>1+</m:t>
+                        </m:r>
+                        <m:f>
+                          <m:fPr>
+                            <m:type m:val="skw"/>
+                            <m:ctrlPr>
+                              <a:rPr lang="en-US" sz="3600" b="0" i="1" smtClean="0">
+                                <a:latin typeface="Cambria Math" panose="02040503050406030204" pitchFamily="18" charset="0"/>
+                              </a:rPr>
+                            </m:ctrlPr>
+                          </m:fPr>
+                          <m:num>
+                            <m:r>
+                              <a:rPr lang="en-US" sz="3600" b="0" i="1" smtClean="0">
+                                <a:latin typeface="Cambria Math" panose="02040503050406030204" pitchFamily="18" charset="0"/>
+                              </a:rPr>
+                              <m:t>1</m:t>
+                            </m:r>
+                          </m:num>
+                          <m:den>
+                            <m:r>
+                              <a:rPr lang="en-US" sz="3600" b="0" i="1" smtClean="0">
+                                <a:latin typeface="Cambria Math" panose="02040503050406030204" pitchFamily="18" charset="0"/>
+                              </a:rPr>
+                              <m:t>33</m:t>
+                            </m:r>
+                          </m:den>
+                        </m:f>
+                      </m:den>
+                    </m:f>
+                    <m:r>
+                      <a:rPr lang="en-US" sz="3600" b="0" i="1" smtClean="0">
+                        <a:latin typeface="Cambria Math" panose="02040503050406030204" pitchFamily="18" charset="0"/>
+                      </a:rPr>
+                      <m:t>= .059</m:t>
+                    </m:r>
                   </m:oMath>
                 </a14:m>
                 <a:r>
@@ -5228,7 +6674,7 @@
             </p:txBody>
           </p:sp>
         </mc:Choice>
-        <mc:Fallback xmlns="">
+        <mc:Fallback>
           <p:sp>
             <p:nvSpPr>
               <p:cNvPr id="16" name="TextBox 15">
@@ -5245,14 +6691,14 @@
             </p:nvSpPr>
             <p:spPr>
               <a:xfrm>
-                <a:off x="590390" y="3510983"/>
-                <a:ext cx="5066491" cy="866904"/>
+                <a:off x="1496243" y="3748624"/>
+                <a:ext cx="8237416" cy="928396"/>
               </a:xfrm>
               <a:prstGeom prst="rect">
                 <a:avLst/>
               </a:prstGeom>
               <a:blipFill>
-                <a:blip r:embed="rId6"/>
+                <a:blip r:embed="rId5"/>
                 <a:stretch>
                   <a:fillRect/>
                 </a:stretch>
@@ -5303,11 +6749,112 @@
           <a:p>
             <a:r>
               <a:rPr lang="en-US" dirty="0"/>
-              <a:t>Bottom line – F1 (aka F-measure or F-score) gives us a single number to understand the confusion matrix, enabling grid searching that doesn’t penalize small classes</a:t>
+              <a:t>Bottom line – F1-score (aka F-measure or F-score) gives us a single number to understand the confusion matrix, enabling grid searching that doesn’t penalize small classes</a:t>
             </a:r>
           </a:p>
         </p:txBody>
       </p:sp>
+      <p:sp>
+        <p:nvSpPr>
+          <p:cNvPr id="5" name="Rectangle 4">
+            <a:extLst>
+              <a:ext uri="{FF2B5EF4-FFF2-40B4-BE49-F238E27FC236}">
+                <a16:creationId xmlns:a16="http://schemas.microsoft.com/office/drawing/2014/main" id="{1EAB4643-2F10-41F2-BFFC-4E29B0258B76}"/>
+              </a:ext>
+            </a:extLst>
+          </p:cNvPr>
+          <p:cNvSpPr/>
+          <p:nvPr/>
+        </p:nvSpPr>
+        <p:spPr>
+          <a:xfrm>
+            <a:off x="5734228" y="1732547"/>
+            <a:ext cx="5491369" cy="3004245"/>
+          </a:xfrm>
+          <a:prstGeom prst="rect">
+            <a:avLst/>
+          </a:prstGeom>
+          <a:solidFill>
+            <a:schemeClr val="bg1"/>
+          </a:solidFill>
+          <a:ln>
+            <a:solidFill>
+              <a:schemeClr val="bg1"/>
+            </a:solidFill>
+          </a:ln>
+        </p:spPr>
+        <p:style>
+          <a:lnRef idx="2">
+            <a:schemeClr val="accent1">
+              <a:shade val="50000"/>
+            </a:schemeClr>
+          </a:lnRef>
+          <a:fillRef idx="1">
+            <a:schemeClr val="accent1"/>
+          </a:fillRef>
+          <a:effectRef idx="0">
+            <a:schemeClr val="accent1"/>
+          </a:effectRef>
+          <a:fontRef idx="minor">
+            <a:schemeClr val="lt1"/>
+          </a:fontRef>
+        </p:style>
+        <p:txBody>
+          <a:bodyPr rtlCol="0" anchor="ctr"/>
+          <a:lstStyle/>
+          <a:p>
+            <a:pPr algn="ctr"/>
+            <a:endParaRPr lang="en-US"/>
+          </a:p>
+        </p:txBody>
+      </p:sp>
+      <p:pic>
+        <p:nvPicPr>
+          <p:cNvPr id="4098" name="Picture 2">
+            <a:extLst>
+              <a:ext uri="{FF2B5EF4-FFF2-40B4-BE49-F238E27FC236}">
+                <a16:creationId xmlns:a16="http://schemas.microsoft.com/office/drawing/2014/main" id="{A348C56D-18A4-4210-93B9-425F6F4E3ECF}"/>
+              </a:ext>
+            </a:extLst>
+          </p:cNvPr>
+          <p:cNvPicPr>
+            <a:picLocks noChangeAspect="1" noChangeArrowheads="1"/>
+          </p:cNvPicPr>
+          <p:nvPr/>
+        </p:nvPicPr>
+        <p:blipFill>
+          <a:blip r:embed="rId6">
+            <a:extLst>
+              <a:ext uri="{28A0092B-C50C-407E-A947-70E740481C1C}">
+                <a14:useLocalDpi xmlns:a14="http://schemas.microsoft.com/office/drawing/2010/main" val="0"/>
+              </a:ext>
+            </a:extLst>
+          </a:blip>
+          <a:srcRect/>
+          <a:stretch>
+            <a:fillRect/>
+          </a:stretch>
+        </p:blipFill>
+        <p:spPr bwMode="auto">
+          <a:xfrm>
+            <a:off x="6443393" y="1478068"/>
+            <a:ext cx="5553075" cy="4391025"/>
+          </a:xfrm>
+          <a:prstGeom prst="rect">
+            <a:avLst/>
+          </a:prstGeom>
+          <a:noFill/>
+          <a:extLst>
+            <a:ext uri="{909E8E84-426E-40DD-AFC4-6F175D3DCCD1}">
+              <a14:hiddenFill xmlns:a14="http://schemas.microsoft.com/office/drawing/2010/main">
+                <a:solidFill>
+                  <a:srgbClr val="FFFFFF"/>
+                </a:solidFill>
+              </a14:hiddenFill>
+            </a:ext>
+          </a:extLst>
+        </p:spPr>
+      </p:pic>
     </p:spTree>
     <p:extLst>
       <p:ext uri="{BB962C8B-B14F-4D97-AF65-F5344CB8AC3E}">
@@ -5339,7 +6886,7 @@
                             </p:stCondLst>
                             <p:childTnLst>
                               <p:par>
-                                <p:cTn id="5" presetID="10" presetClass="entr" presetSubtype="0" fill="hold" nodeType="clickEffect">
+                                <p:cTn id="5" presetID="10" presetClass="entr" presetSubtype="0" fill="hold" grpId="0" nodeType="clickEffect">
                                   <p:stCondLst>
                                     <p:cond delay="0"/>
                                   </p:stCondLst>
@@ -5352,7 +6899,7 @@
                                           </p:stCondLst>
                                         </p:cTn>
                                         <p:tgtEl>
-                                          <p:spTgt spid="7170"/>
+                                          <p:spTgt spid="16"/>
                                         </p:tgtEl>
                                         <p:attrNameLst>
                                           <p:attrName>style.visibility</p:attrName>
@@ -5366,7 +6913,139 @@
                                       <p:cBhvr>
                                         <p:cTn id="7" dur="500"/>
                                         <p:tgtEl>
-                                          <p:spTgt spid="7170"/>
+                                          <p:spTgt spid="16"/>
+                                        </p:tgtEl>
+                                      </p:cBhvr>
+                                    </p:animEffect>
+                                  </p:childTnLst>
+                                </p:cTn>
+                              </p:par>
+                            </p:childTnLst>
+                          </p:cTn>
+                        </p:par>
+                      </p:childTnLst>
+                    </p:cTn>
+                  </p:par>
+                  <p:par>
+                    <p:cTn id="8" fill="hold">
+                      <p:stCondLst>
+                        <p:cond delay="indefinite"/>
+                      </p:stCondLst>
+                      <p:childTnLst>
+                        <p:par>
+                          <p:cTn id="9" fill="hold">
+                            <p:stCondLst>
+                              <p:cond delay="0"/>
+                            </p:stCondLst>
+                            <p:childTnLst>
+                              <p:par>
+                                <p:cTn id="10" presetID="10" presetClass="entr" presetSubtype="0" fill="hold" grpId="0" nodeType="clickEffect">
+                                  <p:stCondLst>
+                                    <p:cond delay="0"/>
+                                  </p:stCondLst>
+                                  <p:childTnLst>
+                                    <p:set>
+                                      <p:cBhvr>
+                                        <p:cTn id="11" dur="1" fill="hold">
+                                          <p:stCondLst>
+                                            <p:cond delay="0"/>
+                                          </p:stCondLst>
+                                        </p:cTn>
+                                        <p:tgtEl>
+                                          <p:spTgt spid="5"/>
+                                        </p:tgtEl>
+                                        <p:attrNameLst>
+                                          <p:attrName>style.visibility</p:attrName>
+                                        </p:attrNameLst>
+                                      </p:cBhvr>
+                                      <p:to>
+                                        <p:strVal val="visible"/>
+                                      </p:to>
+                                    </p:set>
+                                    <p:animEffect transition="in" filter="fade">
+                                      <p:cBhvr>
+                                        <p:cTn id="12" dur="500"/>
+                                        <p:tgtEl>
+                                          <p:spTgt spid="5"/>
+                                        </p:tgtEl>
+                                      </p:cBhvr>
+                                    </p:animEffect>
+                                  </p:childTnLst>
+                                </p:cTn>
+                              </p:par>
+                              <p:par>
+                                <p:cTn id="13" presetID="10" presetClass="entr" presetSubtype="0" fill="hold" grpId="0" nodeType="withEffect">
+                                  <p:stCondLst>
+                                    <p:cond delay="0"/>
+                                  </p:stCondLst>
+                                  <p:childTnLst>
+                                    <p:set>
+                                      <p:cBhvr>
+                                        <p:cTn id="14" dur="1" fill="hold">
+                                          <p:stCondLst>
+                                            <p:cond delay="0"/>
+                                          </p:stCondLst>
+                                        </p:cTn>
+                                        <p:tgtEl>
+                                          <p:spTgt spid="11"/>
+                                        </p:tgtEl>
+                                        <p:attrNameLst>
+                                          <p:attrName>style.visibility</p:attrName>
+                                        </p:attrNameLst>
+                                      </p:cBhvr>
+                                      <p:to>
+                                        <p:strVal val="visible"/>
+                                      </p:to>
+                                    </p:set>
+                                    <p:animEffect transition="in" filter="fade">
+                                      <p:cBhvr>
+                                        <p:cTn id="15" dur="500"/>
+                                        <p:tgtEl>
+                                          <p:spTgt spid="11"/>
+                                        </p:tgtEl>
+                                      </p:cBhvr>
+                                    </p:animEffect>
+                                  </p:childTnLst>
+                                </p:cTn>
+                              </p:par>
+                            </p:childTnLst>
+                          </p:cTn>
+                        </p:par>
+                        <p:par>
+                          <p:cTn id="16" fill="hold">
+                            <p:stCondLst>
+                              <p:cond delay="500"/>
+                            </p:stCondLst>
+                            <p:childTnLst>
+                              <p:par>
+                                <p:cTn id="17" presetID="10" presetClass="entr" presetSubtype="0" fill="hold" nodeType="afterEffect">
+                                  <p:stCondLst>
+                                    <p:cond delay="0"/>
+                                  </p:stCondLst>
+                                  <p:childTnLst>
+                                    <p:set>
+                                      <p:cBhvr>
+                                        <p:cTn id="18" dur="1" fill="hold">
+                                          <p:stCondLst>
+                                            <p:cond delay="0"/>
+                                          </p:stCondLst>
+                                        </p:cTn>
+                                        <p:tgtEl>
+                                          <p:spTgt spid="4098"/>
+                                        </p:tgtEl>
+                                        <p:attrNameLst>
+                                          <p:attrName>style.visibility</p:attrName>
+                                        </p:attrNameLst>
+                                      </p:cBhvr>
+                                      <p:to>
+                                        <p:strVal val="visible"/>
+                                      </p:to>
+                                    </p:set>
+                                    <p:animEffect transition="in" filter="fade">
+                                      <p:cBhvr>
+                                        <p:cTn id="19" dur="500"/>
+                                        <p:tgtEl>
+                                          <p:spTgt spid="4098"/>
                                         </p:tgtEl>
                                       </p:cBhvr>
                                     </p:animEffect>
@@ -5400,11 +7079,16 @@
         </p:cTn>
       </p:par>
     </p:tnLst>
+    <p:bldLst>
+      <p:bldP spid="16" grpId="0"/>
+      <p:bldP spid="11" grpId="0"/>
+      <p:bldP spid="5" grpId="0" animBg="1"/>
+    </p:bldLst>
   </p:timing>
 </p:sld>
 </file>
 
-<file path=ppt/slides/slide11.xml><?xml version="1.0" encoding="utf-8"?>
+<file path=ppt/slides/slide12.xml><?xml version="1.0" encoding="utf-8"?>
 <p:sld xmlns:a="http://schemas.openxmlformats.org/drawingml/2006/main" xmlns:r="http://schemas.openxmlformats.org/officeDocument/2006/relationships" xmlns:p="http://schemas.openxmlformats.org/presentationml/2006/main">
   <p:cSld>
     <p:spTree>
@@ -5538,53 +7222,6 @@
           </a:p>
         </p:txBody>
       </p:sp>
-      <p:pic>
-        <p:nvPicPr>
-          <p:cNvPr id="8194" name="Picture 2">
-            <a:extLst>
-              <a:ext uri="{FF2B5EF4-FFF2-40B4-BE49-F238E27FC236}">
-                <a16:creationId xmlns:a16="http://schemas.microsoft.com/office/drawing/2014/main" id="{C808F00E-9239-4DF4-B6D9-750B8BD85B84}"/>
-              </a:ext>
-            </a:extLst>
-          </p:cNvPr>
-          <p:cNvPicPr>
-            <a:picLocks noChangeAspect="1" noChangeArrowheads="1"/>
-          </p:cNvPicPr>
-          <p:nvPr/>
-        </p:nvPicPr>
-        <p:blipFill>
-          <a:blip r:embed="rId2">
-            <a:extLst>
-              <a:ext uri="{28A0092B-C50C-407E-A947-70E740481C1C}">
-                <a14:useLocalDpi xmlns:a14="http://schemas.microsoft.com/office/drawing/2010/main" val="0"/>
-              </a:ext>
-            </a:extLst>
-          </a:blip>
-          <a:srcRect/>
-          <a:stretch>
-            <a:fillRect/>
-          </a:stretch>
-        </p:blipFill>
-        <p:spPr bwMode="auto">
-          <a:xfrm>
-            <a:off x="521142" y="1247783"/>
-            <a:ext cx="11333931" cy="3587811"/>
-          </a:xfrm>
-          <a:prstGeom prst="rect">
-            <a:avLst/>
-          </a:prstGeom>
-          <a:noFill/>
-          <a:extLst>
-            <a:ext uri="{909E8E84-426E-40DD-AFC4-6F175D3DCCD1}">
-              <a14:hiddenFill xmlns:a14="http://schemas.microsoft.com/office/drawing/2010/main">
-                <a:solidFill>
-                  <a:srgbClr val="FFFFFF"/>
-                </a:solidFill>
-              </a14:hiddenFill>
-            </a:ext>
-          </a:extLst>
-        </p:spPr>
-      </p:pic>
       <p:sp>
         <p:nvSpPr>
           <p:cNvPr id="6" name="Rectangle 5">
@@ -5673,6 +7310,53 @@
           </a:p>
         </p:txBody>
       </p:sp>
+      <p:pic>
+        <p:nvPicPr>
+          <p:cNvPr id="6146" name="Picture 2">
+            <a:extLst>
+              <a:ext uri="{FF2B5EF4-FFF2-40B4-BE49-F238E27FC236}">
+                <a16:creationId xmlns:a16="http://schemas.microsoft.com/office/drawing/2014/main" id="{DA17378C-19EA-4A20-BD88-A1E8FC7F2F5B}"/>
+              </a:ext>
+            </a:extLst>
+          </p:cNvPr>
+          <p:cNvPicPr>
+            <a:picLocks noChangeAspect="1" noChangeArrowheads="1"/>
+          </p:cNvPicPr>
+          <p:nvPr/>
+        </p:nvPicPr>
+        <p:blipFill>
+          <a:blip r:embed="rId3">
+            <a:extLst>
+              <a:ext uri="{28A0092B-C50C-407E-A947-70E740481C1C}">
+                <a14:useLocalDpi xmlns:a14="http://schemas.microsoft.com/office/drawing/2010/main" val="0"/>
+              </a:ext>
+            </a:extLst>
+          </a:blip>
+          <a:srcRect/>
+          <a:stretch>
+            <a:fillRect/>
+          </a:stretch>
+        </p:blipFill>
+        <p:spPr bwMode="auto">
+          <a:xfrm>
+            <a:off x="92107" y="1244369"/>
+            <a:ext cx="11820525" cy="3800475"/>
+          </a:xfrm>
+          <a:prstGeom prst="rect">
+            <a:avLst/>
+          </a:prstGeom>
+          <a:noFill/>
+          <a:extLst>
+            <a:ext uri="{909E8E84-426E-40DD-AFC4-6F175D3DCCD1}">
+              <a14:hiddenFill xmlns:a14="http://schemas.microsoft.com/office/drawing/2010/main">
+                <a:solidFill>
+                  <a:srgbClr val="FFFFFF"/>
+                </a:solidFill>
+              </a14:hiddenFill>
+            </a:ext>
+          </a:extLst>
+        </p:spPr>
+      </p:pic>
     </p:spTree>
     <p:extLst>
       <p:ext uri="{BB962C8B-B14F-4D97-AF65-F5344CB8AC3E}">
@@ -5772,7 +7456,7 @@
 </p:sld>
 </file>
 
-<file path=ppt/slides/slide12.xml><?xml version="1.0" encoding="utf-8"?>
+<file path=ppt/slides/slide13.xml><?xml version="1.0" encoding="utf-8"?>
 <p:sld xmlns:a="http://schemas.openxmlformats.org/drawingml/2006/main" xmlns:r="http://schemas.openxmlformats.org/officeDocument/2006/relationships" xmlns:p="http://schemas.openxmlformats.org/presentationml/2006/main">
   <p:cSld>
     <p:spTree>
@@ -5856,7 +7540,7 @@
         </p:nvSpPr>
         <p:spPr>
           <a:xfrm>
-            <a:off x="1097280" y="0"/>
+            <a:off x="82062" y="0"/>
             <a:ext cx="10058400" cy="728420"/>
           </a:xfrm>
         </p:spPr>
@@ -5868,17 +7552,64 @@
           <a:p>
             <a:r>
               <a:rPr lang="en-US" dirty="0"/>
-              <a:t>Feature Analysis</a:t>
+              <a:t>Back to our Data…</a:t>
             </a:r>
           </a:p>
         </p:txBody>
       </p:sp>
+      <p:pic>
+        <p:nvPicPr>
+          <p:cNvPr id="12290" name="Picture 2">
+            <a:extLst>
+              <a:ext uri="{FF2B5EF4-FFF2-40B4-BE49-F238E27FC236}">
+                <a16:creationId xmlns:a16="http://schemas.microsoft.com/office/drawing/2014/main" id="{0085861C-FA7C-464C-9AE4-2961253BEBB0}"/>
+              </a:ext>
+            </a:extLst>
+          </p:cNvPr>
+          <p:cNvPicPr>
+            <a:picLocks noChangeAspect="1" noChangeArrowheads="1"/>
+          </p:cNvPicPr>
+          <p:nvPr/>
+        </p:nvPicPr>
+        <p:blipFill>
+          <a:blip r:embed="rId3">
+            <a:extLst>
+              <a:ext uri="{28A0092B-C50C-407E-A947-70E740481C1C}">
+                <a14:useLocalDpi xmlns:a14="http://schemas.microsoft.com/office/drawing/2010/main" val="0"/>
+              </a:ext>
+            </a:extLst>
+          </a:blip>
+          <a:srcRect/>
+          <a:stretch>
+            <a:fillRect/>
+          </a:stretch>
+        </p:blipFill>
+        <p:spPr bwMode="auto">
+          <a:xfrm>
+            <a:off x="6305507" y="1170051"/>
+            <a:ext cx="4195191" cy="4517898"/>
+          </a:xfrm>
+          <a:prstGeom prst="rect">
+            <a:avLst/>
+          </a:prstGeom>
+          <a:noFill/>
+          <a:extLst>
+            <a:ext uri="{909E8E84-426E-40DD-AFC4-6F175D3DCCD1}">
+              <a14:hiddenFill xmlns:a14="http://schemas.microsoft.com/office/drawing/2010/main">
+                <a:solidFill>
+                  <a:srgbClr val="FFFFFF"/>
+                </a:solidFill>
+              </a14:hiddenFill>
+            </a:ext>
+          </a:extLst>
+        </p:spPr>
+      </p:pic>
       <p:graphicFrame>
         <p:nvGraphicFramePr>
-          <p:cNvPr id="6" name="Content Placeholder 5">
+          <p:cNvPr id="3" name="Table 2">
             <a:extLst>
               <a:ext uri="{FF2B5EF4-FFF2-40B4-BE49-F238E27FC236}">
-                <a16:creationId xmlns:a16="http://schemas.microsoft.com/office/drawing/2014/main" id="{294C59C0-9711-41F2-A4A5-015B0787AE54}"/>
+                <a16:creationId xmlns:a16="http://schemas.microsoft.com/office/drawing/2014/main" id="{ADECA961-327B-4F1C-BA9F-9E3834C87893}"/>
               </a:ext>
             </a:extLst>
           </p:cNvPr>
@@ -5886,56 +7617,44 @@
             <a:graphicFrameLocks noGrp="1"/>
           </p:cNvGraphicFramePr>
           <p:nvPr>
-            <p:ph idx="1"/>
-            <p:extLst>
-              <p:ext uri="{D42A27DB-BD31-4B8C-83A1-F6EECF244321}">
-                <p14:modId xmlns:p14="http://schemas.microsoft.com/office/powerpoint/2010/main" val="3574553148"/>
-              </p:ext>
-            </p:extLst>
+            <p:extLst/>
           </p:nvPr>
         </p:nvGraphicFramePr>
         <p:xfrm>
-          <a:off x="0" y="590901"/>
-          <a:ext cx="9020013" cy="5760720"/>
+          <a:off x="-3" y="728420"/>
+          <a:ext cx="4195191" cy="5630566"/>
         </p:xfrm>
         <a:graphic>
           <a:graphicData uri="http://schemas.openxmlformats.org/drawingml/2006/table">
             <a:tbl>
               <a:tblPr firstRow="1" bandRow="1">
-                <a:tableStyleId>{6E25E649-3F16-4E02-A733-19D2CDBF48F0}</a:tableStyleId>
+                <a:tableStyleId>{B301B821-A1FF-4177-AEE7-76D212191A09}</a:tableStyleId>
               </a:tblPr>
               <a:tblGrid>
-                <a:gridCol w="1768151">
+                <a:gridCol w="1417144">
                   <a:extLst>
                     <a:ext uri="{9D8B030D-6E8A-4147-A177-3AD203B41FA5}">
-                      <a16:colId xmlns:a16="http://schemas.microsoft.com/office/drawing/2014/main" val="2973856483"/>
+                      <a16:colId xmlns:a16="http://schemas.microsoft.com/office/drawing/2014/main" val="2314285609"/>
                     </a:ext>
                   </a:extLst>
                 </a:gridCol>
-                <a:gridCol w="4245191">
+                <a:gridCol w="2778047">
                   <a:extLst>
                     <a:ext uri="{9D8B030D-6E8A-4147-A177-3AD203B41FA5}">
-                      <a16:colId xmlns:a16="http://schemas.microsoft.com/office/drawing/2014/main" val="852326656"/>
-                    </a:ext>
-                  </a:extLst>
-                </a:gridCol>
-                <a:gridCol w="3006671">
-                  <a:extLst>
-                    <a:ext uri="{9D8B030D-6E8A-4147-A177-3AD203B41FA5}">
-                      <a16:colId xmlns:a16="http://schemas.microsoft.com/office/drawing/2014/main" val="2637797131"/>
+                      <a16:colId xmlns:a16="http://schemas.microsoft.com/office/drawing/2014/main" val="1895328901"/>
                     </a:ext>
                   </a:extLst>
                 </a:gridCol>
               </a:tblGrid>
-              <a:tr h="362919">
+              <a:tr h="549190">
                 <a:tc>
                   <a:txBody>
                     <a:bodyPr/>
                     <a:lstStyle/>
                     <a:p>
                       <a:r>
-                        <a:rPr lang="en-US" dirty="0"/>
-                        <a:t>Name</a:t>
+                        <a:rPr lang="en-US" sz="1600" dirty="0"/>
+                        <a:t>Features Used:</a:t>
                       </a:r>
                     </a:p>
                   </a:txBody>
@@ -5947,8 +7666,28 @@
                     <a:lstStyle/>
                     <a:p>
                       <a:r>
-                        <a:rPr lang="en-US" dirty="0"/>
-                        <a:t>Description</a:t>
+                        <a:rPr lang="en-US" sz="1600" dirty="0"/>
+                        <a:t>True if:</a:t>
+                      </a:r>
+                    </a:p>
+                  </a:txBody>
+                  <a:tcPr/>
+                </a:tc>
+                <a:extLst>
+                  <a:ext uri="{0D108BD9-81ED-4DB2-BD59-A6C34878D82A}">
+                    <a16:rowId xmlns:a16="http://schemas.microsoft.com/office/drawing/2014/main" val="3363433518"/>
+                  </a:ext>
+                </a:extLst>
+              </a:tr>
+              <a:tr h="566032">
+                <a:tc>
+                  <a:txBody>
+                    <a:bodyPr/>
+                    <a:lstStyle/>
+                    <a:p>
+                      <a:r>
+                        <a:rPr lang="en-US" sz="1600" dirty="0"/>
+                        <a:t>Disability</a:t>
                       </a:r>
                     </a:p>
                   </a:txBody>
@@ -5960,8 +7699,8 @@
                     <a:lstStyle/>
                     <a:p>
                       <a:r>
-                        <a:rPr lang="en-US" dirty="0"/>
-                        <a:t>Type</a:t>
+                        <a:rPr lang="en-US" sz="1600" dirty="0"/>
+                        <a:t>Mother considers child disabled</a:t>
                       </a:r>
                     </a:p>
                   </a:txBody>
@@ -5969,20 +7708,21 @@
                 </a:tc>
                 <a:extLst>
                   <a:ext uri="{0D108BD9-81ED-4DB2-BD59-A6C34878D82A}">
-                    <a16:rowId xmlns:a16="http://schemas.microsoft.com/office/drawing/2014/main" val="565807560"/>
+                    <a16:rowId xmlns:a16="http://schemas.microsoft.com/office/drawing/2014/main" val="3851270694"/>
                   </a:ext>
                 </a:extLst>
               </a:tr>
-              <a:tr h="362919">
+              <a:tr h="808617">
                 <a:tc>
                   <a:txBody>
                     <a:bodyPr/>
                     <a:lstStyle/>
                     <a:p>
                       <a:r>
-                        <a:rPr lang="en-US" dirty="0"/>
-                        <a:t>age</a:t>
+                        <a:rPr lang="en-US" sz="1600" dirty="0" err="1"/>
+                        <a:t>meetStReqs</a:t>
                       </a:r>
+                      <a:endParaRPr lang="en-US" sz="1600" dirty="0"/>
                     </a:p>
                   </a:txBody>
                   <a:tcPr/>
@@ -5993,9 +7733,30 @@
                     <a:lstStyle/>
                     <a:p>
                       <a:r>
-                        <a:rPr lang="en-US" dirty="0"/>
-                        <a:t>Age, ranges 2-6</a:t>
+                        <a:rPr lang="en-US" sz="1600" dirty="0"/>
+                        <a:t>Child meets gov’t recommendations for screen time</a:t>
                       </a:r>
+                    </a:p>
+                  </a:txBody>
+                  <a:tcPr/>
+                </a:tc>
+                <a:extLst>
+                  <a:ext uri="{0D108BD9-81ED-4DB2-BD59-A6C34878D82A}">
+                    <a16:rowId xmlns:a16="http://schemas.microsoft.com/office/drawing/2014/main" val="2156512416"/>
+                  </a:ext>
+                </a:extLst>
+              </a:tr>
+              <a:tr h="808617">
+                <a:tc>
+                  <a:txBody>
+                    <a:bodyPr/>
+                    <a:lstStyle/>
+                    <a:p>
+                      <a:r>
+                        <a:rPr lang="en-US" sz="1600" dirty="0" err="1"/>
+                        <a:t>meetPhysReqs</a:t>
+                      </a:r>
+                      <a:endParaRPr lang="en-US" sz="1600" dirty="0"/>
                     </a:p>
                   </a:txBody>
                   <a:tcPr/>
@@ -6006,8 +7767,8 @@
                     <a:lstStyle/>
                     <a:p>
                       <a:r>
-                        <a:rPr lang="en-US" dirty="0"/>
-                        <a:t>Continuous Float</a:t>
+                        <a:rPr lang="en-US" sz="1600" dirty="0"/>
+                        <a:t>Child meets gov’t recommendations for outdoor time</a:t>
                       </a:r>
                     </a:p>
                   </a:txBody>
@@ -6015,20 +7776,21 @@
                 </a:tc>
                 <a:extLst>
                   <a:ext uri="{0D108BD9-81ED-4DB2-BD59-A6C34878D82A}">
-                    <a16:rowId xmlns:a16="http://schemas.microsoft.com/office/drawing/2014/main" val="850970370"/>
+                    <a16:rowId xmlns:a16="http://schemas.microsoft.com/office/drawing/2014/main" val="1383104801"/>
                   </a:ext>
                 </a:extLst>
               </a:tr>
-              <a:tr h="629096">
+              <a:tr h="549190">
                 <a:tc>
                   <a:txBody>
                     <a:bodyPr/>
                     <a:lstStyle/>
                     <a:p>
                       <a:r>
-                        <a:rPr lang="en-US" dirty="0"/>
-                        <a:t>express</a:t>
+                        <a:rPr lang="en-US" sz="1600" dirty="0" err="1"/>
+                        <a:t>Gender_Male</a:t>
                       </a:r>
+                      <a:endParaRPr lang="en-US" sz="1600" dirty="0"/>
                     </a:p>
                   </a:txBody>
                   <a:tcPr/>
@@ -6039,21 +7801,8 @@
                     <a:lstStyle/>
                     <a:p>
                       <a:r>
-                        <a:rPr lang="en-US" dirty="0"/>
-                        <a:t>Child’s Ability to express themselves</a:t>
-                      </a:r>
-                    </a:p>
-                  </a:txBody>
-                  <a:tcPr/>
-                </a:tc>
-                <a:tc>
-                  <a:txBody>
-                    <a:bodyPr/>
-                    <a:lstStyle/>
-                    <a:p>
-                      <a:r>
-                        <a:rPr lang="en-US" dirty="0"/>
-                        <a:t>“continuous” integer (really a sum of 13 Likert scales)</a:t>
+                        <a:rPr lang="en-US" sz="1600" dirty="0"/>
+                        <a:t>Child is male</a:t>
                       </a:r>
                     </a:p>
                   </a:txBody>
@@ -6061,19 +7810,19 @@
                 </a:tc>
                 <a:extLst>
                   <a:ext uri="{0D108BD9-81ED-4DB2-BD59-A6C34878D82A}">
-                    <a16:rowId xmlns:a16="http://schemas.microsoft.com/office/drawing/2014/main" val="3232868234"/>
+                    <a16:rowId xmlns:a16="http://schemas.microsoft.com/office/drawing/2014/main" val="3502985242"/>
                   </a:ext>
                 </a:extLst>
               </a:tr>
-              <a:tr h="629096">
+              <a:tr h="566032">
                 <a:tc>
                   <a:txBody>
                     <a:bodyPr/>
                     <a:lstStyle/>
                     <a:p>
                       <a:r>
-                        <a:rPr lang="en-US" dirty="0"/>
-                        <a:t>comply</a:t>
+                        <a:rPr lang="en-US" sz="1600" dirty="0"/>
+                        <a:t>MothersEdu_3</a:t>
                       </a:r>
                     </a:p>
                   </a:txBody>
@@ -6102,8 +7851,70 @@
                         <a:defRPr/>
                       </a:pPr>
                       <a:r>
-                        <a:rPr lang="en-US" dirty="0"/>
-                        <a:t>Child’s Ability to comply</a:t>
+                        <a:rPr lang="en-US" sz="1600" dirty="0"/>
+                        <a:t>Mother educated 14+ years</a:t>
+                      </a:r>
+                    </a:p>
+                  </a:txBody>
+                  <a:tcPr/>
+                </a:tc>
+                <a:extLst>
+                  <a:ext uri="{0D108BD9-81ED-4DB2-BD59-A6C34878D82A}">
+                    <a16:rowId xmlns:a16="http://schemas.microsoft.com/office/drawing/2014/main" val="3772486238"/>
+                  </a:ext>
+                </a:extLst>
+              </a:tr>
+              <a:tr h="566032">
+                <a:tc>
+                  <a:txBody>
+                    <a:bodyPr/>
+                    <a:lstStyle/>
+                    <a:p>
+                      <a:r>
+                        <a:rPr lang="en-US" sz="1600" dirty="0" err="1"/>
+                        <a:t>bothSTabovemean</a:t>
+                      </a:r>
+                      <a:endParaRPr lang="en-US" sz="1600" dirty="0"/>
+                    </a:p>
+                  </a:txBody>
+                  <a:tcPr/>
+                </a:tc>
+                <a:tc>
+                  <a:txBody>
+                    <a:bodyPr/>
+                    <a:lstStyle/>
+                    <a:p>
+                      <a:r>
+                        <a:rPr lang="en-US" sz="1600" dirty="0"/>
+                        <a:t>Both tv time and </a:t>
+                      </a:r>
+                      <a:r>
+                        <a:rPr lang="en-US" sz="1600" dirty="0" err="1"/>
+                        <a:t>cpu</a:t>
+                      </a:r>
+                      <a:r>
+                        <a:rPr lang="en-US" sz="1600" dirty="0"/>
+                        <a:t> time over the mean</a:t>
+                      </a:r>
+                    </a:p>
+                  </a:txBody>
+                  <a:tcPr/>
+                </a:tc>
+                <a:extLst>
+                  <a:ext uri="{0D108BD9-81ED-4DB2-BD59-A6C34878D82A}">
+                    <a16:rowId xmlns:a16="http://schemas.microsoft.com/office/drawing/2014/main" val="390173388"/>
+                  </a:ext>
+                </a:extLst>
+              </a:tr>
+              <a:tr h="566032">
+                <a:tc>
+                  <a:txBody>
+                    <a:bodyPr/>
+                    <a:lstStyle/>
+                    <a:p>
+                      <a:r>
+                        <a:rPr lang="en-US" sz="1600" dirty="0"/>
+                        <a:t>expressive</a:t>
                       </a:r>
                     </a:p>
                   </a:txBody>
@@ -6115,8 +7926,8 @@
                     <a:lstStyle/>
                     <a:p>
                       <a:r>
-                        <a:rPr lang="en-US" dirty="0"/>
-                        <a:t>“continuous” integer (really a sum of 10 Likert scales)</a:t>
+                        <a:rPr lang="en-US" sz="1600" dirty="0"/>
+                        <a:t>Above average expressiveness</a:t>
                       </a:r>
                     </a:p>
                   </a:txBody>
@@ -6124,33 +7935,19 @@
                 </a:tc>
                 <a:extLst>
                   <a:ext uri="{0D108BD9-81ED-4DB2-BD59-A6C34878D82A}">
-                    <a16:rowId xmlns:a16="http://schemas.microsoft.com/office/drawing/2014/main" val="3420107227"/>
+                    <a16:rowId xmlns:a16="http://schemas.microsoft.com/office/drawing/2014/main" val="392558283"/>
                   </a:ext>
                 </a:extLst>
               </a:tr>
-              <a:tr h="362919">
+              <a:tr h="566032">
                 <a:tc>
                   <a:txBody>
                     <a:bodyPr/>
                     <a:lstStyle/>
                     <a:p>
                       <a:r>
-                        <a:rPr lang="en-US" dirty="0" err="1"/>
-                        <a:t>tvTime</a:t>
-                      </a:r>
-                      <a:endParaRPr lang="en-US" dirty="0"/>
-                    </a:p>
-                  </a:txBody>
-                  <a:tcPr/>
-                </a:tc>
-                <a:tc>
-                  <a:txBody>
-                    <a:bodyPr/>
-                    <a:lstStyle/>
-                    <a:p>
-                      <a:r>
-                        <a:rPr lang="en-US" dirty="0"/>
-                        <a:t>Hours watching TV / day</a:t>
+                        <a:rPr lang="en-US" sz="1600" dirty="0"/>
+                        <a:t>compliant</a:t>
                       </a:r>
                     </a:p>
                   </a:txBody>
@@ -6162,8 +7959,8 @@
                     <a:lstStyle/>
                     <a:p>
                       <a:r>
-                        <a:rPr lang="en-US" dirty="0"/>
-                        <a:t>Continuous Float</a:t>
+                        <a:rPr lang="en-US" sz="1600" dirty="0"/>
+                        <a:t>Above average compliance</a:t>
                       </a:r>
                     </a:p>
                   </a:txBody>
@@ -6171,334 +7968,7 @@
                 </a:tc>
                 <a:extLst>
                   <a:ext uri="{0D108BD9-81ED-4DB2-BD59-A6C34878D82A}">
-                    <a16:rowId xmlns:a16="http://schemas.microsoft.com/office/drawing/2014/main" val="867921398"/>
-                  </a:ext>
-                </a:extLst>
-              </a:tr>
-              <a:tr h="362919">
-                <a:tc>
-                  <a:txBody>
-                    <a:bodyPr/>
-                    <a:lstStyle/>
-                    <a:p>
-                      <a:r>
-                        <a:rPr lang="en-US" dirty="0" err="1"/>
-                        <a:t>cpuTime</a:t>
-                      </a:r>
-                      <a:endParaRPr lang="en-US" dirty="0"/>
-                    </a:p>
-                  </a:txBody>
-                  <a:tcPr/>
-                </a:tc>
-                <a:tc>
-                  <a:txBody>
-                    <a:bodyPr/>
-                    <a:lstStyle/>
-                    <a:p>
-                      <a:r>
-                        <a:rPr lang="en-US" dirty="0"/>
-                        <a:t>Hours on Computer / day</a:t>
-                      </a:r>
-                    </a:p>
-                  </a:txBody>
-                  <a:tcPr/>
-                </a:tc>
-                <a:tc>
-                  <a:txBody>
-                    <a:bodyPr/>
-                    <a:lstStyle/>
-                    <a:p>
-                      <a:r>
-                        <a:rPr lang="en-US" dirty="0"/>
-                        <a:t>Continuous Float</a:t>
-                      </a:r>
-                    </a:p>
-                  </a:txBody>
-                  <a:tcPr/>
-                </a:tc>
-                <a:extLst>
-                  <a:ext uri="{0D108BD9-81ED-4DB2-BD59-A6C34878D82A}">
-                    <a16:rowId xmlns:a16="http://schemas.microsoft.com/office/drawing/2014/main" val="4207533664"/>
-                  </a:ext>
-                </a:extLst>
-              </a:tr>
-              <a:tr h="362919">
-                <a:tc>
-                  <a:txBody>
-                    <a:bodyPr/>
-                    <a:lstStyle/>
-                    <a:p>
-                      <a:r>
-                        <a:rPr lang="en-US" dirty="0" err="1"/>
-                        <a:t>outdoorTime</a:t>
-                      </a:r>
-                      <a:endParaRPr lang="en-US" dirty="0"/>
-                    </a:p>
-                  </a:txBody>
-                  <a:tcPr/>
-                </a:tc>
-                <a:tc>
-                  <a:txBody>
-                    <a:bodyPr/>
-                    <a:lstStyle/>
-                    <a:p>
-                      <a:r>
-                        <a:rPr lang="en-US" dirty="0"/>
-                        <a:t>Hours outside / day</a:t>
-                      </a:r>
-                    </a:p>
-                  </a:txBody>
-                  <a:tcPr/>
-                </a:tc>
-                <a:tc>
-                  <a:txBody>
-                    <a:bodyPr/>
-                    <a:lstStyle/>
-                    <a:p>
-                      <a:r>
-                        <a:rPr lang="en-US" dirty="0"/>
-                        <a:t>Continuous Float</a:t>
-                      </a:r>
-                    </a:p>
-                  </a:txBody>
-                  <a:tcPr/>
-                </a:tc>
-                <a:extLst>
-                  <a:ext uri="{0D108BD9-81ED-4DB2-BD59-A6C34878D82A}">
-                    <a16:rowId xmlns:a16="http://schemas.microsoft.com/office/drawing/2014/main" val="485859822"/>
-                  </a:ext>
-                </a:extLst>
-              </a:tr>
-              <a:tr h="362919">
-                <a:tc>
-                  <a:txBody>
-                    <a:bodyPr/>
-                    <a:lstStyle/>
-                    <a:p>
-                      <a:r>
-                        <a:rPr lang="en-US" dirty="0"/>
-                        <a:t>disability</a:t>
-                      </a:r>
-                    </a:p>
-                  </a:txBody>
-                  <a:tcPr/>
-                </a:tc>
-                <a:tc>
-                  <a:txBody>
-                    <a:bodyPr/>
-                    <a:lstStyle/>
-                    <a:p>
-                      <a:r>
-                        <a:rPr lang="en-US" dirty="0"/>
-                        <a:t>Whether Mother considers child disabled</a:t>
-                      </a:r>
-                    </a:p>
-                  </a:txBody>
-                  <a:tcPr/>
-                </a:tc>
-                <a:tc>
-                  <a:txBody>
-                    <a:bodyPr/>
-                    <a:lstStyle/>
-                    <a:p>
-                      <a:r>
-                        <a:rPr lang="en-US" dirty="0"/>
-                        <a:t>Boolean</a:t>
-                      </a:r>
-                    </a:p>
-                  </a:txBody>
-                  <a:tcPr/>
-                </a:tc>
-                <a:extLst>
-                  <a:ext uri="{0D108BD9-81ED-4DB2-BD59-A6C34878D82A}">
-                    <a16:rowId xmlns:a16="http://schemas.microsoft.com/office/drawing/2014/main" val="2739238493"/>
-                  </a:ext>
-                </a:extLst>
-              </a:tr>
-              <a:tr h="629096">
-                <a:tc>
-                  <a:txBody>
-                    <a:bodyPr/>
-                    <a:lstStyle/>
-                    <a:p>
-                      <a:r>
-                        <a:rPr lang="en-US" dirty="0" err="1"/>
-                        <a:t>mothersEdu</a:t>
-                      </a:r>
-                      <a:endParaRPr lang="en-US" dirty="0"/>
-                    </a:p>
-                  </a:txBody>
-                  <a:tcPr/>
-                </a:tc>
-                <a:tc>
-                  <a:txBody>
-                    <a:bodyPr/>
-                    <a:lstStyle/>
-                    <a:p>
-                      <a:r>
-                        <a:rPr lang="en-US" dirty="0"/>
-                        <a:t>Mother’s education level: 1 = &lt;10 years, 2 = 11-13 years, 3 = 14+ years</a:t>
-                      </a:r>
-                    </a:p>
-                  </a:txBody>
-                  <a:tcPr/>
-                </a:tc>
-                <a:tc>
-                  <a:txBody>
-                    <a:bodyPr/>
-                    <a:lstStyle/>
-                    <a:p>
-                      <a:r>
-                        <a:rPr lang="en-US" dirty="0"/>
-                        <a:t>Discrete</a:t>
-                      </a:r>
-                    </a:p>
-                  </a:txBody>
-                  <a:tcPr/>
-                </a:tc>
-                <a:extLst>
-                  <a:ext uri="{0D108BD9-81ED-4DB2-BD59-A6C34878D82A}">
-                    <a16:rowId xmlns:a16="http://schemas.microsoft.com/office/drawing/2014/main" val="3385805319"/>
-                  </a:ext>
-                </a:extLst>
-              </a:tr>
-              <a:tr h="629096">
-                <a:tc>
-                  <a:txBody>
-                    <a:bodyPr/>
-                    <a:lstStyle/>
-                    <a:p>
-                      <a:r>
-                        <a:rPr lang="en-US" dirty="0" err="1"/>
-                        <a:t>meetStReqs</a:t>
-                      </a:r>
-                      <a:endParaRPr lang="en-US" dirty="0"/>
-                    </a:p>
-                  </a:txBody>
-                  <a:tcPr/>
-                </a:tc>
-                <a:tc>
-                  <a:txBody>
-                    <a:bodyPr/>
-                    <a:lstStyle/>
-                    <a:p>
-                      <a:r>
-                        <a:rPr lang="en-US" dirty="0"/>
-                        <a:t>Whether child meets government recommendations for screen time</a:t>
-                      </a:r>
-                    </a:p>
-                  </a:txBody>
-                  <a:tcPr/>
-                </a:tc>
-                <a:tc>
-                  <a:txBody>
-                    <a:bodyPr/>
-                    <a:lstStyle/>
-                    <a:p>
-                      <a:r>
-                        <a:rPr lang="en-US" dirty="0"/>
-                        <a:t>Boolean</a:t>
-                      </a:r>
-                    </a:p>
-                  </a:txBody>
-                  <a:tcPr/>
-                </a:tc>
-                <a:extLst>
-                  <a:ext uri="{0D108BD9-81ED-4DB2-BD59-A6C34878D82A}">
-                    <a16:rowId xmlns:a16="http://schemas.microsoft.com/office/drawing/2014/main" val="633541541"/>
-                  </a:ext>
-                </a:extLst>
-              </a:tr>
-              <a:tr h="629096">
-                <a:tc>
-                  <a:txBody>
-                    <a:bodyPr/>
-                    <a:lstStyle/>
-                    <a:p>
-                      <a:r>
-                        <a:rPr lang="en-US" dirty="0" err="1"/>
-                        <a:t>meetPhysReqs</a:t>
-                      </a:r>
-                      <a:endParaRPr lang="en-US" dirty="0"/>
-                    </a:p>
-                  </a:txBody>
-                  <a:tcPr/>
-                </a:tc>
-                <a:tc>
-                  <a:txBody>
-                    <a:bodyPr/>
-                    <a:lstStyle/>
-                    <a:p>
-                      <a:r>
-                        <a:rPr lang="en-US" dirty="0"/>
-                        <a:t>Whether child meets government recommendations for outdoor time</a:t>
-                      </a:r>
-                    </a:p>
-                  </a:txBody>
-                  <a:tcPr/>
-                </a:tc>
-                <a:tc>
-                  <a:txBody>
-                    <a:bodyPr/>
-                    <a:lstStyle/>
-                    <a:p>
-                      <a:r>
-                        <a:rPr lang="en-US" dirty="0"/>
-                        <a:t>Boolean</a:t>
-                      </a:r>
-                    </a:p>
-                  </a:txBody>
-                  <a:tcPr/>
-                </a:tc>
-                <a:extLst>
-                  <a:ext uri="{0D108BD9-81ED-4DB2-BD59-A6C34878D82A}">
-                    <a16:rowId xmlns:a16="http://schemas.microsoft.com/office/drawing/2014/main" val="535202335"/>
-                  </a:ext>
-                </a:extLst>
-              </a:tr>
-              <a:tr h="362919">
-                <a:tc>
-                  <a:txBody>
-                    <a:bodyPr/>
-                    <a:lstStyle/>
-                    <a:p>
-                      <a:r>
-                        <a:rPr lang="en-US" dirty="0"/>
-                        <a:t>gender</a:t>
-                      </a:r>
-                    </a:p>
-                  </a:txBody>
-                  <a:tcPr/>
-                </a:tc>
-                <a:tc>
-                  <a:txBody>
-                    <a:bodyPr/>
-                    <a:lstStyle/>
-                    <a:p>
-                      <a:r>
-                        <a:rPr lang="en-US" dirty="0"/>
-                        <a:t>Male/female</a:t>
-                      </a:r>
-                    </a:p>
-                  </a:txBody>
-                  <a:tcPr/>
-                </a:tc>
-                <a:tc>
-                  <a:txBody>
-                    <a:bodyPr/>
-                    <a:lstStyle/>
-                    <a:p>
-                      <a:r>
-                        <a:rPr lang="en-US" dirty="0"/>
-                        <a:t>Boolean</a:t>
-                      </a:r>
-                    </a:p>
-                  </a:txBody>
-                  <a:tcPr/>
-                </a:tc>
-                <a:extLst>
-                  <a:ext uri="{0D108BD9-81ED-4DB2-BD59-A6C34878D82A}">
-                    <a16:rowId xmlns:a16="http://schemas.microsoft.com/office/drawing/2014/main" val="2771390112"/>
+                    <a16:rowId xmlns:a16="http://schemas.microsoft.com/office/drawing/2014/main" val="4235028276"/>
                   </a:ext>
                 </a:extLst>
               </a:tr>
@@ -6508,66 +7978,10 @@
       </p:graphicFrame>
       <p:sp>
         <p:nvSpPr>
-          <p:cNvPr id="11" name="Rectangle 10">
+          <p:cNvPr id="9" name="TextBox 8">
             <a:extLst>
               <a:ext uri="{FF2B5EF4-FFF2-40B4-BE49-F238E27FC236}">
-                <a16:creationId xmlns:a16="http://schemas.microsoft.com/office/drawing/2014/main" id="{F36F2CE2-A7A7-4EA2-BC15-1EF239DAE945}"/>
-              </a:ext>
-            </a:extLst>
-          </p:cNvPr>
-          <p:cNvSpPr/>
-          <p:nvPr/>
-        </p:nvSpPr>
-        <p:spPr>
-          <a:xfrm>
-            <a:off x="1" y="1007390"/>
-            <a:ext cx="9144000" cy="2727702"/>
-          </a:xfrm>
-          <a:prstGeom prst="rect">
-            <a:avLst/>
-          </a:prstGeom>
-          <a:solidFill>
-            <a:schemeClr val="accent3">
-              <a:lumMod val="20000"/>
-              <a:lumOff val="80000"/>
-              <a:alpha val="40000"/>
-            </a:schemeClr>
-          </a:solidFill>
-          <a:ln w="38100">
-            <a:solidFill>
-              <a:schemeClr val="accent3"/>
-            </a:solidFill>
-          </a:ln>
-        </p:spPr>
-        <p:style>
-          <a:lnRef idx="2">
-            <a:schemeClr val="accent3"/>
-          </a:lnRef>
-          <a:fillRef idx="1">
-            <a:schemeClr val="lt1"/>
-          </a:fillRef>
-          <a:effectRef idx="0">
-            <a:schemeClr val="accent3"/>
-          </a:effectRef>
-          <a:fontRef idx="minor">
-            <a:schemeClr val="dk1"/>
-          </a:fontRef>
-        </p:style>
-        <p:txBody>
-          <a:bodyPr rtlCol="0" anchor="ctr"/>
-          <a:lstStyle/>
-          <a:p>
-            <a:pPr algn="ctr"/>
-            <a:endParaRPr lang="en-US" dirty="0"/>
-          </a:p>
-        </p:txBody>
-      </p:sp>
-      <p:sp>
-        <p:nvSpPr>
-          <p:cNvPr id="12" name="TextBox 11">
-            <a:extLst>
-              <a:ext uri="{FF2B5EF4-FFF2-40B4-BE49-F238E27FC236}">
-                <a16:creationId xmlns:a16="http://schemas.microsoft.com/office/drawing/2014/main" id="{7F755730-D5C4-4969-9315-ED61F48C2A4F}"/>
+                <a16:creationId xmlns:a16="http://schemas.microsoft.com/office/drawing/2014/main" id="{D71F10F5-9E70-4FD1-82E9-130A7A84A036}"/>
               </a:ext>
             </a:extLst>
           </p:cNvPr>
@@ -6576,18 +7990,13 @@
         </p:nvSpPr>
         <p:spPr>
           <a:xfrm>
-            <a:off x="9239794" y="1494078"/>
-            <a:ext cx="2598057" cy="1754326"/>
+            <a:off x="5361726" y="363391"/>
+            <a:ext cx="6063176" cy="830997"/>
           </a:xfrm>
           <a:prstGeom prst="rect">
             <a:avLst/>
           </a:prstGeom>
-          <a:solidFill>
-            <a:schemeClr val="accent3">
-              <a:lumMod val="20000"/>
-              <a:lumOff val="80000"/>
-            </a:schemeClr>
-          </a:solidFill>
+          <a:noFill/>
         </p:spPr>
         <p:txBody>
           <a:bodyPr wrap="square" rtlCol="0">
@@ -6595,19 +8004,20 @@
           </a:bodyPr>
           <a:lstStyle/>
           <a:p>
+            <a:pPr algn="ctr"/>
             <a:r>
-              <a:rPr lang="en-US" dirty="0"/>
-              <a:t>Creating components from these continuous variables removes any multicollinearity, but doesn’t change model performance…</a:t>
+              <a:rPr lang="en-US" sz="2400" dirty="0"/>
+              <a:t>First 2 components created by PCA on 8 Boolean features</a:t>
             </a:r>
           </a:p>
         </p:txBody>
       </p:sp>
       <p:sp>
         <p:nvSpPr>
-          <p:cNvPr id="13" name="TextBox 12">
+          <p:cNvPr id="4" name="TextBox 3">
             <a:extLst>
               <a:ext uri="{FF2B5EF4-FFF2-40B4-BE49-F238E27FC236}">
-                <a16:creationId xmlns:a16="http://schemas.microsoft.com/office/drawing/2014/main" id="{F28C41D4-04BC-4453-ACCE-CD114682EB6A}"/>
+                <a16:creationId xmlns:a16="http://schemas.microsoft.com/office/drawing/2014/main" id="{05385EC5-432D-4851-8AB1-7B14266992C8}"/>
               </a:ext>
             </a:extLst>
           </p:cNvPr>
@@ -6616,28 +8026,58 @@
         </p:nvSpPr>
         <p:spPr>
           <a:xfrm>
-            <a:off x="9239793" y="4717591"/>
-            <a:ext cx="2598057" cy="646331"/>
+            <a:off x="7913405" y="5606042"/>
+            <a:ext cx="1341008" cy="307777"/>
           </a:xfrm>
           <a:prstGeom prst="rect">
             <a:avLst/>
           </a:prstGeom>
-          <a:solidFill>
-            <a:schemeClr val="accent3">
-              <a:lumMod val="20000"/>
-              <a:lumOff val="80000"/>
-            </a:schemeClr>
-          </a:solidFill>
+          <a:noFill/>
         </p:spPr>
         <p:txBody>
-          <a:bodyPr wrap="square" rtlCol="0">
+          <a:bodyPr wrap="none" rtlCol="0">
             <a:spAutoFit/>
           </a:bodyPr>
           <a:lstStyle/>
           <a:p>
             <a:r>
-              <a:rPr lang="en-US" b="1" dirty="0"/>
-              <a:t>What would PCA do to our Boolean variables?</a:t>
+              <a:rPr lang="en-US" sz="1400" dirty="0"/>
+              <a:t>18% of variance</a:t>
+            </a:r>
+          </a:p>
+        </p:txBody>
+      </p:sp>
+      <p:sp>
+        <p:nvSpPr>
+          <p:cNvPr id="12" name="TextBox 11">
+            <a:extLst>
+              <a:ext uri="{FF2B5EF4-FFF2-40B4-BE49-F238E27FC236}">
+                <a16:creationId xmlns:a16="http://schemas.microsoft.com/office/drawing/2014/main" id="{6E76EE9D-85E4-4406-BEA8-04644A788C1A}"/>
+              </a:ext>
+            </a:extLst>
+          </p:cNvPr>
+          <p:cNvSpPr txBox="1"/>
+          <p:nvPr/>
+        </p:nvSpPr>
+        <p:spPr>
+          <a:xfrm rot="16200000">
+            <a:off x="5579385" y="3128012"/>
+            <a:ext cx="1341008" cy="307777"/>
+          </a:xfrm>
+          <a:prstGeom prst="rect">
+            <a:avLst/>
+          </a:prstGeom>
+          <a:noFill/>
+        </p:spPr>
+        <p:txBody>
+          <a:bodyPr wrap="none" rtlCol="0">
+            <a:spAutoFit/>
+          </a:bodyPr>
+          <a:lstStyle/>
+          <a:p>
+            <a:r>
+              <a:rPr lang="en-US" sz="1400" dirty="0"/>
+              <a:t>16% of variance</a:t>
             </a:r>
           </a:p>
         </p:txBody>
@@ -6645,7 +8085,7 @@
     </p:spTree>
     <p:extLst>
       <p:ext uri="{BB962C8B-B14F-4D97-AF65-F5344CB8AC3E}">
-        <p14:creationId xmlns:p14="http://schemas.microsoft.com/office/powerpoint/2010/main" val="1678859726"/>
+        <p14:creationId xmlns:p14="http://schemas.microsoft.com/office/powerpoint/2010/main" val="3485190855"/>
       </p:ext>
     </p:extLst>
   </p:cSld>
@@ -6673,125 +8113,72 @@
                             </p:stCondLst>
                             <p:childTnLst>
                               <p:par>
-                                <p:cTn id="5" presetID="10" presetClass="entr" presetSubtype="0" fill="hold" grpId="0" nodeType="clickEffect">
+                                <p:cTn id="5" presetID="10" presetClass="exit" presetSubtype="0" fill="hold" grpId="0" nodeType="clickEffect">
                                   <p:stCondLst>
                                     <p:cond delay="0"/>
                                   </p:stCondLst>
                                   <p:childTnLst>
+                                    <p:animEffect transition="out" filter="fade">
+                                      <p:cBhvr>
+                                        <p:cTn id="6" dur="500"/>
+                                        <p:tgtEl>
+                                          <p:spTgt spid="9"/>
+                                        </p:tgtEl>
+                                      </p:cBhvr>
+                                    </p:animEffect>
                                     <p:set>
                                       <p:cBhvr>
-                                        <p:cTn id="6" dur="1" fill="hold">
+                                        <p:cTn id="7" dur="1" fill="hold">
                                           <p:stCondLst>
-                                            <p:cond delay="0"/>
+                                            <p:cond delay="499"/>
                                           </p:stCondLst>
                                         </p:cTn>
                                         <p:tgtEl>
-                                          <p:spTgt spid="11"/>
+                                          <p:spTgt spid="9"/>
                                         </p:tgtEl>
                                         <p:attrNameLst>
                                           <p:attrName>style.visibility</p:attrName>
                                         </p:attrNameLst>
                                       </p:cBhvr>
                                       <p:to>
-                                        <p:strVal val="visible"/>
+                                        <p:strVal val="hidden"/>
                                       </p:to>
                                     </p:set>
-                                    <p:animEffect transition="in" filter="fade">
-                                      <p:cBhvr>
-                                        <p:cTn id="7" dur="500"/>
-                                        <p:tgtEl>
-                                          <p:spTgt spid="11"/>
-                                        </p:tgtEl>
-                                      </p:cBhvr>
-                                    </p:animEffect>
                                   </p:childTnLst>
                                 </p:cTn>
                               </p:par>
                               <p:par>
-                                <p:cTn id="8" presetID="10" presetClass="entr" presetSubtype="0" fill="hold" grpId="0" nodeType="withEffect">
+                                <p:cTn id="8" presetID="10" presetClass="exit" presetSubtype="0" fill="hold" nodeType="withEffect">
                                   <p:stCondLst>
                                     <p:cond delay="0"/>
                                   </p:stCondLst>
                                   <p:childTnLst>
+                                    <p:animEffect transition="out" filter="fade">
+                                      <p:cBhvr>
+                                        <p:cTn id="9" dur="500"/>
+                                        <p:tgtEl>
+                                          <p:spTgt spid="12290"/>
+                                        </p:tgtEl>
+                                      </p:cBhvr>
+                                    </p:animEffect>
                                     <p:set>
                                       <p:cBhvr>
-                                        <p:cTn id="9" dur="1" fill="hold">
+                                        <p:cTn id="10" dur="1" fill="hold">
                                           <p:stCondLst>
-                                            <p:cond delay="0"/>
+                                            <p:cond delay="499"/>
                                           </p:stCondLst>
                                         </p:cTn>
                                         <p:tgtEl>
-                                          <p:spTgt spid="12"/>
+                                          <p:spTgt spid="12290"/>
                                         </p:tgtEl>
                                         <p:attrNameLst>
                                           <p:attrName>style.visibility</p:attrName>
                                         </p:attrNameLst>
                                       </p:cBhvr>
                                       <p:to>
-                                        <p:strVal val="visible"/>
+                                        <p:strVal val="hidden"/>
                                       </p:to>
                                     </p:set>
-                                    <p:animEffect transition="in" filter="fade">
-                                      <p:cBhvr>
-                                        <p:cTn id="10" dur="500"/>
-                                        <p:tgtEl>
-                                          <p:spTgt spid="12"/>
-                                        </p:tgtEl>
-                                      </p:cBhvr>
-                                    </p:animEffect>
-                                  </p:childTnLst>
-                                </p:cTn>
-                              </p:par>
-                            </p:childTnLst>
-                          </p:cTn>
-                        </p:par>
-                      </p:childTnLst>
-                    </p:cTn>
-                  </p:par>
-                  <p:par>
-                    <p:cTn id="11" fill="hold">
-                      <p:stCondLst>
-                        <p:cond delay="indefinite"/>
-                      </p:stCondLst>
-                      <p:childTnLst>
-                        <p:par>
-                          <p:cTn id="12" fill="hold">
-                            <p:stCondLst>
-                              <p:cond delay="0"/>
-                            </p:stCondLst>
-                            <p:childTnLst>
-                              <p:par>
-                                <p:cTn id="13" presetID="10" presetClass="entr" presetSubtype="0" fill="hold" grpId="0" nodeType="clickEffect">
-                                  <p:stCondLst>
-                                    <p:cond delay="0"/>
-                                  </p:stCondLst>
-                                  <p:childTnLst>
-                                    <p:set>
-                                      <p:cBhvr>
-                                        <p:cTn id="14" dur="1" fill="hold">
-                                          <p:stCondLst>
-                                            <p:cond delay="0"/>
-                                          </p:stCondLst>
-                                        </p:cTn>
-                                        <p:tgtEl>
-                                          <p:spTgt spid="13"/>
-                                        </p:tgtEl>
-                                        <p:attrNameLst>
-                                          <p:attrName>style.visibility</p:attrName>
-                                        </p:attrNameLst>
-                                      </p:cBhvr>
-                                      <p:to>
-                                        <p:strVal val="visible"/>
-                                      </p:to>
-                                    </p:set>
-                                    <p:animEffect transition="in" filter="fade">
-                                      <p:cBhvr>
-                                        <p:cTn id="15" dur="500"/>
-                                        <p:tgtEl>
-                                          <p:spTgt spid="13"/>
-                                        </p:tgtEl>
-                                      </p:cBhvr>
-                                    </p:animEffect>
                                   </p:childTnLst>
                                 </p:cTn>
                               </p:par>
@@ -6823,15 +8210,13 @@
       </p:par>
     </p:tnLst>
     <p:bldLst>
-      <p:bldP spid="11" grpId="0" animBg="1"/>
-      <p:bldP spid="12" grpId="0" animBg="1"/>
-      <p:bldP spid="13" grpId="0" animBg="1"/>
+      <p:bldP spid="9" grpId="0"/>
     </p:bldLst>
   </p:timing>
 </p:sld>
 </file>
 
-<file path=ppt/slides/slide13.xml><?xml version="1.0" encoding="utf-8"?>
+<file path=ppt/slides/slide14.xml><?xml version="1.0" encoding="utf-8"?>
 <p:sld xmlns:a="http://schemas.openxmlformats.org/drawingml/2006/main" xmlns:r="http://schemas.openxmlformats.org/officeDocument/2006/relationships" xmlns:p="http://schemas.openxmlformats.org/presentationml/2006/main">
   <p:cSld>
     <p:spTree>
@@ -8059,7 +9444,7 @@
 </p:sld>
 </file>
 
-<file path=ppt/slides/slide14.xml><?xml version="1.0" encoding="utf-8"?>
+<file path=ppt/slides/slide15.xml><?xml version="1.0" encoding="utf-8"?>
 <p:sld xmlns:a="http://schemas.openxmlformats.org/drawingml/2006/main" xmlns:r="http://schemas.openxmlformats.org/officeDocument/2006/relationships" xmlns:p="http://schemas.openxmlformats.org/presentationml/2006/main">
   <p:cSld>
     <p:spTree>
@@ -9436,7 +10821,7 @@
 </p:sld>
 </file>
 
-<file path=ppt/slides/slide15.xml><?xml version="1.0" encoding="utf-8"?>
+<file path=ppt/slides/slide16.xml><?xml version="1.0" encoding="utf-8"?>
 <p:sld xmlns:a="http://schemas.openxmlformats.org/drawingml/2006/main" xmlns:r="http://schemas.openxmlformats.org/officeDocument/2006/relationships" xmlns:p="http://schemas.openxmlformats.org/presentationml/2006/main">
   <p:cSld>
     <p:spTree>
@@ -10321,7 +11706,7 @@
 </p:sld>
 </file>
 
-<file path=ppt/slides/slide16.xml><?xml version="1.0" encoding="utf-8"?>
+<file path=ppt/slides/slide17.xml><?xml version="1.0" encoding="utf-8"?>
 <p:sld xmlns:a="http://schemas.openxmlformats.org/drawingml/2006/main" xmlns:r="http://schemas.openxmlformats.org/officeDocument/2006/relationships" xmlns:p="http://schemas.openxmlformats.org/presentationml/2006/main">
   <p:cSld>
     <p:spTree>
@@ -10457,10 +11842,10 @@
       </p:sp>
       <p:pic>
         <p:nvPicPr>
-          <p:cNvPr id="13316" name="Picture 4">
+          <p:cNvPr id="7170" name="Picture 2">
             <a:extLst>
               <a:ext uri="{FF2B5EF4-FFF2-40B4-BE49-F238E27FC236}">
-                <a16:creationId xmlns:a16="http://schemas.microsoft.com/office/drawing/2014/main" id="{18F67C78-A97B-4767-A4CC-F8EE1D0BFB1F}"/>
+                <a16:creationId xmlns:a16="http://schemas.microsoft.com/office/drawing/2014/main" id="{B34D1294-E805-459A-BE3C-73AA67BD7B5C}"/>
               </a:ext>
             </a:extLst>
           </p:cNvPr>
@@ -10470,7 +11855,7 @@
           <p:nvPr/>
         </p:nvPicPr>
         <p:blipFill>
-          <a:blip r:embed="rId2">
+          <a:blip r:embed="rId3">
             <a:extLst>
               <a:ext uri="{28A0092B-C50C-407E-A947-70E740481C1C}">
                 <a14:useLocalDpi xmlns:a14="http://schemas.microsoft.com/office/drawing/2010/main" val="0"/>
@@ -10484,8 +11869,8 @@
         </p:blipFill>
         <p:spPr bwMode="auto">
           <a:xfrm>
-            <a:off x="91411" y="1525421"/>
-            <a:ext cx="11333931" cy="3587811"/>
+            <a:off x="185738" y="1528763"/>
+            <a:ext cx="11820525" cy="3800475"/>
           </a:xfrm>
           <a:prstGeom prst="rect">
             <a:avLst/>
@@ -10502,6 +11887,118 @@
           </a:extLst>
         </p:spPr>
       </p:pic>
+    </p:spTree>
+    <p:extLst>
+      <p:ext uri="{BB962C8B-B14F-4D97-AF65-F5344CB8AC3E}">
+        <p14:creationId xmlns:p14="http://schemas.microsoft.com/office/powerpoint/2010/main" val="989037104"/>
+      </p:ext>
+    </p:extLst>
+  </p:cSld>
+  <p:clrMapOvr>
+    <a:masterClrMapping/>
+  </p:clrMapOvr>
+</p:sld>
+</file>
+
+<file path=ppt/slides/slide18.xml><?xml version="1.0" encoding="utf-8"?>
+<p:sld xmlns:a="http://schemas.openxmlformats.org/drawingml/2006/main" xmlns:r="http://schemas.openxmlformats.org/officeDocument/2006/relationships" xmlns:p="http://schemas.openxmlformats.org/presentationml/2006/main">
+  <p:cSld>
+    <p:spTree>
+      <p:nvGrpSpPr>
+        <p:cNvPr id="1" name=""/>
+        <p:cNvGrpSpPr/>
+        <p:nvPr/>
+      </p:nvGrpSpPr>
+      <p:grpSpPr>
+        <a:xfrm>
+          <a:off x="0" y="0"/>
+          <a:ext cx="0" cy="0"/>
+          <a:chOff x="0" y="0"/>
+          <a:chExt cx="0" cy="0"/>
+        </a:xfrm>
+      </p:grpSpPr>
+      <p:sp>
+        <p:nvSpPr>
+          <p:cNvPr id="4" name="Rectangle 3">
+            <a:extLst>
+              <a:ext uri="{FF2B5EF4-FFF2-40B4-BE49-F238E27FC236}">
+                <a16:creationId xmlns:a16="http://schemas.microsoft.com/office/drawing/2014/main" id="{EAC4D742-BBDF-4B86-8616-C724315B18A5}"/>
+              </a:ext>
+            </a:extLst>
+          </p:cNvPr>
+          <p:cNvSpPr/>
+          <p:nvPr/>
+        </p:nvSpPr>
+        <p:spPr>
+          <a:xfrm>
+            <a:off x="854242" y="1660358"/>
+            <a:ext cx="10539663" cy="144379"/>
+          </a:xfrm>
+          <a:prstGeom prst="rect">
+            <a:avLst/>
+          </a:prstGeom>
+          <a:ln>
+            <a:solidFill>
+              <a:schemeClr val="bg1"/>
+            </a:solidFill>
+          </a:ln>
+        </p:spPr>
+        <p:style>
+          <a:lnRef idx="2">
+            <a:schemeClr val="dk1"/>
+          </a:lnRef>
+          <a:fillRef idx="1">
+            <a:schemeClr val="lt1"/>
+          </a:fillRef>
+          <a:effectRef idx="0">
+            <a:schemeClr val="dk1"/>
+          </a:effectRef>
+          <a:fontRef idx="minor">
+            <a:schemeClr val="dk1"/>
+          </a:fontRef>
+        </p:style>
+        <p:txBody>
+          <a:bodyPr rtlCol="0" anchor="ctr"/>
+          <a:lstStyle/>
+          <a:p>
+            <a:pPr algn="ctr"/>
+            <a:endParaRPr lang="en-US" dirty="0"/>
+          </a:p>
+        </p:txBody>
+      </p:sp>
+      <p:sp>
+        <p:nvSpPr>
+          <p:cNvPr id="2" name="Title 1">
+            <a:extLst>
+              <a:ext uri="{FF2B5EF4-FFF2-40B4-BE49-F238E27FC236}">
+                <a16:creationId xmlns:a16="http://schemas.microsoft.com/office/drawing/2014/main" id="{5BC616D9-14F3-4F9A-94DD-D8464CB9287C}"/>
+              </a:ext>
+            </a:extLst>
+          </p:cNvPr>
+          <p:cNvSpPr>
+            <a:spLocks noGrp="1"/>
+          </p:cNvSpPr>
+          <p:nvPr>
+            <p:ph type="title"/>
+          </p:nvPr>
+        </p:nvSpPr>
+        <p:spPr>
+          <a:xfrm>
+            <a:off x="1097280" y="143395"/>
+            <a:ext cx="10058400" cy="845511"/>
+          </a:xfrm>
+        </p:spPr>
+        <p:txBody>
+          <a:bodyPr/>
+          <a:lstStyle/>
+          <a:p>
+            <a:r>
+              <a:rPr lang="en-US" dirty="0"/>
+              <a:t>Predicting Disruptive Behavior</a:t>
+            </a:r>
+          </a:p>
+        </p:txBody>
+      </p:sp>
       <p:graphicFrame>
         <p:nvGraphicFramePr>
           <p:cNvPr id="5" name="Table 4">
@@ -10517,13 +12014,13 @@
           <p:nvPr>
             <p:extLst>
               <p:ext uri="{D42A27DB-BD31-4B8C-83A1-F6EECF244321}">
-                <p14:modId xmlns:p14="http://schemas.microsoft.com/office/powerpoint/2010/main" val="2065753695"/>
+                <p14:modId xmlns:p14="http://schemas.microsoft.com/office/powerpoint/2010/main" val="1243764507"/>
               </p:ext>
             </p:extLst>
           </p:nvPr>
         </p:nvGraphicFramePr>
         <p:xfrm>
-          <a:off x="0" y="888460"/>
+          <a:off x="0" y="855514"/>
           <a:ext cx="12192000" cy="5538280"/>
         </p:xfrm>
         <a:graphic>
@@ -10766,7 +12263,7 @@
                     <a:p>
                       <a:pPr algn="r" fontAlgn="ctr"/>
                       <a:r>
-                        <a:rPr lang="en-US" sz="2400">
+                        <a:rPr lang="en-US" sz="2400" dirty="0">
                           <a:effectLst/>
                         </a:rPr>
                         <a:t>Balanced</a:t>
@@ -10830,7 +12327,7 @@
                     <a:p>
                       <a:pPr algn="r" fontAlgn="ctr"/>
                       <a:r>
-                        <a:rPr lang="en-US" sz="2400">
+                        <a:rPr lang="en-US" sz="2400" dirty="0">
                           <a:effectLst/>
                         </a:rPr>
                         <a:t>.65</a:t>
@@ -11200,7 +12697,1712 @@
     </p:spTree>
     <p:extLst>
       <p:ext uri="{BB962C8B-B14F-4D97-AF65-F5344CB8AC3E}">
-        <p14:creationId xmlns:p14="http://schemas.microsoft.com/office/powerpoint/2010/main" val="989037104"/>
+        <p14:creationId xmlns:p14="http://schemas.microsoft.com/office/powerpoint/2010/main" val="1862382178"/>
+      </p:ext>
+    </p:extLst>
+  </p:cSld>
+  <p:clrMapOvr>
+    <a:masterClrMapping/>
+  </p:clrMapOvr>
+</p:sld>
+</file>
+
+<file path=ppt/slides/slide19.xml><?xml version="1.0" encoding="utf-8"?>
+<p:sld xmlns:a="http://schemas.openxmlformats.org/drawingml/2006/main" xmlns:r="http://schemas.openxmlformats.org/officeDocument/2006/relationships" xmlns:p="http://schemas.openxmlformats.org/presentationml/2006/main">
+  <p:cSld>
+    <p:spTree>
+      <p:nvGrpSpPr>
+        <p:cNvPr id="1" name=""/>
+        <p:cNvGrpSpPr/>
+        <p:nvPr/>
+      </p:nvGrpSpPr>
+      <p:grpSpPr>
+        <a:xfrm>
+          <a:off x="0" y="0"/>
+          <a:ext cx="0" cy="0"/>
+          <a:chOff x="0" y="0"/>
+          <a:chExt cx="0" cy="0"/>
+        </a:xfrm>
+      </p:grpSpPr>
+      <p:sp>
+        <p:nvSpPr>
+          <p:cNvPr id="2" name="Title 1">
+            <a:extLst>
+              <a:ext uri="{FF2B5EF4-FFF2-40B4-BE49-F238E27FC236}">
+                <a16:creationId xmlns:a16="http://schemas.microsoft.com/office/drawing/2014/main" id="{1633D612-B020-410C-88FD-1077178FE501}"/>
+              </a:ext>
+            </a:extLst>
+          </p:cNvPr>
+          <p:cNvSpPr>
+            <a:spLocks noGrp="1"/>
+          </p:cNvSpPr>
+          <p:nvPr>
+            <p:ph type="title"/>
+          </p:nvPr>
+        </p:nvSpPr>
+        <p:spPr/>
+        <p:txBody>
+          <a:bodyPr/>
+          <a:lstStyle/>
+          <a:p>
+            <a:r>
+              <a:rPr lang="en-US" dirty="0"/>
+              <a:t>Resources</a:t>
+            </a:r>
+          </a:p>
+        </p:txBody>
+      </p:sp>
+      <p:sp>
+        <p:nvSpPr>
+          <p:cNvPr id="3" name="Content Placeholder 2">
+            <a:extLst>
+              <a:ext uri="{FF2B5EF4-FFF2-40B4-BE49-F238E27FC236}">
+                <a16:creationId xmlns:a16="http://schemas.microsoft.com/office/drawing/2014/main" id="{19CE4FD9-197F-4860-824D-B8AB17BB2A7B}"/>
+              </a:ext>
+            </a:extLst>
+          </p:cNvPr>
+          <p:cNvSpPr>
+            <a:spLocks noGrp="1"/>
+          </p:cNvSpPr>
+          <p:nvPr>
+            <p:ph idx="1"/>
+          </p:nvPr>
+        </p:nvSpPr>
+        <p:spPr/>
+        <p:txBody>
+          <a:bodyPr/>
+          <a:lstStyle/>
+          <a:p>
+            <a:pPr>
+              <a:buFont typeface="Arial" panose="020B0604020202020204" pitchFamily="34" charset="0"/>
+              <a:buChar char="•"/>
+            </a:pPr>
+            <a:r>
+              <a:rPr lang="en-US" dirty="0"/>
+              <a:t>Full study including original dataset:</a:t>
+            </a:r>
+          </a:p>
+          <a:p>
+            <a:pPr lvl="1">
+              <a:buFont typeface="Arial" panose="020B0604020202020204" pitchFamily="34" charset="0"/>
+              <a:buChar char="•"/>
+            </a:pPr>
+            <a:r>
+              <a:rPr lang="en-US" u="sng" dirty="0"/>
+              <a:t>Cross sectional associations of screen time and outdoor play with social skills in preschool children</a:t>
+            </a:r>
+          </a:p>
+          <a:p>
+            <a:pPr lvl="1">
+              <a:buFont typeface="Arial" panose="020B0604020202020204" pitchFamily="34" charset="0"/>
+              <a:buChar char="•"/>
+            </a:pPr>
+            <a:r>
+              <a:rPr lang="en-US" dirty="0">
+                <a:hlinkClick r:id="rId2"/>
+              </a:rPr>
+              <a:t>https://journals.plos.org/plosone/article?id=10.1371/journal.pone.0193700</a:t>
+            </a:r>
+            <a:r>
+              <a:rPr lang="en-US" dirty="0"/>
+              <a:t> </a:t>
+            </a:r>
+          </a:p>
+          <a:p>
+            <a:pPr>
+              <a:buFont typeface="Arial" panose="020B0604020202020204" pitchFamily="34" charset="0"/>
+              <a:buChar char="•"/>
+            </a:pPr>
+            <a:r>
+              <a:rPr lang="en-US" dirty="0"/>
+              <a:t>The best way for visual learners to gain an intuition for PCA/matrix transformations</a:t>
+            </a:r>
+          </a:p>
+          <a:p>
+            <a:pPr lvl="1">
+              <a:buFont typeface="Arial" panose="020B0604020202020204" pitchFamily="34" charset="0"/>
+              <a:buChar char="•"/>
+            </a:pPr>
+            <a:r>
+              <a:rPr lang="en-US" dirty="0"/>
+              <a:t>3blue1brown: Essence of Linear Algebra - </a:t>
+            </a:r>
+            <a:r>
+              <a:rPr lang="en-US" dirty="0">
+                <a:hlinkClick r:id="rId3"/>
+              </a:rPr>
+              <a:t>https://www.youtube.com/playlist?list=PLZHQObOWTQDPD3MizzM2xVFitgF8hE_ab</a:t>
+            </a:r>
+            <a:r>
+              <a:rPr lang="en-US" dirty="0"/>
+              <a:t> </a:t>
+            </a:r>
+          </a:p>
+          <a:p>
+            <a:pPr>
+              <a:buFont typeface="Arial" panose="020B0604020202020204" pitchFamily="34" charset="0"/>
+              <a:buChar char="•"/>
+            </a:pPr>
+            <a:r>
+              <a:rPr lang="en-US" dirty="0"/>
+              <a:t>A visualization for MCA (the best-practice alternative to PCA for categorical data):</a:t>
+            </a:r>
+          </a:p>
+          <a:p>
+            <a:pPr lvl="1">
+              <a:buFont typeface="Arial" panose="020B0604020202020204" pitchFamily="34" charset="0"/>
+              <a:buChar char="•"/>
+            </a:pPr>
+            <a:r>
+              <a:rPr lang="en-US" dirty="0"/>
+              <a:t>François </a:t>
+            </a:r>
+            <a:r>
+              <a:rPr lang="en-US" dirty="0" err="1"/>
+              <a:t>Husson</a:t>
+            </a:r>
+            <a:r>
+              <a:rPr lang="en-US" dirty="0"/>
+              <a:t> - </a:t>
+            </a:r>
+            <a:r>
+              <a:rPr lang="en-US" dirty="0">
+                <a:hlinkClick r:id="rId4"/>
+              </a:rPr>
+              <a:t>https://www.youtube.com/watch?v=b4kRAt4mkB8</a:t>
+            </a:r>
+            <a:r>
+              <a:rPr lang="en-US" dirty="0"/>
+              <a:t> </a:t>
+            </a:r>
+          </a:p>
+          <a:p>
+            <a:pPr>
+              <a:buFont typeface="Arial" panose="020B0604020202020204" pitchFamily="34" charset="0"/>
+              <a:buChar char="•"/>
+            </a:pPr>
+            <a:r>
+              <a:rPr lang="en-US" dirty="0"/>
+              <a:t>The </a:t>
+            </a:r>
+            <a:r>
+              <a:rPr lang="en-US" dirty="0" err="1"/>
+              <a:t>github</a:t>
+            </a:r>
+            <a:r>
+              <a:rPr lang="en-US" dirty="0"/>
+              <a:t> repo for this project:</a:t>
+            </a:r>
+          </a:p>
+          <a:p>
+            <a:pPr lvl="1">
+              <a:buFont typeface="Arial" panose="020B0604020202020204" pitchFamily="34" charset="0"/>
+              <a:buChar char="•"/>
+            </a:pPr>
+            <a:r>
+              <a:rPr lang="en-US" dirty="0">
+                <a:hlinkClick r:id="rId5"/>
+              </a:rPr>
+              <a:t>https://github.com/conditg/predicting-disruption</a:t>
+            </a:r>
+            <a:r>
+              <a:rPr lang="en-US" dirty="0"/>
+              <a:t> </a:t>
+            </a:r>
+          </a:p>
+          <a:p>
+            <a:pPr lvl="1">
+              <a:buFont typeface="Arial" panose="020B0604020202020204" pitchFamily="34" charset="0"/>
+              <a:buChar char="•"/>
+            </a:pPr>
+            <a:endParaRPr lang="en-US" dirty="0"/>
+          </a:p>
+        </p:txBody>
+      </p:sp>
+    </p:spTree>
+    <p:extLst>
+      <p:ext uri="{BB962C8B-B14F-4D97-AF65-F5344CB8AC3E}">
+        <p14:creationId xmlns:p14="http://schemas.microsoft.com/office/powerpoint/2010/main" val="1184802386"/>
+      </p:ext>
+    </p:extLst>
+  </p:cSld>
+  <p:clrMapOvr>
+    <a:masterClrMapping/>
+  </p:clrMapOvr>
+</p:sld>
+</file>
+
+<file path=ppt/slides/slide2.xml><?xml version="1.0" encoding="utf-8"?>
+<p:sld xmlns:a="http://schemas.openxmlformats.org/drawingml/2006/main" xmlns:r="http://schemas.openxmlformats.org/officeDocument/2006/relationships" xmlns:p="http://schemas.openxmlformats.org/presentationml/2006/main">
+  <p:cSld>
+    <p:spTree>
+      <p:nvGrpSpPr>
+        <p:cNvPr id="1" name=""/>
+        <p:cNvGrpSpPr/>
+        <p:nvPr/>
+      </p:nvGrpSpPr>
+      <p:grpSpPr>
+        <a:xfrm>
+          <a:off x="0" y="0"/>
+          <a:ext cx="0" cy="0"/>
+          <a:chOff x="0" y="0"/>
+          <a:chExt cx="0" cy="0"/>
+        </a:xfrm>
+      </p:grpSpPr>
+      <p:sp>
+        <p:nvSpPr>
+          <p:cNvPr id="15" name="Rectangle 14">
+            <a:extLst>
+              <a:ext uri="{FF2B5EF4-FFF2-40B4-BE49-F238E27FC236}">
+                <a16:creationId xmlns:a16="http://schemas.microsoft.com/office/drawing/2014/main" id="{605B86E5-57B4-4562-A60E-29A053F80D2D}"/>
+              </a:ext>
+            </a:extLst>
+          </p:cNvPr>
+          <p:cNvSpPr/>
+          <p:nvPr/>
+        </p:nvSpPr>
+        <p:spPr>
+          <a:xfrm>
+            <a:off x="854242" y="1660358"/>
+            <a:ext cx="10539663" cy="144379"/>
+          </a:xfrm>
+          <a:prstGeom prst="rect">
+            <a:avLst/>
+          </a:prstGeom>
+          <a:ln>
+            <a:solidFill>
+              <a:schemeClr val="bg1"/>
+            </a:solidFill>
+          </a:ln>
+        </p:spPr>
+        <p:style>
+          <a:lnRef idx="2">
+            <a:schemeClr val="dk1"/>
+          </a:lnRef>
+          <a:fillRef idx="1">
+            <a:schemeClr val="lt1"/>
+          </a:fillRef>
+          <a:effectRef idx="0">
+            <a:schemeClr val="dk1"/>
+          </a:effectRef>
+          <a:fontRef idx="minor">
+            <a:schemeClr val="dk1"/>
+          </a:fontRef>
+        </p:style>
+        <p:txBody>
+          <a:bodyPr rtlCol="0" anchor="ctr"/>
+          <a:lstStyle/>
+          <a:p>
+            <a:pPr algn="ctr"/>
+            <a:endParaRPr lang="en-US"/>
+          </a:p>
+        </p:txBody>
+      </p:sp>
+      <p:sp>
+        <p:nvSpPr>
+          <p:cNvPr id="2" name="Title 1">
+            <a:extLst>
+              <a:ext uri="{FF2B5EF4-FFF2-40B4-BE49-F238E27FC236}">
+                <a16:creationId xmlns:a16="http://schemas.microsoft.com/office/drawing/2014/main" id="{CDBA0C06-097A-4A84-AA69-49D756EBE7A8}"/>
+              </a:ext>
+            </a:extLst>
+          </p:cNvPr>
+          <p:cNvSpPr>
+            <a:spLocks noGrp="1"/>
+          </p:cNvSpPr>
+          <p:nvPr>
+            <p:ph type="title"/>
+          </p:nvPr>
+        </p:nvSpPr>
+        <p:spPr>
+          <a:xfrm>
+            <a:off x="0" y="-183672"/>
+            <a:ext cx="10058400" cy="938692"/>
+          </a:xfrm>
+        </p:spPr>
+        <p:txBody>
+          <a:bodyPr/>
+          <a:lstStyle/>
+          <a:p>
+            <a:r>
+              <a:rPr lang="en-US" dirty="0"/>
+              <a:t>Dataset: </a:t>
+            </a:r>
+          </a:p>
+        </p:txBody>
+      </p:sp>
+      <p:grpSp>
+        <p:nvGrpSpPr>
+          <p:cNvPr id="10" name="Group 9">
+            <a:extLst>
+              <a:ext uri="{FF2B5EF4-FFF2-40B4-BE49-F238E27FC236}">
+                <a16:creationId xmlns:a16="http://schemas.microsoft.com/office/drawing/2014/main" id="{36CF272D-4616-4CEC-A5EB-8F0DDF5399AE}"/>
+              </a:ext>
+            </a:extLst>
+          </p:cNvPr>
+          <p:cNvGrpSpPr/>
+          <p:nvPr/>
+        </p:nvGrpSpPr>
+        <p:grpSpPr>
+          <a:xfrm>
+            <a:off x="2764251" y="601626"/>
+            <a:ext cx="9201006" cy="5729004"/>
+            <a:chOff x="968906" y="603806"/>
+            <a:chExt cx="9201006" cy="5729004"/>
+          </a:xfrm>
+        </p:grpSpPr>
+        <p:pic>
+          <p:nvPicPr>
+            <p:cNvPr id="3" name="Picture 2">
+              <a:extLst>
+                <a:ext uri="{FF2B5EF4-FFF2-40B4-BE49-F238E27FC236}">
+                  <a16:creationId xmlns:a16="http://schemas.microsoft.com/office/drawing/2014/main" id="{3534FABF-6BA7-4301-AF0B-1E7D531F12F9}"/>
+                </a:ext>
+              </a:extLst>
+            </p:cNvPr>
+            <p:cNvPicPr>
+              <a:picLocks noChangeAspect="1"/>
+            </p:cNvPicPr>
+            <p:nvPr/>
+          </p:nvPicPr>
+          <p:blipFill rotWithShape="1">
+            <a:blip r:embed="rId3"/>
+            <a:srcRect l="2800" b="27037"/>
+            <a:stretch/>
+          </p:blipFill>
+          <p:spPr>
+            <a:xfrm>
+              <a:off x="2698595" y="603806"/>
+              <a:ext cx="7471317" cy="5672690"/>
+            </a:xfrm>
+            <a:prstGeom prst="rect">
+              <a:avLst/>
+            </a:prstGeom>
+          </p:spPr>
+        </p:pic>
+        <p:pic>
+          <p:nvPicPr>
+            <p:cNvPr id="5" name="Picture 4">
+              <a:extLst>
+                <a:ext uri="{FF2B5EF4-FFF2-40B4-BE49-F238E27FC236}">
+                  <a16:creationId xmlns:a16="http://schemas.microsoft.com/office/drawing/2014/main" id="{458A5C27-35D2-4E9F-8A24-B41B389F117F}"/>
+                </a:ext>
+              </a:extLst>
+            </p:cNvPr>
+            <p:cNvPicPr>
+              <a:picLocks noChangeAspect="1"/>
+            </p:cNvPicPr>
+            <p:nvPr/>
+          </p:nvPicPr>
+          <p:blipFill rotWithShape="1">
+            <a:blip r:embed="rId3"/>
+            <a:srcRect l="2800" t="74948" r="74735" b="1282"/>
+            <a:stretch/>
+          </p:blipFill>
+          <p:spPr>
+            <a:xfrm>
+              <a:off x="968906" y="4494995"/>
+              <a:ext cx="1717185" cy="1837815"/>
+            </a:xfrm>
+            <a:prstGeom prst="rect">
+              <a:avLst/>
+            </a:prstGeom>
+          </p:spPr>
+        </p:pic>
+      </p:grpSp>
+      <p:sp>
+        <p:nvSpPr>
+          <p:cNvPr id="7" name="Rectangle 6">
+            <a:extLst>
+              <a:ext uri="{FF2B5EF4-FFF2-40B4-BE49-F238E27FC236}">
+                <a16:creationId xmlns:a16="http://schemas.microsoft.com/office/drawing/2014/main" id="{3856697F-55A8-4BFE-9700-5162A9856144}"/>
+              </a:ext>
+            </a:extLst>
+          </p:cNvPr>
+          <p:cNvSpPr/>
+          <p:nvPr/>
+        </p:nvSpPr>
+        <p:spPr>
+          <a:xfrm>
+            <a:off x="2472391" y="6444064"/>
+            <a:ext cx="7247217" cy="369332"/>
+          </a:xfrm>
+          <a:prstGeom prst="rect">
+            <a:avLst/>
+          </a:prstGeom>
+        </p:spPr>
+        <p:txBody>
+          <a:bodyPr wrap="square">
+            <a:spAutoFit/>
+          </a:bodyPr>
+          <a:lstStyle/>
+          <a:p>
+            <a:r>
+              <a:rPr lang="en-US" i="1" dirty="0">
+                <a:solidFill>
+                  <a:schemeClr val="bg1"/>
+                </a:solidFill>
+              </a:rPr>
+              <a:t>https://journals.plos.org/plosone/article?id=10.1371/journal.pone.0193700</a:t>
+            </a:r>
+          </a:p>
+        </p:txBody>
+      </p:sp>
+      <p:sp>
+        <p:nvSpPr>
+          <p:cNvPr id="8" name="TextBox 7">
+            <a:extLst>
+              <a:ext uri="{FF2B5EF4-FFF2-40B4-BE49-F238E27FC236}">
+                <a16:creationId xmlns:a16="http://schemas.microsoft.com/office/drawing/2014/main" id="{085AF7E6-3868-4A80-886F-F01DC7599A4B}"/>
+              </a:ext>
+            </a:extLst>
+          </p:cNvPr>
+          <p:cNvSpPr txBox="1"/>
+          <p:nvPr/>
+        </p:nvSpPr>
+        <p:spPr>
+          <a:xfrm>
+            <a:off x="144965" y="805996"/>
+            <a:ext cx="3137881" cy="3693319"/>
+          </a:xfrm>
+          <a:prstGeom prst="rect">
+            <a:avLst/>
+          </a:prstGeom>
+          <a:noFill/>
+        </p:spPr>
+        <p:txBody>
+          <a:bodyPr wrap="square" rtlCol="0">
+            <a:spAutoFit/>
+          </a:bodyPr>
+          <a:lstStyle/>
+          <a:p>
+            <a:pPr marL="285750" indent="-285750">
+              <a:buFont typeface="Arial" panose="020B0604020202020204" pitchFamily="34" charset="0"/>
+              <a:buChar char="•"/>
+            </a:pPr>
+            <a:r>
+              <a:rPr lang="en-US" dirty="0"/>
+              <a:t>575 mothers with a child (54% boys) aged 2–5 years in diverse neighborhoods throughout Melbourne. </a:t>
+            </a:r>
+          </a:p>
+          <a:p>
+            <a:pPr marL="285750" indent="-285750">
+              <a:buFont typeface="Arial" panose="020B0604020202020204" pitchFamily="34" charset="0"/>
+              <a:buChar char="•"/>
+            </a:pPr>
+            <a:endParaRPr lang="en-US" dirty="0"/>
+          </a:p>
+          <a:p>
+            <a:pPr marL="285750" indent="-285750">
+              <a:buFont typeface="Arial" panose="020B0604020202020204" pitchFamily="34" charset="0"/>
+              <a:buChar char="•"/>
+            </a:pPr>
+            <a:r>
+              <a:rPr lang="en-US" dirty="0"/>
+              <a:t>Mothers were found via ads on parenting and child education blogs</a:t>
+            </a:r>
+          </a:p>
+          <a:p>
+            <a:pPr marL="285750" indent="-285750">
+              <a:buFont typeface="Arial" panose="020B0604020202020204" pitchFamily="34" charset="0"/>
+              <a:buChar char="•"/>
+            </a:pPr>
+            <a:endParaRPr lang="en-US" dirty="0"/>
+          </a:p>
+          <a:p>
+            <a:pPr marL="285750" indent="-285750">
+              <a:buFont typeface="Arial" panose="020B0604020202020204" pitchFamily="34" charset="0"/>
+              <a:buChar char="•"/>
+            </a:pPr>
+            <a:r>
+              <a:rPr lang="en-US" dirty="0"/>
+              <a:t>Mothers were instructed to report their child’s screen time, outdoor play time and social skills (ASBI system)</a:t>
+            </a:r>
+          </a:p>
+        </p:txBody>
+      </p:sp>
+      <p:grpSp>
+        <p:nvGrpSpPr>
+          <p:cNvPr id="28" name="Group 27">
+            <a:extLst>
+              <a:ext uri="{FF2B5EF4-FFF2-40B4-BE49-F238E27FC236}">
+                <a16:creationId xmlns:a16="http://schemas.microsoft.com/office/drawing/2014/main" id="{BAB10787-A21A-4EA1-8278-F38CA8290091}"/>
+              </a:ext>
+            </a:extLst>
+          </p:cNvPr>
+          <p:cNvGrpSpPr/>
+          <p:nvPr/>
+        </p:nvGrpSpPr>
+        <p:grpSpPr>
+          <a:xfrm>
+            <a:off x="4493940" y="1572322"/>
+            <a:ext cx="6110870" cy="2785669"/>
+            <a:chOff x="4493940" y="1572322"/>
+            <a:chExt cx="6110870" cy="2785669"/>
+          </a:xfrm>
+        </p:grpSpPr>
+        <p:sp>
+          <p:nvSpPr>
+            <p:cNvPr id="11" name="Rectangle 10">
+              <a:extLst>
+                <a:ext uri="{FF2B5EF4-FFF2-40B4-BE49-F238E27FC236}">
+                  <a16:creationId xmlns:a16="http://schemas.microsoft.com/office/drawing/2014/main" id="{6E87A352-9A1A-4077-89BD-4B550BA3C385}"/>
+                </a:ext>
+              </a:extLst>
+            </p:cNvPr>
+            <p:cNvSpPr/>
+            <p:nvPr/>
+          </p:nvSpPr>
+          <p:spPr>
+            <a:xfrm>
+              <a:off x="4493940" y="2520176"/>
+              <a:ext cx="5590761" cy="1837815"/>
+            </a:xfrm>
+            <a:prstGeom prst="rect">
+              <a:avLst/>
+            </a:prstGeom>
+            <a:noFill/>
+            <a:ln w="28575" cap="flat" cmpd="sng" algn="ctr">
+              <a:solidFill>
+                <a:srgbClr val="00B050"/>
+              </a:solidFill>
+              <a:prstDash val="solid"/>
+              <a:round/>
+              <a:headEnd type="none" w="med" len="med"/>
+              <a:tailEnd type="none" w="med" len="med"/>
+            </a:ln>
+          </p:spPr>
+          <p:style>
+            <a:lnRef idx="0">
+              <a:scrgbClr r="0" g="0" b="0"/>
+            </a:lnRef>
+            <a:fillRef idx="0">
+              <a:scrgbClr r="0" g="0" b="0"/>
+            </a:fillRef>
+            <a:effectRef idx="0">
+              <a:scrgbClr r="0" g="0" b="0"/>
+            </a:effectRef>
+            <a:fontRef idx="minor">
+              <a:schemeClr val="accent4"/>
+            </a:fontRef>
+          </p:style>
+          <p:txBody>
+            <a:bodyPr rtlCol="0" anchor="ctr"/>
+            <a:lstStyle/>
+            <a:p>
+              <a:pPr algn="ctr"/>
+              <a:endParaRPr lang="en-US"/>
+            </a:p>
+          </p:txBody>
+        </p:sp>
+        <p:cxnSp>
+          <p:nvCxnSpPr>
+            <p:cNvPr id="13" name="Straight Arrow Connector 12">
+              <a:extLst>
+                <a:ext uri="{FF2B5EF4-FFF2-40B4-BE49-F238E27FC236}">
+                  <a16:creationId xmlns:a16="http://schemas.microsoft.com/office/drawing/2014/main" id="{F71B7C3A-274E-4798-9139-A801DEBF5EEB}"/>
+                </a:ext>
+              </a:extLst>
+            </p:cNvPr>
+            <p:cNvCxnSpPr>
+              <a:cxnSpLocks/>
+            </p:cNvCxnSpPr>
+            <p:nvPr/>
+          </p:nvCxnSpPr>
+          <p:spPr>
+            <a:xfrm flipV="1">
+              <a:off x="9837417" y="1572322"/>
+              <a:ext cx="767393" cy="939539"/>
+            </a:xfrm>
+            <a:prstGeom prst="straightConnector1">
+              <a:avLst/>
+            </a:prstGeom>
+            <a:ln w="38100" cap="flat" cmpd="sng" algn="ctr">
+              <a:solidFill>
+                <a:srgbClr val="00B050"/>
+              </a:solidFill>
+              <a:prstDash val="solid"/>
+              <a:round/>
+              <a:headEnd type="none" w="med" len="med"/>
+              <a:tailEnd type="arrow" w="med" len="med"/>
+            </a:ln>
+          </p:spPr>
+          <p:style>
+            <a:lnRef idx="0">
+              <a:scrgbClr r="0" g="0" b="0"/>
+            </a:lnRef>
+            <a:fillRef idx="0">
+              <a:scrgbClr r="0" g="0" b="0"/>
+            </a:fillRef>
+            <a:effectRef idx="0">
+              <a:scrgbClr r="0" g="0" b="0"/>
+            </a:effectRef>
+            <a:fontRef idx="minor">
+              <a:schemeClr val="tx1"/>
+            </a:fontRef>
+          </p:style>
+        </p:cxnSp>
+      </p:grpSp>
+      <p:grpSp>
+        <p:nvGrpSpPr>
+          <p:cNvPr id="33" name="Group 32">
+            <a:extLst>
+              <a:ext uri="{FF2B5EF4-FFF2-40B4-BE49-F238E27FC236}">
+                <a16:creationId xmlns:a16="http://schemas.microsoft.com/office/drawing/2014/main" id="{260F8025-39B7-444B-8C82-C0F47DDA0760}"/>
+              </a:ext>
+            </a:extLst>
+          </p:cNvPr>
+          <p:cNvGrpSpPr/>
+          <p:nvPr/>
+        </p:nvGrpSpPr>
+        <p:grpSpPr>
+          <a:xfrm>
+            <a:off x="2764251" y="4455643"/>
+            <a:ext cx="2066398" cy="1837815"/>
+            <a:chOff x="2764251" y="4455643"/>
+            <a:chExt cx="2066398" cy="1837815"/>
+          </a:xfrm>
+        </p:grpSpPr>
+        <p:sp>
+          <p:nvSpPr>
+            <p:cNvPr id="17" name="Rectangle 16">
+              <a:extLst>
+                <a:ext uri="{FF2B5EF4-FFF2-40B4-BE49-F238E27FC236}">
+                  <a16:creationId xmlns:a16="http://schemas.microsoft.com/office/drawing/2014/main" id="{9A462AD8-83CE-4650-9C32-6C2ECA74EA29}"/>
+                </a:ext>
+              </a:extLst>
+            </p:cNvPr>
+            <p:cNvSpPr/>
+            <p:nvPr/>
+          </p:nvSpPr>
+          <p:spPr>
+            <a:xfrm>
+              <a:off x="2764251" y="4455643"/>
+              <a:ext cx="1697053" cy="1837815"/>
+            </a:xfrm>
+            <a:prstGeom prst="rect">
+              <a:avLst/>
+            </a:prstGeom>
+            <a:noFill/>
+            <a:ln w="28575" cap="flat" cmpd="sng" algn="ctr">
+              <a:solidFill>
+                <a:srgbClr val="00B050"/>
+              </a:solidFill>
+              <a:prstDash val="solid"/>
+              <a:round/>
+              <a:headEnd type="none" w="med" len="med"/>
+              <a:tailEnd type="none" w="med" len="med"/>
+            </a:ln>
+          </p:spPr>
+          <p:style>
+            <a:lnRef idx="0">
+              <a:scrgbClr r="0" g="0" b="0"/>
+            </a:lnRef>
+            <a:fillRef idx="0">
+              <a:scrgbClr r="0" g="0" b="0"/>
+            </a:fillRef>
+            <a:effectRef idx="0">
+              <a:scrgbClr r="0" g="0" b="0"/>
+            </a:effectRef>
+            <a:fontRef idx="minor">
+              <a:schemeClr val="accent4"/>
+            </a:fontRef>
+          </p:style>
+          <p:txBody>
+            <a:bodyPr rtlCol="0" anchor="ctr"/>
+            <a:lstStyle/>
+            <a:p>
+              <a:pPr algn="ctr"/>
+              <a:endParaRPr lang="en-US"/>
+            </a:p>
+          </p:txBody>
+        </p:sp>
+        <p:sp>
+          <p:nvSpPr>
+            <p:cNvPr id="32" name="Freeform: Shape 31">
+              <a:extLst>
+                <a:ext uri="{FF2B5EF4-FFF2-40B4-BE49-F238E27FC236}">
+                  <a16:creationId xmlns:a16="http://schemas.microsoft.com/office/drawing/2014/main" id="{23DDB5AB-4DED-4C00-8597-A2EB62D52941}"/>
+                </a:ext>
+              </a:extLst>
+            </p:cNvPr>
+            <p:cNvSpPr/>
+            <p:nvPr/>
+          </p:nvSpPr>
+          <p:spPr>
+            <a:xfrm>
+              <a:off x="4461304" y="4522680"/>
+              <a:ext cx="369345" cy="144379"/>
+            </a:xfrm>
+            <a:custGeom>
+              <a:avLst/>
+              <a:gdLst>
+                <a:gd name="connsiteX0" fmla="*/ 0 w 825190"/>
+                <a:gd name="connsiteY0" fmla="*/ 680750 h 680750"/>
+                <a:gd name="connsiteX1" fmla="*/ 479502 w 825190"/>
+                <a:gd name="connsiteY1" fmla="*/ 525 h 680750"/>
+                <a:gd name="connsiteX2" fmla="*/ 825190 w 825190"/>
+                <a:gd name="connsiteY2" fmla="*/ 591540 h 680750"/>
+              </a:gdLst>
+              <a:ahLst/>
+              <a:cxnLst>
+                <a:cxn ang="0">
+                  <a:pos x="connsiteX0" y="connsiteY0"/>
+                </a:cxn>
+                <a:cxn ang="0">
+                  <a:pos x="connsiteX1" y="connsiteY1"/>
+                </a:cxn>
+                <a:cxn ang="0">
+                  <a:pos x="connsiteX2" y="connsiteY2"/>
+                </a:cxn>
+              </a:cxnLst>
+              <a:rect l="l" t="t" r="r" b="b"/>
+              <a:pathLst>
+                <a:path w="825190" h="680750">
+                  <a:moveTo>
+                    <a:pt x="0" y="680750"/>
+                  </a:moveTo>
+                  <a:cubicBezTo>
+                    <a:pt x="170985" y="348071"/>
+                    <a:pt x="341970" y="15393"/>
+                    <a:pt x="479502" y="525"/>
+                  </a:cubicBezTo>
+                  <a:cubicBezTo>
+                    <a:pt x="617034" y="-14343"/>
+                    <a:pt x="721112" y="288598"/>
+                    <a:pt x="825190" y="591540"/>
+                  </a:cubicBezTo>
+                </a:path>
+              </a:pathLst>
+            </a:custGeom>
+            <a:ln w="38100" cap="flat" cmpd="sng" algn="ctr">
+              <a:solidFill>
+                <a:srgbClr val="00B050"/>
+              </a:solidFill>
+              <a:prstDash val="solid"/>
+              <a:round/>
+              <a:headEnd type="none" w="med" len="med"/>
+              <a:tailEnd type="arrow" w="med" len="med"/>
+            </a:ln>
+          </p:spPr>
+          <p:style>
+            <a:lnRef idx="0">
+              <a:scrgbClr r="0" g="0" b="0"/>
+            </a:lnRef>
+            <a:fillRef idx="0">
+              <a:scrgbClr r="0" g="0" b="0"/>
+            </a:fillRef>
+            <a:effectRef idx="0">
+              <a:scrgbClr r="0" g="0" b="0"/>
+            </a:effectRef>
+            <a:fontRef idx="minor">
+              <a:schemeClr val="tx1"/>
+            </a:fontRef>
+          </p:style>
+          <p:txBody>
+            <a:bodyPr rtlCol="0" anchor="ctr"/>
+            <a:lstStyle/>
+            <a:p>
+              <a:pPr algn="ctr"/>
+              <a:endParaRPr lang="en-US" dirty="0"/>
+            </a:p>
+          </p:txBody>
+        </p:sp>
+      </p:grpSp>
+      <p:grpSp>
+        <p:nvGrpSpPr>
+          <p:cNvPr id="38" name="Group 37">
+            <a:extLst>
+              <a:ext uri="{FF2B5EF4-FFF2-40B4-BE49-F238E27FC236}">
+                <a16:creationId xmlns:a16="http://schemas.microsoft.com/office/drawing/2014/main" id="{B97DFB83-437F-4D9E-8BEF-021B75B32C7B}"/>
+              </a:ext>
+            </a:extLst>
+          </p:cNvPr>
+          <p:cNvGrpSpPr/>
+          <p:nvPr/>
+        </p:nvGrpSpPr>
+        <p:grpSpPr>
+          <a:xfrm>
+            <a:off x="7936145" y="3458847"/>
+            <a:ext cx="4121615" cy="2834506"/>
+            <a:chOff x="7936145" y="3458847"/>
+            <a:chExt cx="4121615" cy="2834506"/>
+          </a:xfrm>
+        </p:grpSpPr>
+        <p:sp>
+          <p:nvSpPr>
+            <p:cNvPr id="35" name="Rectangle 34">
+              <a:extLst>
+                <a:ext uri="{FF2B5EF4-FFF2-40B4-BE49-F238E27FC236}">
+                  <a16:creationId xmlns:a16="http://schemas.microsoft.com/office/drawing/2014/main" id="{CEA92888-35E8-4258-A4EE-E6FA01674ADE}"/>
+                </a:ext>
+              </a:extLst>
+            </p:cNvPr>
+            <p:cNvSpPr/>
+            <p:nvPr/>
+          </p:nvSpPr>
+          <p:spPr>
+            <a:xfrm>
+              <a:off x="8307660" y="4455538"/>
+              <a:ext cx="3750100" cy="1837815"/>
+            </a:xfrm>
+            <a:prstGeom prst="rect">
+              <a:avLst/>
+            </a:prstGeom>
+            <a:noFill/>
+            <a:ln w="28575" cap="flat" cmpd="sng" algn="ctr">
+              <a:solidFill>
+                <a:srgbClr val="00B050"/>
+              </a:solidFill>
+              <a:prstDash val="solid"/>
+              <a:round/>
+              <a:headEnd type="none" w="med" len="med"/>
+              <a:tailEnd type="none" w="med" len="med"/>
+            </a:ln>
+          </p:spPr>
+          <p:style>
+            <a:lnRef idx="0">
+              <a:scrgbClr r="0" g="0" b="0"/>
+            </a:lnRef>
+            <a:fillRef idx="0">
+              <a:scrgbClr r="0" g="0" b="0"/>
+            </a:fillRef>
+            <a:effectRef idx="0">
+              <a:scrgbClr r="0" g="0" b="0"/>
+            </a:effectRef>
+            <a:fontRef idx="minor">
+              <a:schemeClr val="accent4"/>
+            </a:fontRef>
+          </p:style>
+          <p:txBody>
+            <a:bodyPr rtlCol="0" anchor="ctr"/>
+            <a:lstStyle/>
+            <a:p>
+              <a:pPr algn="ctr"/>
+              <a:endParaRPr lang="en-US"/>
+            </a:p>
+          </p:txBody>
+        </p:sp>
+        <p:sp>
+          <p:nvSpPr>
+            <p:cNvPr id="36" name="Freeform: Shape 35">
+              <a:extLst>
+                <a:ext uri="{FF2B5EF4-FFF2-40B4-BE49-F238E27FC236}">
+                  <a16:creationId xmlns:a16="http://schemas.microsoft.com/office/drawing/2014/main" id="{97CAEC55-A091-4FCD-A4B3-292F88934908}"/>
+                </a:ext>
+              </a:extLst>
+            </p:cNvPr>
+            <p:cNvSpPr/>
+            <p:nvPr/>
+          </p:nvSpPr>
+          <p:spPr>
+            <a:xfrm flipH="1">
+              <a:off x="7936145" y="4525257"/>
+              <a:ext cx="369345" cy="144379"/>
+            </a:xfrm>
+            <a:custGeom>
+              <a:avLst/>
+              <a:gdLst>
+                <a:gd name="connsiteX0" fmla="*/ 0 w 825190"/>
+                <a:gd name="connsiteY0" fmla="*/ 680750 h 680750"/>
+                <a:gd name="connsiteX1" fmla="*/ 479502 w 825190"/>
+                <a:gd name="connsiteY1" fmla="*/ 525 h 680750"/>
+                <a:gd name="connsiteX2" fmla="*/ 825190 w 825190"/>
+                <a:gd name="connsiteY2" fmla="*/ 591540 h 680750"/>
+              </a:gdLst>
+              <a:ahLst/>
+              <a:cxnLst>
+                <a:cxn ang="0">
+                  <a:pos x="connsiteX0" y="connsiteY0"/>
+                </a:cxn>
+                <a:cxn ang="0">
+                  <a:pos x="connsiteX1" y="connsiteY1"/>
+                </a:cxn>
+                <a:cxn ang="0">
+                  <a:pos x="connsiteX2" y="connsiteY2"/>
+                </a:cxn>
+              </a:cxnLst>
+              <a:rect l="l" t="t" r="r" b="b"/>
+              <a:pathLst>
+                <a:path w="825190" h="680750">
+                  <a:moveTo>
+                    <a:pt x="0" y="680750"/>
+                  </a:moveTo>
+                  <a:cubicBezTo>
+                    <a:pt x="170985" y="348071"/>
+                    <a:pt x="341970" y="15393"/>
+                    <a:pt x="479502" y="525"/>
+                  </a:cubicBezTo>
+                  <a:cubicBezTo>
+                    <a:pt x="617034" y="-14343"/>
+                    <a:pt x="721112" y="288598"/>
+                    <a:pt x="825190" y="591540"/>
+                  </a:cubicBezTo>
+                </a:path>
+              </a:pathLst>
+            </a:custGeom>
+            <a:ln w="38100" cap="flat" cmpd="sng" algn="ctr">
+              <a:solidFill>
+                <a:srgbClr val="00B050"/>
+              </a:solidFill>
+              <a:prstDash val="solid"/>
+              <a:round/>
+              <a:headEnd type="none" w="med" len="med"/>
+              <a:tailEnd type="arrow" w="med" len="med"/>
+            </a:ln>
+          </p:spPr>
+          <p:style>
+            <a:lnRef idx="0">
+              <a:scrgbClr r="0" g="0" b="0"/>
+            </a:lnRef>
+            <a:fillRef idx="0">
+              <a:scrgbClr r="0" g="0" b="0"/>
+            </a:fillRef>
+            <a:effectRef idx="0">
+              <a:scrgbClr r="0" g="0" b="0"/>
+            </a:effectRef>
+            <a:fontRef idx="minor">
+              <a:schemeClr val="tx1"/>
+            </a:fontRef>
+          </p:style>
+          <p:txBody>
+            <a:bodyPr rtlCol="0" anchor="ctr"/>
+            <a:lstStyle/>
+            <a:p>
+              <a:pPr algn="ctr"/>
+              <a:endParaRPr lang="en-US" dirty="0"/>
+            </a:p>
+          </p:txBody>
+        </p:sp>
+        <p:sp>
+          <p:nvSpPr>
+            <p:cNvPr id="37" name="Freeform: Shape 36">
+              <a:extLst>
+                <a:ext uri="{FF2B5EF4-FFF2-40B4-BE49-F238E27FC236}">
+                  <a16:creationId xmlns:a16="http://schemas.microsoft.com/office/drawing/2014/main" id="{1A53CCFB-C21C-4E33-A4A8-B4B707210593}"/>
+                </a:ext>
+              </a:extLst>
+            </p:cNvPr>
+            <p:cNvSpPr/>
+            <p:nvPr/>
+          </p:nvSpPr>
+          <p:spPr>
+            <a:xfrm rot="16594080" flipV="1">
+              <a:off x="10686538" y="3889375"/>
+              <a:ext cx="1013595" cy="152540"/>
+            </a:xfrm>
+            <a:custGeom>
+              <a:avLst/>
+              <a:gdLst>
+                <a:gd name="connsiteX0" fmla="*/ 0 w 825190"/>
+                <a:gd name="connsiteY0" fmla="*/ 680750 h 680750"/>
+                <a:gd name="connsiteX1" fmla="*/ 479502 w 825190"/>
+                <a:gd name="connsiteY1" fmla="*/ 525 h 680750"/>
+                <a:gd name="connsiteX2" fmla="*/ 825190 w 825190"/>
+                <a:gd name="connsiteY2" fmla="*/ 591540 h 680750"/>
+              </a:gdLst>
+              <a:ahLst/>
+              <a:cxnLst>
+                <a:cxn ang="0">
+                  <a:pos x="connsiteX0" y="connsiteY0"/>
+                </a:cxn>
+                <a:cxn ang="0">
+                  <a:pos x="connsiteX1" y="connsiteY1"/>
+                </a:cxn>
+                <a:cxn ang="0">
+                  <a:pos x="connsiteX2" y="connsiteY2"/>
+                </a:cxn>
+              </a:cxnLst>
+              <a:rect l="l" t="t" r="r" b="b"/>
+              <a:pathLst>
+                <a:path w="825190" h="680750">
+                  <a:moveTo>
+                    <a:pt x="0" y="680750"/>
+                  </a:moveTo>
+                  <a:cubicBezTo>
+                    <a:pt x="170985" y="348071"/>
+                    <a:pt x="341970" y="15393"/>
+                    <a:pt x="479502" y="525"/>
+                  </a:cubicBezTo>
+                  <a:cubicBezTo>
+                    <a:pt x="617034" y="-14343"/>
+                    <a:pt x="721112" y="288598"/>
+                    <a:pt x="825190" y="591540"/>
+                  </a:cubicBezTo>
+                </a:path>
+              </a:pathLst>
+            </a:custGeom>
+            <a:ln w="38100" cap="flat" cmpd="sng" algn="ctr">
+              <a:solidFill>
+                <a:srgbClr val="00B050"/>
+              </a:solidFill>
+              <a:prstDash val="solid"/>
+              <a:round/>
+              <a:headEnd type="none" w="med" len="med"/>
+              <a:tailEnd type="arrow" w="med" len="med"/>
+            </a:ln>
+          </p:spPr>
+          <p:style>
+            <a:lnRef idx="0">
+              <a:scrgbClr r="0" g="0" b="0"/>
+            </a:lnRef>
+            <a:fillRef idx="0">
+              <a:scrgbClr r="0" g="0" b="0"/>
+            </a:fillRef>
+            <a:effectRef idx="0">
+              <a:scrgbClr r="0" g="0" b="0"/>
+            </a:effectRef>
+            <a:fontRef idx="minor">
+              <a:schemeClr val="tx1"/>
+            </a:fontRef>
+          </p:style>
+          <p:txBody>
+            <a:bodyPr rtlCol="0" anchor="ctr"/>
+            <a:lstStyle/>
+            <a:p>
+              <a:pPr algn="ctr"/>
+              <a:endParaRPr lang="en-US" dirty="0"/>
+            </a:p>
+          </p:txBody>
+        </p:sp>
+      </p:grpSp>
+      <p:graphicFrame>
+        <p:nvGraphicFramePr>
+          <p:cNvPr id="19" name="Content Placeholder 5">
+            <a:extLst>
+              <a:ext uri="{FF2B5EF4-FFF2-40B4-BE49-F238E27FC236}">
+                <a16:creationId xmlns:a16="http://schemas.microsoft.com/office/drawing/2014/main" id="{DA25CB55-2162-4BEA-B1BE-BAF23C815FD0}"/>
+              </a:ext>
+            </a:extLst>
+          </p:cNvPr>
+          <p:cNvGraphicFramePr>
+            <a:graphicFrameLocks noGrp="1"/>
+          </p:cNvGraphicFramePr>
+          <p:nvPr>
+            <p:ph idx="1"/>
+            <p:extLst>
+              <p:ext uri="{D42A27DB-BD31-4B8C-83A1-F6EECF244321}">
+                <p14:modId xmlns:p14="http://schemas.microsoft.com/office/powerpoint/2010/main" val="2408344643"/>
+              </p:ext>
+            </p:extLst>
+          </p:nvPr>
+        </p:nvGraphicFramePr>
+        <p:xfrm>
+          <a:off x="3200559" y="583684"/>
+          <a:ext cx="9020013" cy="5760720"/>
+        </p:xfrm>
+        <a:graphic>
+          <a:graphicData uri="http://schemas.openxmlformats.org/drawingml/2006/table">
+            <a:tbl>
+              <a:tblPr firstRow="1" bandRow="1">
+                <a:tableStyleId>{6E25E649-3F16-4E02-A733-19D2CDBF48F0}</a:tableStyleId>
+              </a:tblPr>
+              <a:tblGrid>
+                <a:gridCol w="1768151">
+                  <a:extLst>
+                    <a:ext uri="{9D8B030D-6E8A-4147-A177-3AD203B41FA5}">
+                      <a16:colId xmlns:a16="http://schemas.microsoft.com/office/drawing/2014/main" val="2973856483"/>
+                    </a:ext>
+                  </a:extLst>
+                </a:gridCol>
+                <a:gridCol w="4245191">
+                  <a:extLst>
+                    <a:ext uri="{9D8B030D-6E8A-4147-A177-3AD203B41FA5}">
+                      <a16:colId xmlns:a16="http://schemas.microsoft.com/office/drawing/2014/main" val="852326656"/>
+                    </a:ext>
+                  </a:extLst>
+                </a:gridCol>
+                <a:gridCol w="3006671">
+                  <a:extLst>
+                    <a:ext uri="{9D8B030D-6E8A-4147-A177-3AD203B41FA5}">
+                      <a16:colId xmlns:a16="http://schemas.microsoft.com/office/drawing/2014/main" val="2637797131"/>
+                    </a:ext>
+                  </a:extLst>
+                </a:gridCol>
+              </a:tblGrid>
+              <a:tr h="362919">
+                <a:tc>
+                  <a:txBody>
+                    <a:bodyPr/>
+                    <a:lstStyle/>
+                    <a:p>
+                      <a:r>
+                        <a:rPr lang="en-US" dirty="0"/>
+                        <a:t>Name</a:t>
+                      </a:r>
+                    </a:p>
+                  </a:txBody>
+                  <a:tcPr/>
+                </a:tc>
+                <a:tc>
+                  <a:txBody>
+                    <a:bodyPr/>
+                    <a:lstStyle/>
+                    <a:p>
+                      <a:r>
+                        <a:rPr lang="en-US" dirty="0"/>
+                        <a:t>Description</a:t>
+                      </a:r>
+                    </a:p>
+                  </a:txBody>
+                  <a:tcPr/>
+                </a:tc>
+                <a:tc>
+                  <a:txBody>
+                    <a:bodyPr/>
+                    <a:lstStyle/>
+                    <a:p>
+                      <a:r>
+                        <a:rPr lang="en-US" dirty="0"/>
+                        <a:t>Type</a:t>
+                      </a:r>
+                    </a:p>
+                  </a:txBody>
+                  <a:tcPr/>
+                </a:tc>
+                <a:extLst>
+                  <a:ext uri="{0D108BD9-81ED-4DB2-BD59-A6C34878D82A}">
+                    <a16:rowId xmlns:a16="http://schemas.microsoft.com/office/drawing/2014/main" val="565807560"/>
+                  </a:ext>
+                </a:extLst>
+              </a:tr>
+              <a:tr h="362919">
+                <a:tc>
+                  <a:txBody>
+                    <a:bodyPr/>
+                    <a:lstStyle/>
+                    <a:p>
+                      <a:r>
+                        <a:rPr lang="en-US" dirty="0"/>
+                        <a:t>age</a:t>
+                      </a:r>
+                    </a:p>
+                  </a:txBody>
+                  <a:tcPr/>
+                </a:tc>
+                <a:tc>
+                  <a:txBody>
+                    <a:bodyPr/>
+                    <a:lstStyle/>
+                    <a:p>
+                      <a:r>
+                        <a:rPr lang="en-US" dirty="0"/>
+                        <a:t>Age, ranges 2-6</a:t>
+                      </a:r>
+                    </a:p>
+                  </a:txBody>
+                  <a:tcPr/>
+                </a:tc>
+                <a:tc>
+                  <a:txBody>
+                    <a:bodyPr/>
+                    <a:lstStyle/>
+                    <a:p>
+                      <a:r>
+                        <a:rPr lang="en-US" dirty="0"/>
+                        <a:t>Continuous Float</a:t>
+                      </a:r>
+                    </a:p>
+                  </a:txBody>
+                  <a:tcPr/>
+                </a:tc>
+                <a:extLst>
+                  <a:ext uri="{0D108BD9-81ED-4DB2-BD59-A6C34878D82A}">
+                    <a16:rowId xmlns:a16="http://schemas.microsoft.com/office/drawing/2014/main" val="850970370"/>
+                  </a:ext>
+                </a:extLst>
+              </a:tr>
+              <a:tr h="629096">
+                <a:tc>
+                  <a:txBody>
+                    <a:bodyPr/>
+                    <a:lstStyle/>
+                    <a:p>
+                      <a:r>
+                        <a:rPr lang="en-US" dirty="0"/>
+                        <a:t>express</a:t>
+                      </a:r>
+                    </a:p>
+                  </a:txBody>
+                  <a:tcPr/>
+                </a:tc>
+                <a:tc>
+                  <a:txBody>
+                    <a:bodyPr/>
+                    <a:lstStyle/>
+                    <a:p>
+                      <a:r>
+                        <a:rPr lang="en-US" dirty="0"/>
+                        <a:t>Child’s Ability to express themselves</a:t>
+                      </a:r>
+                    </a:p>
+                  </a:txBody>
+                  <a:tcPr/>
+                </a:tc>
+                <a:tc>
+                  <a:txBody>
+                    <a:bodyPr/>
+                    <a:lstStyle/>
+                    <a:p>
+                      <a:r>
+                        <a:rPr lang="en-US" dirty="0"/>
+                        <a:t>“continuous” integer (really a sum of 13 Likert scales)</a:t>
+                      </a:r>
+                    </a:p>
+                  </a:txBody>
+                  <a:tcPr/>
+                </a:tc>
+                <a:extLst>
+                  <a:ext uri="{0D108BD9-81ED-4DB2-BD59-A6C34878D82A}">
+                    <a16:rowId xmlns:a16="http://schemas.microsoft.com/office/drawing/2014/main" val="3232868234"/>
+                  </a:ext>
+                </a:extLst>
+              </a:tr>
+              <a:tr h="629096">
+                <a:tc>
+                  <a:txBody>
+                    <a:bodyPr/>
+                    <a:lstStyle/>
+                    <a:p>
+                      <a:r>
+                        <a:rPr lang="en-US" dirty="0"/>
+                        <a:t>comply</a:t>
+                      </a:r>
+                    </a:p>
+                  </a:txBody>
+                  <a:tcPr/>
+                </a:tc>
+                <a:tc>
+                  <a:txBody>
+                    <a:bodyPr/>
+                    <a:lstStyle/>
+                    <a:p>
+                      <a:pPr marL="0" marR="0" lvl="0" indent="0" algn="l" defTabSz="914400" rtl="0" eaLnBrk="1" fontAlgn="auto" latinLnBrk="0" hangingPunct="1">
+                        <a:lnSpc>
+                          <a:spcPct val="100000"/>
+                        </a:lnSpc>
+                        <a:spcBef>
+                          <a:spcPts val="0"/>
+                        </a:spcBef>
+                        <a:spcAft>
+                          <a:spcPts val="0"/>
+                        </a:spcAft>
+                        <a:buClrTx/>
+                        <a:buSzTx/>
+                        <a:buFontTx/>
+                        <a:buNone/>
+                        <a:tabLst/>
+                        <a:defRPr/>
+                      </a:pPr>
+                      <a:r>
+                        <a:rPr lang="en-US" dirty="0"/>
+                        <a:t>Child’s Ability to comply</a:t>
+                      </a:r>
+                    </a:p>
+                  </a:txBody>
+                  <a:tcPr/>
+                </a:tc>
+                <a:tc>
+                  <a:txBody>
+                    <a:bodyPr/>
+                    <a:lstStyle/>
+                    <a:p>
+                      <a:r>
+                        <a:rPr lang="en-US" dirty="0"/>
+                        <a:t>“continuous” integer (really a sum of 10 Likert scales)</a:t>
+                      </a:r>
+                    </a:p>
+                  </a:txBody>
+                  <a:tcPr/>
+                </a:tc>
+                <a:extLst>
+                  <a:ext uri="{0D108BD9-81ED-4DB2-BD59-A6C34878D82A}">
+                    <a16:rowId xmlns:a16="http://schemas.microsoft.com/office/drawing/2014/main" val="3420107227"/>
+                  </a:ext>
+                </a:extLst>
+              </a:tr>
+              <a:tr h="362919">
+                <a:tc>
+                  <a:txBody>
+                    <a:bodyPr/>
+                    <a:lstStyle/>
+                    <a:p>
+                      <a:r>
+                        <a:rPr lang="en-US" dirty="0" err="1"/>
+                        <a:t>tvTime</a:t>
+                      </a:r>
+                      <a:endParaRPr lang="en-US" dirty="0"/>
+                    </a:p>
+                  </a:txBody>
+                  <a:tcPr/>
+                </a:tc>
+                <a:tc>
+                  <a:txBody>
+                    <a:bodyPr/>
+                    <a:lstStyle/>
+                    <a:p>
+                      <a:r>
+                        <a:rPr lang="en-US" dirty="0"/>
+                        <a:t>Hours watching TV / day</a:t>
+                      </a:r>
+                    </a:p>
+                  </a:txBody>
+                  <a:tcPr/>
+                </a:tc>
+                <a:tc>
+                  <a:txBody>
+                    <a:bodyPr/>
+                    <a:lstStyle/>
+                    <a:p>
+                      <a:r>
+                        <a:rPr lang="en-US" dirty="0"/>
+                        <a:t>Continuous Float</a:t>
+                      </a:r>
+                    </a:p>
+                  </a:txBody>
+                  <a:tcPr/>
+                </a:tc>
+                <a:extLst>
+                  <a:ext uri="{0D108BD9-81ED-4DB2-BD59-A6C34878D82A}">
+                    <a16:rowId xmlns:a16="http://schemas.microsoft.com/office/drawing/2014/main" val="867921398"/>
+                  </a:ext>
+                </a:extLst>
+              </a:tr>
+              <a:tr h="362919">
+                <a:tc>
+                  <a:txBody>
+                    <a:bodyPr/>
+                    <a:lstStyle/>
+                    <a:p>
+                      <a:r>
+                        <a:rPr lang="en-US" dirty="0" err="1"/>
+                        <a:t>cpuTime</a:t>
+                      </a:r>
+                      <a:endParaRPr lang="en-US" dirty="0"/>
+                    </a:p>
+                  </a:txBody>
+                  <a:tcPr/>
+                </a:tc>
+                <a:tc>
+                  <a:txBody>
+                    <a:bodyPr/>
+                    <a:lstStyle/>
+                    <a:p>
+                      <a:r>
+                        <a:rPr lang="en-US" dirty="0"/>
+                        <a:t>Hours on Computer / day</a:t>
+                      </a:r>
+                    </a:p>
+                  </a:txBody>
+                  <a:tcPr/>
+                </a:tc>
+                <a:tc>
+                  <a:txBody>
+                    <a:bodyPr/>
+                    <a:lstStyle/>
+                    <a:p>
+                      <a:r>
+                        <a:rPr lang="en-US" dirty="0"/>
+                        <a:t>Continuous Float</a:t>
+                      </a:r>
+                    </a:p>
+                  </a:txBody>
+                  <a:tcPr/>
+                </a:tc>
+                <a:extLst>
+                  <a:ext uri="{0D108BD9-81ED-4DB2-BD59-A6C34878D82A}">
+                    <a16:rowId xmlns:a16="http://schemas.microsoft.com/office/drawing/2014/main" val="4207533664"/>
+                  </a:ext>
+                </a:extLst>
+              </a:tr>
+              <a:tr h="362919">
+                <a:tc>
+                  <a:txBody>
+                    <a:bodyPr/>
+                    <a:lstStyle/>
+                    <a:p>
+                      <a:r>
+                        <a:rPr lang="en-US" dirty="0" err="1"/>
+                        <a:t>outdoorTime</a:t>
+                      </a:r>
+                      <a:endParaRPr lang="en-US" dirty="0"/>
+                    </a:p>
+                  </a:txBody>
+                  <a:tcPr/>
+                </a:tc>
+                <a:tc>
+                  <a:txBody>
+                    <a:bodyPr/>
+                    <a:lstStyle/>
+                    <a:p>
+                      <a:r>
+                        <a:rPr lang="en-US" dirty="0"/>
+                        <a:t>Hours outside / day</a:t>
+                      </a:r>
+                    </a:p>
+                  </a:txBody>
+                  <a:tcPr/>
+                </a:tc>
+                <a:tc>
+                  <a:txBody>
+                    <a:bodyPr/>
+                    <a:lstStyle/>
+                    <a:p>
+                      <a:r>
+                        <a:rPr lang="en-US" dirty="0"/>
+                        <a:t>Continuous Float</a:t>
+                      </a:r>
+                    </a:p>
+                  </a:txBody>
+                  <a:tcPr/>
+                </a:tc>
+                <a:extLst>
+                  <a:ext uri="{0D108BD9-81ED-4DB2-BD59-A6C34878D82A}">
+                    <a16:rowId xmlns:a16="http://schemas.microsoft.com/office/drawing/2014/main" val="485859822"/>
+                  </a:ext>
+                </a:extLst>
+              </a:tr>
+              <a:tr h="362919">
+                <a:tc>
+                  <a:txBody>
+                    <a:bodyPr/>
+                    <a:lstStyle/>
+                    <a:p>
+                      <a:r>
+                        <a:rPr lang="en-US" dirty="0"/>
+                        <a:t>disability</a:t>
+                      </a:r>
+                    </a:p>
+                  </a:txBody>
+                  <a:tcPr/>
+                </a:tc>
+                <a:tc>
+                  <a:txBody>
+                    <a:bodyPr/>
+                    <a:lstStyle/>
+                    <a:p>
+                      <a:r>
+                        <a:rPr lang="en-US" dirty="0"/>
+                        <a:t>Whether Mother considers child disabled</a:t>
+                      </a:r>
+                    </a:p>
+                  </a:txBody>
+                  <a:tcPr/>
+                </a:tc>
+                <a:tc>
+                  <a:txBody>
+                    <a:bodyPr/>
+                    <a:lstStyle/>
+                    <a:p>
+                      <a:r>
+                        <a:rPr lang="en-US" dirty="0"/>
+                        <a:t>Boolean</a:t>
+                      </a:r>
+                    </a:p>
+                  </a:txBody>
+                  <a:tcPr/>
+                </a:tc>
+                <a:extLst>
+                  <a:ext uri="{0D108BD9-81ED-4DB2-BD59-A6C34878D82A}">
+                    <a16:rowId xmlns:a16="http://schemas.microsoft.com/office/drawing/2014/main" val="2739238493"/>
+                  </a:ext>
+                </a:extLst>
+              </a:tr>
+              <a:tr h="629096">
+                <a:tc>
+                  <a:txBody>
+                    <a:bodyPr/>
+                    <a:lstStyle/>
+                    <a:p>
+                      <a:r>
+                        <a:rPr lang="en-US" dirty="0" err="1"/>
+                        <a:t>mothersEdu</a:t>
+                      </a:r>
+                      <a:endParaRPr lang="en-US" dirty="0"/>
+                    </a:p>
+                  </a:txBody>
+                  <a:tcPr/>
+                </a:tc>
+                <a:tc>
+                  <a:txBody>
+                    <a:bodyPr/>
+                    <a:lstStyle/>
+                    <a:p>
+                      <a:r>
+                        <a:rPr lang="en-US" dirty="0"/>
+                        <a:t>Mother’s education level: 1 = &lt;10 years, 2 = 11-13 years, 3 = 14+ years</a:t>
+                      </a:r>
+                    </a:p>
+                  </a:txBody>
+                  <a:tcPr/>
+                </a:tc>
+                <a:tc>
+                  <a:txBody>
+                    <a:bodyPr/>
+                    <a:lstStyle/>
+                    <a:p>
+                      <a:r>
+                        <a:rPr lang="en-US" dirty="0"/>
+                        <a:t>Discrete</a:t>
+                      </a:r>
+                    </a:p>
+                  </a:txBody>
+                  <a:tcPr/>
+                </a:tc>
+                <a:extLst>
+                  <a:ext uri="{0D108BD9-81ED-4DB2-BD59-A6C34878D82A}">
+                    <a16:rowId xmlns:a16="http://schemas.microsoft.com/office/drawing/2014/main" val="3385805319"/>
+                  </a:ext>
+                </a:extLst>
+              </a:tr>
+              <a:tr h="629096">
+                <a:tc>
+                  <a:txBody>
+                    <a:bodyPr/>
+                    <a:lstStyle/>
+                    <a:p>
+                      <a:r>
+                        <a:rPr lang="en-US" dirty="0" err="1"/>
+                        <a:t>meetStReqs</a:t>
+                      </a:r>
+                      <a:endParaRPr lang="en-US" dirty="0"/>
+                    </a:p>
+                  </a:txBody>
+                  <a:tcPr/>
+                </a:tc>
+                <a:tc>
+                  <a:txBody>
+                    <a:bodyPr/>
+                    <a:lstStyle/>
+                    <a:p>
+                      <a:r>
+                        <a:rPr lang="en-US" dirty="0"/>
+                        <a:t>Whether child meets government recommendations for screen time</a:t>
+                      </a:r>
+                    </a:p>
+                  </a:txBody>
+                  <a:tcPr/>
+                </a:tc>
+                <a:tc>
+                  <a:txBody>
+                    <a:bodyPr/>
+                    <a:lstStyle/>
+                    <a:p>
+                      <a:r>
+                        <a:rPr lang="en-US" dirty="0"/>
+                        <a:t>Boolean</a:t>
+                      </a:r>
+                    </a:p>
+                  </a:txBody>
+                  <a:tcPr/>
+                </a:tc>
+                <a:extLst>
+                  <a:ext uri="{0D108BD9-81ED-4DB2-BD59-A6C34878D82A}">
+                    <a16:rowId xmlns:a16="http://schemas.microsoft.com/office/drawing/2014/main" val="633541541"/>
+                  </a:ext>
+                </a:extLst>
+              </a:tr>
+              <a:tr h="629096">
+                <a:tc>
+                  <a:txBody>
+                    <a:bodyPr/>
+                    <a:lstStyle/>
+                    <a:p>
+                      <a:r>
+                        <a:rPr lang="en-US" dirty="0" err="1"/>
+                        <a:t>meetPhysReqs</a:t>
+                      </a:r>
+                      <a:endParaRPr lang="en-US" dirty="0"/>
+                    </a:p>
+                  </a:txBody>
+                  <a:tcPr/>
+                </a:tc>
+                <a:tc>
+                  <a:txBody>
+                    <a:bodyPr/>
+                    <a:lstStyle/>
+                    <a:p>
+                      <a:r>
+                        <a:rPr lang="en-US" dirty="0"/>
+                        <a:t>Whether child meets government recommendations for outdoor time</a:t>
+                      </a:r>
+                    </a:p>
+                  </a:txBody>
+                  <a:tcPr/>
+                </a:tc>
+                <a:tc>
+                  <a:txBody>
+                    <a:bodyPr/>
+                    <a:lstStyle/>
+                    <a:p>
+                      <a:r>
+                        <a:rPr lang="en-US" dirty="0"/>
+                        <a:t>Boolean</a:t>
+                      </a:r>
+                    </a:p>
+                  </a:txBody>
+                  <a:tcPr/>
+                </a:tc>
+                <a:extLst>
+                  <a:ext uri="{0D108BD9-81ED-4DB2-BD59-A6C34878D82A}">
+                    <a16:rowId xmlns:a16="http://schemas.microsoft.com/office/drawing/2014/main" val="535202335"/>
+                  </a:ext>
+                </a:extLst>
+              </a:tr>
+              <a:tr h="362919">
+                <a:tc>
+                  <a:txBody>
+                    <a:bodyPr/>
+                    <a:lstStyle/>
+                    <a:p>
+                      <a:r>
+                        <a:rPr lang="en-US" dirty="0"/>
+                        <a:t>gender</a:t>
+                      </a:r>
+                    </a:p>
+                  </a:txBody>
+                  <a:tcPr/>
+                </a:tc>
+                <a:tc>
+                  <a:txBody>
+                    <a:bodyPr/>
+                    <a:lstStyle/>
+                    <a:p>
+                      <a:r>
+                        <a:rPr lang="en-US" dirty="0"/>
+                        <a:t>Male/female</a:t>
+                      </a:r>
+                    </a:p>
+                  </a:txBody>
+                  <a:tcPr/>
+                </a:tc>
+                <a:tc>
+                  <a:txBody>
+                    <a:bodyPr/>
+                    <a:lstStyle/>
+                    <a:p>
+                      <a:r>
+                        <a:rPr lang="en-US" dirty="0"/>
+                        <a:t>Boolean</a:t>
+                      </a:r>
+                    </a:p>
+                  </a:txBody>
+                  <a:tcPr/>
+                </a:tc>
+                <a:extLst>
+                  <a:ext uri="{0D108BD9-81ED-4DB2-BD59-A6C34878D82A}">
+                    <a16:rowId xmlns:a16="http://schemas.microsoft.com/office/drawing/2014/main" val="2771390112"/>
+                  </a:ext>
+                </a:extLst>
+              </a:tr>
+            </a:tbl>
+          </a:graphicData>
+        </a:graphic>
+      </p:graphicFrame>
+    </p:spTree>
+    <p:extLst>
+      <p:ext uri="{BB962C8B-B14F-4D97-AF65-F5344CB8AC3E}">
+        <p14:creationId xmlns:p14="http://schemas.microsoft.com/office/powerpoint/2010/main" val="1997967509"/>
       </p:ext>
     </p:extLst>
   </p:cSld>
@@ -11228,20 +14430,64 @@
                             </p:stCondLst>
                             <p:childTnLst>
                               <p:par>
-                                <p:cTn id="5" presetID="10" presetClass="entr" presetSubtype="0" fill="hold" nodeType="clickEffect">
+                                <p:cTn id="5" presetID="10" presetClass="exit" presetSubtype="0" fill="hold" nodeType="clickEffect">
+                                  <p:stCondLst>
+                                    <p:cond delay="0"/>
+                                  </p:stCondLst>
+                                  <p:childTnLst>
+                                    <p:animEffect transition="out" filter="fade">
+                                      <p:cBhvr>
+                                        <p:cTn id="6" dur="500"/>
+                                        <p:tgtEl>
+                                          <p:spTgt spid="19"/>
+                                        </p:tgtEl>
+                                      </p:cBhvr>
+                                    </p:animEffect>
+                                    <p:set>
+                                      <p:cBhvr>
+                                        <p:cTn id="7" dur="1" fill="hold">
+                                          <p:stCondLst>
+                                            <p:cond delay="499"/>
+                                          </p:stCondLst>
+                                        </p:cTn>
+                                        <p:tgtEl>
+                                          <p:spTgt spid="19"/>
+                                        </p:tgtEl>
+                                        <p:attrNameLst>
+                                          <p:attrName>style.visibility</p:attrName>
+                                        </p:attrNameLst>
+                                      </p:cBhvr>
+                                      <p:to>
+                                        <p:strVal val="hidden"/>
+                                      </p:to>
+                                    </p:set>
+                                  </p:childTnLst>
+                                </p:cTn>
+                              </p:par>
+                            </p:childTnLst>
+                          </p:cTn>
+                        </p:par>
+                        <p:par>
+                          <p:cTn id="8" fill="hold">
+                            <p:stCondLst>
+                              <p:cond delay="500"/>
+                            </p:stCondLst>
+                            <p:childTnLst>
+                              <p:par>
+                                <p:cTn id="9" presetID="10" presetClass="entr" presetSubtype="0" fill="hold" nodeType="afterEffect">
                                   <p:stCondLst>
                                     <p:cond delay="0"/>
                                   </p:stCondLst>
                                   <p:childTnLst>
                                     <p:set>
                                       <p:cBhvr>
-                                        <p:cTn id="6" dur="1" fill="hold">
+                                        <p:cTn id="10" dur="1" fill="hold">
                                           <p:stCondLst>
                                             <p:cond delay="0"/>
                                           </p:stCondLst>
                                         </p:cTn>
                                         <p:tgtEl>
-                                          <p:spTgt spid="5"/>
+                                          <p:spTgt spid="10"/>
                                         </p:tgtEl>
                                         <p:attrNameLst>
                                           <p:attrName>style.visibility</p:attrName>
@@ -11253,9 +14499,168 @@
                                     </p:set>
                                     <p:animEffect transition="in" filter="fade">
                                       <p:cBhvr>
-                                        <p:cTn id="7" dur="500"/>
+                                        <p:cTn id="11" dur="500"/>
                                         <p:tgtEl>
-                                          <p:spTgt spid="5"/>
+                                          <p:spTgt spid="10"/>
+                                        </p:tgtEl>
+                                      </p:cBhvr>
+                                    </p:animEffect>
+                                  </p:childTnLst>
+                                </p:cTn>
+                              </p:par>
+                            </p:childTnLst>
+                          </p:cTn>
+                        </p:par>
+                      </p:childTnLst>
+                    </p:cTn>
+                  </p:par>
+                  <p:par>
+                    <p:cTn id="12" fill="hold">
+                      <p:stCondLst>
+                        <p:cond delay="indefinite"/>
+                      </p:stCondLst>
+                      <p:childTnLst>
+                        <p:par>
+                          <p:cTn id="13" fill="hold">
+                            <p:stCondLst>
+                              <p:cond delay="0"/>
+                            </p:stCondLst>
+                            <p:childTnLst>
+                              <p:par>
+                                <p:cTn id="14" presetID="10" presetClass="entr" presetSubtype="0" fill="hold" nodeType="clickEffect">
+                                  <p:stCondLst>
+                                    <p:cond delay="0"/>
+                                  </p:stCondLst>
+                                  <p:childTnLst>
+                                    <p:set>
+                                      <p:cBhvr>
+                                        <p:cTn id="15" dur="1" fill="hold">
+                                          <p:stCondLst>
+                                            <p:cond delay="0"/>
+                                          </p:stCondLst>
+                                        </p:cTn>
+                                        <p:tgtEl>
+                                          <p:spTgt spid="28"/>
+                                        </p:tgtEl>
+                                        <p:attrNameLst>
+                                          <p:attrName>style.visibility</p:attrName>
+                                        </p:attrNameLst>
+                                      </p:cBhvr>
+                                      <p:to>
+                                        <p:strVal val="visible"/>
+                                      </p:to>
+                                    </p:set>
+                                    <p:animEffect transition="in" filter="fade">
+                                      <p:cBhvr>
+                                        <p:cTn id="16" dur="500"/>
+                                        <p:tgtEl>
+                                          <p:spTgt spid="28"/>
+                                        </p:tgtEl>
+                                      </p:cBhvr>
+                                    </p:animEffect>
+                                  </p:childTnLst>
+                                </p:cTn>
+                              </p:par>
+                            </p:childTnLst>
+                          </p:cTn>
+                        </p:par>
+                      </p:childTnLst>
+                    </p:cTn>
+                  </p:par>
+                  <p:par>
+                    <p:cTn id="17" fill="hold">
+                      <p:stCondLst>
+                        <p:cond delay="indefinite"/>
+                      </p:stCondLst>
+                      <p:childTnLst>
+                        <p:par>
+                          <p:cTn id="18" fill="hold">
+                            <p:stCondLst>
+                              <p:cond delay="0"/>
+                            </p:stCondLst>
+                            <p:childTnLst>
+                              <p:par>
+                                <p:cTn id="19" presetID="10" presetClass="entr" presetSubtype="0" fill="hold" nodeType="clickEffect">
+                                  <p:stCondLst>
+                                    <p:cond delay="0"/>
+                                  </p:stCondLst>
+                                  <p:childTnLst>
+                                    <p:set>
+                                      <p:cBhvr>
+                                        <p:cTn id="20" dur="1" fill="hold">
+                                          <p:stCondLst>
+                                            <p:cond delay="0"/>
+                                          </p:stCondLst>
+                                        </p:cTn>
+                                        <p:tgtEl>
+                                          <p:spTgt spid="33"/>
+                                        </p:tgtEl>
+                                        <p:attrNameLst>
+                                          <p:attrName>style.visibility</p:attrName>
+                                        </p:attrNameLst>
+                                      </p:cBhvr>
+                                      <p:to>
+                                        <p:strVal val="visible"/>
+                                      </p:to>
+                                    </p:set>
+                                    <p:animEffect transition="in" filter="fade">
+                                      <p:cBhvr>
+                                        <p:cTn id="21" dur="500"/>
+                                        <p:tgtEl>
+                                          <p:spTgt spid="33"/>
+                                        </p:tgtEl>
+                                      </p:cBhvr>
+                                    </p:animEffect>
+                                  </p:childTnLst>
+                                </p:cTn>
+                              </p:par>
+                            </p:childTnLst>
+                          </p:cTn>
+                        </p:par>
+                      </p:childTnLst>
+                    </p:cTn>
+                  </p:par>
+                  <p:par>
+                    <p:cTn id="22" fill="hold">
+                      <p:stCondLst>
+                        <p:cond delay="indefinite"/>
+                      </p:stCondLst>
+                      <p:childTnLst>
+                        <p:par>
+                          <p:cTn id="23" fill="hold">
+                            <p:stCondLst>
+                              <p:cond delay="0"/>
+                            </p:stCondLst>
+                            <p:childTnLst>
+                              <p:par>
+                                <p:cTn id="24" presetID="10" presetClass="entr" presetSubtype="0" fill="hold" nodeType="clickEffect">
+                                  <p:stCondLst>
+                                    <p:cond delay="0"/>
+                                  </p:stCondLst>
+                                  <p:childTnLst>
+                                    <p:set>
+                                      <p:cBhvr>
+                                        <p:cTn id="25" dur="1" fill="hold">
+                                          <p:stCondLst>
+                                            <p:cond delay="0"/>
+                                          </p:stCondLst>
+                                        </p:cTn>
+                                        <p:tgtEl>
+                                          <p:spTgt spid="38"/>
+                                        </p:tgtEl>
+                                        <p:attrNameLst>
+                                          <p:attrName>style.visibility</p:attrName>
+                                        </p:attrNameLst>
+                                      </p:cBhvr>
+                                      <p:to>
+                                        <p:strVal val="visible"/>
+                                      </p:to>
+                                    </p:set>
+                                    <p:animEffect transition="in" filter="fade">
+                                      <p:cBhvr>
+                                        <p:cTn id="26" dur="500"/>
+                                        <p:tgtEl>
+                                          <p:spTgt spid="38"/>
                                         </p:tgtEl>
                                       </p:cBhvr>
                                     </p:animEffect>
@@ -11293,7 +14698,7 @@
 </p:sld>
 </file>
 
-<file path=ppt/slides/slide17.xml><?xml version="1.0" encoding="utf-8"?>
+<file path=ppt/slides/slide20.xml><?xml version="1.0" encoding="utf-8"?>
 <p:sld xmlns:a="http://schemas.openxmlformats.org/drawingml/2006/main" xmlns:r="http://schemas.openxmlformats.org/officeDocument/2006/relationships" xmlns:p="http://schemas.openxmlformats.org/presentationml/2006/main">
   <p:cSld>
     <p:spTree>
@@ -11380,7 +14785,7 @@
 </p:sld>
 </file>
 
-<file path=ppt/slides/slide18.xml><?xml version="1.0" encoding="utf-8"?>
+<file path=ppt/slides/slide21.xml><?xml version="1.0" encoding="utf-8"?>
 <p:sld xmlns:a="http://schemas.openxmlformats.org/drawingml/2006/main" xmlns:r="http://schemas.openxmlformats.org/officeDocument/2006/relationships" xmlns:p="http://schemas.openxmlformats.org/presentationml/2006/main">
   <p:cSld>
     <p:spTree>
@@ -11478,7 +14883,7 @@
             </a:r>
             <a:r>
               <a:rPr lang="en-US" dirty="0"/>
-              <a:t> relationship to its precedents</a:t>
+              <a:t> relationship to its parameters</a:t>
             </a:r>
           </a:p>
         </p:txBody>
@@ -11626,7 +15031,7 @@
 </p:sld>
 </file>
 
-<file path=ppt/slides/slide2.xml><?xml version="1.0" encoding="utf-8"?>
+<file path=ppt/slides/slide22.xml><?xml version="1.0" encoding="utf-8"?>
 <p:sld xmlns:a="http://schemas.openxmlformats.org/drawingml/2006/main" xmlns:r="http://schemas.openxmlformats.org/officeDocument/2006/relationships" xmlns:p="http://schemas.openxmlformats.org/presentationml/2006/main">
   <p:cSld>
     <p:spTree>
@@ -11645,10 +15050,10 @@
       </p:grpSpPr>
       <p:sp>
         <p:nvSpPr>
-          <p:cNvPr id="15" name="Rectangle 14">
+          <p:cNvPr id="5" name="Rectangle 4">
             <a:extLst>
               <a:ext uri="{FF2B5EF4-FFF2-40B4-BE49-F238E27FC236}">
-                <a16:creationId xmlns:a16="http://schemas.microsoft.com/office/drawing/2014/main" id="{605B86E5-57B4-4562-A60E-29A053F80D2D}"/>
+                <a16:creationId xmlns:a16="http://schemas.microsoft.com/office/drawing/2014/main" id="{432F3539-BC89-4980-9A0D-048C056FF5B5}"/>
               </a:ext>
             </a:extLst>
           </p:cNvPr>
@@ -11692,984 +15097,63 @@
           </a:p>
         </p:txBody>
       </p:sp>
-      <p:sp>
-        <p:nvSpPr>
-          <p:cNvPr id="2" name="Title 1">
+      <p:pic>
+        <p:nvPicPr>
+          <p:cNvPr id="3074" name="Picture 2">
             <a:extLst>
               <a:ext uri="{FF2B5EF4-FFF2-40B4-BE49-F238E27FC236}">
-                <a16:creationId xmlns:a16="http://schemas.microsoft.com/office/drawing/2014/main" id="{CDBA0C06-097A-4A84-AA69-49D756EBE7A8}"/>
+                <a16:creationId xmlns:a16="http://schemas.microsoft.com/office/drawing/2014/main" id="{B5087EA0-CB18-4353-972F-4D3AD6B58A77}"/>
               </a:ext>
             </a:extLst>
           </p:cNvPr>
-          <p:cNvSpPr>
-            <a:spLocks noGrp="1"/>
-          </p:cNvSpPr>
-          <p:nvPr>
-            <p:ph type="title"/>
-          </p:nvPr>
-        </p:nvSpPr>
-        <p:spPr>
-          <a:xfrm>
-            <a:off x="0" y="-183672"/>
-            <a:ext cx="10058400" cy="938692"/>
-          </a:xfrm>
-        </p:spPr>
-        <p:txBody>
-          <a:bodyPr/>
-          <a:lstStyle/>
-          <a:p>
-            <a:r>
-              <a:rPr lang="en-US" dirty="0"/>
-              <a:t>Dataset: </a:t>
-            </a:r>
-          </a:p>
-        </p:txBody>
-      </p:sp>
-      <p:grpSp>
-        <p:nvGrpSpPr>
-          <p:cNvPr id="10" name="Group 9">
+          <p:cNvPicPr>
+            <a:picLocks noChangeAspect="1" noChangeArrowheads="1"/>
+          </p:cNvPicPr>
+          <p:nvPr/>
+        </p:nvPicPr>
+        <p:blipFill>
+          <a:blip r:embed="rId2">
             <a:extLst>
-              <a:ext uri="{FF2B5EF4-FFF2-40B4-BE49-F238E27FC236}">
-                <a16:creationId xmlns:a16="http://schemas.microsoft.com/office/drawing/2014/main" id="{36CF272D-4616-4CEC-A5EB-8F0DDF5399AE}"/>
+              <a:ext uri="{28A0092B-C50C-407E-A947-70E740481C1C}">
+                <a14:useLocalDpi xmlns:a14="http://schemas.microsoft.com/office/drawing/2010/main" val="0"/>
               </a:ext>
             </a:extLst>
-          </p:cNvPr>
-          <p:cNvGrpSpPr/>
-          <p:nvPr/>
-        </p:nvGrpSpPr>
-        <p:grpSpPr>
+          </a:blip>
+          <a:srcRect/>
+          <a:stretch>
+            <a:fillRect/>
+          </a:stretch>
+        </p:blipFill>
+        <p:spPr bwMode="auto">
           <a:xfrm>
-            <a:off x="2764251" y="601626"/>
-            <a:ext cx="9201006" cy="5729004"/>
-            <a:chOff x="968906" y="603806"/>
-            <a:chExt cx="9201006" cy="5729004"/>
-          </a:xfrm>
-        </p:grpSpPr>
-        <p:pic>
-          <p:nvPicPr>
-            <p:cNvPr id="3" name="Picture 2">
-              <a:extLst>
-                <a:ext uri="{FF2B5EF4-FFF2-40B4-BE49-F238E27FC236}">
-                  <a16:creationId xmlns:a16="http://schemas.microsoft.com/office/drawing/2014/main" id="{3534FABF-6BA7-4301-AF0B-1E7D531F12F9}"/>
-                </a:ext>
-              </a:extLst>
-            </p:cNvPr>
-            <p:cNvPicPr>
-              <a:picLocks noChangeAspect="1"/>
-            </p:cNvPicPr>
-            <p:nvPr/>
-          </p:nvPicPr>
-          <p:blipFill rotWithShape="1">
-            <a:blip r:embed="rId2"/>
-            <a:srcRect l="2800" b="27037"/>
-            <a:stretch/>
-          </p:blipFill>
-          <p:spPr>
-            <a:xfrm>
-              <a:off x="2698595" y="603806"/>
-              <a:ext cx="7471317" cy="5672690"/>
-            </a:xfrm>
-            <a:prstGeom prst="rect">
-              <a:avLst/>
-            </a:prstGeom>
-          </p:spPr>
-        </p:pic>
-        <p:pic>
-          <p:nvPicPr>
-            <p:cNvPr id="5" name="Picture 4">
-              <a:extLst>
-                <a:ext uri="{FF2B5EF4-FFF2-40B4-BE49-F238E27FC236}">
-                  <a16:creationId xmlns:a16="http://schemas.microsoft.com/office/drawing/2014/main" id="{458A5C27-35D2-4E9F-8A24-B41B389F117F}"/>
-                </a:ext>
-              </a:extLst>
-            </p:cNvPr>
-            <p:cNvPicPr>
-              <a:picLocks noChangeAspect="1"/>
-            </p:cNvPicPr>
-            <p:nvPr/>
-          </p:nvPicPr>
-          <p:blipFill rotWithShape="1">
-            <a:blip r:embed="rId2"/>
-            <a:srcRect l="2800" t="74948" r="74735" b="1282"/>
-            <a:stretch/>
-          </p:blipFill>
-          <p:spPr>
-            <a:xfrm>
-              <a:off x="968906" y="4494995"/>
-              <a:ext cx="1717185" cy="1837815"/>
-            </a:xfrm>
-            <a:prstGeom prst="rect">
-              <a:avLst/>
-            </a:prstGeom>
-          </p:spPr>
-        </p:pic>
-      </p:grpSp>
-      <p:sp>
-        <p:nvSpPr>
-          <p:cNvPr id="7" name="Rectangle 6">
-            <a:extLst>
-              <a:ext uri="{FF2B5EF4-FFF2-40B4-BE49-F238E27FC236}">
-                <a16:creationId xmlns:a16="http://schemas.microsoft.com/office/drawing/2014/main" id="{3856697F-55A8-4BFE-9700-5162A9856144}"/>
-              </a:ext>
-            </a:extLst>
-          </p:cNvPr>
-          <p:cNvSpPr/>
-          <p:nvPr/>
-        </p:nvSpPr>
-        <p:spPr>
-          <a:xfrm>
-            <a:off x="2472391" y="6444064"/>
-            <a:ext cx="7247217" cy="369332"/>
-          </a:xfrm>
-          <a:prstGeom prst="rect">
-            <a:avLst/>
-          </a:prstGeom>
-        </p:spPr>
-        <p:txBody>
-          <a:bodyPr wrap="square">
-            <a:spAutoFit/>
-          </a:bodyPr>
-          <a:lstStyle/>
-          <a:p>
-            <a:r>
-              <a:rPr lang="en-US" i="1" dirty="0">
-                <a:solidFill>
-                  <a:schemeClr val="bg1"/>
-                </a:solidFill>
-              </a:rPr>
-              <a:t>https://journals.plos.org/plosone/article?id=10.1371/journal.pone.0193700</a:t>
-            </a:r>
-          </a:p>
-        </p:txBody>
-      </p:sp>
-      <p:sp>
-        <p:nvSpPr>
-          <p:cNvPr id="8" name="TextBox 7">
-            <a:extLst>
-              <a:ext uri="{FF2B5EF4-FFF2-40B4-BE49-F238E27FC236}">
-                <a16:creationId xmlns:a16="http://schemas.microsoft.com/office/drawing/2014/main" id="{085AF7E6-3868-4A80-886F-F01DC7599A4B}"/>
-              </a:ext>
-            </a:extLst>
-          </p:cNvPr>
-          <p:cNvSpPr txBox="1"/>
-          <p:nvPr/>
-        </p:nvSpPr>
-        <p:spPr>
-          <a:xfrm>
-            <a:off x="144965" y="880946"/>
-            <a:ext cx="4237463" cy="2862322"/>
+            <a:off x="2321451" y="0"/>
+            <a:ext cx="7429177" cy="6668510"/>
           </a:xfrm>
           <a:prstGeom prst="rect">
             <a:avLst/>
           </a:prstGeom>
           <a:noFill/>
+          <a:extLst>
+            <a:ext uri="{909E8E84-426E-40DD-AFC4-6F175D3DCCD1}">
+              <a14:hiddenFill xmlns:a14="http://schemas.microsoft.com/office/drawing/2010/main">
+                <a:solidFill>
+                  <a:srgbClr val="FFFFFF"/>
+                </a:solidFill>
+              </a14:hiddenFill>
+            </a:ext>
+          </a:extLst>
         </p:spPr>
-        <p:txBody>
-          <a:bodyPr wrap="square" rtlCol="0">
-            <a:spAutoFit/>
-          </a:bodyPr>
-          <a:lstStyle/>
-          <a:p>
-            <a:pPr marL="285750" indent="-285750">
-              <a:buFont typeface="Arial" panose="020B0604020202020204" pitchFamily="34" charset="0"/>
-              <a:buChar char="•"/>
-            </a:pPr>
-            <a:r>
-              <a:rPr lang="en-US" dirty="0"/>
-              <a:t>575 mothers with a child (54% boys) aged 2–5 years in diverse neighborhoods throughout Melbourne. </a:t>
-            </a:r>
-          </a:p>
-          <a:p>
-            <a:pPr marL="285750" indent="-285750">
-              <a:buFont typeface="Arial" panose="020B0604020202020204" pitchFamily="34" charset="0"/>
-              <a:buChar char="•"/>
-            </a:pPr>
-            <a:endParaRPr lang="en-US" dirty="0"/>
-          </a:p>
-          <a:p>
-            <a:pPr marL="285750" indent="-285750">
-              <a:buFont typeface="Arial" panose="020B0604020202020204" pitchFamily="34" charset="0"/>
-              <a:buChar char="•"/>
-            </a:pPr>
-            <a:r>
-              <a:rPr lang="en-US" dirty="0"/>
-              <a:t>Mothers were found via ads on parenting and child education blogs</a:t>
-            </a:r>
-          </a:p>
-          <a:p>
-            <a:pPr marL="285750" indent="-285750">
-              <a:buFont typeface="Arial" panose="020B0604020202020204" pitchFamily="34" charset="0"/>
-              <a:buChar char="•"/>
-            </a:pPr>
-            <a:endParaRPr lang="en-US" dirty="0"/>
-          </a:p>
-          <a:p>
-            <a:pPr marL="285750" indent="-285750">
-              <a:buFont typeface="Arial" panose="020B0604020202020204" pitchFamily="34" charset="0"/>
-              <a:buChar char="•"/>
-            </a:pPr>
-            <a:r>
-              <a:rPr lang="en-US" dirty="0"/>
-              <a:t>Mothers were instructed to report their child’s screen time, outdoor play time and social skills (ASBI system)</a:t>
-            </a:r>
-          </a:p>
-        </p:txBody>
-      </p:sp>
-      <p:grpSp>
-        <p:nvGrpSpPr>
-          <p:cNvPr id="28" name="Group 27">
-            <a:extLst>
-              <a:ext uri="{FF2B5EF4-FFF2-40B4-BE49-F238E27FC236}">
-                <a16:creationId xmlns:a16="http://schemas.microsoft.com/office/drawing/2014/main" id="{BAB10787-A21A-4EA1-8278-F38CA8290091}"/>
-              </a:ext>
-            </a:extLst>
-          </p:cNvPr>
-          <p:cNvGrpSpPr/>
-          <p:nvPr/>
-        </p:nvGrpSpPr>
-        <p:grpSpPr>
-          <a:xfrm>
-            <a:off x="4493940" y="1572322"/>
-            <a:ext cx="6110870" cy="2785669"/>
-            <a:chOff x="4493940" y="1572322"/>
-            <a:chExt cx="6110870" cy="2785669"/>
-          </a:xfrm>
-        </p:grpSpPr>
-        <p:sp>
-          <p:nvSpPr>
-            <p:cNvPr id="11" name="Rectangle 10">
-              <a:extLst>
-                <a:ext uri="{FF2B5EF4-FFF2-40B4-BE49-F238E27FC236}">
-                  <a16:creationId xmlns:a16="http://schemas.microsoft.com/office/drawing/2014/main" id="{6E87A352-9A1A-4077-89BD-4B550BA3C385}"/>
-                </a:ext>
-              </a:extLst>
-            </p:cNvPr>
-            <p:cNvSpPr/>
-            <p:nvPr/>
-          </p:nvSpPr>
-          <p:spPr>
-            <a:xfrm>
-              <a:off x="4493940" y="2520176"/>
-              <a:ext cx="5590761" cy="1837815"/>
-            </a:xfrm>
-            <a:prstGeom prst="rect">
-              <a:avLst/>
-            </a:prstGeom>
-            <a:noFill/>
-            <a:ln w="28575" cap="flat" cmpd="sng" algn="ctr">
-              <a:solidFill>
-                <a:schemeClr val="accent4"/>
-              </a:solidFill>
-              <a:prstDash val="solid"/>
-              <a:round/>
-              <a:headEnd type="none" w="med" len="med"/>
-              <a:tailEnd type="none" w="med" len="med"/>
-            </a:ln>
-          </p:spPr>
-          <p:style>
-            <a:lnRef idx="0">
-              <a:scrgbClr r="0" g="0" b="0"/>
-            </a:lnRef>
-            <a:fillRef idx="0">
-              <a:scrgbClr r="0" g="0" b="0"/>
-            </a:fillRef>
-            <a:effectRef idx="0">
-              <a:scrgbClr r="0" g="0" b="0"/>
-            </a:effectRef>
-            <a:fontRef idx="minor">
-              <a:schemeClr val="accent4"/>
-            </a:fontRef>
-          </p:style>
-          <p:txBody>
-            <a:bodyPr rtlCol="0" anchor="ctr"/>
-            <a:lstStyle/>
-            <a:p>
-              <a:pPr algn="ctr"/>
-              <a:endParaRPr lang="en-US"/>
-            </a:p>
-          </p:txBody>
-        </p:sp>
-        <p:cxnSp>
-          <p:nvCxnSpPr>
-            <p:cNvPr id="13" name="Straight Arrow Connector 12">
-              <a:extLst>
-                <a:ext uri="{FF2B5EF4-FFF2-40B4-BE49-F238E27FC236}">
-                  <a16:creationId xmlns:a16="http://schemas.microsoft.com/office/drawing/2014/main" id="{F71B7C3A-274E-4798-9139-A801DEBF5EEB}"/>
-                </a:ext>
-              </a:extLst>
-            </p:cNvPr>
-            <p:cNvCxnSpPr>
-              <a:cxnSpLocks/>
-            </p:cNvCxnSpPr>
-            <p:nvPr/>
-          </p:nvCxnSpPr>
-          <p:spPr>
-            <a:xfrm flipV="1">
-              <a:off x="9837417" y="1572322"/>
-              <a:ext cx="767393" cy="939539"/>
-            </a:xfrm>
-            <a:prstGeom prst="straightConnector1">
-              <a:avLst/>
-            </a:prstGeom>
-            <a:ln w="38100" cap="flat" cmpd="sng" algn="ctr">
-              <a:solidFill>
-                <a:schemeClr val="accent4"/>
-              </a:solidFill>
-              <a:prstDash val="solid"/>
-              <a:round/>
-              <a:headEnd type="none" w="med" len="med"/>
-              <a:tailEnd type="arrow" w="med" len="med"/>
-            </a:ln>
-          </p:spPr>
-          <p:style>
-            <a:lnRef idx="0">
-              <a:scrgbClr r="0" g="0" b="0"/>
-            </a:lnRef>
-            <a:fillRef idx="0">
-              <a:scrgbClr r="0" g="0" b="0"/>
-            </a:fillRef>
-            <a:effectRef idx="0">
-              <a:scrgbClr r="0" g="0" b="0"/>
-            </a:effectRef>
-            <a:fontRef idx="minor">
-              <a:schemeClr val="tx1"/>
-            </a:fontRef>
-          </p:style>
-        </p:cxnSp>
-      </p:grpSp>
-      <p:grpSp>
-        <p:nvGrpSpPr>
-          <p:cNvPr id="33" name="Group 32">
-            <a:extLst>
-              <a:ext uri="{FF2B5EF4-FFF2-40B4-BE49-F238E27FC236}">
-                <a16:creationId xmlns:a16="http://schemas.microsoft.com/office/drawing/2014/main" id="{260F8025-39B7-444B-8C82-C0F47DDA0760}"/>
-              </a:ext>
-            </a:extLst>
-          </p:cNvPr>
-          <p:cNvGrpSpPr/>
-          <p:nvPr/>
-        </p:nvGrpSpPr>
-        <p:grpSpPr>
-          <a:xfrm>
-            <a:off x="2764251" y="4455643"/>
-            <a:ext cx="2066398" cy="1837815"/>
-            <a:chOff x="2764251" y="4455643"/>
-            <a:chExt cx="2066398" cy="1837815"/>
-          </a:xfrm>
-        </p:grpSpPr>
-        <p:sp>
-          <p:nvSpPr>
-            <p:cNvPr id="17" name="Rectangle 16">
-              <a:extLst>
-                <a:ext uri="{FF2B5EF4-FFF2-40B4-BE49-F238E27FC236}">
-                  <a16:creationId xmlns:a16="http://schemas.microsoft.com/office/drawing/2014/main" id="{9A462AD8-83CE-4650-9C32-6C2ECA74EA29}"/>
-                </a:ext>
-              </a:extLst>
-            </p:cNvPr>
-            <p:cNvSpPr/>
-            <p:nvPr/>
-          </p:nvSpPr>
-          <p:spPr>
-            <a:xfrm>
-              <a:off x="2764251" y="4455643"/>
-              <a:ext cx="1697053" cy="1837815"/>
-            </a:xfrm>
-            <a:prstGeom prst="rect">
-              <a:avLst/>
-            </a:prstGeom>
-            <a:noFill/>
-            <a:ln w="28575" cap="flat" cmpd="sng" algn="ctr">
-              <a:solidFill>
-                <a:schemeClr val="accent4">
-                  <a:lumMod val="75000"/>
-                </a:schemeClr>
-              </a:solidFill>
-              <a:prstDash val="solid"/>
-              <a:round/>
-              <a:headEnd type="none" w="med" len="med"/>
-              <a:tailEnd type="none" w="med" len="med"/>
-            </a:ln>
-          </p:spPr>
-          <p:style>
-            <a:lnRef idx="0">
-              <a:scrgbClr r="0" g="0" b="0"/>
-            </a:lnRef>
-            <a:fillRef idx="0">
-              <a:scrgbClr r="0" g="0" b="0"/>
-            </a:fillRef>
-            <a:effectRef idx="0">
-              <a:scrgbClr r="0" g="0" b="0"/>
-            </a:effectRef>
-            <a:fontRef idx="minor">
-              <a:schemeClr val="accent4"/>
-            </a:fontRef>
-          </p:style>
-          <p:txBody>
-            <a:bodyPr rtlCol="0" anchor="ctr"/>
-            <a:lstStyle/>
-            <a:p>
-              <a:pPr algn="ctr"/>
-              <a:endParaRPr lang="en-US"/>
-            </a:p>
-          </p:txBody>
-        </p:sp>
-        <p:sp>
-          <p:nvSpPr>
-            <p:cNvPr id="32" name="Freeform: Shape 31">
-              <a:extLst>
-                <a:ext uri="{FF2B5EF4-FFF2-40B4-BE49-F238E27FC236}">
-                  <a16:creationId xmlns:a16="http://schemas.microsoft.com/office/drawing/2014/main" id="{23DDB5AB-4DED-4C00-8597-A2EB62D52941}"/>
-                </a:ext>
-              </a:extLst>
-            </p:cNvPr>
-            <p:cNvSpPr/>
-            <p:nvPr/>
-          </p:nvSpPr>
-          <p:spPr>
-            <a:xfrm>
-              <a:off x="4461304" y="4522680"/>
-              <a:ext cx="369345" cy="144379"/>
-            </a:xfrm>
-            <a:custGeom>
-              <a:avLst/>
-              <a:gdLst>
-                <a:gd name="connsiteX0" fmla="*/ 0 w 825190"/>
-                <a:gd name="connsiteY0" fmla="*/ 680750 h 680750"/>
-                <a:gd name="connsiteX1" fmla="*/ 479502 w 825190"/>
-                <a:gd name="connsiteY1" fmla="*/ 525 h 680750"/>
-                <a:gd name="connsiteX2" fmla="*/ 825190 w 825190"/>
-                <a:gd name="connsiteY2" fmla="*/ 591540 h 680750"/>
-              </a:gdLst>
-              <a:ahLst/>
-              <a:cxnLst>
-                <a:cxn ang="0">
-                  <a:pos x="connsiteX0" y="connsiteY0"/>
-                </a:cxn>
-                <a:cxn ang="0">
-                  <a:pos x="connsiteX1" y="connsiteY1"/>
-                </a:cxn>
-                <a:cxn ang="0">
-                  <a:pos x="connsiteX2" y="connsiteY2"/>
-                </a:cxn>
-              </a:cxnLst>
-              <a:rect l="l" t="t" r="r" b="b"/>
-              <a:pathLst>
-                <a:path w="825190" h="680750">
-                  <a:moveTo>
-                    <a:pt x="0" y="680750"/>
-                  </a:moveTo>
-                  <a:cubicBezTo>
-                    <a:pt x="170985" y="348071"/>
-                    <a:pt x="341970" y="15393"/>
-                    <a:pt x="479502" y="525"/>
-                  </a:cubicBezTo>
-                  <a:cubicBezTo>
-                    <a:pt x="617034" y="-14343"/>
-                    <a:pt x="721112" y="288598"/>
-                    <a:pt x="825190" y="591540"/>
-                  </a:cubicBezTo>
-                </a:path>
-              </a:pathLst>
-            </a:custGeom>
-            <a:ln w="38100" cap="flat" cmpd="sng" algn="ctr">
-              <a:solidFill>
-                <a:schemeClr val="accent5"/>
-              </a:solidFill>
-              <a:prstDash val="solid"/>
-              <a:round/>
-              <a:headEnd type="none" w="med" len="med"/>
-              <a:tailEnd type="arrow" w="med" len="med"/>
-            </a:ln>
-          </p:spPr>
-          <p:style>
-            <a:lnRef idx="0">
-              <a:scrgbClr r="0" g="0" b="0"/>
-            </a:lnRef>
-            <a:fillRef idx="0">
-              <a:scrgbClr r="0" g="0" b="0"/>
-            </a:fillRef>
-            <a:effectRef idx="0">
-              <a:scrgbClr r="0" g="0" b="0"/>
-            </a:effectRef>
-            <a:fontRef idx="minor">
-              <a:schemeClr val="tx1"/>
-            </a:fontRef>
-          </p:style>
-          <p:txBody>
-            <a:bodyPr rtlCol="0" anchor="ctr"/>
-            <a:lstStyle/>
-            <a:p>
-              <a:pPr algn="ctr"/>
-              <a:endParaRPr lang="en-US" dirty="0"/>
-            </a:p>
-          </p:txBody>
-        </p:sp>
-      </p:grpSp>
-      <p:grpSp>
-        <p:nvGrpSpPr>
-          <p:cNvPr id="38" name="Group 37">
-            <a:extLst>
-              <a:ext uri="{FF2B5EF4-FFF2-40B4-BE49-F238E27FC236}">
-                <a16:creationId xmlns:a16="http://schemas.microsoft.com/office/drawing/2014/main" id="{B97DFB83-437F-4D9E-8BEF-021B75B32C7B}"/>
-              </a:ext>
-            </a:extLst>
-          </p:cNvPr>
-          <p:cNvGrpSpPr/>
-          <p:nvPr/>
-        </p:nvGrpSpPr>
-        <p:grpSpPr>
-          <a:xfrm>
-            <a:off x="7936145" y="3458847"/>
-            <a:ext cx="4121615" cy="2834506"/>
-            <a:chOff x="7936145" y="3458847"/>
-            <a:chExt cx="4121615" cy="2834506"/>
-          </a:xfrm>
-        </p:grpSpPr>
-        <p:sp>
-          <p:nvSpPr>
-            <p:cNvPr id="35" name="Rectangle 34">
-              <a:extLst>
-                <a:ext uri="{FF2B5EF4-FFF2-40B4-BE49-F238E27FC236}">
-                  <a16:creationId xmlns:a16="http://schemas.microsoft.com/office/drawing/2014/main" id="{CEA92888-35E8-4258-A4EE-E6FA01674ADE}"/>
-                </a:ext>
-              </a:extLst>
-            </p:cNvPr>
-            <p:cNvSpPr/>
-            <p:nvPr/>
-          </p:nvSpPr>
-          <p:spPr>
-            <a:xfrm>
-              <a:off x="8307660" y="4455538"/>
-              <a:ext cx="3750100" cy="1837815"/>
-            </a:xfrm>
-            <a:prstGeom prst="rect">
-              <a:avLst/>
-            </a:prstGeom>
-            <a:noFill/>
-            <a:ln w="28575" cap="flat" cmpd="sng" algn="ctr">
-              <a:solidFill>
-                <a:schemeClr val="accent3">
-                  <a:lumMod val="60000"/>
-                  <a:lumOff val="40000"/>
-                </a:schemeClr>
-              </a:solidFill>
-              <a:prstDash val="solid"/>
-              <a:round/>
-              <a:headEnd type="none" w="med" len="med"/>
-              <a:tailEnd type="none" w="med" len="med"/>
-            </a:ln>
-          </p:spPr>
-          <p:style>
-            <a:lnRef idx="0">
-              <a:scrgbClr r="0" g="0" b="0"/>
-            </a:lnRef>
-            <a:fillRef idx="0">
-              <a:scrgbClr r="0" g="0" b="0"/>
-            </a:fillRef>
-            <a:effectRef idx="0">
-              <a:scrgbClr r="0" g="0" b="0"/>
-            </a:effectRef>
-            <a:fontRef idx="minor">
-              <a:schemeClr val="accent4"/>
-            </a:fontRef>
-          </p:style>
-          <p:txBody>
-            <a:bodyPr rtlCol="0" anchor="ctr"/>
-            <a:lstStyle/>
-            <a:p>
-              <a:pPr algn="ctr"/>
-              <a:endParaRPr lang="en-US"/>
-            </a:p>
-          </p:txBody>
-        </p:sp>
-        <p:sp>
-          <p:nvSpPr>
-            <p:cNvPr id="36" name="Freeform: Shape 35">
-              <a:extLst>
-                <a:ext uri="{FF2B5EF4-FFF2-40B4-BE49-F238E27FC236}">
-                  <a16:creationId xmlns:a16="http://schemas.microsoft.com/office/drawing/2014/main" id="{97CAEC55-A091-4FCD-A4B3-292F88934908}"/>
-                </a:ext>
-              </a:extLst>
-            </p:cNvPr>
-            <p:cNvSpPr/>
-            <p:nvPr/>
-          </p:nvSpPr>
-          <p:spPr>
-            <a:xfrm flipH="1">
-              <a:off x="7936145" y="4525257"/>
-              <a:ext cx="369345" cy="144379"/>
-            </a:xfrm>
-            <a:custGeom>
-              <a:avLst/>
-              <a:gdLst>
-                <a:gd name="connsiteX0" fmla="*/ 0 w 825190"/>
-                <a:gd name="connsiteY0" fmla="*/ 680750 h 680750"/>
-                <a:gd name="connsiteX1" fmla="*/ 479502 w 825190"/>
-                <a:gd name="connsiteY1" fmla="*/ 525 h 680750"/>
-                <a:gd name="connsiteX2" fmla="*/ 825190 w 825190"/>
-                <a:gd name="connsiteY2" fmla="*/ 591540 h 680750"/>
-              </a:gdLst>
-              <a:ahLst/>
-              <a:cxnLst>
-                <a:cxn ang="0">
-                  <a:pos x="connsiteX0" y="connsiteY0"/>
-                </a:cxn>
-                <a:cxn ang="0">
-                  <a:pos x="connsiteX1" y="connsiteY1"/>
-                </a:cxn>
-                <a:cxn ang="0">
-                  <a:pos x="connsiteX2" y="connsiteY2"/>
-                </a:cxn>
-              </a:cxnLst>
-              <a:rect l="l" t="t" r="r" b="b"/>
-              <a:pathLst>
-                <a:path w="825190" h="680750">
-                  <a:moveTo>
-                    <a:pt x="0" y="680750"/>
-                  </a:moveTo>
-                  <a:cubicBezTo>
-                    <a:pt x="170985" y="348071"/>
-                    <a:pt x="341970" y="15393"/>
-                    <a:pt x="479502" y="525"/>
-                  </a:cubicBezTo>
-                  <a:cubicBezTo>
-                    <a:pt x="617034" y="-14343"/>
-                    <a:pt x="721112" y="288598"/>
-                    <a:pt x="825190" y="591540"/>
-                  </a:cubicBezTo>
-                </a:path>
-              </a:pathLst>
-            </a:custGeom>
-            <a:ln w="38100" cap="flat" cmpd="sng" algn="ctr">
-              <a:solidFill>
-                <a:schemeClr val="accent3">
-                  <a:lumMod val="60000"/>
-                  <a:lumOff val="40000"/>
-                </a:schemeClr>
-              </a:solidFill>
-              <a:prstDash val="solid"/>
-              <a:round/>
-              <a:headEnd type="none" w="med" len="med"/>
-              <a:tailEnd type="arrow" w="med" len="med"/>
-            </a:ln>
-          </p:spPr>
-          <p:style>
-            <a:lnRef idx="0">
-              <a:scrgbClr r="0" g="0" b="0"/>
-            </a:lnRef>
-            <a:fillRef idx="0">
-              <a:scrgbClr r="0" g="0" b="0"/>
-            </a:fillRef>
-            <a:effectRef idx="0">
-              <a:scrgbClr r="0" g="0" b="0"/>
-            </a:effectRef>
-            <a:fontRef idx="minor">
-              <a:schemeClr val="tx1"/>
-            </a:fontRef>
-          </p:style>
-          <p:txBody>
-            <a:bodyPr rtlCol="0" anchor="ctr"/>
-            <a:lstStyle/>
-            <a:p>
-              <a:pPr algn="ctr"/>
-              <a:endParaRPr lang="en-US" dirty="0"/>
-            </a:p>
-          </p:txBody>
-        </p:sp>
-        <p:sp>
-          <p:nvSpPr>
-            <p:cNvPr id="37" name="Freeform: Shape 36">
-              <a:extLst>
-                <a:ext uri="{FF2B5EF4-FFF2-40B4-BE49-F238E27FC236}">
-                  <a16:creationId xmlns:a16="http://schemas.microsoft.com/office/drawing/2014/main" id="{1A53CCFB-C21C-4E33-A4A8-B4B707210593}"/>
-                </a:ext>
-              </a:extLst>
-            </p:cNvPr>
-            <p:cNvSpPr/>
-            <p:nvPr/>
-          </p:nvSpPr>
-          <p:spPr>
-            <a:xfrm rot="16594080" flipV="1">
-              <a:off x="10686538" y="3889375"/>
-              <a:ext cx="1013595" cy="152540"/>
-            </a:xfrm>
-            <a:custGeom>
-              <a:avLst/>
-              <a:gdLst>
-                <a:gd name="connsiteX0" fmla="*/ 0 w 825190"/>
-                <a:gd name="connsiteY0" fmla="*/ 680750 h 680750"/>
-                <a:gd name="connsiteX1" fmla="*/ 479502 w 825190"/>
-                <a:gd name="connsiteY1" fmla="*/ 525 h 680750"/>
-                <a:gd name="connsiteX2" fmla="*/ 825190 w 825190"/>
-                <a:gd name="connsiteY2" fmla="*/ 591540 h 680750"/>
-              </a:gdLst>
-              <a:ahLst/>
-              <a:cxnLst>
-                <a:cxn ang="0">
-                  <a:pos x="connsiteX0" y="connsiteY0"/>
-                </a:cxn>
-                <a:cxn ang="0">
-                  <a:pos x="connsiteX1" y="connsiteY1"/>
-                </a:cxn>
-                <a:cxn ang="0">
-                  <a:pos x="connsiteX2" y="connsiteY2"/>
-                </a:cxn>
-              </a:cxnLst>
-              <a:rect l="l" t="t" r="r" b="b"/>
-              <a:pathLst>
-                <a:path w="825190" h="680750">
-                  <a:moveTo>
-                    <a:pt x="0" y="680750"/>
-                  </a:moveTo>
-                  <a:cubicBezTo>
-                    <a:pt x="170985" y="348071"/>
-                    <a:pt x="341970" y="15393"/>
-                    <a:pt x="479502" y="525"/>
-                  </a:cubicBezTo>
-                  <a:cubicBezTo>
-                    <a:pt x="617034" y="-14343"/>
-                    <a:pt x="721112" y="288598"/>
-                    <a:pt x="825190" y="591540"/>
-                  </a:cubicBezTo>
-                </a:path>
-              </a:pathLst>
-            </a:custGeom>
-            <a:ln w="38100" cap="flat" cmpd="sng" algn="ctr">
-              <a:solidFill>
-                <a:schemeClr val="accent3">
-                  <a:lumMod val="60000"/>
-                  <a:lumOff val="40000"/>
-                </a:schemeClr>
-              </a:solidFill>
-              <a:prstDash val="solid"/>
-              <a:round/>
-              <a:headEnd type="none" w="med" len="med"/>
-              <a:tailEnd type="arrow" w="med" len="med"/>
-            </a:ln>
-          </p:spPr>
-          <p:style>
-            <a:lnRef idx="0">
-              <a:scrgbClr r="0" g="0" b="0"/>
-            </a:lnRef>
-            <a:fillRef idx="0">
-              <a:scrgbClr r="0" g="0" b="0"/>
-            </a:fillRef>
-            <a:effectRef idx="0">
-              <a:scrgbClr r="0" g="0" b="0"/>
-            </a:effectRef>
-            <a:fontRef idx="minor">
-              <a:schemeClr val="tx1"/>
-            </a:fontRef>
-          </p:style>
-          <p:txBody>
-            <a:bodyPr rtlCol="0" anchor="ctr"/>
-            <a:lstStyle/>
-            <a:p>
-              <a:pPr algn="ctr"/>
-              <a:endParaRPr lang="en-US" dirty="0"/>
-            </a:p>
-          </p:txBody>
-        </p:sp>
-      </p:grpSp>
+      </p:pic>
     </p:spTree>
     <p:extLst>
       <p:ext uri="{BB962C8B-B14F-4D97-AF65-F5344CB8AC3E}">
-        <p14:creationId xmlns:p14="http://schemas.microsoft.com/office/powerpoint/2010/main" val="1997967509"/>
+        <p14:creationId xmlns:p14="http://schemas.microsoft.com/office/powerpoint/2010/main" val="4266994771"/>
       </p:ext>
     </p:extLst>
   </p:cSld>
   <p:clrMapOvr>
     <a:masterClrMapping/>
   </p:clrMapOvr>
-  <p:timing>
-    <p:tnLst>
-      <p:par>
-        <p:cTn id="1" dur="indefinite" restart="never" nodeType="tmRoot">
-          <p:childTnLst>
-            <p:seq concurrent="1" nextAc="seek">
-              <p:cTn id="2" dur="indefinite" nodeType="mainSeq">
-                <p:childTnLst>
-                  <p:par>
-                    <p:cTn id="3" fill="hold">
-                      <p:stCondLst>
-                        <p:cond delay="indefinite"/>
-                      </p:stCondLst>
-                      <p:childTnLst>
-                        <p:par>
-                          <p:cTn id="4" fill="hold">
-                            <p:stCondLst>
-                              <p:cond delay="0"/>
-                            </p:stCondLst>
-                            <p:childTnLst>
-                              <p:par>
-                                <p:cTn id="5" presetID="10" presetClass="entr" presetSubtype="0" fill="hold" nodeType="clickEffect">
-                                  <p:stCondLst>
-                                    <p:cond delay="0"/>
-                                  </p:stCondLst>
-                                  <p:childTnLst>
-                                    <p:set>
-                                      <p:cBhvr>
-                                        <p:cTn id="6" dur="1" fill="hold">
-                                          <p:stCondLst>
-                                            <p:cond delay="0"/>
-                                          </p:stCondLst>
-                                        </p:cTn>
-                                        <p:tgtEl>
-                                          <p:spTgt spid="28"/>
-                                        </p:tgtEl>
-                                        <p:attrNameLst>
-                                          <p:attrName>style.visibility</p:attrName>
-                                        </p:attrNameLst>
-                                      </p:cBhvr>
-                                      <p:to>
-                                        <p:strVal val="visible"/>
-                                      </p:to>
-                                    </p:set>
-                                    <p:animEffect transition="in" filter="fade">
-                                      <p:cBhvr>
-                                        <p:cTn id="7" dur="500"/>
-                                        <p:tgtEl>
-                                          <p:spTgt spid="28"/>
-                                        </p:tgtEl>
-                                      </p:cBhvr>
-                                    </p:animEffect>
-                                  </p:childTnLst>
-                                </p:cTn>
-                              </p:par>
-                            </p:childTnLst>
-                          </p:cTn>
-                        </p:par>
-                      </p:childTnLst>
-                    </p:cTn>
-                  </p:par>
-                  <p:par>
-                    <p:cTn id="8" fill="hold">
-                      <p:stCondLst>
-                        <p:cond delay="indefinite"/>
-                      </p:stCondLst>
-                      <p:childTnLst>
-                        <p:par>
-                          <p:cTn id="9" fill="hold">
-                            <p:stCondLst>
-                              <p:cond delay="0"/>
-                            </p:stCondLst>
-                            <p:childTnLst>
-                              <p:par>
-                                <p:cTn id="10" presetID="10" presetClass="entr" presetSubtype="0" fill="hold" nodeType="clickEffect">
-                                  <p:stCondLst>
-                                    <p:cond delay="0"/>
-                                  </p:stCondLst>
-                                  <p:childTnLst>
-                                    <p:set>
-                                      <p:cBhvr>
-                                        <p:cTn id="11" dur="1" fill="hold">
-                                          <p:stCondLst>
-                                            <p:cond delay="0"/>
-                                          </p:stCondLst>
-                                        </p:cTn>
-                                        <p:tgtEl>
-                                          <p:spTgt spid="33"/>
-                                        </p:tgtEl>
-                                        <p:attrNameLst>
-                                          <p:attrName>style.visibility</p:attrName>
-                                        </p:attrNameLst>
-                                      </p:cBhvr>
-                                      <p:to>
-                                        <p:strVal val="visible"/>
-                                      </p:to>
-                                    </p:set>
-                                    <p:animEffect transition="in" filter="fade">
-                                      <p:cBhvr>
-                                        <p:cTn id="12" dur="500"/>
-                                        <p:tgtEl>
-                                          <p:spTgt spid="33"/>
-                                        </p:tgtEl>
-                                      </p:cBhvr>
-                                    </p:animEffect>
-                                  </p:childTnLst>
-                                </p:cTn>
-                              </p:par>
-                            </p:childTnLst>
-                          </p:cTn>
-                        </p:par>
-                      </p:childTnLst>
-                    </p:cTn>
-                  </p:par>
-                  <p:par>
-                    <p:cTn id="13" fill="hold">
-                      <p:stCondLst>
-                        <p:cond delay="indefinite"/>
-                      </p:stCondLst>
-                      <p:childTnLst>
-                        <p:par>
-                          <p:cTn id="14" fill="hold">
-                            <p:stCondLst>
-                              <p:cond delay="0"/>
-                            </p:stCondLst>
-                            <p:childTnLst>
-                              <p:par>
-                                <p:cTn id="15" presetID="10" presetClass="entr" presetSubtype="0" fill="hold" nodeType="clickEffect">
-                                  <p:stCondLst>
-                                    <p:cond delay="0"/>
-                                  </p:stCondLst>
-                                  <p:childTnLst>
-                                    <p:set>
-                                      <p:cBhvr>
-                                        <p:cTn id="16" dur="1" fill="hold">
-                                          <p:stCondLst>
-                                            <p:cond delay="0"/>
-                                          </p:stCondLst>
-                                        </p:cTn>
-                                        <p:tgtEl>
-                                          <p:spTgt spid="38"/>
-                                        </p:tgtEl>
-                                        <p:attrNameLst>
-                                          <p:attrName>style.visibility</p:attrName>
-                                        </p:attrNameLst>
-                                      </p:cBhvr>
-                                      <p:to>
-                                        <p:strVal val="visible"/>
-                                      </p:to>
-                                    </p:set>
-                                    <p:animEffect transition="in" filter="fade">
-                                      <p:cBhvr>
-                                        <p:cTn id="17" dur="500"/>
-                                        <p:tgtEl>
-                                          <p:spTgt spid="38"/>
-                                        </p:tgtEl>
-                                      </p:cBhvr>
-                                    </p:animEffect>
-                                  </p:childTnLst>
-                                </p:cTn>
-                              </p:par>
-                            </p:childTnLst>
-                          </p:cTn>
-                        </p:par>
-                      </p:childTnLst>
-                    </p:cTn>
-                  </p:par>
-                </p:childTnLst>
-              </p:cTn>
-              <p:prevCondLst>
-                <p:cond evt="onPrev" delay="0">
-                  <p:tgtEl>
-                    <p:sldTgt/>
-                  </p:tgtEl>
-                </p:cond>
-              </p:prevCondLst>
-              <p:nextCondLst>
-                <p:cond evt="onNext" delay="0">
-                  <p:tgtEl>
-                    <p:sldTgt/>
-                  </p:tgtEl>
-                </p:cond>
-              </p:nextCondLst>
-            </p:seq>
-          </p:childTnLst>
-        </p:cTn>
-      </p:par>
-    </p:tnLst>
-  </p:timing>
 </p:sld>
 </file>
 
@@ -12936,14 +15420,14 @@
           <p:nvPr/>
         </p:nvPicPr>
         <p:blipFill>
-          <a:blip r:embed="rId2"/>
+          <a:blip r:embed="rId3"/>
           <a:stretch>
             <a:fillRect/>
           </a:stretch>
         </p:blipFill>
         <p:spPr>
           <a:xfrm>
-            <a:off x="595085" y="2429310"/>
+            <a:off x="1374573" y="2429310"/>
             <a:ext cx="3802744" cy="3837955"/>
           </a:xfrm>
           <a:prstGeom prst="rect">
@@ -12951,117 +15435,6 @@
           </a:prstGeom>
         </p:spPr>
       </p:pic>
-      <p:grpSp>
-        <p:nvGrpSpPr>
-          <p:cNvPr id="6" name="Group 5">
-            <a:extLst>
-              <a:ext uri="{FF2B5EF4-FFF2-40B4-BE49-F238E27FC236}">
-                <a16:creationId xmlns:a16="http://schemas.microsoft.com/office/drawing/2014/main" id="{3703BA88-090A-4C7B-8A8A-493A90437A78}"/>
-              </a:ext>
-            </a:extLst>
-          </p:cNvPr>
-          <p:cNvGrpSpPr/>
-          <p:nvPr/>
-        </p:nvGrpSpPr>
-        <p:grpSpPr>
-          <a:xfrm>
-            <a:off x="7831910" y="143395"/>
-            <a:ext cx="4232547" cy="6103477"/>
-            <a:chOff x="7831910" y="143395"/>
-            <a:chExt cx="4232547" cy="6103477"/>
-          </a:xfrm>
-        </p:grpSpPr>
-        <p:pic>
-          <p:nvPicPr>
-            <p:cNvPr id="2050" name="Picture 2">
-              <a:extLst>
-                <a:ext uri="{FF2B5EF4-FFF2-40B4-BE49-F238E27FC236}">
-                  <a16:creationId xmlns:a16="http://schemas.microsoft.com/office/drawing/2014/main" id="{DF689C63-E4AC-4373-9AE7-738B9F5EEEFF}"/>
-                </a:ext>
-              </a:extLst>
-            </p:cNvPr>
-            <p:cNvPicPr>
-              <a:picLocks noChangeAspect="1" noChangeArrowheads="1"/>
-            </p:cNvPicPr>
-            <p:nvPr/>
-          </p:nvPicPr>
-          <p:blipFill rotWithShape="1">
-            <a:blip r:embed="rId3">
-              <a:extLst>
-                <a:ext uri="{28A0092B-C50C-407E-A947-70E740481C1C}">
-                  <a14:useLocalDpi xmlns:a14="http://schemas.microsoft.com/office/drawing/2010/main" val="0"/>
-                </a:ext>
-              </a:extLst>
-            </a:blip>
-            <a:srcRect l="52726"/>
-            <a:stretch/>
-          </p:blipFill>
-          <p:spPr bwMode="auto">
-            <a:xfrm>
-              <a:off x="8011886" y="3198872"/>
-              <a:ext cx="4052571" cy="3048000"/>
-            </a:xfrm>
-            <a:prstGeom prst="rect">
-              <a:avLst/>
-            </a:prstGeom>
-            <a:noFill/>
-            <a:extLst>
-              <a:ext uri="{909E8E84-426E-40DD-AFC4-6F175D3DCCD1}">
-                <a14:hiddenFill xmlns:a14="http://schemas.microsoft.com/office/drawing/2010/main">
-                  <a:solidFill>
-                    <a:srgbClr val="FFFFFF"/>
-                  </a:solidFill>
-                </a14:hiddenFill>
-              </a:ext>
-            </a:extLst>
-          </p:spPr>
-        </p:pic>
-        <p:pic>
-          <p:nvPicPr>
-            <p:cNvPr id="7" name="Picture 2">
-              <a:extLst>
-                <a:ext uri="{FF2B5EF4-FFF2-40B4-BE49-F238E27FC236}">
-                  <a16:creationId xmlns:a16="http://schemas.microsoft.com/office/drawing/2014/main" id="{4028D376-F0D4-4143-80CC-3F87DE553994}"/>
-                </a:ext>
-              </a:extLst>
-            </p:cNvPr>
-            <p:cNvPicPr>
-              <a:picLocks noChangeAspect="1" noChangeArrowheads="1"/>
-            </p:cNvPicPr>
-            <p:nvPr/>
-          </p:nvPicPr>
-          <p:blipFill rotWithShape="1">
-            <a:blip r:embed="rId3">
-              <a:extLst>
-                <a:ext uri="{28A0092B-C50C-407E-A947-70E740481C1C}">
-                  <a14:useLocalDpi xmlns:a14="http://schemas.microsoft.com/office/drawing/2010/main" val="0"/>
-                </a:ext>
-              </a:extLst>
-            </a:blip>
-            <a:srcRect r="50627"/>
-            <a:stretch/>
-          </p:blipFill>
-          <p:spPr bwMode="auto">
-            <a:xfrm>
-              <a:off x="7831910" y="143395"/>
-              <a:ext cx="4232547" cy="3048000"/>
-            </a:xfrm>
-            <a:prstGeom prst="rect">
-              <a:avLst/>
-            </a:prstGeom>
-            <a:noFill/>
-            <a:extLst>
-              <a:ext uri="{909E8E84-426E-40DD-AFC4-6F175D3DCCD1}">
-                <a14:hiddenFill xmlns:a14="http://schemas.microsoft.com/office/drawing/2010/main">
-                  <a:solidFill>
-                    <a:srgbClr val="FFFFFF"/>
-                  </a:solidFill>
-                </a14:hiddenFill>
-              </a:ext>
-            </a:extLst>
-          </p:spPr>
-        </p:pic>
-      </p:grpSp>
       <p:sp>
         <p:nvSpPr>
           <p:cNvPr id="9" name="Rectangle: Rounded Corners 8">
@@ -13076,7 +15449,7 @@
         </p:nvSpPr>
         <p:spPr>
           <a:xfrm>
-            <a:off x="763451" y="5234714"/>
+            <a:off x="1542939" y="5234714"/>
             <a:ext cx="3634377" cy="1012158"/>
           </a:xfrm>
           <a:prstGeom prst="roundRect">
@@ -13127,7 +15500,7 @@
         </p:nvSpPr>
         <p:spPr>
           <a:xfrm>
-            <a:off x="4566194" y="5356072"/>
+            <a:off x="5345682" y="5356072"/>
             <a:ext cx="798285" cy="769441"/>
           </a:xfrm>
           <a:prstGeom prst="rect">
@@ -13157,6 +15530,96 @@
           </a:p>
         </p:txBody>
       </p:sp>
+      <p:pic>
+        <p:nvPicPr>
+          <p:cNvPr id="1028" name="Picture 4">
+            <a:extLst>
+              <a:ext uri="{FF2B5EF4-FFF2-40B4-BE49-F238E27FC236}">
+                <a16:creationId xmlns:a16="http://schemas.microsoft.com/office/drawing/2014/main" id="{0430DDB9-1E07-4E4E-B247-C9DAEA2AB7E5}"/>
+              </a:ext>
+            </a:extLst>
+          </p:cNvPr>
+          <p:cNvPicPr>
+            <a:picLocks noChangeAspect="1" noChangeArrowheads="1"/>
+          </p:cNvPicPr>
+          <p:nvPr/>
+        </p:nvPicPr>
+        <p:blipFill rotWithShape="1">
+          <a:blip r:embed="rId4">
+            <a:extLst>
+              <a:ext uri="{28A0092B-C50C-407E-A947-70E740481C1C}">
+                <a14:useLocalDpi xmlns:a14="http://schemas.microsoft.com/office/drawing/2010/main" val="0"/>
+              </a:ext>
+            </a:extLst>
+          </a:blip>
+          <a:srcRect r="52802"/>
+          <a:stretch/>
+        </p:blipFill>
+        <p:spPr bwMode="auto">
+          <a:xfrm>
+            <a:off x="6916712" y="0"/>
+            <a:ext cx="3956154" cy="3209925"/>
+          </a:xfrm>
+          <a:prstGeom prst="rect">
+            <a:avLst/>
+          </a:prstGeom>
+          <a:noFill/>
+          <a:extLst>
+            <a:ext uri="{909E8E84-426E-40DD-AFC4-6F175D3DCCD1}">
+              <a14:hiddenFill xmlns:a14="http://schemas.microsoft.com/office/drawing/2010/main">
+                <a:solidFill>
+                  <a:srgbClr val="FFFFFF"/>
+                </a:solidFill>
+              </a14:hiddenFill>
+            </a:ext>
+          </a:extLst>
+        </p:spPr>
+      </p:pic>
+      <p:pic>
+        <p:nvPicPr>
+          <p:cNvPr id="13" name="Picture 4">
+            <a:extLst>
+              <a:ext uri="{FF2B5EF4-FFF2-40B4-BE49-F238E27FC236}">
+                <a16:creationId xmlns:a16="http://schemas.microsoft.com/office/drawing/2014/main" id="{4B551228-62A3-4D3E-A688-40EFEC214B4B}"/>
+              </a:ext>
+            </a:extLst>
+          </p:cNvPr>
+          <p:cNvPicPr>
+            <a:picLocks noChangeAspect="1" noChangeArrowheads="1"/>
+          </p:cNvPicPr>
+          <p:nvPr/>
+        </p:nvPicPr>
+        <p:blipFill rotWithShape="1">
+          <a:blip r:embed="rId4">
+            <a:extLst>
+              <a:ext uri="{28A0092B-C50C-407E-A947-70E740481C1C}">
+                <a14:useLocalDpi xmlns:a14="http://schemas.microsoft.com/office/drawing/2010/main" val="0"/>
+              </a:ext>
+            </a:extLst>
+          </a:blip>
+          <a:srcRect l="51087" t="1454" r="984" b="-1454"/>
+          <a:stretch/>
+        </p:blipFill>
+        <p:spPr bwMode="auto">
+          <a:xfrm>
+            <a:off x="6855502" y="3380630"/>
+            <a:ext cx="4017364" cy="3209925"/>
+          </a:xfrm>
+          <a:prstGeom prst="rect">
+            <a:avLst/>
+          </a:prstGeom>
+          <a:noFill/>
+          <a:extLst>
+            <a:ext uri="{909E8E84-426E-40DD-AFC4-6F175D3DCCD1}">
+              <a14:hiddenFill xmlns:a14="http://schemas.microsoft.com/office/drawing/2010/main">
+                <a:solidFill>
+                  <a:srgbClr val="FFFFFF"/>
+                </a:solidFill>
+              </a14:hiddenFill>
+            </a:ext>
+          </a:extLst>
+        </p:spPr>
+      </p:pic>
     </p:spTree>
     <p:extLst>
       <p:ext uri="{BB962C8B-B14F-4D97-AF65-F5344CB8AC3E}">
@@ -13298,7 +15761,7 @@
                                           </p:stCondLst>
                                         </p:cTn>
                                         <p:tgtEl>
-                                          <p:spTgt spid="6"/>
+                                          <p:spTgt spid="1028"/>
                                         </p:tgtEl>
                                         <p:attrNameLst>
                                           <p:attrName>style.visibility</p:attrName>
@@ -13312,7 +15775,42 @@
                                       <p:cBhvr>
                                         <p:cTn id="16" dur="500"/>
                                         <p:tgtEl>
-                                          <p:spTgt spid="6"/>
+                                          <p:spTgt spid="1028"/>
+                                        </p:tgtEl>
+                                      </p:cBhvr>
+                                    </p:animEffect>
+                                  </p:childTnLst>
+                                </p:cTn>
+                              </p:par>
+                              <p:par>
+                                <p:cTn id="17" presetID="10" presetClass="entr" presetSubtype="0" fill="hold" nodeType="withEffect">
+                                  <p:stCondLst>
+                                    <p:cond delay="0"/>
+                                  </p:stCondLst>
+                                  <p:childTnLst>
+                                    <p:set>
+                                      <p:cBhvr>
+                                        <p:cTn id="18" dur="1" fill="hold">
+                                          <p:stCondLst>
+                                            <p:cond delay="0"/>
+                                          </p:stCondLst>
+                                        </p:cTn>
+                                        <p:tgtEl>
+                                          <p:spTgt spid="13"/>
+                                        </p:tgtEl>
+                                        <p:attrNameLst>
+                                          <p:attrName>style.visibility</p:attrName>
+                                        </p:attrNameLst>
+                                      </p:cBhvr>
+                                      <p:to>
+                                        <p:strVal val="visible"/>
+                                      </p:to>
+                                    </p:set>
+                                    <p:animEffect transition="in" filter="fade">
+                                      <p:cBhvr>
+                                        <p:cTn id="19" dur="500"/>
+                                        <p:tgtEl>
+                                          <p:spTgt spid="13"/>
                                         </p:tgtEl>
                                       </p:cBhvr>
                                     </p:animEffect>
@@ -13416,7 +15914,7 @@
           <a:lstStyle/>
           <a:p>
             <a:pPr algn="ctr"/>
-            <a:endParaRPr lang="en-US"/>
+            <a:endParaRPr lang="en-US" dirty="0"/>
           </a:p>
         </p:txBody>
       </p:sp>
@@ -13472,6 +15970,311 @@
         <p:spPr>
           <a:xfrm>
             <a:off x="1036320" y="988906"/>
+            <a:ext cx="10301438" cy="845512"/>
+          </a:xfrm>
+        </p:spPr>
+        <p:txBody>
+          <a:bodyPr/>
+          <a:lstStyle/>
+          <a:p>
+            <a:r>
+              <a:rPr lang="en-US" dirty="0"/>
+              <a:t>3) Grid searching Random Forest, KNN Regressors</a:t>
+            </a:r>
+          </a:p>
+        </p:txBody>
+      </p:sp>
+      <p:sp>
+        <p:nvSpPr>
+          <p:cNvPr id="6" name="TextBox 5">
+            <a:extLst>
+              <a:ext uri="{FF2B5EF4-FFF2-40B4-BE49-F238E27FC236}">
+                <a16:creationId xmlns:a16="http://schemas.microsoft.com/office/drawing/2014/main" id="{A2E2BE30-898B-48EE-BA83-4B7DB0ED6E8A}"/>
+              </a:ext>
+            </a:extLst>
+          </p:cNvPr>
+          <p:cNvSpPr txBox="1"/>
+          <p:nvPr/>
+        </p:nvSpPr>
+        <p:spPr>
+          <a:xfrm>
+            <a:off x="1135441" y="1803280"/>
+            <a:ext cx="3436133" cy="461665"/>
+          </a:xfrm>
+          <a:prstGeom prst="rect">
+            <a:avLst/>
+          </a:prstGeom>
+          <a:noFill/>
+        </p:spPr>
+        <p:txBody>
+          <a:bodyPr wrap="none" rtlCol="0">
+            <a:spAutoFit/>
+          </a:bodyPr>
+          <a:lstStyle/>
+          <a:p>
+            <a:r>
+              <a:rPr lang="en-US" sz="2400" b="1" u="sng" dirty="0"/>
+              <a:t>Random Forest Regressor</a:t>
+            </a:r>
+          </a:p>
+        </p:txBody>
+      </p:sp>
+      <p:sp>
+        <p:nvSpPr>
+          <p:cNvPr id="13" name="TextBox 12">
+            <a:extLst>
+              <a:ext uri="{FF2B5EF4-FFF2-40B4-BE49-F238E27FC236}">
+                <a16:creationId xmlns:a16="http://schemas.microsoft.com/office/drawing/2014/main" id="{0B13E308-EA13-4CA3-B14C-AD54F5B86968}"/>
+              </a:ext>
+            </a:extLst>
+          </p:cNvPr>
+          <p:cNvSpPr txBox="1"/>
+          <p:nvPr/>
+        </p:nvSpPr>
+        <p:spPr>
+          <a:xfrm>
+            <a:off x="8690073" y="1803280"/>
+            <a:ext cx="2077877" cy="461665"/>
+          </a:xfrm>
+          <a:prstGeom prst="rect">
+            <a:avLst/>
+          </a:prstGeom>
+          <a:noFill/>
+        </p:spPr>
+        <p:txBody>
+          <a:bodyPr wrap="none" rtlCol="0">
+            <a:spAutoFit/>
+          </a:bodyPr>
+          <a:lstStyle/>
+          <a:p>
+            <a:r>
+              <a:rPr lang="en-US" sz="2400" b="1" u="sng" dirty="0"/>
+              <a:t>KNN Regressor</a:t>
+            </a:r>
+          </a:p>
+        </p:txBody>
+      </p:sp>
+      <p:pic>
+        <p:nvPicPr>
+          <p:cNvPr id="2050" name="Picture 2">
+            <a:extLst>
+              <a:ext uri="{FF2B5EF4-FFF2-40B4-BE49-F238E27FC236}">
+                <a16:creationId xmlns:a16="http://schemas.microsoft.com/office/drawing/2014/main" id="{5F720676-54A6-411C-93C3-2375FF9C4F70}"/>
+              </a:ext>
+            </a:extLst>
+          </p:cNvPr>
+          <p:cNvPicPr>
+            <a:picLocks noChangeAspect="1" noChangeArrowheads="1"/>
+          </p:cNvPicPr>
+          <p:nvPr/>
+        </p:nvPicPr>
+        <p:blipFill rotWithShape="1">
+          <a:blip r:embed="rId3">
+            <a:extLst>
+              <a:ext uri="{28A0092B-C50C-407E-A947-70E740481C1C}">
+                <a14:useLocalDpi xmlns:a14="http://schemas.microsoft.com/office/drawing/2010/main" val="0"/>
+              </a:ext>
+            </a:extLst>
+          </a:blip>
+          <a:srcRect r="51343"/>
+          <a:stretch/>
+        </p:blipFill>
+        <p:spPr bwMode="auto">
+          <a:xfrm>
+            <a:off x="538608" y="2264945"/>
+            <a:ext cx="4352540" cy="3957419"/>
+          </a:xfrm>
+          <a:prstGeom prst="rect">
+            <a:avLst/>
+          </a:prstGeom>
+          <a:noFill/>
+          <a:extLst>
+            <a:ext uri="{909E8E84-426E-40DD-AFC4-6F175D3DCCD1}">
+              <a14:hiddenFill xmlns:a14="http://schemas.microsoft.com/office/drawing/2010/main">
+                <a:solidFill>
+                  <a:srgbClr val="FFFFFF"/>
+                </a:solidFill>
+              </a14:hiddenFill>
+            </a:ext>
+          </a:extLst>
+        </p:spPr>
+      </p:pic>
+      <p:pic>
+        <p:nvPicPr>
+          <p:cNvPr id="2052" name="Picture 4">
+            <a:extLst>
+              <a:ext uri="{FF2B5EF4-FFF2-40B4-BE49-F238E27FC236}">
+                <a16:creationId xmlns:a16="http://schemas.microsoft.com/office/drawing/2014/main" id="{603C9048-E7AC-4321-AF22-1DEA5BB90B18}"/>
+              </a:ext>
+            </a:extLst>
+          </p:cNvPr>
+          <p:cNvPicPr>
+            <a:picLocks noChangeAspect="1" noChangeArrowheads="1"/>
+          </p:cNvPicPr>
+          <p:nvPr/>
+        </p:nvPicPr>
+        <p:blipFill rotWithShape="1">
+          <a:blip r:embed="rId4">
+            <a:extLst>
+              <a:ext uri="{28A0092B-C50C-407E-A947-70E740481C1C}">
+                <a14:useLocalDpi xmlns:a14="http://schemas.microsoft.com/office/drawing/2010/main" val="0"/>
+              </a:ext>
+            </a:extLst>
+          </a:blip>
+          <a:srcRect r="50000"/>
+          <a:stretch/>
+        </p:blipFill>
+        <p:spPr bwMode="auto">
+          <a:xfrm>
+            <a:off x="7152097" y="2264945"/>
+            <a:ext cx="4501295" cy="3957419"/>
+          </a:xfrm>
+          <a:prstGeom prst="rect">
+            <a:avLst/>
+          </a:prstGeom>
+          <a:noFill/>
+          <a:extLst>
+            <a:ext uri="{909E8E84-426E-40DD-AFC4-6F175D3DCCD1}">
+              <a14:hiddenFill xmlns:a14="http://schemas.microsoft.com/office/drawing/2010/main">
+                <a:solidFill>
+                  <a:srgbClr val="FFFFFF"/>
+                </a:solidFill>
+              </a14:hiddenFill>
+            </a:ext>
+          </a:extLst>
+        </p:spPr>
+      </p:pic>
+    </p:spTree>
+    <p:extLst>
+      <p:ext uri="{BB962C8B-B14F-4D97-AF65-F5344CB8AC3E}">
+        <p14:creationId xmlns:p14="http://schemas.microsoft.com/office/powerpoint/2010/main" val="3703481736"/>
+      </p:ext>
+    </p:extLst>
+  </p:cSld>
+  <p:clrMapOvr>
+    <a:masterClrMapping/>
+  </p:clrMapOvr>
+</p:sld>
+</file>
+
+<file path=ppt/slides/slide6.xml><?xml version="1.0" encoding="utf-8"?>
+<p:sld xmlns:a="http://schemas.openxmlformats.org/drawingml/2006/main" xmlns:r="http://schemas.openxmlformats.org/officeDocument/2006/relationships" xmlns:p="http://schemas.openxmlformats.org/presentationml/2006/main">
+  <p:cSld>
+    <p:spTree>
+      <p:nvGrpSpPr>
+        <p:cNvPr id="1" name=""/>
+        <p:cNvGrpSpPr/>
+        <p:nvPr/>
+      </p:nvGrpSpPr>
+      <p:grpSpPr>
+        <a:xfrm>
+          <a:off x="0" y="0"/>
+          <a:ext cx="0" cy="0"/>
+          <a:chOff x="0" y="0"/>
+          <a:chExt cx="0" cy="0"/>
+        </a:xfrm>
+      </p:grpSpPr>
+      <p:sp>
+        <p:nvSpPr>
+          <p:cNvPr id="4" name="Rectangle 3">
+            <a:extLst>
+              <a:ext uri="{FF2B5EF4-FFF2-40B4-BE49-F238E27FC236}">
+                <a16:creationId xmlns:a16="http://schemas.microsoft.com/office/drawing/2014/main" id="{EAC4D742-BBDF-4B86-8616-C724315B18A5}"/>
+              </a:ext>
+            </a:extLst>
+          </p:cNvPr>
+          <p:cNvSpPr/>
+          <p:nvPr/>
+        </p:nvSpPr>
+        <p:spPr>
+          <a:xfrm>
+            <a:off x="854242" y="1660358"/>
+            <a:ext cx="10539663" cy="144379"/>
+          </a:xfrm>
+          <a:prstGeom prst="rect">
+            <a:avLst/>
+          </a:prstGeom>
+          <a:ln>
+            <a:solidFill>
+              <a:schemeClr val="bg1"/>
+            </a:solidFill>
+          </a:ln>
+        </p:spPr>
+        <p:style>
+          <a:lnRef idx="2">
+            <a:schemeClr val="dk1"/>
+          </a:lnRef>
+          <a:fillRef idx="1">
+            <a:schemeClr val="lt1"/>
+          </a:fillRef>
+          <a:effectRef idx="0">
+            <a:schemeClr val="dk1"/>
+          </a:effectRef>
+          <a:fontRef idx="minor">
+            <a:schemeClr val="dk1"/>
+          </a:fontRef>
+        </p:style>
+        <p:txBody>
+          <a:bodyPr rtlCol="0" anchor="ctr"/>
+          <a:lstStyle/>
+          <a:p>
+            <a:pPr algn="ctr"/>
+            <a:endParaRPr lang="en-US"/>
+          </a:p>
+        </p:txBody>
+      </p:sp>
+      <p:sp>
+        <p:nvSpPr>
+          <p:cNvPr id="2" name="Title 1">
+            <a:extLst>
+              <a:ext uri="{FF2B5EF4-FFF2-40B4-BE49-F238E27FC236}">
+                <a16:creationId xmlns:a16="http://schemas.microsoft.com/office/drawing/2014/main" id="{5BC616D9-14F3-4F9A-94DD-D8464CB9287C}"/>
+              </a:ext>
+            </a:extLst>
+          </p:cNvPr>
+          <p:cNvSpPr>
+            <a:spLocks noGrp="1"/>
+          </p:cNvSpPr>
+          <p:nvPr>
+            <p:ph type="title"/>
+          </p:nvPr>
+        </p:nvSpPr>
+        <p:spPr>
+          <a:xfrm>
+            <a:off x="1097280" y="143395"/>
+            <a:ext cx="10058400" cy="845511"/>
+          </a:xfrm>
+        </p:spPr>
+        <p:txBody>
+          <a:bodyPr/>
+          <a:lstStyle/>
+          <a:p>
+            <a:r>
+              <a:rPr lang="en-US" dirty="0"/>
+              <a:t>Predicting Social Skill</a:t>
+            </a:r>
+          </a:p>
+        </p:txBody>
+      </p:sp>
+      <p:sp>
+        <p:nvSpPr>
+          <p:cNvPr id="3" name="Content Placeholder 2">
+            <a:extLst>
+              <a:ext uri="{FF2B5EF4-FFF2-40B4-BE49-F238E27FC236}">
+                <a16:creationId xmlns:a16="http://schemas.microsoft.com/office/drawing/2014/main" id="{F33731AE-60CD-44F7-A6CE-837F375F5F65}"/>
+              </a:ext>
+            </a:extLst>
+          </p:cNvPr>
+          <p:cNvSpPr>
+            <a:spLocks noGrp="1"/>
+          </p:cNvSpPr>
+          <p:nvPr>
+            <p:ph idx="1"/>
+          </p:nvPr>
+        </p:nvSpPr>
+        <p:spPr>
+          <a:xfrm>
+            <a:off x="1036320" y="988906"/>
             <a:ext cx="3634377" cy="4023360"/>
           </a:xfrm>
         </p:spPr>
@@ -13481,7 +16284,7 @@
           <a:p>
             <a:r>
               <a:rPr lang="en-US" dirty="0"/>
-              <a:t>3) Simple Linear Regression – examine output</a:t>
+              <a:t>4) Simple Linear Regression – examine output</a:t>
             </a:r>
           </a:p>
         </p:txBody>
@@ -13873,7 +16676,7 @@
 </p:sld>
 </file>
 
-<file path=ppt/slides/slide6.xml><?xml version="1.0" encoding="utf-8"?>
+<file path=ppt/slides/slide7.xml><?xml version="1.0" encoding="utf-8"?>
 <p:sld xmlns:a="http://schemas.openxmlformats.org/drawingml/2006/main" xmlns:r="http://schemas.openxmlformats.org/officeDocument/2006/relationships" xmlns:p="http://schemas.openxmlformats.org/presentationml/2006/main">
   <p:cSld>
     <p:spTree>
@@ -14059,7 +16862,7 @@
           <a:p>
             <a:r>
               <a:rPr lang="en-US" dirty="0"/>
-              <a:t>4) Our Target variable is a skewed distribution. Does Quantile-transforming it help?</a:t>
+              <a:t>5) Our Target variable is a skewed distribution. Does Quantile-transforming it help?</a:t>
             </a:r>
           </a:p>
         </p:txBody>
@@ -14519,311 +17322,6 @@
 </p:sld>
 </file>
 
-<file path=ppt/slides/slide7.xml><?xml version="1.0" encoding="utf-8"?>
-<p:sld xmlns:a="http://schemas.openxmlformats.org/drawingml/2006/main" xmlns:r="http://schemas.openxmlformats.org/officeDocument/2006/relationships" xmlns:p="http://schemas.openxmlformats.org/presentationml/2006/main">
-  <p:cSld>
-    <p:spTree>
-      <p:nvGrpSpPr>
-        <p:cNvPr id="1" name=""/>
-        <p:cNvGrpSpPr/>
-        <p:nvPr/>
-      </p:nvGrpSpPr>
-      <p:grpSpPr>
-        <a:xfrm>
-          <a:off x="0" y="0"/>
-          <a:ext cx="0" cy="0"/>
-          <a:chOff x="0" y="0"/>
-          <a:chExt cx="0" cy="0"/>
-        </a:xfrm>
-      </p:grpSpPr>
-      <p:sp>
-        <p:nvSpPr>
-          <p:cNvPr id="4" name="Rectangle 3">
-            <a:extLst>
-              <a:ext uri="{FF2B5EF4-FFF2-40B4-BE49-F238E27FC236}">
-                <a16:creationId xmlns:a16="http://schemas.microsoft.com/office/drawing/2014/main" id="{EAC4D742-BBDF-4B86-8616-C724315B18A5}"/>
-              </a:ext>
-            </a:extLst>
-          </p:cNvPr>
-          <p:cNvSpPr/>
-          <p:nvPr/>
-        </p:nvSpPr>
-        <p:spPr>
-          <a:xfrm>
-            <a:off x="854242" y="1660358"/>
-            <a:ext cx="10539663" cy="144379"/>
-          </a:xfrm>
-          <a:prstGeom prst="rect">
-            <a:avLst/>
-          </a:prstGeom>
-          <a:ln>
-            <a:solidFill>
-              <a:schemeClr val="bg1"/>
-            </a:solidFill>
-          </a:ln>
-        </p:spPr>
-        <p:style>
-          <a:lnRef idx="2">
-            <a:schemeClr val="dk1"/>
-          </a:lnRef>
-          <a:fillRef idx="1">
-            <a:schemeClr val="lt1"/>
-          </a:fillRef>
-          <a:effectRef idx="0">
-            <a:schemeClr val="dk1"/>
-          </a:effectRef>
-          <a:fontRef idx="minor">
-            <a:schemeClr val="dk1"/>
-          </a:fontRef>
-        </p:style>
-        <p:txBody>
-          <a:bodyPr rtlCol="0" anchor="ctr"/>
-          <a:lstStyle/>
-          <a:p>
-            <a:pPr algn="ctr"/>
-            <a:endParaRPr lang="en-US" dirty="0"/>
-          </a:p>
-        </p:txBody>
-      </p:sp>
-      <p:sp>
-        <p:nvSpPr>
-          <p:cNvPr id="2" name="Title 1">
-            <a:extLst>
-              <a:ext uri="{FF2B5EF4-FFF2-40B4-BE49-F238E27FC236}">
-                <a16:creationId xmlns:a16="http://schemas.microsoft.com/office/drawing/2014/main" id="{5BC616D9-14F3-4F9A-94DD-D8464CB9287C}"/>
-              </a:ext>
-            </a:extLst>
-          </p:cNvPr>
-          <p:cNvSpPr>
-            <a:spLocks noGrp="1"/>
-          </p:cNvSpPr>
-          <p:nvPr>
-            <p:ph type="title"/>
-          </p:nvPr>
-        </p:nvSpPr>
-        <p:spPr>
-          <a:xfrm>
-            <a:off x="1097280" y="143395"/>
-            <a:ext cx="10058400" cy="845511"/>
-          </a:xfrm>
-        </p:spPr>
-        <p:txBody>
-          <a:bodyPr/>
-          <a:lstStyle/>
-          <a:p>
-            <a:r>
-              <a:rPr lang="en-US" dirty="0"/>
-              <a:t>Predicting Social Skill</a:t>
-            </a:r>
-          </a:p>
-        </p:txBody>
-      </p:sp>
-      <p:sp>
-        <p:nvSpPr>
-          <p:cNvPr id="3" name="Content Placeholder 2">
-            <a:extLst>
-              <a:ext uri="{FF2B5EF4-FFF2-40B4-BE49-F238E27FC236}">
-                <a16:creationId xmlns:a16="http://schemas.microsoft.com/office/drawing/2014/main" id="{F33731AE-60CD-44F7-A6CE-837F375F5F65}"/>
-              </a:ext>
-            </a:extLst>
-          </p:cNvPr>
-          <p:cNvSpPr>
-            <a:spLocks noGrp="1"/>
-          </p:cNvSpPr>
-          <p:nvPr>
-            <p:ph idx="1"/>
-          </p:nvPr>
-        </p:nvSpPr>
-        <p:spPr>
-          <a:xfrm>
-            <a:off x="1036320" y="988907"/>
-            <a:ext cx="10301438" cy="845512"/>
-          </a:xfrm>
-        </p:spPr>
-        <p:txBody>
-          <a:bodyPr/>
-          <a:lstStyle/>
-          <a:p>
-            <a:r>
-              <a:rPr lang="en-US" dirty="0"/>
-              <a:t>4) Can other Regressor Types do better? Grid searching Random Forest, KNN Regressors</a:t>
-            </a:r>
-          </a:p>
-        </p:txBody>
-      </p:sp>
-      <p:pic>
-        <p:nvPicPr>
-          <p:cNvPr id="5122" name="Picture 2">
-            <a:extLst>
-              <a:ext uri="{FF2B5EF4-FFF2-40B4-BE49-F238E27FC236}">
-                <a16:creationId xmlns:a16="http://schemas.microsoft.com/office/drawing/2014/main" id="{2643703C-E2D9-49BC-90B5-C7AE7B26D12C}"/>
-              </a:ext>
-            </a:extLst>
-          </p:cNvPr>
-          <p:cNvPicPr>
-            <a:picLocks noChangeAspect="1" noChangeArrowheads="1"/>
-          </p:cNvPicPr>
-          <p:nvPr/>
-        </p:nvPicPr>
-        <p:blipFill rotWithShape="1">
-          <a:blip r:embed="rId2">
-            <a:extLst>
-              <a:ext uri="{28A0092B-C50C-407E-A947-70E740481C1C}">
-                <a14:useLocalDpi xmlns:a14="http://schemas.microsoft.com/office/drawing/2010/main" val="0"/>
-              </a:ext>
-            </a:extLst>
-          </a:blip>
-          <a:srcRect r="50000"/>
-          <a:stretch/>
-        </p:blipFill>
-        <p:spPr bwMode="auto">
-          <a:xfrm>
-            <a:off x="257446" y="2340102"/>
-            <a:ext cx="5192124" cy="4517898"/>
-          </a:xfrm>
-          <a:prstGeom prst="rect">
-            <a:avLst/>
-          </a:prstGeom>
-          <a:noFill/>
-          <a:extLst>
-            <a:ext uri="{909E8E84-426E-40DD-AFC4-6F175D3DCCD1}">
-              <a14:hiddenFill xmlns:a14="http://schemas.microsoft.com/office/drawing/2010/main">
-                <a:solidFill>
-                  <a:srgbClr val="FFFFFF"/>
-                </a:solidFill>
-              </a14:hiddenFill>
-            </a:ext>
-          </a:extLst>
-        </p:spPr>
-      </p:pic>
-      <p:pic>
-        <p:nvPicPr>
-          <p:cNvPr id="5124" name="Picture 4">
-            <a:extLst>
-              <a:ext uri="{FF2B5EF4-FFF2-40B4-BE49-F238E27FC236}">
-                <a16:creationId xmlns:a16="http://schemas.microsoft.com/office/drawing/2014/main" id="{8F148AA6-1CCF-43CA-AD71-169617FF06FD}"/>
-              </a:ext>
-            </a:extLst>
-          </p:cNvPr>
-          <p:cNvPicPr>
-            <a:picLocks noChangeAspect="1" noChangeArrowheads="1"/>
-          </p:cNvPicPr>
-          <p:nvPr/>
-        </p:nvPicPr>
-        <p:blipFill rotWithShape="1">
-          <a:blip r:embed="rId3">
-            <a:extLst>
-              <a:ext uri="{28A0092B-C50C-407E-A947-70E740481C1C}">
-                <a14:useLocalDpi xmlns:a14="http://schemas.microsoft.com/office/drawing/2010/main" val="0"/>
-              </a:ext>
-            </a:extLst>
-          </a:blip>
-          <a:srcRect r="50331"/>
-          <a:stretch/>
-        </p:blipFill>
-        <p:spPr bwMode="auto">
-          <a:xfrm>
-            <a:off x="6742430" y="2340102"/>
-            <a:ext cx="5192124" cy="4517898"/>
-          </a:xfrm>
-          <a:prstGeom prst="rect">
-            <a:avLst/>
-          </a:prstGeom>
-          <a:noFill/>
-          <a:extLst>
-            <a:ext uri="{909E8E84-426E-40DD-AFC4-6F175D3DCCD1}">
-              <a14:hiddenFill xmlns:a14="http://schemas.microsoft.com/office/drawing/2010/main">
-                <a:solidFill>
-                  <a:srgbClr val="FFFFFF"/>
-                </a:solidFill>
-              </a14:hiddenFill>
-            </a:ext>
-          </a:extLst>
-        </p:spPr>
-      </p:pic>
-      <p:sp>
-        <p:nvSpPr>
-          <p:cNvPr id="6" name="TextBox 5">
-            <a:extLst>
-              <a:ext uri="{FF2B5EF4-FFF2-40B4-BE49-F238E27FC236}">
-                <a16:creationId xmlns:a16="http://schemas.microsoft.com/office/drawing/2014/main" id="{A2E2BE30-898B-48EE-BA83-4B7DB0ED6E8A}"/>
-              </a:ext>
-            </a:extLst>
-          </p:cNvPr>
-          <p:cNvSpPr txBox="1"/>
-          <p:nvPr/>
-        </p:nvSpPr>
-        <p:spPr>
-          <a:xfrm>
-            <a:off x="1135441" y="1803280"/>
-            <a:ext cx="3436133" cy="461665"/>
-          </a:xfrm>
-          <a:prstGeom prst="rect">
-            <a:avLst/>
-          </a:prstGeom>
-          <a:noFill/>
-        </p:spPr>
-        <p:txBody>
-          <a:bodyPr wrap="none" rtlCol="0">
-            <a:spAutoFit/>
-          </a:bodyPr>
-          <a:lstStyle/>
-          <a:p>
-            <a:r>
-              <a:rPr lang="en-US" sz="2400" b="1" u="sng" dirty="0"/>
-              <a:t>Random Forest Regressor</a:t>
-            </a:r>
-          </a:p>
-        </p:txBody>
-      </p:sp>
-      <p:sp>
-        <p:nvSpPr>
-          <p:cNvPr id="13" name="TextBox 12">
-            <a:extLst>
-              <a:ext uri="{FF2B5EF4-FFF2-40B4-BE49-F238E27FC236}">
-                <a16:creationId xmlns:a16="http://schemas.microsoft.com/office/drawing/2014/main" id="{0B13E308-EA13-4CA3-B14C-AD54F5B86968}"/>
-              </a:ext>
-            </a:extLst>
-          </p:cNvPr>
-          <p:cNvSpPr txBox="1"/>
-          <p:nvPr/>
-        </p:nvSpPr>
-        <p:spPr>
-          <a:xfrm>
-            <a:off x="8690073" y="1803280"/>
-            <a:ext cx="2077877" cy="461665"/>
-          </a:xfrm>
-          <a:prstGeom prst="rect">
-            <a:avLst/>
-          </a:prstGeom>
-          <a:noFill/>
-        </p:spPr>
-        <p:txBody>
-          <a:bodyPr wrap="none" rtlCol="0">
-            <a:spAutoFit/>
-          </a:bodyPr>
-          <a:lstStyle/>
-          <a:p>
-            <a:r>
-              <a:rPr lang="en-US" sz="2400" b="1" u="sng" dirty="0"/>
-              <a:t>KNN Regressor</a:t>
-            </a:r>
-          </a:p>
-        </p:txBody>
-      </p:sp>
-    </p:spTree>
-    <p:extLst>
-      <p:ext uri="{BB962C8B-B14F-4D97-AF65-F5344CB8AC3E}">
-        <p14:creationId xmlns:p14="http://schemas.microsoft.com/office/powerpoint/2010/main" val="3703481736"/>
-      </p:ext>
-    </p:extLst>
-  </p:cSld>
-  <p:clrMapOvr>
-    <a:masterClrMapping/>
-  </p:clrMapOvr>
-</p:sld>
-</file>
-
 <file path=ppt/slides/slide8.xml><?xml version="1.0" encoding="utf-8"?>
 <p:sld xmlns:a="http://schemas.openxmlformats.org/drawingml/2006/main" xmlns:r="http://schemas.openxmlformats.org/officeDocument/2006/relationships" xmlns:p="http://schemas.openxmlformats.org/presentationml/2006/main">
   <p:cSld>
@@ -14909,14 +17407,11 @@
               </a:rPr>
               <a:t>Can we predict a child’s “Social Skill” score be predicated based on demographics and activities (screen time, outdoor time)? </a:t>
             </a:r>
-            <a:r>
-              <a:rPr lang="en-US" sz="2800" i="1" dirty="0">
-                <a:solidFill>
-                  <a:schemeClr val="tx1"/>
-                </a:solidFill>
-              </a:rPr>
-              <a:t>– Not with these predictors</a:t>
-            </a:r>
+            <a:endParaRPr lang="en-US" sz="2800" i="1" dirty="0">
+              <a:solidFill>
+                <a:schemeClr val="tx1"/>
+              </a:solidFill>
+            </a:endParaRPr>
           </a:p>
           <a:p>
             <a:pPr marL="457200" indent="-457200">
@@ -14972,10 +17467,10 @@
       </p:grpSpPr>
       <p:sp>
         <p:nvSpPr>
-          <p:cNvPr id="4" name="Rectangle 3">
+          <p:cNvPr id="7" name="Rectangle 6">
             <a:extLst>
               <a:ext uri="{FF2B5EF4-FFF2-40B4-BE49-F238E27FC236}">
-                <a16:creationId xmlns:a16="http://schemas.microsoft.com/office/drawing/2014/main" id="{EAC4D742-BBDF-4B86-8616-C724315B18A5}"/>
+                <a16:creationId xmlns:a16="http://schemas.microsoft.com/office/drawing/2014/main" id="{74A076C8-CE37-4669-B87D-21C909ED5381}"/>
               </a:ext>
             </a:extLst>
           </p:cNvPr>
@@ -14984,7 +17479,7 @@
         </p:nvSpPr>
         <p:spPr>
           <a:xfrm>
-            <a:off x="854242" y="1660358"/>
+            <a:off x="885239" y="1660358"/>
             <a:ext cx="10539663" cy="144379"/>
           </a:xfrm>
           <a:prstGeom prst="rect">
@@ -15019,535 +17514,729 @@
           </a:p>
         </p:txBody>
       </p:sp>
-      <p:sp>
-        <p:nvSpPr>
-          <p:cNvPr id="2" name="Title 1">
+      <p:graphicFrame>
+        <p:nvGraphicFramePr>
+          <p:cNvPr id="6" name="Content Placeholder 5">
             <a:extLst>
               <a:ext uri="{FF2B5EF4-FFF2-40B4-BE49-F238E27FC236}">
-                <a16:creationId xmlns:a16="http://schemas.microsoft.com/office/drawing/2014/main" id="{5BC616D9-14F3-4F9A-94DD-D8464CB9287C}"/>
+                <a16:creationId xmlns:a16="http://schemas.microsoft.com/office/drawing/2014/main" id="{294C59C0-9711-41F2-A4A5-015B0787AE54}"/>
               </a:ext>
             </a:extLst>
           </p:cNvPr>
-          <p:cNvSpPr>
-            <a:spLocks noGrp="1"/>
-          </p:cNvSpPr>
-          <p:nvPr>
-            <p:ph type="title"/>
-          </p:nvPr>
-        </p:nvSpPr>
-        <p:spPr>
-          <a:xfrm>
-            <a:off x="1097280" y="143395"/>
-            <a:ext cx="10058400" cy="845511"/>
-          </a:xfrm>
-        </p:spPr>
-        <p:txBody>
-          <a:bodyPr/>
-          <a:lstStyle/>
-          <a:p>
-            <a:r>
-              <a:rPr lang="en-US" dirty="0"/>
-              <a:t>Predicting Disruptive Behavior</a:t>
-            </a:r>
-          </a:p>
-        </p:txBody>
-      </p:sp>
-      <p:sp>
-        <p:nvSpPr>
-          <p:cNvPr id="3" name="Content Placeholder 2">
-            <a:extLst>
-              <a:ext uri="{FF2B5EF4-FFF2-40B4-BE49-F238E27FC236}">
-                <a16:creationId xmlns:a16="http://schemas.microsoft.com/office/drawing/2014/main" id="{F33731AE-60CD-44F7-A6CE-837F375F5F65}"/>
-              </a:ext>
-            </a:extLst>
-          </p:cNvPr>
-          <p:cNvSpPr>
-            <a:spLocks noGrp="1"/>
-          </p:cNvSpPr>
+          <p:cNvGraphicFramePr>
+            <a:graphicFrameLocks noGrp="1"/>
+          </p:cNvGraphicFramePr>
           <p:nvPr>
             <p:ph idx="1"/>
+            <p:extLst>
+              <p:ext uri="{D42A27DB-BD31-4B8C-83A1-F6EECF244321}">
+                <p14:modId xmlns:p14="http://schemas.microsoft.com/office/powerpoint/2010/main" val="209337060"/>
+              </p:ext>
+            </p:extLst>
           </p:nvPr>
-        </p:nvSpPr>
-        <p:spPr>
-          <a:xfrm>
-            <a:off x="1036320" y="988907"/>
-            <a:ext cx="8380947" cy="845512"/>
-          </a:xfrm>
-        </p:spPr>
-        <p:txBody>
-          <a:bodyPr>
-            <a:normAutofit lnSpcReduction="10000"/>
-          </a:bodyPr>
-          <a:lstStyle/>
-          <a:p>
-            <a:r>
-              <a:rPr lang="en-US" dirty="0"/>
-              <a:t>Example: A school administration is trying to prevent classrooms from having too many disruptive students, so they are trying to identify which of their incoming students are likely to be disruptive in advance (disrupt score &gt; x)</a:t>
-            </a:r>
-          </a:p>
-        </p:txBody>
-      </p:sp>
-      <p:pic>
-        <p:nvPicPr>
-          <p:cNvPr id="6146" name="Picture 2">
-            <a:extLst>
-              <a:ext uri="{FF2B5EF4-FFF2-40B4-BE49-F238E27FC236}">
-                <a16:creationId xmlns:a16="http://schemas.microsoft.com/office/drawing/2014/main" id="{CCD70A5D-BCBF-4585-A485-555899950B7A}"/>
-              </a:ext>
-            </a:extLst>
-          </p:cNvPr>
-          <p:cNvPicPr>
-            <a:picLocks noChangeAspect="1" noChangeArrowheads="1"/>
-          </p:cNvPicPr>
-          <p:nvPr/>
-        </p:nvPicPr>
-        <p:blipFill>
-          <a:blip r:embed="rId2">
-            <a:extLst>
-              <a:ext uri="{28A0092B-C50C-407E-A947-70E740481C1C}">
-                <a14:useLocalDpi xmlns:a14="http://schemas.microsoft.com/office/drawing/2010/main" val="0"/>
-              </a:ext>
-            </a:extLst>
-          </a:blip>
-          <a:srcRect/>
-          <a:stretch>
-            <a:fillRect/>
-          </a:stretch>
-        </p:blipFill>
-        <p:spPr bwMode="auto">
-          <a:xfrm>
-            <a:off x="520073" y="2591246"/>
-            <a:ext cx="11333931" cy="3587811"/>
-          </a:xfrm>
-          <a:prstGeom prst="rect">
-            <a:avLst/>
-          </a:prstGeom>
-          <a:noFill/>
-          <a:extLst>
-            <a:ext uri="{909E8E84-426E-40DD-AFC4-6F175D3DCCD1}">
-              <a14:hiddenFill xmlns:a14="http://schemas.microsoft.com/office/drawing/2010/main">
-                <a:solidFill>
-                  <a:srgbClr val="FFFFFF"/>
-                </a:solidFill>
-              </a14:hiddenFill>
-            </a:ext>
-          </a:extLst>
-        </p:spPr>
-      </p:pic>
-      <p:sp>
-        <p:nvSpPr>
-          <p:cNvPr id="10" name="TextBox 9">
-            <a:extLst>
-              <a:ext uri="{FF2B5EF4-FFF2-40B4-BE49-F238E27FC236}">
-                <a16:creationId xmlns:a16="http://schemas.microsoft.com/office/drawing/2014/main" id="{9E0D7BA9-92AE-4BD7-B10F-A8FE7EB324E9}"/>
-              </a:ext>
-            </a:extLst>
-          </p:cNvPr>
-          <p:cNvSpPr txBox="1"/>
-          <p:nvPr/>
-        </p:nvSpPr>
-        <p:spPr>
-          <a:xfrm>
-            <a:off x="4406006" y="1834419"/>
-            <a:ext cx="3305520" cy="461665"/>
-          </a:xfrm>
-          <a:prstGeom prst="rect">
-            <a:avLst/>
-          </a:prstGeom>
-          <a:noFill/>
-        </p:spPr>
-        <p:txBody>
-          <a:bodyPr wrap="none" rtlCol="0">
-            <a:spAutoFit/>
-          </a:bodyPr>
-          <a:lstStyle/>
-          <a:p>
-            <a:r>
-              <a:rPr lang="en-US" sz="2400" b="1" u="sng" dirty="0"/>
-              <a:t>Basic Logistic Regression</a:t>
-            </a:r>
-          </a:p>
-        </p:txBody>
-      </p:sp>
-      <p:grpSp>
-        <p:nvGrpSpPr>
-          <p:cNvPr id="9" name="Group 8">
-            <a:extLst>
-              <a:ext uri="{FF2B5EF4-FFF2-40B4-BE49-F238E27FC236}">
-                <a16:creationId xmlns:a16="http://schemas.microsoft.com/office/drawing/2014/main" id="{D281A5DA-EA60-45A7-9FC0-FA74F7FD42DF}"/>
-              </a:ext>
-            </a:extLst>
-          </p:cNvPr>
-          <p:cNvGrpSpPr/>
-          <p:nvPr/>
-        </p:nvGrpSpPr>
-        <p:grpSpPr>
-          <a:xfrm>
-            <a:off x="9417267" y="34871"/>
-            <a:ext cx="2564091" cy="2480283"/>
-            <a:chOff x="9417267" y="34871"/>
-            <a:chExt cx="2564091" cy="2480283"/>
-          </a:xfrm>
-        </p:grpSpPr>
-        <p:pic>
-          <p:nvPicPr>
-            <p:cNvPr id="12" name="Picture 11">
-              <a:extLst>
-                <a:ext uri="{FF2B5EF4-FFF2-40B4-BE49-F238E27FC236}">
-                  <a16:creationId xmlns:a16="http://schemas.microsoft.com/office/drawing/2014/main" id="{EEACCC34-2A2F-403B-B1CF-68BCFA78B8DE}"/>
-                </a:ext>
-              </a:extLst>
-            </p:cNvPr>
-            <p:cNvPicPr>
-              <a:picLocks noChangeAspect="1"/>
-            </p:cNvPicPr>
-            <p:nvPr/>
-          </p:nvPicPr>
-          <p:blipFill rotWithShape="1">
-            <a:blip r:embed="rId3"/>
-            <a:srcRect l="52811" t="26088" r="24405" b="52123"/>
-            <a:stretch/>
-          </p:blipFill>
-          <p:spPr>
-            <a:xfrm>
-              <a:off x="9417267" y="34871"/>
-              <a:ext cx="2564091" cy="2480283"/>
-            </a:xfrm>
-            <a:prstGeom prst="rect">
-              <a:avLst/>
-            </a:prstGeom>
-          </p:spPr>
-        </p:pic>
-        <p:cxnSp>
-          <p:nvCxnSpPr>
-            <p:cNvPr id="7" name="Straight Connector 6">
-              <a:extLst>
-                <a:ext uri="{FF2B5EF4-FFF2-40B4-BE49-F238E27FC236}">
-                  <a16:creationId xmlns:a16="http://schemas.microsoft.com/office/drawing/2014/main" id="{CB669731-6231-4BAA-ACB6-AD8C65D19156}"/>
-                </a:ext>
-              </a:extLst>
-            </p:cNvPr>
-            <p:cNvCxnSpPr/>
-            <p:nvPr/>
-          </p:nvCxnSpPr>
-          <p:spPr>
-            <a:xfrm>
-              <a:off x="10923206" y="573436"/>
-              <a:ext cx="0" cy="1784640"/>
-            </a:xfrm>
-            <a:prstGeom prst="line">
-              <a:avLst/>
-            </a:prstGeom>
-            <a:ln w="38100">
-              <a:solidFill>
-                <a:srgbClr val="FF0000"/>
-              </a:solidFill>
-            </a:ln>
-          </p:spPr>
-          <p:style>
-            <a:lnRef idx="1">
-              <a:schemeClr val="accent1"/>
-            </a:lnRef>
-            <a:fillRef idx="0">
-              <a:schemeClr val="accent1"/>
-            </a:fillRef>
-            <a:effectRef idx="0">
-              <a:schemeClr val="accent1"/>
-            </a:effectRef>
-            <a:fontRef idx="minor">
-              <a:schemeClr val="tx1"/>
-            </a:fontRef>
-          </p:style>
-        </p:cxnSp>
-        <p:sp>
-          <p:nvSpPr>
-            <p:cNvPr id="8" name="Arrow: Right 7">
-              <a:extLst>
-                <a:ext uri="{FF2B5EF4-FFF2-40B4-BE49-F238E27FC236}">
-                  <a16:creationId xmlns:a16="http://schemas.microsoft.com/office/drawing/2014/main" id="{A4155B1C-F9C7-47F2-B143-1BE3BDD6C5E6}"/>
-                </a:ext>
-              </a:extLst>
-            </p:cNvPr>
-            <p:cNvSpPr/>
-            <p:nvPr/>
-          </p:nvSpPr>
-          <p:spPr>
-            <a:xfrm>
-              <a:off x="11041444" y="520733"/>
-              <a:ext cx="234223" cy="205532"/>
-            </a:xfrm>
-            <a:prstGeom prst="rightArrow">
-              <a:avLst/>
-            </a:prstGeom>
-            <a:solidFill>
-              <a:srgbClr val="FF0000"/>
-            </a:solidFill>
-            <a:ln>
-              <a:noFill/>
-            </a:ln>
-          </p:spPr>
-          <p:style>
-            <a:lnRef idx="2">
-              <a:schemeClr val="accent1">
-                <a:shade val="50000"/>
-              </a:schemeClr>
-            </a:lnRef>
-            <a:fillRef idx="1">
-              <a:schemeClr val="accent1"/>
-            </a:fillRef>
-            <a:effectRef idx="0">
-              <a:schemeClr val="accent1"/>
-            </a:effectRef>
-            <a:fontRef idx="minor">
-              <a:schemeClr val="lt1"/>
-            </a:fontRef>
-          </p:style>
-          <p:txBody>
-            <a:bodyPr rtlCol="0" anchor="ctr"/>
-            <a:lstStyle/>
-            <a:p>
-              <a:pPr algn="ctr"/>
-              <a:endParaRPr lang="en-US"/>
-            </a:p>
-          </p:txBody>
-        </p:sp>
-        <p:sp>
-          <p:nvSpPr>
-            <p:cNvPr id="17" name="Arrow: Right 16">
-              <a:extLst>
-                <a:ext uri="{FF2B5EF4-FFF2-40B4-BE49-F238E27FC236}">
-                  <a16:creationId xmlns:a16="http://schemas.microsoft.com/office/drawing/2014/main" id="{5E5CE735-E7D5-449A-8065-CD2947092E2B}"/>
-                </a:ext>
-              </a:extLst>
-            </p:cNvPr>
-            <p:cNvSpPr/>
-            <p:nvPr/>
-          </p:nvSpPr>
-          <p:spPr>
-            <a:xfrm flipH="1">
-              <a:off x="10546706" y="520734"/>
-              <a:ext cx="257645" cy="205532"/>
-            </a:xfrm>
-            <a:prstGeom prst="rightArrow">
-              <a:avLst/>
-            </a:prstGeom>
-            <a:solidFill>
-              <a:srgbClr val="00B050"/>
-            </a:solidFill>
-            <a:ln>
-              <a:noFill/>
-            </a:ln>
-          </p:spPr>
-          <p:style>
-            <a:lnRef idx="2">
-              <a:schemeClr val="accent1">
-                <a:shade val="50000"/>
-              </a:schemeClr>
-            </a:lnRef>
-            <a:fillRef idx="1">
-              <a:schemeClr val="accent1"/>
-            </a:fillRef>
-            <a:effectRef idx="0">
-              <a:schemeClr val="accent1"/>
-            </a:effectRef>
-            <a:fontRef idx="minor">
-              <a:schemeClr val="lt1"/>
-            </a:fontRef>
-          </p:style>
-          <p:txBody>
-            <a:bodyPr rtlCol="0" anchor="ctr"/>
-            <a:lstStyle/>
-            <a:p>
-              <a:pPr algn="ctr"/>
-              <a:endParaRPr lang="en-US"/>
-            </a:p>
-          </p:txBody>
-        </p:sp>
-      </p:grpSp>
+        </p:nvGraphicFramePr>
+        <p:xfrm>
+          <a:off x="547607" y="67455"/>
+          <a:ext cx="10759154" cy="6508182"/>
+        </p:xfrm>
+        <a:graphic>
+          <a:graphicData uri="http://schemas.openxmlformats.org/drawingml/2006/table">
+            <a:tbl>
+              <a:tblPr firstRow="1" bandRow="1">
+                <a:tableStyleId>{6E25E649-3F16-4E02-A733-19D2CDBF48F0}</a:tableStyleId>
+              </a:tblPr>
+              <a:tblGrid>
+                <a:gridCol w="1738393">
+                  <a:extLst>
+                    <a:ext uri="{9D8B030D-6E8A-4147-A177-3AD203B41FA5}">
+                      <a16:colId xmlns:a16="http://schemas.microsoft.com/office/drawing/2014/main" val="2973856483"/>
+                    </a:ext>
+                  </a:extLst>
+                </a:gridCol>
+                <a:gridCol w="6205928">
+                  <a:extLst>
+                    <a:ext uri="{9D8B030D-6E8A-4147-A177-3AD203B41FA5}">
+                      <a16:colId xmlns:a16="http://schemas.microsoft.com/office/drawing/2014/main" val="852326656"/>
+                    </a:ext>
+                  </a:extLst>
+                </a:gridCol>
+                <a:gridCol w="2814833">
+                  <a:extLst>
+                    <a:ext uri="{9D8B030D-6E8A-4147-A177-3AD203B41FA5}">
+                      <a16:colId xmlns:a16="http://schemas.microsoft.com/office/drawing/2014/main" val="2637797131"/>
+                    </a:ext>
+                  </a:extLst>
+                </a:gridCol>
+              </a:tblGrid>
+              <a:tr h="408684">
+                <a:tc>
+                  <a:txBody>
+                    <a:bodyPr/>
+                    <a:lstStyle/>
+                    <a:p>
+                      <a:r>
+                        <a:rPr lang="en-US" dirty="0"/>
+                        <a:t>Name</a:t>
+                      </a:r>
+                    </a:p>
+                  </a:txBody>
+                  <a:tcPr/>
+                </a:tc>
+                <a:tc>
+                  <a:txBody>
+                    <a:bodyPr/>
+                    <a:lstStyle/>
+                    <a:p>
+                      <a:r>
+                        <a:rPr lang="en-US" dirty="0"/>
+                        <a:t>Description</a:t>
+                      </a:r>
+                    </a:p>
+                  </a:txBody>
+                  <a:tcPr/>
+                </a:tc>
+                <a:tc>
+                  <a:txBody>
+                    <a:bodyPr/>
+                    <a:lstStyle/>
+                    <a:p>
+                      <a:r>
+                        <a:rPr lang="en-US" dirty="0"/>
+                        <a:t>Type</a:t>
+                      </a:r>
+                    </a:p>
+                  </a:txBody>
+                  <a:tcPr/>
+                </a:tc>
+                <a:extLst>
+                  <a:ext uri="{0D108BD9-81ED-4DB2-BD59-A6C34878D82A}">
+                    <a16:rowId xmlns:a16="http://schemas.microsoft.com/office/drawing/2014/main" val="565807560"/>
+                  </a:ext>
+                </a:extLst>
+              </a:tr>
+              <a:tr h="408684">
+                <a:tc>
+                  <a:txBody>
+                    <a:bodyPr/>
+                    <a:lstStyle/>
+                    <a:p>
+                      <a:r>
+                        <a:rPr lang="en-US" dirty="0"/>
+                        <a:t>age</a:t>
+                      </a:r>
+                    </a:p>
+                  </a:txBody>
+                  <a:tcPr/>
+                </a:tc>
+                <a:tc>
+                  <a:txBody>
+                    <a:bodyPr/>
+                    <a:lstStyle/>
+                    <a:p>
+                      <a:r>
+                        <a:rPr lang="en-US" dirty="0"/>
+                        <a:t>Age, ranges 2-6</a:t>
+                      </a:r>
+                    </a:p>
+                  </a:txBody>
+                  <a:tcPr/>
+                </a:tc>
+                <a:tc>
+                  <a:txBody>
+                    <a:bodyPr/>
+                    <a:lstStyle/>
+                    <a:p>
+                      <a:r>
+                        <a:rPr lang="en-US" dirty="0"/>
+                        <a:t>Continuous Float</a:t>
+                      </a:r>
+                    </a:p>
+                  </a:txBody>
+                  <a:tcPr/>
+                </a:tc>
+                <a:extLst>
+                  <a:ext uri="{0D108BD9-81ED-4DB2-BD59-A6C34878D82A}">
+                    <a16:rowId xmlns:a16="http://schemas.microsoft.com/office/drawing/2014/main" val="850970370"/>
+                  </a:ext>
+                </a:extLst>
+              </a:tr>
+              <a:tr h="715197">
+                <a:tc>
+                  <a:txBody>
+                    <a:bodyPr/>
+                    <a:lstStyle/>
+                    <a:p>
+                      <a:r>
+                        <a:rPr lang="en-US" dirty="0"/>
+                        <a:t>express</a:t>
+                      </a:r>
+                    </a:p>
+                  </a:txBody>
+                  <a:tcPr/>
+                </a:tc>
+                <a:tc>
+                  <a:txBody>
+                    <a:bodyPr/>
+                    <a:lstStyle/>
+                    <a:p>
+                      <a:r>
+                        <a:rPr lang="en-US" dirty="0"/>
+                        <a:t>Child’s Ability to express themselves</a:t>
+                      </a:r>
+                    </a:p>
+                  </a:txBody>
+                  <a:tcPr/>
+                </a:tc>
+                <a:tc>
+                  <a:txBody>
+                    <a:bodyPr/>
+                    <a:lstStyle/>
+                    <a:p>
+                      <a:r>
+                        <a:rPr lang="en-US" dirty="0"/>
+                        <a:t>“continuous” integer (really a sum of 13 Likert scales)</a:t>
+                      </a:r>
+                    </a:p>
+                  </a:txBody>
+                  <a:tcPr/>
+                </a:tc>
+                <a:extLst>
+                  <a:ext uri="{0D108BD9-81ED-4DB2-BD59-A6C34878D82A}">
+                    <a16:rowId xmlns:a16="http://schemas.microsoft.com/office/drawing/2014/main" val="3232868234"/>
+                  </a:ext>
+                </a:extLst>
+              </a:tr>
+              <a:tr h="715197">
+                <a:tc>
+                  <a:txBody>
+                    <a:bodyPr/>
+                    <a:lstStyle/>
+                    <a:p>
+                      <a:r>
+                        <a:rPr lang="en-US" dirty="0"/>
+                        <a:t>comply</a:t>
+                      </a:r>
+                    </a:p>
+                  </a:txBody>
+                  <a:tcPr/>
+                </a:tc>
+                <a:tc>
+                  <a:txBody>
+                    <a:bodyPr/>
+                    <a:lstStyle/>
+                    <a:p>
+                      <a:pPr marL="0" marR="0" lvl="0" indent="0" algn="l" defTabSz="914400" rtl="0" eaLnBrk="1" fontAlgn="auto" latinLnBrk="0" hangingPunct="1">
+                        <a:lnSpc>
+                          <a:spcPct val="100000"/>
+                        </a:lnSpc>
+                        <a:spcBef>
+                          <a:spcPts val="0"/>
+                        </a:spcBef>
+                        <a:spcAft>
+                          <a:spcPts val="0"/>
+                        </a:spcAft>
+                        <a:buClrTx/>
+                        <a:buSzTx/>
+                        <a:buFontTx/>
+                        <a:buNone/>
+                        <a:tabLst/>
+                        <a:defRPr/>
+                      </a:pPr>
+                      <a:r>
+                        <a:rPr lang="en-US" dirty="0"/>
+                        <a:t>Child’s Ability to comply</a:t>
+                      </a:r>
+                    </a:p>
+                  </a:txBody>
+                  <a:tcPr/>
+                </a:tc>
+                <a:tc>
+                  <a:txBody>
+                    <a:bodyPr/>
+                    <a:lstStyle/>
+                    <a:p>
+                      <a:r>
+                        <a:rPr lang="en-US" dirty="0"/>
+                        <a:t>“continuous” integer (really a sum of 10 Likert scales)</a:t>
+                      </a:r>
+                    </a:p>
+                  </a:txBody>
+                  <a:tcPr/>
+                </a:tc>
+                <a:extLst>
+                  <a:ext uri="{0D108BD9-81ED-4DB2-BD59-A6C34878D82A}">
+                    <a16:rowId xmlns:a16="http://schemas.microsoft.com/office/drawing/2014/main" val="3420107227"/>
+                  </a:ext>
+                </a:extLst>
+              </a:tr>
+              <a:tr h="715197">
+                <a:tc>
+                  <a:txBody>
+                    <a:bodyPr/>
+                    <a:lstStyle/>
+                    <a:p>
+                      <a:r>
+                        <a:rPr lang="en-US" dirty="0"/>
+                        <a:t>Disrupt</a:t>
+                      </a:r>
+                    </a:p>
+                  </a:txBody>
+                  <a:tcPr/>
+                </a:tc>
+                <a:tc>
+                  <a:txBody>
+                    <a:bodyPr/>
+                    <a:lstStyle/>
+                    <a:p>
+                      <a:pPr marL="0" marR="0" lvl="0" indent="0" algn="l" defTabSz="914400" rtl="0" eaLnBrk="1" fontAlgn="auto" latinLnBrk="0" hangingPunct="1">
+                        <a:lnSpc>
+                          <a:spcPct val="100000"/>
+                        </a:lnSpc>
+                        <a:spcBef>
+                          <a:spcPts val="0"/>
+                        </a:spcBef>
+                        <a:spcAft>
+                          <a:spcPts val="0"/>
+                        </a:spcAft>
+                        <a:buClrTx/>
+                        <a:buSzTx/>
+                        <a:buFontTx/>
+                        <a:buNone/>
+                        <a:tabLst/>
+                        <a:defRPr/>
+                      </a:pPr>
+                      <a:r>
+                        <a:rPr lang="en-US" dirty="0"/>
+                        <a:t>Child’s tendency to be disruptive</a:t>
+                      </a:r>
+                    </a:p>
+                  </a:txBody>
+                  <a:tcPr/>
+                </a:tc>
+                <a:tc>
+                  <a:txBody>
+                    <a:bodyPr/>
+                    <a:lstStyle/>
+                    <a:p>
+                      <a:pPr marL="0" marR="0" lvl="0" indent="0" algn="l" defTabSz="914400" rtl="0" eaLnBrk="1" fontAlgn="auto" latinLnBrk="0" hangingPunct="1">
+                        <a:lnSpc>
+                          <a:spcPct val="100000"/>
+                        </a:lnSpc>
+                        <a:spcBef>
+                          <a:spcPts val="0"/>
+                        </a:spcBef>
+                        <a:spcAft>
+                          <a:spcPts val="0"/>
+                        </a:spcAft>
+                        <a:buClrTx/>
+                        <a:buSzTx/>
+                        <a:buFontTx/>
+                        <a:buNone/>
+                        <a:tabLst/>
+                        <a:defRPr/>
+                      </a:pPr>
+                      <a:r>
+                        <a:rPr lang="en-US" dirty="0"/>
+                        <a:t>“continuous” integer (really a sum of 7 Likert scales)</a:t>
+                      </a:r>
+                    </a:p>
+                  </a:txBody>
+                  <a:tcPr/>
+                </a:tc>
+                <a:extLst>
+                  <a:ext uri="{0D108BD9-81ED-4DB2-BD59-A6C34878D82A}">
+                    <a16:rowId xmlns:a16="http://schemas.microsoft.com/office/drawing/2014/main" val="1781061109"/>
+                  </a:ext>
+                </a:extLst>
+              </a:tr>
+              <a:tr h="408684">
+                <a:tc>
+                  <a:txBody>
+                    <a:bodyPr/>
+                    <a:lstStyle/>
+                    <a:p>
+                      <a:r>
+                        <a:rPr lang="en-US" dirty="0" err="1"/>
+                        <a:t>tvTime</a:t>
+                      </a:r>
+                      <a:endParaRPr lang="en-US" dirty="0"/>
+                    </a:p>
+                  </a:txBody>
+                  <a:tcPr/>
+                </a:tc>
+                <a:tc>
+                  <a:txBody>
+                    <a:bodyPr/>
+                    <a:lstStyle/>
+                    <a:p>
+                      <a:r>
+                        <a:rPr lang="en-US" dirty="0"/>
+                        <a:t>Hours watching TV / day</a:t>
+                      </a:r>
+                    </a:p>
+                  </a:txBody>
+                  <a:tcPr/>
+                </a:tc>
+                <a:tc>
+                  <a:txBody>
+                    <a:bodyPr/>
+                    <a:lstStyle/>
+                    <a:p>
+                      <a:r>
+                        <a:rPr lang="en-US" dirty="0"/>
+                        <a:t>Continuous Float</a:t>
+                      </a:r>
+                    </a:p>
+                  </a:txBody>
+                  <a:tcPr/>
+                </a:tc>
+                <a:extLst>
+                  <a:ext uri="{0D108BD9-81ED-4DB2-BD59-A6C34878D82A}">
+                    <a16:rowId xmlns:a16="http://schemas.microsoft.com/office/drawing/2014/main" val="867921398"/>
+                  </a:ext>
+                </a:extLst>
+              </a:tr>
+              <a:tr h="408684">
+                <a:tc>
+                  <a:txBody>
+                    <a:bodyPr/>
+                    <a:lstStyle/>
+                    <a:p>
+                      <a:r>
+                        <a:rPr lang="en-US" dirty="0" err="1"/>
+                        <a:t>cpuTime</a:t>
+                      </a:r>
+                      <a:endParaRPr lang="en-US" dirty="0"/>
+                    </a:p>
+                  </a:txBody>
+                  <a:tcPr/>
+                </a:tc>
+                <a:tc>
+                  <a:txBody>
+                    <a:bodyPr/>
+                    <a:lstStyle/>
+                    <a:p>
+                      <a:r>
+                        <a:rPr lang="en-US" dirty="0"/>
+                        <a:t>Hours on Computer / day</a:t>
+                      </a:r>
+                    </a:p>
+                  </a:txBody>
+                  <a:tcPr/>
+                </a:tc>
+                <a:tc>
+                  <a:txBody>
+                    <a:bodyPr/>
+                    <a:lstStyle/>
+                    <a:p>
+                      <a:r>
+                        <a:rPr lang="en-US" dirty="0"/>
+                        <a:t>Continuous Float</a:t>
+                      </a:r>
+                    </a:p>
+                  </a:txBody>
+                  <a:tcPr/>
+                </a:tc>
+                <a:extLst>
+                  <a:ext uri="{0D108BD9-81ED-4DB2-BD59-A6C34878D82A}">
+                    <a16:rowId xmlns:a16="http://schemas.microsoft.com/office/drawing/2014/main" val="4207533664"/>
+                  </a:ext>
+                </a:extLst>
+              </a:tr>
+              <a:tr h="408684">
+                <a:tc>
+                  <a:txBody>
+                    <a:bodyPr/>
+                    <a:lstStyle/>
+                    <a:p>
+                      <a:r>
+                        <a:rPr lang="en-US" dirty="0" err="1"/>
+                        <a:t>outdoorTime</a:t>
+                      </a:r>
+                      <a:endParaRPr lang="en-US" dirty="0"/>
+                    </a:p>
+                  </a:txBody>
+                  <a:tcPr/>
+                </a:tc>
+                <a:tc>
+                  <a:txBody>
+                    <a:bodyPr/>
+                    <a:lstStyle/>
+                    <a:p>
+                      <a:r>
+                        <a:rPr lang="en-US" dirty="0"/>
+                        <a:t>Hours outside / day</a:t>
+                      </a:r>
+                    </a:p>
+                  </a:txBody>
+                  <a:tcPr/>
+                </a:tc>
+                <a:tc>
+                  <a:txBody>
+                    <a:bodyPr/>
+                    <a:lstStyle/>
+                    <a:p>
+                      <a:r>
+                        <a:rPr lang="en-US" dirty="0"/>
+                        <a:t>Continuous Float</a:t>
+                      </a:r>
+                    </a:p>
+                  </a:txBody>
+                  <a:tcPr/>
+                </a:tc>
+                <a:extLst>
+                  <a:ext uri="{0D108BD9-81ED-4DB2-BD59-A6C34878D82A}">
+                    <a16:rowId xmlns:a16="http://schemas.microsoft.com/office/drawing/2014/main" val="485859822"/>
+                  </a:ext>
+                </a:extLst>
+              </a:tr>
+              <a:tr h="408684">
+                <a:tc>
+                  <a:txBody>
+                    <a:bodyPr/>
+                    <a:lstStyle/>
+                    <a:p>
+                      <a:r>
+                        <a:rPr lang="en-US" dirty="0"/>
+                        <a:t>disability</a:t>
+                      </a:r>
+                    </a:p>
+                  </a:txBody>
+                  <a:tcPr/>
+                </a:tc>
+                <a:tc>
+                  <a:txBody>
+                    <a:bodyPr/>
+                    <a:lstStyle/>
+                    <a:p>
+                      <a:r>
+                        <a:rPr lang="en-US" dirty="0"/>
+                        <a:t>Whether Mother considers child disabled</a:t>
+                      </a:r>
+                    </a:p>
+                  </a:txBody>
+                  <a:tcPr/>
+                </a:tc>
+                <a:tc>
+                  <a:txBody>
+                    <a:bodyPr/>
+                    <a:lstStyle/>
+                    <a:p>
+                      <a:r>
+                        <a:rPr lang="en-US" dirty="0"/>
+                        <a:t>Boolean</a:t>
+                      </a:r>
+                    </a:p>
+                  </a:txBody>
+                  <a:tcPr/>
+                </a:tc>
+                <a:extLst>
+                  <a:ext uri="{0D108BD9-81ED-4DB2-BD59-A6C34878D82A}">
+                    <a16:rowId xmlns:a16="http://schemas.microsoft.com/office/drawing/2014/main" val="2739238493"/>
+                  </a:ext>
+                </a:extLst>
+              </a:tr>
+              <a:tr h="715197">
+                <a:tc>
+                  <a:txBody>
+                    <a:bodyPr/>
+                    <a:lstStyle/>
+                    <a:p>
+                      <a:r>
+                        <a:rPr lang="en-US" dirty="0" err="1"/>
+                        <a:t>mothersEdu</a:t>
+                      </a:r>
+                      <a:endParaRPr lang="en-US" dirty="0"/>
+                    </a:p>
+                  </a:txBody>
+                  <a:tcPr/>
+                </a:tc>
+                <a:tc>
+                  <a:txBody>
+                    <a:bodyPr/>
+                    <a:lstStyle/>
+                    <a:p>
+                      <a:r>
+                        <a:rPr lang="en-US" dirty="0"/>
+                        <a:t>Mother’s education level: 1 = &lt;10 years, 2 = 11-13 years, 3 = 14+ years</a:t>
+                      </a:r>
+                    </a:p>
+                  </a:txBody>
+                  <a:tcPr/>
+                </a:tc>
+                <a:tc>
+                  <a:txBody>
+                    <a:bodyPr/>
+                    <a:lstStyle/>
+                    <a:p>
+                      <a:r>
+                        <a:rPr lang="en-US" dirty="0"/>
+                        <a:t>Discrete</a:t>
+                      </a:r>
+                    </a:p>
+                  </a:txBody>
+                  <a:tcPr/>
+                </a:tc>
+                <a:extLst>
+                  <a:ext uri="{0D108BD9-81ED-4DB2-BD59-A6C34878D82A}">
+                    <a16:rowId xmlns:a16="http://schemas.microsoft.com/office/drawing/2014/main" val="3385805319"/>
+                  </a:ext>
+                </a:extLst>
+              </a:tr>
+              <a:tr h="420846">
+                <a:tc>
+                  <a:txBody>
+                    <a:bodyPr/>
+                    <a:lstStyle/>
+                    <a:p>
+                      <a:r>
+                        <a:rPr lang="en-US" dirty="0" err="1"/>
+                        <a:t>meetStReqs</a:t>
+                      </a:r>
+                      <a:endParaRPr lang="en-US" dirty="0"/>
+                    </a:p>
+                  </a:txBody>
+                  <a:tcPr/>
+                </a:tc>
+                <a:tc>
+                  <a:txBody>
+                    <a:bodyPr/>
+                    <a:lstStyle/>
+                    <a:p>
+                      <a:r>
+                        <a:rPr lang="en-US" dirty="0"/>
+                        <a:t>Whether child meets govt recommendations for screen time</a:t>
+                      </a:r>
+                    </a:p>
+                  </a:txBody>
+                  <a:tcPr/>
+                </a:tc>
+                <a:tc>
+                  <a:txBody>
+                    <a:bodyPr/>
+                    <a:lstStyle/>
+                    <a:p>
+                      <a:r>
+                        <a:rPr lang="en-US" dirty="0"/>
+                        <a:t>Boolean</a:t>
+                      </a:r>
+                    </a:p>
+                  </a:txBody>
+                  <a:tcPr/>
+                </a:tc>
+                <a:extLst>
+                  <a:ext uri="{0D108BD9-81ED-4DB2-BD59-A6C34878D82A}">
+                    <a16:rowId xmlns:a16="http://schemas.microsoft.com/office/drawing/2014/main" val="633541541"/>
+                  </a:ext>
+                </a:extLst>
+              </a:tr>
+              <a:tr h="359764">
+                <a:tc>
+                  <a:txBody>
+                    <a:bodyPr/>
+                    <a:lstStyle/>
+                    <a:p>
+                      <a:r>
+                        <a:rPr lang="en-US" dirty="0" err="1"/>
+                        <a:t>meetPhysReqs</a:t>
+                      </a:r>
+                      <a:endParaRPr lang="en-US" dirty="0"/>
+                    </a:p>
+                  </a:txBody>
+                  <a:tcPr/>
+                </a:tc>
+                <a:tc>
+                  <a:txBody>
+                    <a:bodyPr/>
+                    <a:lstStyle/>
+                    <a:p>
+                      <a:r>
+                        <a:rPr lang="en-US" dirty="0"/>
+                        <a:t>Whether child meets govt recommendations for outdoor time</a:t>
+                      </a:r>
+                    </a:p>
+                  </a:txBody>
+                  <a:tcPr/>
+                </a:tc>
+                <a:tc>
+                  <a:txBody>
+                    <a:bodyPr/>
+                    <a:lstStyle/>
+                    <a:p>
+                      <a:r>
+                        <a:rPr lang="en-US" dirty="0"/>
+                        <a:t>Boolean</a:t>
+                      </a:r>
+                    </a:p>
+                  </a:txBody>
+                  <a:tcPr/>
+                </a:tc>
+                <a:extLst>
+                  <a:ext uri="{0D108BD9-81ED-4DB2-BD59-A6C34878D82A}">
+                    <a16:rowId xmlns:a16="http://schemas.microsoft.com/office/drawing/2014/main" val="535202335"/>
+                  </a:ext>
+                </a:extLst>
+              </a:tr>
+              <a:tr h="408684">
+                <a:tc>
+                  <a:txBody>
+                    <a:bodyPr/>
+                    <a:lstStyle/>
+                    <a:p>
+                      <a:r>
+                        <a:rPr lang="en-US" dirty="0"/>
+                        <a:t>gender</a:t>
+                      </a:r>
+                    </a:p>
+                  </a:txBody>
+                  <a:tcPr/>
+                </a:tc>
+                <a:tc>
+                  <a:txBody>
+                    <a:bodyPr/>
+                    <a:lstStyle/>
+                    <a:p>
+                      <a:r>
+                        <a:rPr lang="en-US" dirty="0"/>
+                        <a:t>Male/female</a:t>
+                      </a:r>
+                    </a:p>
+                  </a:txBody>
+                  <a:tcPr/>
+                </a:tc>
+                <a:tc>
+                  <a:txBody>
+                    <a:bodyPr/>
+                    <a:lstStyle/>
+                    <a:p>
+                      <a:r>
+                        <a:rPr lang="en-US" dirty="0"/>
+                        <a:t>Boolean</a:t>
+                      </a:r>
+                    </a:p>
+                  </a:txBody>
+                  <a:tcPr/>
+                </a:tc>
+                <a:extLst>
+                  <a:ext uri="{0D108BD9-81ED-4DB2-BD59-A6C34878D82A}">
+                    <a16:rowId xmlns:a16="http://schemas.microsoft.com/office/drawing/2014/main" val="2771390112"/>
+                  </a:ext>
+                </a:extLst>
+              </a:tr>
+            </a:tbl>
+          </a:graphicData>
+        </a:graphic>
+      </p:graphicFrame>
     </p:spTree>
     <p:extLst>
       <p:ext uri="{BB962C8B-B14F-4D97-AF65-F5344CB8AC3E}">
-        <p14:creationId xmlns:p14="http://schemas.microsoft.com/office/powerpoint/2010/main" val="2553793376"/>
+        <p14:creationId xmlns:p14="http://schemas.microsoft.com/office/powerpoint/2010/main" val="1678859726"/>
       </p:ext>
     </p:extLst>
   </p:cSld>
   <p:clrMapOvr>
     <a:masterClrMapping/>
   </p:clrMapOvr>
-  <p:timing>
-    <p:tnLst>
-      <p:par>
-        <p:cTn id="1" dur="indefinite" restart="never" nodeType="tmRoot">
-          <p:childTnLst>
-            <p:seq concurrent="1" nextAc="seek">
-              <p:cTn id="2" dur="indefinite" nodeType="mainSeq">
-                <p:childTnLst>
-                  <p:par>
-                    <p:cTn id="3" fill="hold">
-                      <p:stCondLst>
-                        <p:cond delay="indefinite"/>
-                      </p:stCondLst>
-                      <p:childTnLst>
-                        <p:par>
-                          <p:cTn id="4" fill="hold">
-                            <p:stCondLst>
-                              <p:cond delay="0"/>
-                            </p:stCondLst>
-                            <p:childTnLst>
-                              <p:par>
-                                <p:cTn id="5" presetID="10" presetClass="entr" presetSubtype="0" fill="hold" nodeType="clickEffect">
-                                  <p:stCondLst>
-                                    <p:cond delay="0"/>
-                                  </p:stCondLst>
-                                  <p:childTnLst>
-                                    <p:set>
-                                      <p:cBhvr>
-                                        <p:cTn id="6" dur="1" fill="hold">
-                                          <p:stCondLst>
-                                            <p:cond delay="0"/>
-                                          </p:stCondLst>
-                                        </p:cTn>
-                                        <p:tgtEl>
-                                          <p:spTgt spid="9"/>
-                                        </p:tgtEl>
-                                        <p:attrNameLst>
-                                          <p:attrName>style.visibility</p:attrName>
-                                        </p:attrNameLst>
-                                      </p:cBhvr>
-                                      <p:to>
-                                        <p:strVal val="visible"/>
-                                      </p:to>
-                                    </p:set>
-                                    <p:animEffect transition="in" filter="fade">
-                                      <p:cBhvr>
-                                        <p:cTn id="7" dur="500"/>
-                                        <p:tgtEl>
-                                          <p:spTgt spid="9"/>
-                                        </p:tgtEl>
-                                      </p:cBhvr>
-                                    </p:animEffect>
-                                  </p:childTnLst>
-                                </p:cTn>
-                              </p:par>
-                            </p:childTnLst>
-                          </p:cTn>
-                        </p:par>
-                      </p:childTnLst>
-                    </p:cTn>
-                  </p:par>
-                  <p:par>
-                    <p:cTn id="8" fill="hold">
-                      <p:stCondLst>
-                        <p:cond delay="indefinite"/>
-                      </p:stCondLst>
-                      <p:childTnLst>
-                        <p:par>
-                          <p:cTn id="9" fill="hold">
-                            <p:stCondLst>
-                              <p:cond delay="0"/>
-                            </p:stCondLst>
-                            <p:childTnLst>
-                              <p:par>
-                                <p:cTn id="10" presetID="10" presetClass="entr" presetSubtype="0" fill="hold" grpId="0" nodeType="clickEffect">
-                                  <p:stCondLst>
-                                    <p:cond delay="0"/>
-                                  </p:stCondLst>
-                                  <p:childTnLst>
-                                    <p:set>
-                                      <p:cBhvr>
-                                        <p:cTn id="11" dur="1" fill="hold">
-                                          <p:stCondLst>
-                                            <p:cond delay="0"/>
-                                          </p:stCondLst>
-                                        </p:cTn>
-                                        <p:tgtEl>
-                                          <p:spTgt spid="10"/>
-                                        </p:tgtEl>
-                                        <p:attrNameLst>
-                                          <p:attrName>style.visibility</p:attrName>
-                                        </p:attrNameLst>
-                                      </p:cBhvr>
-                                      <p:to>
-                                        <p:strVal val="visible"/>
-                                      </p:to>
-                                    </p:set>
-                                    <p:animEffect transition="in" filter="fade">
-                                      <p:cBhvr>
-                                        <p:cTn id="12" dur="500"/>
-                                        <p:tgtEl>
-                                          <p:spTgt spid="10"/>
-                                        </p:tgtEl>
-                                      </p:cBhvr>
-                                    </p:animEffect>
-                                  </p:childTnLst>
-                                </p:cTn>
-                              </p:par>
-                              <p:par>
-                                <p:cTn id="13" presetID="10" presetClass="entr" presetSubtype="0" fill="hold" nodeType="withEffect">
-                                  <p:stCondLst>
-                                    <p:cond delay="0"/>
-                                  </p:stCondLst>
-                                  <p:childTnLst>
-                                    <p:set>
-                                      <p:cBhvr>
-                                        <p:cTn id="14" dur="1" fill="hold">
-                                          <p:stCondLst>
-                                            <p:cond delay="0"/>
-                                          </p:stCondLst>
-                                        </p:cTn>
-                                        <p:tgtEl>
-                                          <p:spTgt spid="6146"/>
-                                        </p:tgtEl>
-                                        <p:attrNameLst>
-                                          <p:attrName>style.visibility</p:attrName>
-                                        </p:attrNameLst>
-                                      </p:cBhvr>
-                                      <p:to>
-                                        <p:strVal val="visible"/>
-                                      </p:to>
-                                    </p:set>
-                                    <p:animEffect transition="in" filter="fade">
-                                      <p:cBhvr>
-                                        <p:cTn id="15" dur="500"/>
-                                        <p:tgtEl>
-                                          <p:spTgt spid="6146"/>
-                                        </p:tgtEl>
-                                      </p:cBhvr>
-                                    </p:animEffect>
-                                  </p:childTnLst>
-                                </p:cTn>
-                              </p:par>
-                            </p:childTnLst>
-                          </p:cTn>
-                        </p:par>
-                      </p:childTnLst>
-                    </p:cTn>
-                  </p:par>
-                </p:childTnLst>
-              </p:cTn>
-              <p:prevCondLst>
-                <p:cond evt="onPrev" delay="0">
-                  <p:tgtEl>
-                    <p:sldTgt/>
-                  </p:tgtEl>
-                </p:cond>
-              </p:prevCondLst>
-              <p:nextCondLst>
-                <p:cond evt="onNext" delay="0">
-                  <p:tgtEl>
-                    <p:sldTgt/>
-                  </p:tgtEl>
-                </p:cond>
-              </p:nextCondLst>
-            </p:seq>
-          </p:childTnLst>
-        </p:cTn>
-      </p:par>
-    </p:tnLst>
-    <p:bldLst>
-      <p:bldP spid="10" grpId="0"/>
-    </p:bldLst>
-  </p:timing>
 </p:sld>
 </file>
 

--- a/DisruptCapstone.pptx
+++ b/DisruptCapstone.pptx
@@ -218,7 +218,7 @@
           <a:p>
             <a:fld id="{3B666320-670A-47B1-93E1-B1C48CAC2FDA}" type="datetimeFigureOut">
               <a:rPr lang="en-US" smtClean="0"/>
-              <a:t>1/7/2019</a:t>
+              <a:t>1/17/2019</a:t>
             </a:fld>
             <a:endParaRPr lang="en-US"/>
           </a:p>
@@ -790,6 +790,90 @@
           <a:bodyPr/>
           <a:lstStyle/>
           <a:p>
+            <a:endParaRPr lang="en-US" dirty="0"/>
+          </a:p>
+        </p:txBody>
+      </p:sp>
+      <p:sp>
+        <p:nvSpPr>
+          <p:cNvPr id="4" name="Slide Number Placeholder 3"/>
+          <p:cNvSpPr>
+            <a:spLocks noGrp="1"/>
+          </p:cNvSpPr>
+          <p:nvPr>
+            <p:ph type="sldNum" sz="quarter" idx="5"/>
+          </p:nvPr>
+        </p:nvSpPr>
+        <p:spPr/>
+        <p:txBody>
+          <a:bodyPr/>
+          <a:lstStyle/>
+          <a:p>
+            <a:fld id="{9A6E0AFD-2E99-43A4-B753-A9B7F1577876}" type="slidenum">
+              <a:rPr lang="en-US" smtClean="0"/>
+              <a:t>19</a:t>
+            </a:fld>
+            <a:endParaRPr lang="en-US"/>
+          </a:p>
+        </p:txBody>
+      </p:sp>
+    </p:spTree>
+    <p:extLst>
+      <p:ext uri="{BB962C8B-B14F-4D97-AF65-F5344CB8AC3E}">
+        <p14:creationId xmlns:p14="http://schemas.microsoft.com/office/powerpoint/2010/main" val="1629117020"/>
+      </p:ext>
+    </p:extLst>
+  </p:cSld>
+  <p:clrMapOvr>
+    <a:masterClrMapping/>
+  </p:clrMapOvr>
+</p:notes>
+</file>
+
+<file path=ppt/notesSlides/notesSlide13.xml><?xml version="1.0" encoding="utf-8"?>
+<p:notes xmlns:a="http://schemas.openxmlformats.org/drawingml/2006/main" xmlns:r="http://schemas.openxmlformats.org/officeDocument/2006/relationships" xmlns:p="http://schemas.openxmlformats.org/presentationml/2006/main">
+  <p:cSld>
+    <p:spTree>
+      <p:nvGrpSpPr>
+        <p:cNvPr id="1" name=""/>
+        <p:cNvGrpSpPr/>
+        <p:nvPr/>
+      </p:nvGrpSpPr>
+      <p:grpSpPr>
+        <a:xfrm>
+          <a:off x="0" y="0"/>
+          <a:ext cx="0" cy="0"/>
+          <a:chOff x="0" y="0"/>
+          <a:chExt cx="0" cy="0"/>
+        </a:xfrm>
+      </p:grpSpPr>
+      <p:sp>
+        <p:nvSpPr>
+          <p:cNvPr id="2" name="Slide Image Placeholder 1"/>
+          <p:cNvSpPr>
+            <a:spLocks noGrp="1" noRot="1" noChangeAspect="1"/>
+          </p:cNvSpPr>
+          <p:nvPr>
+            <p:ph type="sldImg"/>
+          </p:nvPr>
+        </p:nvSpPr>
+        <p:spPr/>
+      </p:sp>
+      <p:sp>
+        <p:nvSpPr>
+          <p:cNvPr id="3" name="Notes Placeholder 2"/>
+          <p:cNvSpPr>
+            <a:spLocks noGrp="1"/>
+          </p:cNvSpPr>
+          <p:nvPr>
+            <p:ph type="body" idx="1"/>
+          </p:nvPr>
+        </p:nvSpPr>
+        <p:spPr/>
+        <p:txBody>
+          <a:bodyPr/>
+          <a:lstStyle/>
+          <a:p>
             <a:r>
               <a:rPr lang="en-US" dirty="0"/>
               <a:t>RESOURCES</a:t>
@@ -1792,7 +1876,7 @@
           <a:p>
             <a:fld id="{214BFDFA-5419-4355-A3FB-206F18F64EF6}" type="datetimeFigureOut">
               <a:rPr lang="en-US" smtClean="0"/>
-              <a:t>1/7/2019</a:t>
+              <a:t>1/17/2019</a:t>
             </a:fld>
             <a:endParaRPr lang="en-US"/>
           </a:p>
@@ -2000,7 +2084,7 @@
           <a:p>
             <a:fld id="{214BFDFA-5419-4355-A3FB-206F18F64EF6}" type="datetimeFigureOut">
               <a:rPr lang="en-US" smtClean="0"/>
-              <a:t>1/7/2019</a:t>
+              <a:t>1/17/2019</a:t>
             </a:fld>
             <a:endParaRPr lang="en-US"/>
           </a:p>
@@ -2256,7 +2340,7 @@
           <a:p>
             <a:fld id="{214BFDFA-5419-4355-A3FB-206F18F64EF6}" type="datetimeFigureOut">
               <a:rPr lang="en-US" smtClean="0"/>
-              <a:t>1/7/2019</a:t>
+              <a:t>1/17/2019</a:t>
             </a:fld>
             <a:endParaRPr lang="en-US"/>
           </a:p>
@@ -2426,7 +2510,7 @@
           <a:p>
             <a:fld id="{214BFDFA-5419-4355-A3FB-206F18F64EF6}" type="datetimeFigureOut">
               <a:rPr lang="en-US" smtClean="0"/>
-              <a:t>1/7/2019</a:t>
+              <a:t>1/17/2019</a:t>
             </a:fld>
             <a:endParaRPr lang="en-US"/>
           </a:p>
@@ -2769,7 +2853,7 @@
           <a:p>
             <a:fld id="{214BFDFA-5419-4355-A3FB-206F18F64EF6}" type="datetimeFigureOut">
               <a:rPr lang="en-US" smtClean="0"/>
-              <a:t>1/7/2019</a:t>
+              <a:t>1/17/2019</a:t>
             </a:fld>
             <a:endParaRPr lang="en-US"/>
           </a:p>
@@ -3044,7 +3128,7 @@
           <a:p>
             <a:fld id="{214BFDFA-5419-4355-A3FB-206F18F64EF6}" type="datetimeFigureOut">
               <a:rPr lang="en-US" smtClean="0"/>
-              <a:t>1/7/2019</a:t>
+              <a:t>1/17/2019</a:t>
             </a:fld>
             <a:endParaRPr lang="en-US"/>
           </a:p>
@@ -3423,7 +3507,7 @@
           <a:p>
             <a:fld id="{214BFDFA-5419-4355-A3FB-206F18F64EF6}" type="datetimeFigureOut">
               <a:rPr lang="en-US" smtClean="0"/>
-              <a:t>1/7/2019</a:t>
+              <a:t>1/17/2019</a:t>
             </a:fld>
             <a:endParaRPr lang="en-US"/>
           </a:p>
@@ -3541,7 +3625,7 @@
           <a:p>
             <a:fld id="{214BFDFA-5419-4355-A3FB-206F18F64EF6}" type="datetimeFigureOut">
               <a:rPr lang="en-US" smtClean="0"/>
-              <a:t>1/7/2019</a:t>
+              <a:t>1/17/2019</a:t>
             </a:fld>
             <a:endParaRPr lang="en-US"/>
           </a:p>
@@ -3712,7 +3796,7 @@
           <a:p>
             <a:fld id="{214BFDFA-5419-4355-A3FB-206F18F64EF6}" type="datetimeFigureOut">
               <a:rPr lang="en-US" smtClean="0"/>
-              <a:t>1/7/2019</a:t>
+              <a:t>1/17/2019</a:t>
             </a:fld>
             <a:endParaRPr lang="en-US"/>
           </a:p>
@@ -4066,7 +4150,7 @@
           <a:p>
             <a:fld id="{214BFDFA-5419-4355-A3FB-206F18F64EF6}" type="datetimeFigureOut">
               <a:rPr lang="en-US" smtClean="0"/>
-              <a:t>1/7/2019</a:t>
+              <a:t>1/17/2019</a:t>
             </a:fld>
             <a:endParaRPr lang="en-US"/>
           </a:p>
@@ -4443,7 +4527,7 @@
           <a:p>
             <a:fld id="{214BFDFA-5419-4355-A3FB-206F18F64EF6}" type="datetimeFigureOut">
               <a:rPr lang="en-US" smtClean="0"/>
-              <a:t>1/7/2019</a:t>
+              <a:t>1/17/2019</a:t>
             </a:fld>
             <a:endParaRPr lang="en-US"/>
           </a:p>
@@ -4730,7 +4814,7 @@
           <a:p>
             <a:fld id="{214BFDFA-5419-4355-A3FB-206F18F64EF6}" type="datetimeFigureOut">
               <a:rPr lang="en-US" smtClean="0"/>
-              <a:t>1/7/2019</a:t>
+              <a:t>1/17/2019</a:t>
             </a:fld>
             <a:endParaRPr lang="en-US"/>
           </a:p>
@@ -6070,8 +6154,8 @@
           </a:p>
         </p:txBody>
       </p:sp>
-      <mc:AlternateContent xmlns:mc="http://schemas.openxmlformats.org/markup-compatibility/2006">
-        <mc:Choice xmlns:a14="http://schemas.microsoft.com/office/drawing/2010/main" Requires="a14">
+      <mc:AlternateContent xmlns:mc="http://schemas.openxmlformats.org/markup-compatibility/2006" xmlns:a14="http://schemas.microsoft.com/office/drawing/2010/main">
+        <mc:Choice Requires="a14">
           <p:sp>
             <p:nvSpPr>
               <p:cNvPr id="6" name="TextBox 5">
@@ -6228,7 +6312,7 @@
             </p:txBody>
           </p:sp>
         </mc:Choice>
-        <mc:Fallback>
+        <mc:Fallback xmlns="">
           <p:sp>
             <p:nvSpPr>
               <p:cNvPr id="6" name="TextBox 5">
@@ -6273,8 +6357,8 @@
           </p:sp>
         </mc:Fallback>
       </mc:AlternateContent>
-      <mc:AlternateContent xmlns:mc="http://schemas.openxmlformats.org/markup-compatibility/2006">
-        <mc:Choice xmlns:a14="http://schemas.microsoft.com/office/drawing/2010/main" Requires="a14">
+      <mc:AlternateContent xmlns:mc="http://schemas.openxmlformats.org/markup-compatibility/2006" xmlns:a14="http://schemas.microsoft.com/office/drawing/2010/main">
+        <mc:Choice Requires="a14">
           <p:sp>
             <p:nvSpPr>
               <p:cNvPr id="15" name="TextBox 14">
@@ -6431,7 +6515,7 @@
             </p:txBody>
           </p:sp>
         </mc:Choice>
-        <mc:Fallback>
+        <mc:Fallback xmlns="">
           <p:sp>
             <p:nvSpPr>
               <p:cNvPr id="15" name="TextBox 14">
@@ -6476,8 +6560,8 @@
           </p:sp>
         </mc:Fallback>
       </mc:AlternateContent>
-      <mc:AlternateContent xmlns:mc="http://schemas.openxmlformats.org/markup-compatibility/2006">
-        <mc:Choice xmlns:a14="http://schemas.microsoft.com/office/drawing/2010/main" Requires="a14">
+      <mc:AlternateContent xmlns:mc="http://schemas.openxmlformats.org/markup-compatibility/2006" xmlns:a14="http://schemas.microsoft.com/office/drawing/2010/main">
+        <mc:Choice Requires="a14">
           <p:sp>
             <p:nvSpPr>
               <p:cNvPr id="16" name="TextBox 15">
@@ -6674,7 +6758,7 @@
             </p:txBody>
           </p:sp>
         </mc:Choice>
-        <mc:Fallback>
+        <mc:Fallback xmlns="">
           <p:sp>
             <p:nvSpPr>
               <p:cNvPr id="16" name="TextBox 15">
@@ -7552,7 +7636,7 @@
           <a:p>
             <a:r>
               <a:rPr lang="en-US" dirty="0"/>
-              <a:t>Back to our Data…</a:t>
+              <a:t>Binary Features</a:t>
             </a:r>
           </a:p>
         </p:txBody>
@@ -12799,7 +12883,7 @@
             </a:pPr>
             <a:r>
               <a:rPr lang="en-US" dirty="0">
-                <a:hlinkClick r:id="rId2"/>
+                <a:hlinkClick r:id="rId3"/>
               </a:rPr>
               <a:t>https://journals.plos.org/plosone/article?id=10.1371/journal.pone.0193700</a:t>
             </a:r>
@@ -12829,7 +12913,7 @@
             </a:r>
             <a:r>
               <a:rPr lang="en-US" dirty="0">
-                <a:hlinkClick r:id="rId3"/>
+                <a:hlinkClick r:id="rId4"/>
               </a:rPr>
               <a:t>https://www.youtube.com/playlist?list=PLZHQObOWTQDPD3MizzM2xVFitgF8hE_ab</a:t>
             </a:r>
@@ -12867,7 +12951,7 @@
             </a:r>
             <a:r>
               <a:rPr lang="en-US" dirty="0">
-                <a:hlinkClick r:id="rId4"/>
+                <a:hlinkClick r:id="rId5"/>
               </a:rPr>
               <a:t>https://www.youtube.com/watch?v=b4kRAt4mkB8</a:t>
             </a:r>
@@ -12901,7 +12985,7 @@
             </a:pPr>
             <a:r>
               <a:rPr lang="en-US" dirty="0">
-                <a:hlinkClick r:id="rId5"/>
+                <a:hlinkClick r:id="rId6"/>
               </a:rPr>
               <a:t>https://github.com/conditg/predicting-disruption</a:t>
             </a:r>

--- a/DisruptCapstone.pptx
+++ b/DisruptCapstone.pptx
@@ -218,7 +218,7 @@
           <a:p>
             <a:fld id="{3B666320-670A-47B1-93E1-B1C48CAC2FDA}" type="datetimeFigureOut">
               <a:rPr lang="en-US" smtClean="0"/>
-              <a:t>1/17/2019</a:t>
+              <a:t>1/22/2019</a:t>
             </a:fld>
             <a:endParaRPr lang="en-US"/>
           </a:p>
@@ -811,6 +811,90 @@
           <a:p>
             <a:fld id="{9A6E0AFD-2E99-43A4-B753-A9B7F1577876}" type="slidenum">
               <a:rPr lang="en-US" smtClean="0"/>
+              <a:t>18</a:t>
+            </a:fld>
+            <a:endParaRPr lang="en-US"/>
+          </a:p>
+        </p:txBody>
+      </p:sp>
+    </p:spTree>
+    <p:extLst>
+      <p:ext uri="{BB962C8B-B14F-4D97-AF65-F5344CB8AC3E}">
+        <p14:creationId xmlns:p14="http://schemas.microsoft.com/office/powerpoint/2010/main" val="1102088457"/>
+      </p:ext>
+    </p:extLst>
+  </p:cSld>
+  <p:clrMapOvr>
+    <a:masterClrMapping/>
+  </p:clrMapOvr>
+</p:notes>
+</file>
+
+<file path=ppt/notesSlides/notesSlide13.xml><?xml version="1.0" encoding="utf-8"?>
+<p:notes xmlns:a="http://schemas.openxmlformats.org/drawingml/2006/main" xmlns:r="http://schemas.openxmlformats.org/officeDocument/2006/relationships" xmlns:p="http://schemas.openxmlformats.org/presentationml/2006/main">
+  <p:cSld>
+    <p:spTree>
+      <p:nvGrpSpPr>
+        <p:cNvPr id="1" name=""/>
+        <p:cNvGrpSpPr/>
+        <p:nvPr/>
+      </p:nvGrpSpPr>
+      <p:grpSpPr>
+        <a:xfrm>
+          <a:off x="0" y="0"/>
+          <a:ext cx="0" cy="0"/>
+          <a:chOff x="0" y="0"/>
+          <a:chExt cx="0" cy="0"/>
+        </a:xfrm>
+      </p:grpSpPr>
+      <p:sp>
+        <p:nvSpPr>
+          <p:cNvPr id="2" name="Slide Image Placeholder 1"/>
+          <p:cNvSpPr>
+            <a:spLocks noGrp="1" noRot="1" noChangeAspect="1"/>
+          </p:cNvSpPr>
+          <p:nvPr>
+            <p:ph type="sldImg"/>
+          </p:nvPr>
+        </p:nvSpPr>
+        <p:spPr/>
+      </p:sp>
+      <p:sp>
+        <p:nvSpPr>
+          <p:cNvPr id="3" name="Notes Placeholder 2"/>
+          <p:cNvSpPr>
+            <a:spLocks noGrp="1"/>
+          </p:cNvSpPr>
+          <p:nvPr>
+            <p:ph type="body" idx="1"/>
+          </p:nvPr>
+        </p:nvSpPr>
+        <p:spPr/>
+        <p:txBody>
+          <a:bodyPr/>
+          <a:lstStyle/>
+          <a:p>
+            <a:endParaRPr lang="en-US" dirty="0"/>
+          </a:p>
+        </p:txBody>
+      </p:sp>
+      <p:sp>
+        <p:nvSpPr>
+          <p:cNvPr id="4" name="Slide Number Placeholder 3"/>
+          <p:cNvSpPr>
+            <a:spLocks noGrp="1"/>
+          </p:cNvSpPr>
+          <p:nvPr>
+            <p:ph type="sldNum" sz="quarter" idx="5"/>
+          </p:nvPr>
+        </p:nvSpPr>
+        <p:spPr/>
+        <p:txBody>
+          <a:bodyPr/>
+          <a:lstStyle/>
+          <a:p>
+            <a:fld id="{9A6E0AFD-2E99-43A4-B753-A9B7F1577876}" type="slidenum">
+              <a:rPr lang="en-US" smtClean="0"/>
               <a:t>19</a:t>
             </a:fld>
             <a:endParaRPr lang="en-US"/>
@@ -830,7 +914,7 @@
 </p:notes>
 </file>
 
-<file path=ppt/notesSlides/notesSlide13.xml><?xml version="1.0" encoding="utf-8"?>
+<file path=ppt/notesSlides/notesSlide14.xml><?xml version="1.0" encoding="utf-8"?>
 <p:notes xmlns:a="http://schemas.openxmlformats.org/drawingml/2006/main" xmlns:r="http://schemas.openxmlformats.org/officeDocument/2006/relationships" xmlns:p="http://schemas.openxmlformats.org/presentationml/2006/main">
   <p:cSld>
     <p:spTree>
@@ -1876,7 +1960,7 @@
           <a:p>
             <a:fld id="{214BFDFA-5419-4355-A3FB-206F18F64EF6}" type="datetimeFigureOut">
               <a:rPr lang="en-US" smtClean="0"/>
-              <a:t>1/17/2019</a:t>
+              <a:t>1/22/2019</a:t>
             </a:fld>
             <a:endParaRPr lang="en-US"/>
           </a:p>
@@ -2084,7 +2168,7 @@
           <a:p>
             <a:fld id="{214BFDFA-5419-4355-A3FB-206F18F64EF6}" type="datetimeFigureOut">
               <a:rPr lang="en-US" smtClean="0"/>
-              <a:t>1/17/2019</a:t>
+              <a:t>1/22/2019</a:t>
             </a:fld>
             <a:endParaRPr lang="en-US"/>
           </a:p>
@@ -2340,7 +2424,7 @@
           <a:p>
             <a:fld id="{214BFDFA-5419-4355-A3FB-206F18F64EF6}" type="datetimeFigureOut">
               <a:rPr lang="en-US" smtClean="0"/>
-              <a:t>1/17/2019</a:t>
+              <a:t>1/22/2019</a:t>
             </a:fld>
             <a:endParaRPr lang="en-US"/>
           </a:p>
@@ -2510,7 +2594,7 @@
           <a:p>
             <a:fld id="{214BFDFA-5419-4355-A3FB-206F18F64EF6}" type="datetimeFigureOut">
               <a:rPr lang="en-US" smtClean="0"/>
-              <a:t>1/17/2019</a:t>
+              <a:t>1/22/2019</a:t>
             </a:fld>
             <a:endParaRPr lang="en-US"/>
           </a:p>
@@ -2853,7 +2937,7 @@
           <a:p>
             <a:fld id="{214BFDFA-5419-4355-A3FB-206F18F64EF6}" type="datetimeFigureOut">
               <a:rPr lang="en-US" smtClean="0"/>
-              <a:t>1/17/2019</a:t>
+              <a:t>1/22/2019</a:t>
             </a:fld>
             <a:endParaRPr lang="en-US"/>
           </a:p>
@@ -3128,7 +3212,7 @@
           <a:p>
             <a:fld id="{214BFDFA-5419-4355-A3FB-206F18F64EF6}" type="datetimeFigureOut">
               <a:rPr lang="en-US" smtClean="0"/>
-              <a:t>1/17/2019</a:t>
+              <a:t>1/22/2019</a:t>
             </a:fld>
             <a:endParaRPr lang="en-US"/>
           </a:p>
@@ -3507,7 +3591,7 @@
           <a:p>
             <a:fld id="{214BFDFA-5419-4355-A3FB-206F18F64EF6}" type="datetimeFigureOut">
               <a:rPr lang="en-US" smtClean="0"/>
-              <a:t>1/17/2019</a:t>
+              <a:t>1/22/2019</a:t>
             </a:fld>
             <a:endParaRPr lang="en-US"/>
           </a:p>
@@ -3625,7 +3709,7 @@
           <a:p>
             <a:fld id="{214BFDFA-5419-4355-A3FB-206F18F64EF6}" type="datetimeFigureOut">
               <a:rPr lang="en-US" smtClean="0"/>
-              <a:t>1/17/2019</a:t>
+              <a:t>1/22/2019</a:t>
             </a:fld>
             <a:endParaRPr lang="en-US"/>
           </a:p>
@@ -3796,7 +3880,7 @@
           <a:p>
             <a:fld id="{214BFDFA-5419-4355-A3FB-206F18F64EF6}" type="datetimeFigureOut">
               <a:rPr lang="en-US" smtClean="0"/>
-              <a:t>1/17/2019</a:t>
+              <a:t>1/22/2019</a:t>
             </a:fld>
             <a:endParaRPr lang="en-US"/>
           </a:p>
@@ -4150,7 +4234,7 @@
           <a:p>
             <a:fld id="{214BFDFA-5419-4355-A3FB-206F18F64EF6}" type="datetimeFigureOut">
               <a:rPr lang="en-US" smtClean="0"/>
-              <a:t>1/17/2019</a:t>
+              <a:t>1/22/2019</a:t>
             </a:fld>
             <a:endParaRPr lang="en-US"/>
           </a:p>
@@ -4527,7 +4611,7 @@
           <a:p>
             <a:fld id="{214BFDFA-5419-4355-A3FB-206F18F64EF6}" type="datetimeFigureOut">
               <a:rPr lang="en-US" smtClean="0"/>
-              <a:t>1/17/2019</a:t>
+              <a:t>1/22/2019</a:t>
             </a:fld>
             <a:endParaRPr lang="en-US"/>
           </a:p>
@@ -4814,7 +4898,7 @@
           <a:p>
             <a:fld id="{214BFDFA-5419-4355-A3FB-206F18F64EF6}" type="datetimeFigureOut">
               <a:rPr lang="en-US" smtClean="0"/>
-              <a:t>1/17/2019</a:t>
+              <a:t>1/22/2019</a:t>
             </a:fld>
             <a:endParaRPr lang="en-US"/>
           </a:p>
@@ -8197,24 +8281,51 @@
                             </p:stCondLst>
                             <p:childTnLst>
                               <p:par>
-                                <p:cTn id="5" presetID="10" presetClass="exit" presetSubtype="0" fill="hold" grpId="0" nodeType="clickEffect">
+                                <p:cTn id="5" presetID="10" presetClass="entr" presetSubtype="0" fill="hold" nodeType="clickEffect">
                                   <p:stCondLst>
                                     <p:cond delay="0"/>
                                   </p:stCondLst>
                                   <p:childTnLst>
-                                    <p:animEffect transition="out" filter="fade">
+                                    <p:set>
                                       <p:cBhvr>
-                                        <p:cTn id="6" dur="500"/>
+                                        <p:cTn id="6" dur="1" fill="hold">
+                                          <p:stCondLst>
+                                            <p:cond delay="0"/>
+                                          </p:stCondLst>
+                                        </p:cTn>
                                         <p:tgtEl>
-                                          <p:spTgt spid="9"/>
+                                          <p:spTgt spid="12290"/>
+                                        </p:tgtEl>
+                                        <p:attrNameLst>
+                                          <p:attrName>style.visibility</p:attrName>
+                                        </p:attrNameLst>
+                                      </p:cBhvr>
+                                      <p:to>
+                                        <p:strVal val="visible"/>
+                                      </p:to>
+                                    </p:set>
+                                    <p:animEffect transition="in" filter="fade">
+                                      <p:cBhvr>
+                                        <p:cTn id="7" dur="500"/>
+                                        <p:tgtEl>
+                                          <p:spTgt spid="12290"/>
                                         </p:tgtEl>
                                       </p:cBhvr>
                                     </p:animEffect>
+                                  </p:childTnLst>
+                                </p:cTn>
+                              </p:par>
+                              <p:par>
+                                <p:cTn id="8" presetID="10" presetClass="entr" presetSubtype="0" fill="hold" grpId="0" nodeType="withEffect">
+                                  <p:stCondLst>
+                                    <p:cond delay="0"/>
+                                  </p:stCondLst>
+                                  <p:childTnLst>
                                     <p:set>
                                       <p:cBhvr>
-                                        <p:cTn id="7" dur="1" fill="hold">
+                                        <p:cTn id="9" dur="1" fill="hold">
                                           <p:stCondLst>
-                                            <p:cond delay="499"/>
+                                            <p:cond delay="0"/>
                                           </p:stCondLst>
                                         </p:cTn>
                                         <p:tgtEl>
@@ -8225,44 +8336,87 @@
                                         </p:attrNameLst>
                                       </p:cBhvr>
                                       <p:to>
-                                        <p:strVal val="hidden"/>
+                                        <p:strVal val="visible"/>
                                       </p:to>
                                     </p:set>
+                                    <p:animEffect transition="in" filter="fade">
+                                      <p:cBhvr>
+                                        <p:cTn id="10" dur="500"/>
+                                        <p:tgtEl>
+                                          <p:spTgt spid="9"/>
+                                        </p:tgtEl>
+                                      </p:cBhvr>
+                                    </p:animEffect>
                                   </p:childTnLst>
                                 </p:cTn>
                               </p:par>
                               <p:par>
-                                <p:cTn id="8" presetID="10" presetClass="exit" presetSubtype="0" fill="hold" nodeType="withEffect">
+                                <p:cTn id="11" presetID="10" presetClass="entr" presetSubtype="0" fill="hold" grpId="0" nodeType="withEffect">
                                   <p:stCondLst>
                                     <p:cond delay="0"/>
                                   </p:stCondLst>
                                   <p:childTnLst>
-                                    <p:animEffect transition="out" filter="fade">
-                                      <p:cBhvr>
-                                        <p:cTn id="9" dur="500"/>
-                                        <p:tgtEl>
-                                          <p:spTgt spid="12290"/>
-                                        </p:tgtEl>
-                                      </p:cBhvr>
-                                    </p:animEffect>
                                     <p:set>
                                       <p:cBhvr>
-                                        <p:cTn id="10" dur="1" fill="hold">
+                                        <p:cTn id="12" dur="1" fill="hold">
                                           <p:stCondLst>
-                                            <p:cond delay="499"/>
+                                            <p:cond delay="0"/>
                                           </p:stCondLst>
                                         </p:cTn>
                                         <p:tgtEl>
-                                          <p:spTgt spid="12290"/>
+                                          <p:spTgt spid="4"/>
                                         </p:tgtEl>
                                         <p:attrNameLst>
                                           <p:attrName>style.visibility</p:attrName>
                                         </p:attrNameLst>
                                       </p:cBhvr>
                                       <p:to>
-                                        <p:strVal val="hidden"/>
+                                        <p:strVal val="visible"/>
                                       </p:to>
                                     </p:set>
+                                    <p:animEffect transition="in" filter="fade">
+                                      <p:cBhvr>
+                                        <p:cTn id="13" dur="500"/>
+                                        <p:tgtEl>
+                                          <p:spTgt spid="4"/>
+                                        </p:tgtEl>
+                                      </p:cBhvr>
+                                    </p:animEffect>
+                                  </p:childTnLst>
+                                </p:cTn>
+                              </p:par>
+                              <p:par>
+                                <p:cTn id="14" presetID="10" presetClass="entr" presetSubtype="0" fill="hold" grpId="0" nodeType="withEffect">
+                                  <p:stCondLst>
+                                    <p:cond delay="0"/>
+                                  </p:stCondLst>
+                                  <p:childTnLst>
+                                    <p:set>
+                                      <p:cBhvr>
+                                        <p:cTn id="15" dur="1" fill="hold">
+                                          <p:stCondLst>
+                                            <p:cond delay="0"/>
+                                          </p:stCondLst>
+                                        </p:cTn>
+                                        <p:tgtEl>
+                                          <p:spTgt spid="12"/>
+                                        </p:tgtEl>
+                                        <p:attrNameLst>
+                                          <p:attrName>style.visibility</p:attrName>
+                                        </p:attrNameLst>
+                                      </p:cBhvr>
+                                      <p:to>
+                                        <p:strVal val="visible"/>
+                                      </p:to>
+                                    </p:set>
+                                    <p:animEffect transition="in" filter="fade">
+                                      <p:cBhvr>
+                                        <p:cTn id="16" dur="500"/>
+                                        <p:tgtEl>
+                                          <p:spTgt spid="12"/>
+                                        </p:tgtEl>
+                                      </p:cBhvr>
+                                    </p:animEffect>
                                   </p:childTnLst>
                                 </p:cTn>
                               </p:par>
@@ -8295,6 +8449,8 @@
     </p:tnLst>
     <p:bldLst>
       <p:bldP spid="9" grpId="0"/>
+      <p:bldP spid="4" grpId="0"/>
+      <p:bldP spid="12" grpId="0"/>
     </p:bldLst>
   </p:timing>
 </p:sld>
@@ -11035,7 +11191,7 @@
         </p:blipFill>
         <p:spPr bwMode="auto">
           <a:xfrm>
-            <a:off x="6305507" y="1170051"/>
+            <a:off x="6305507" y="1412942"/>
             <a:ext cx="4195191" cy="4517898"/>
           </a:xfrm>
           <a:prstGeom prst="rect">
@@ -11443,7 +11599,7 @@
         </p:nvSpPr>
         <p:spPr>
           <a:xfrm>
-            <a:off x="5361726" y="363391"/>
+            <a:off x="5361726" y="606282"/>
             <a:ext cx="6063176" cy="830997"/>
           </a:xfrm>
           <a:prstGeom prst="rect">
@@ -11479,8 +11635,8 @@
         </p:nvGrpSpPr>
         <p:grpSpPr>
           <a:xfrm>
-            <a:off x="-3" y="499013"/>
-            <a:ext cx="12192003" cy="6112801"/>
+            <a:off x="-3" y="614363"/>
+            <a:ext cx="12192003" cy="6243637"/>
             <a:chOff x="-3" y="499013"/>
             <a:chExt cx="12192003" cy="6112801"/>
           </a:xfrm>
@@ -12098,14 +12254,14 @@
           <p:nvPr>
             <p:extLst>
               <p:ext uri="{D42A27DB-BD31-4B8C-83A1-F6EECF244321}">
-                <p14:modId xmlns:p14="http://schemas.microsoft.com/office/powerpoint/2010/main" val="1243764507"/>
+                <p14:modId xmlns:p14="http://schemas.microsoft.com/office/powerpoint/2010/main" val="2912251345"/>
               </p:ext>
             </p:extLst>
           </p:nvPr>
         </p:nvGraphicFramePr>
         <p:xfrm>
-          <a:off x="0" y="855514"/>
-          <a:ext cx="12192000" cy="5538280"/>
+          <a:off x="0" y="988906"/>
+          <a:ext cx="12192000" cy="5404890"/>
         </p:xfrm>
         <a:graphic>
           <a:graphicData uri="http://schemas.openxmlformats.org/drawingml/2006/table">
@@ -12150,7 +12306,7 @@
                   </a:extLst>
                 </a:gridCol>
               </a:tblGrid>
-              <a:tr h="928294">
+              <a:tr h="905936">
                 <a:tc>
                   <a:txBody>
                     <a:bodyPr/>
@@ -12252,7 +12408,7 @@
                   </a:ext>
                 </a:extLst>
               </a:tr>
-              <a:tr h="530454">
+              <a:tr h="517678">
                 <a:tc>
                   <a:txBody>
                     <a:bodyPr/>
@@ -12308,14 +12464,21 @@
                     <a:p>
                       <a:pPr algn="r" fontAlgn="ctr"/>
                       <a:r>
-                        <a:rPr lang="en-US" sz="2400">
+                        <a:rPr lang="en-US" sz="2400" dirty="0">
                           <a:effectLst/>
                         </a:rPr>
                         <a:t>.06</a:t>
                       </a:r>
                     </a:p>
                   </a:txBody>
-                  <a:tcPr anchor="ctr"/>
+                  <a:tcPr anchor="ctr">
+                    <a:solidFill>
+                      <a:schemeClr val="accent1">
+                        <a:lumMod val="60000"/>
+                        <a:lumOff val="40000"/>
+                      </a:schemeClr>
+                    </a:solidFill>
+                  </a:tcPr>
                 </a:tc>
                 <a:tc>
                   <a:txBody>
@@ -12339,7 +12502,7 @@
                   </a:ext>
                 </a:extLst>
               </a:tr>
-              <a:tr h="530454">
+              <a:tr h="517678">
                 <a:tc>
                   <a:txBody>
                     <a:bodyPr/>
@@ -12395,14 +12558,21 @@
                     <a:p>
                       <a:pPr algn="r" fontAlgn="ctr"/>
                       <a:r>
-                        <a:rPr lang="en-US" sz="2400">
+                        <a:rPr lang="en-US" sz="2400" dirty="0">
                           <a:effectLst/>
                         </a:rPr>
                         <a:t>.12</a:t>
                       </a:r>
                     </a:p>
                   </a:txBody>
-                  <a:tcPr anchor="ctr"/>
+                  <a:tcPr anchor="ctr">
+                    <a:solidFill>
+                      <a:schemeClr val="accent1">
+                        <a:lumMod val="60000"/>
+                        <a:lumOff val="40000"/>
+                      </a:schemeClr>
+                    </a:solidFill>
+                  </a:tcPr>
                 </a:tc>
                 <a:tc>
                   <a:txBody>
@@ -12426,7 +12596,7 @@
                   </a:ext>
                 </a:extLst>
               </a:tr>
-              <a:tr h="855135">
+              <a:tr h="834539">
                 <a:tc>
                   <a:txBody>
                     <a:bodyPr/>
@@ -12489,7 +12659,14 @@
                       </a:r>
                     </a:p>
                   </a:txBody>
-                  <a:tcPr anchor="ctr"/>
+                  <a:tcPr anchor="ctr">
+                    <a:solidFill>
+                      <a:schemeClr val="accent1">
+                        <a:lumMod val="60000"/>
+                        <a:lumOff val="40000"/>
+                      </a:schemeClr>
+                    </a:solidFill>
+                  </a:tcPr>
                 </a:tc>
                 <a:tc>
                   <a:txBody>
@@ -12513,7 +12690,7 @@
                   </a:ext>
                 </a:extLst>
               </a:tr>
-              <a:tr h="530454">
+              <a:tr h="517678">
                 <a:tc>
                   <a:txBody>
                     <a:bodyPr/>
@@ -12576,7 +12753,14 @@
                       </a:r>
                     </a:p>
                   </a:txBody>
-                  <a:tcPr anchor="ctr"/>
+                  <a:tcPr anchor="ctr">
+                    <a:solidFill>
+                      <a:schemeClr val="accent1">
+                        <a:lumMod val="60000"/>
+                        <a:lumOff val="40000"/>
+                      </a:schemeClr>
+                    </a:solidFill>
+                  </a:tcPr>
                 </a:tc>
                 <a:tc>
                   <a:txBody>
@@ -12600,7 +12784,7 @@
                   </a:ext>
                 </a:extLst>
               </a:tr>
-              <a:tr h="928294">
+              <a:tr h="905936">
                 <a:tc>
                   <a:txBody>
                     <a:bodyPr/>
@@ -12663,7 +12847,14 @@
                       </a:r>
                     </a:p>
                   </a:txBody>
-                  <a:tcPr anchor="ctr"/>
+                  <a:tcPr anchor="ctr">
+                    <a:solidFill>
+                      <a:schemeClr val="accent1">
+                        <a:lumMod val="60000"/>
+                        <a:lumOff val="40000"/>
+                      </a:schemeClr>
+                    </a:solidFill>
+                  </a:tcPr>
                 </a:tc>
                 <a:tc>
                   <a:txBody>
@@ -12687,7 +12878,7 @@
                   </a:ext>
                 </a:extLst>
               </a:tr>
-              <a:tr h="1235195">
+              <a:tr h="1205445">
                 <a:tc>
                   <a:txBody>
                     <a:bodyPr/>
@@ -12727,7 +12918,7 @@
                     <a:p>
                       <a:pPr algn="r" fontAlgn="ctr"/>
                       <a:r>
-                        <a:rPr lang="en-US" sz="2400">
+                        <a:rPr lang="en-US" sz="2400" dirty="0">
                           <a:effectLst/>
                         </a:rPr>
                         <a:t>1:7</a:t>
@@ -12743,14 +12934,21 @@
                     <a:p>
                       <a:pPr algn="r" fontAlgn="ctr"/>
                       <a:r>
-                        <a:rPr lang="en-US" sz="2400">
+                        <a:rPr lang="en-US" sz="2400" dirty="0">
                           <a:effectLst/>
                         </a:rPr>
                         <a:t>.24</a:t>
                       </a:r>
                     </a:p>
                   </a:txBody>
-                  <a:tcPr anchor="ctr"/>
+                  <a:tcPr anchor="ctr">
+                    <a:solidFill>
+                      <a:schemeClr val="accent1">
+                        <a:lumMod val="60000"/>
+                        <a:lumOff val="40000"/>
+                      </a:schemeClr>
+                    </a:solidFill>
+                  </a:tcPr>
                 </a:tc>
                 <a:tc>
                   <a:txBody>
@@ -12929,7 +13127,7 @@
             </a:pPr>
             <a:r>
               <a:rPr lang="en-US" dirty="0"/>
-              <a:t>A visualization for MCA (the best-practice alternative to PCA for categorical data):</a:t>
+              <a:t>A visualization for MCA (the more stable alternative to PCA for categorical data):</a:t>
             </a:r>
           </a:p>
           <a:p>
@@ -15641,8 +15839,8 @@
         </p:blipFill>
         <p:spPr bwMode="auto">
           <a:xfrm>
-            <a:off x="6916712" y="0"/>
-            <a:ext cx="3956154" cy="3209925"/>
+            <a:off x="7096537" y="145905"/>
+            <a:ext cx="3596504" cy="2918114"/>
           </a:xfrm>
           <a:prstGeom prst="rect">
             <a:avLst/>
@@ -15686,8 +15884,8 @@
         </p:blipFill>
         <p:spPr bwMode="auto">
           <a:xfrm>
-            <a:off x="6855502" y="3380630"/>
-            <a:ext cx="4017364" cy="3209925"/>
+            <a:off x="7038110" y="3383655"/>
+            <a:ext cx="3652149" cy="2918114"/>
           </a:xfrm>
           <a:prstGeom prst="rect">
             <a:avLst/>
@@ -17614,14 +17812,14 @@
             <p:ph idx="1"/>
             <p:extLst>
               <p:ext uri="{D42A27DB-BD31-4B8C-83A1-F6EECF244321}">
-                <p14:modId xmlns:p14="http://schemas.microsoft.com/office/powerpoint/2010/main" val="209337060"/>
+                <p14:modId xmlns:p14="http://schemas.microsoft.com/office/powerpoint/2010/main" val="1935369730"/>
               </p:ext>
             </p:extLst>
           </p:nvPr>
         </p:nvGraphicFramePr>
         <p:xfrm>
           <a:off x="547607" y="67455"/>
-          <a:ext cx="10759154" cy="6508182"/>
+          <a:ext cx="10759154" cy="6127420"/>
         </p:xfrm>
         <a:graphic>
           <a:graphicData uri="http://schemas.openxmlformats.org/drawingml/2006/table">
@@ -17652,7 +17850,7 @@
                   </a:extLst>
                 </a:gridCol>
               </a:tblGrid>
-              <a:tr h="408684">
+              <a:tr h="383350">
                 <a:tc>
                   <a:txBody>
                     <a:bodyPr/>
@@ -17698,7 +17896,7 @@
                   </a:ext>
                 </a:extLst>
               </a:tr>
-              <a:tr h="408684">
+              <a:tr h="383350">
                 <a:tc>
                   <a:txBody>
                     <a:bodyPr/>
@@ -17744,7 +17942,7 @@
                   </a:ext>
                 </a:extLst>
               </a:tr>
-              <a:tr h="715197">
+              <a:tr h="670863">
                 <a:tc>
                   <a:txBody>
                     <a:bodyPr/>
@@ -17790,7 +17988,7 @@
                   </a:ext>
                 </a:extLst>
               </a:tr>
-              <a:tr h="715197">
+              <a:tr h="670863">
                 <a:tc>
                   <a:txBody>
                     <a:bodyPr/>
@@ -17853,7 +18051,7 @@
                   </a:ext>
                 </a:extLst>
               </a:tr>
-              <a:tr h="715197">
+              <a:tr h="670863">
                 <a:tc>
                   <a:txBody>
                     <a:bodyPr/>
@@ -17933,7 +18131,7 @@
                   </a:ext>
                 </a:extLst>
               </a:tr>
-              <a:tr h="408684">
+              <a:tr h="383350">
                 <a:tc>
                   <a:txBody>
                     <a:bodyPr/>
@@ -17980,7 +18178,7 @@
                   </a:ext>
                 </a:extLst>
               </a:tr>
-              <a:tr h="408684">
+              <a:tr h="383350">
                 <a:tc>
                   <a:txBody>
                     <a:bodyPr/>
@@ -18027,7 +18225,7 @@
                   </a:ext>
                 </a:extLst>
               </a:tr>
-              <a:tr h="408684">
+              <a:tr h="383350">
                 <a:tc>
                   <a:txBody>
                     <a:bodyPr/>
@@ -18074,7 +18272,7 @@
                   </a:ext>
                 </a:extLst>
               </a:tr>
-              <a:tr h="408684">
+              <a:tr h="383350">
                 <a:tc>
                   <a:txBody>
                     <a:bodyPr/>
@@ -18120,7 +18318,7 @@
                   </a:ext>
                 </a:extLst>
               </a:tr>
-              <a:tr h="715197">
+              <a:tr h="670863">
                 <a:tc>
                   <a:txBody>
                     <a:bodyPr/>
@@ -18167,7 +18365,7 @@
                   </a:ext>
                 </a:extLst>
               </a:tr>
-              <a:tr h="420846">
+              <a:tr h="394758">
                 <a:tc>
                   <a:txBody>
                     <a:bodyPr/>
@@ -18214,7 +18412,7 @@
                   </a:ext>
                 </a:extLst>
               </a:tr>
-              <a:tr h="359764">
+              <a:tr h="343087">
                 <a:tc>
                   <a:txBody>
                     <a:bodyPr/>
@@ -18261,7 +18459,7 @@
                   </a:ext>
                 </a:extLst>
               </a:tr>
-              <a:tr h="408684">
+              <a:tr h="383350">
                 <a:tc>
                   <a:txBody>
                     <a:bodyPr/>

--- a/DisruptCapstone.pptx
+++ b/DisruptCapstone.pptx
@@ -529,7 +529,16 @@
           <a:bodyPr/>
           <a:lstStyle/>
           <a:p>
-            <a:endParaRPr lang="en-US" dirty="0"/>
+            <a:r>
+              <a:rPr lang="en-US" dirty="0"/>
+              <a:t>Intro to Data first, then the questions we’re asking</a:t>
+            </a:r>
+          </a:p>
+          <a:p>
+            <a:r>
+              <a:rPr lang="en-US" dirty="0"/>
+              <a:t>Call out the distribution of all social skills, and why (bias)</a:t>
+            </a:r>
           </a:p>
         </p:txBody>
       </p:sp>
@@ -615,13 +624,13 @@
           <a:p>
             <a:r>
               <a:rPr lang="en-US" dirty="0"/>
-              <a:t>% of variance first 2 components uses</a:t>
+              <a:t>Not necessarily a good idea: Multiple Correspondence Analysis is more appropriate</a:t>
             </a:r>
           </a:p>
           <a:p>
             <a:r>
               <a:rPr lang="en-US" dirty="0"/>
-              <a:t>Make sure to explain the finite permutations due to categories</a:t>
+              <a:t>Fake data with just 2 dimensions for easy visualization. Hope is that we can get some intuition around what’s happening here and extrapolate that to larger dimensional data</a:t>
             </a:r>
           </a:p>
         </p:txBody>
@@ -643,7 +652,7 @@
           <a:p>
             <a:fld id="{9A6E0AFD-2E99-43A4-B753-A9B7F1577876}" type="slidenum">
               <a:rPr lang="en-US" smtClean="0"/>
-              <a:t>16</a:t>
+              <a:t>14</a:t>
             </a:fld>
             <a:endParaRPr lang="en-US"/>
           </a:p>
@@ -652,7 +661,7 @@
     </p:spTree>
     <p:extLst>
       <p:ext uri="{BB962C8B-B14F-4D97-AF65-F5344CB8AC3E}">
-        <p14:creationId xmlns:p14="http://schemas.microsoft.com/office/powerpoint/2010/main" val="4113534820"/>
+        <p14:creationId xmlns:p14="http://schemas.microsoft.com/office/powerpoint/2010/main" val="2330112359"/>
       </p:ext>
     </p:extLst>
   </p:cSld>
@@ -706,7 +715,10 @@
           <a:bodyPr/>
           <a:lstStyle/>
           <a:p>
-            <a:endParaRPr lang="en-US" dirty="0"/>
+            <a:r>
+              <a:rPr lang="en-US" dirty="0"/>
+              <a:t>Also note – the 3 points each component picks up are not the same 3 values as the other</a:t>
+            </a:r>
           </a:p>
         </p:txBody>
       </p:sp>
@@ -727,7 +739,7 @@
           <a:p>
             <a:fld id="{9A6E0AFD-2E99-43A4-B753-A9B7F1577876}" type="slidenum">
               <a:rPr lang="en-US" smtClean="0"/>
-              <a:t>17</a:t>
+              <a:t>15</a:t>
             </a:fld>
             <a:endParaRPr lang="en-US"/>
           </a:p>
@@ -736,7 +748,7 @@
     </p:spTree>
     <p:extLst>
       <p:ext uri="{BB962C8B-B14F-4D97-AF65-F5344CB8AC3E}">
-        <p14:creationId xmlns:p14="http://schemas.microsoft.com/office/powerpoint/2010/main" val="727642365"/>
+        <p14:creationId xmlns:p14="http://schemas.microsoft.com/office/powerpoint/2010/main" val="3392197165"/>
       </p:ext>
     </p:extLst>
   </p:cSld>
@@ -790,7 +802,10 @@
           <a:bodyPr/>
           <a:lstStyle/>
           <a:p>
-            <a:endParaRPr lang="en-US" dirty="0"/>
+            <a:r>
+              <a:rPr lang="en-US" dirty="0"/>
+              <a:t>Make sure to explain the finite permutations due to categories</a:t>
+            </a:r>
           </a:p>
         </p:txBody>
       </p:sp>
@@ -811,7 +826,7 @@
           <a:p>
             <a:fld id="{9A6E0AFD-2E99-43A4-B753-A9B7F1577876}" type="slidenum">
               <a:rPr lang="en-US" smtClean="0"/>
-              <a:t>18</a:t>
+              <a:t>16</a:t>
             </a:fld>
             <a:endParaRPr lang="en-US"/>
           </a:p>
@@ -820,7 +835,7 @@
     </p:spTree>
     <p:extLst>
       <p:ext uri="{BB962C8B-B14F-4D97-AF65-F5344CB8AC3E}">
-        <p14:creationId xmlns:p14="http://schemas.microsoft.com/office/powerpoint/2010/main" val="1102088457"/>
+        <p14:creationId xmlns:p14="http://schemas.microsoft.com/office/powerpoint/2010/main" val="4113534820"/>
       </p:ext>
     </p:extLst>
   </p:cSld>
@@ -895,6 +910,174 @@
           <a:p>
             <a:fld id="{9A6E0AFD-2E99-43A4-B753-A9B7F1577876}" type="slidenum">
               <a:rPr lang="en-US" smtClean="0"/>
+              <a:t>17</a:t>
+            </a:fld>
+            <a:endParaRPr lang="en-US"/>
+          </a:p>
+        </p:txBody>
+      </p:sp>
+    </p:spTree>
+    <p:extLst>
+      <p:ext uri="{BB962C8B-B14F-4D97-AF65-F5344CB8AC3E}">
+        <p14:creationId xmlns:p14="http://schemas.microsoft.com/office/powerpoint/2010/main" val="727642365"/>
+      </p:ext>
+    </p:extLst>
+  </p:cSld>
+  <p:clrMapOvr>
+    <a:masterClrMapping/>
+  </p:clrMapOvr>
+</p:notes>
+</file>
+
+<file path=ppt/notesSlides/notesSlide14.xml><?xml version="1.0" encoding="utf-8"?>
+<p:notes xmlns:a="http://schemas.openxmlformats.org/drawingml/2006/main" xmlns:r="http://schemas.openxmlformats.org/officeDocument/2006/relationships" xmlns:p="http://schemas.openxmlformats.org/presentationml/2006/main">
+  <p:cSld>
+    <p:spTree>
+      <p:nvGrpSpPr>
+        <p:cNvPr id="1" name=""/>
+        <p:cNvGrpSpPr/>
+        <p:nvPr/>
+      </p:nvGrpSpPr>
+      <p:grpSpPr>
+        <a:xfrm>
+          <a:off x="0" y="0"/>
+          <a:ext cx="0" cy="0"/>
+          <a:chOff x="0" y="0"/>
+          <a:chExt cx="0" cy="0"/>
+        </a:xfrm>
+      </p:grpSpPr>
+      <p:sp>
+        <p:nvSpPr>
+          <p:cNvPr id="2" name="Slide Image Placeholder 1"/>
+          <p:cNvSpPr>
+            <a:spLocks noGrp="1" noRot="1" noChangeAspect="1"/>
+          </p:cNvSpPr>
+          <p:nvPr>
+            <p:ph type="sldImg"/>
+          </p:nvPr>
+        </p:nvSpPr>
+        <p:spPr/>
+      </p:sp>
+      <p:sp>
+        <p:nvSpPr>
+          <p:cNvPr id="3" name="Notes Placeholder 2"/>
+          <p:cNvSpPr>
+            <a:spLocks noGrp="1"/>
+          </p:cNvSpPr>
+          <p:nvPr>
+            <p:ph type="body" idx="1"/>
+          </p:nvPr>
+        </p:nvSpPr>
+        <p:spPr/>
+        <p:txBody>
+          <a:bodyPr/>
+          <a:lstStyle/>
+          <a:p>
+            <a:endParaRPr lang="en-US" dirty="0"/>
+          </a:p>
+        </p:txBody>
+      </p:sp>
+      <p:sp>
+        <p:nvSpPr>
+          <p:cNvPr id="4" name="Slide Number Placeholder 3"/>
+          <p:cNvSpPr>
+            <a:spLocks noGrp="1"/>
+          </p:cNvSpPr>
+          <p:nvPr>
+            <p:ph type="sldNum" sz="quarter" idx="5"/>
+          </p:nvPr>
+        </p:nvSpPr>
+        <p:spPr/>
+        <p:txBody>
+          <a:bodyPr/>
+          <a:lstStyle/>
+          <a:p>
+            <a:fld id="{9A6E0AFD-2E99-43A4-B753-A9B7F1577876}" type="slidenum">
+              <a:rPr lang="en-US" smtClean="0"/>
+              <a:t>18</a:t>
+            </a:fld>
+            <a:endParaRPr lang="en-US"/>
+          </a:p>
+        </p:txBody>
+      </p:sp>
+    </p:spTree>
+    <p:extLst>
+      <p:ext uri="{BB962C8B-B14F-4D97-AF65-F5344CB8AC3E}">
+        <p14:creationId xmlns:p14="http://schemas.microsoft.com/office/powerpoint/2010/main" val="1102088457"/>
+      </p:ext>
+    </p:extLst>
+  </p:cSld>
+  <p:clrMapOvr>
+    <a:masterClrMapping/>
+  </p:clrMapOvr>
+</p:notes>
+</file>
+
+<file path=ppt/notesSlides/notesSlide15.xml><?xml version="1.0" encoding="utf-8"?>
+<p:notes xmlns:a="http://schemas.openxmlformats.org/drawingml/2006/main" xmlns:r="http://schemas.openxmlformats.org/officeDocument/2006/relationships" xmlns:p="http://schemas.openxmlformats.org/presentationml/2006/main">
+  <p:cSld>
+    <p:spTree>
+      <p:nvGrpSpPr>
+        <p:cNvPr id="1" name=""/>
+        <p:cNvGrpSpPr/>
+        <p:nvPr/>
+      </p:nvGrpSpPr>
+      <p:grpSpPr>
+        <a:xfrm>
+          <a:off x="0" y="0"/>
+          <a:ext cx="0" cy="0"/>
+          <a:chOff x="0" y="0"/>
+          <a:chExt cx="0" cy="0"/>
+        </a:xfrm>
+      </p:grpSpPr>
+      <p:sp>
+        <p:nvSpPr>
+          <p:cNvPr id="2" name="Slide Image Placeholder 1"/>
+          <p:cNvSpPr>
+            <a:spLocks noGrp="1" noRot="1" noChangeAspect="1"/>
+          </p:cNvSpPr>
+          <p:nvPr>
+            <p:ph type="sldImg"/>
+          </p:nvPr>
+        </p:nvSpPr>
+        <p:spPr/>
+      </p:sp>
+      <p:sp>
+        <p:nvSpPr>
+          <p:cNvPr id="3" name="Notes Placeholder 2"/>
+          <p:cNvSpPr>
+            <a:spLocks noGrp="1"/>
+          </p:cNvSpPr>
+          <p:nvPr>
+            <p:ph type="body" idx="1"/>
+          </p:nvPr>
+        </p:nvSpPr>
+        <p:spPr/>
+        <p:txBody>
+          <a:bodyPr/>
+          <a:lstStyle/>
+          <a:p>
+            <a:endParaRPr lang="en-US" dirty="0"/>
+          </a:p>
+        </p:txBody>
+      </p:sp>
+      <p:sp>
+        <p:nvSpPr>
+          <p:cNvPr id="4" name="Slide Number Placeholder 3"/>
+          <p:cNvSpPr>
+            <a:spLocks noGrp="1"/>
+          </p:cNvSpPr>
+          <p:nvPr>
+            <p:ph type="sldNum" sz="quarter" idx="5"/>
+          </p:nvPr>
+        </p:nvSpPr>
+        <p:spPr/>
+        <p:txBody>
+          <a:bodyPr/>
+          <a:lstStyle/>
+          <a:p>
+            <a:fld id="{9A6E0AFD-2E99-43A4-B753-A9B7F1577876}" type="slidenum">
+              <a:rPr lang="en-US" smtClean="0"/>
               <a:t>19</a:t>
             </a:fld>
             <a:endParaRPr lang="en-US"/>
@@ -914,7 +1097,7 @@
 </p:notes>
 </file>
 
-<file path=ppt/notesSlides/notesSlide14.xml><?xml version="1.0" encoding="utf-8"?>
+<file path=ppt/notesSlides/notesSlide16.xml><?xml version="1.0" encoding="utf-8"?>
 <p:notes xmlns:a="http://schemas.openxmlformats.org/drawingml/2006/main" xmlns:r="http://schemas.openxmlformats.org/officeDocument/2006/relationships" xmlns:p="http://schemas.openxmlformats.org/presentationml/2006/main">
   <p:cSld>
     <p:spTree>
@@ -1045,7 +1228,22 @@
           <a:bodyPr/>
           <a:lstStyle/>
           <a:p>
-            <a:endParaRPr lang="en-US" dirty="0"/>
+            <a:r>
+              <a:rPr lang="en-US" dirty="0"/>
+              <a:t>Start out with lasso to see what features are most meaningful in this context</a:t>
+            </a:r>
+          </a:p>
+          <a:p>
+            <a:r>
+              <a:rPr lang="en-US" dirty="0"/>
+              <a:t>Walk through each one, explain coefficient</a:t>
+            </a:r>
+          </a:p>
+          <a:p>
+            <a:r>
+              <a:rPr lang="en-US" dirty="0"/>
+              <a:t>Revisit bias</a:t>
+            </a:r>
           </a:p>
         </p:txBody>
       </p:sp>
@@ -1129,7 +1327,10 @@
           <a:bodyPr/>
           <a:lstStyle/>
           <a:p>
-            <a:endParaRPr lang="en-US" dirty="0"/>
+            <a:r>
+              <a:rPr lang="en-US" dirty="0"/>
+              <a:t>Repeated Grid Searches failed to find any predictive power</a:t>
+            </a:r>
           </a:p>
         </p:txBody>
       </p:sp>
@@ -1213,6 +1414,12 @@
           <a:bodyPr/>
           <a:lstStyle/>
           <a:p>
+            <a:r>
+              <a:rPr lang="en-US" dirty="0"/>
+              <a:t>R-squared – how much variance is explained by our model</a:t>
+            </a:r>
+          </a:p>
+          <a:p>
             <a:endParaRPr lang="en-US" dirty="0"/>
           </a:p>
         </p:txBody>
@@ -1234,7 +1441,7 @@
           <a:p>
             <a:fld id="{9A6E0AFD-2E99-43A4-B753-A9B7F1577876}" type="slidenum">
               <a:rPr lang="en-US" smtClean="0"/>
-              <a:t>10</a:t>
+              <a:t>6</a:t>
             </a:fld>
             <a:endParaRPr lang="en-US"/>
           </a:p>
@@ -1243,7 +1450,7 @@
     </p:spTree>
     <p:extLst>
       <p:ext uri="{BB962C8B-B14F-4D97-AF65-F5344CB8AC3E}">
-        <p14:creationId xmlns:p14="http://schemas.microsoft.com/office/powerpoint/2010/main" val="1644994445"/>
+        <p14:creationId xmlns:p14="http://schemas.microsoft.com/office/powerpoint/2010/main" val="2863293473"/>
       </p:ext>
     </p:extLst>
   </p:cSld>
@@ -1299,13 +1506,7 @@
           <a:p>
             <a:r>
               <a:rPr lang="en-US" dirty="0"/>
-              <a:t>Precision, aka – how many of our positive predictions were correct?</a:t>
-            </a:r>
-          </a:p>
-          <a:p>
-            <a:r>
-              <a:rPr lang="en-US" dirty="0"/>
-              <a:t>Recall, aka – how many of the positive cases did we catch?</a:t>
+              <a:t>Call out express/comply as new additions to feature set</a:t>
             </a:r>
           </a:p>
         </p:txBody>
@@ -1327,7 +1528,7 @@
           <a:p>
             <a:fld id="{9A6E0AFD-2E99-43A4-B753-A9B7F1577876}" type="slidenum">
               <a:rPr lang="en-US" smtClean="0"/>
-              <a:t>11</a:t>
+              <a:t>9</a:t>
             </a:fld>
             <a:endParaRPr lang="en-US"/>
           </a:p>
@@ -1336,7 +1537,7 @@
     </p:spTree>
     <p:extLst>
       <p:ext uri="{BB962C8B-B14F-4D97-AF65-F5344CB8AC3E}">
-        <p14:creationId xmlns:p14="http://schemas.microsoft.com/office/powerpoint/2010/main" val="562785300"/>
+        <p14:creationId xmlns:p14="http://schemas.microsoft.com/office/powerpoint/2010/main" val="4006238398"/>
       </p:ext>
     </p:extLst>
   </p:cSld>
@@ -1390,7 +1591,39 @@
           <a:bodyPr/>
           <a:lstStyle/>
           <a:p>
+            <a:r>
+              <a:rPr lang="en-US" dirty="0"/>
+              <a:t>True values (class imbalance), which makes sense from the distribution</a:t>
+            </a:r>
+          </a:p>
+          <a:p>
+            <a:r>
+              <a:rPr lang="en-US" dirty="0"/>
+              <a:t>.5 default decision criterion</a:t>
+            </a:r>
+          </a:p>
+          <a:p>
+            <a:r>
+              <a:rPr lang="en-US" dirty="0"/>
+              <a:t>Those two charts are representative of one decision point. We could alter our Logistic regression function to have a new decision point, and this ROC curve is a broader representation of the possibilities</a:t>
+            </a:r>
+          </a:p>
+          <a:p>
             <a:endParaRPr lang="en-US" dirty="0"/>
+          </a:p>
+          <a:p>
+            <a:r>
+              <a:rPr lang="en-US" dirty="0"/>
+              <a:t>End with call back to class imbalance – how can we </a:t>
+            </a:r>
+            <a:r>
+              <a:rPr lang="en-US" dirty="0" err="1"/>
+              <a:t>gridsearch</a:t>
+            </a:r>
+            <a:r>
+              <a:rPr lang="en-US" dirty="0"/>
+              <a:t> that when we have multiple values to optimize?</a:t>
+            </a:r>
           </a:p>
         </p:txBody>
       </p:sp>
@@ -1411,7 +1644,7 @@
           <a:p>
             <a:fld id="{9A6E0AFD-2E99-43A4-B753-A9B7F1577876}" type="slidenum">
               <a:rPr lang="en-US" smtClean="0"/>
-              <a:t>12</a:t>
+              <a:t>10</a:t>
             </a:fld>
             <a:endParaRPr lang="en-US"/>
           </a:p>
@@ -1420,7 +1653,7 @@
     </p:spTree>
     <p:extLst>
       <p:ext uri="{BB962C8B-B14F-4D97-AF65-F5344CB8AC3E}">
-        <p14:creationId xmlns:p14="http://schemas.microsoft.com/office/powerpoint/2010/main" val="2155606467"/>
+        <p14:creationId xmlns:p14="http://schemas.microsoft.com/office/powerpoint/2010/main" val="1644994445"/>
       </p:ext>
     </p:extLst>
   </p:cSld>
@@ -1476,8 +1709,23 @@
           <a:p>
             <a:r>
               <a:rPr lang="en-US" dirty="0"/>
-              <a:t>Make sure to explain the finite permutations due to categories</a:t>
+              <a:t>Precision, aka – how many of our positive predictions were correct?</a:t>
             </a:r>
+          </a:p>
+          <a:p>
+            <a:r>
+              <a:rPr lang="en-US" dirty="0"/>
+              <a:t>Recall, aka – how many of the positive cases did we catch?</a:t>
+            </a:r>
+          </a:p>
+          <a:p>
+            <a:r>
+              <a:rPr lang="en-US" dirty="0"/>
+              <a:t>F1 – harmonic mean of the two</a:t>
+            </a:r>
+          </a:p>
+          <a:p>
+            <a:endParaRPr lang="en-US" dirty="0"/>
           </a:p>
         </p:txBody>
       </p:sp>
@@ -1498,7 +1746,7 @@
           <a:p>
             <a:fld id="{9A6E0AFD-2E99-43A4-B753-A9B7F1577876}" type="slidenum">
               <a:rPr lang="en-US" smtClean="0"/>
-              <a:t>13</a:t>
+              <a:t>11</a:t>
             </a:fld>
             <a:endParaRPr lang="en-US"/>
           </a:p>
@@ -1507,7 +1755,7 @@
     </p:spTree>
     <p:extLst>
       <p:ext uri="{BB962C8B-B14F-4D97-AF65-F5344CB8AC3E}">
-        <p14:creationId xmlns:p14="http://schemas.microsoft.com/office/powerpoint/2010/main" val="1161681457"/>
+        <p14:creationId xmlns:p14="http://schemas.microsoft.com/office/powerpoint/2010/main" val="562785300"/>
       </p:ext>
     </p:extLst>
   </p:cSld>
@@ -1563,19 +1811,7 @@
           <a:p>
             <a:r>
               <a:rPr lang="en-US" dirty="0"/>
-              <a:t>Not necessarily a good idea: Multiple Correspondence Analysis is more appropriate</a:t>
-            </a:r>
-          </a:p>
-          <a:p>
-            <a:r>
-              <a:rPr lang="en-US" dirty="0"/>
-              <a:t>Fake data with just 2 dimensions for easy visualization. Hope is that we can get some intuition around what’s happening here and extrapolate that to larger dimensional data</a:t>
-            </a:r>
-          </a:p>
-          <a:p>
-            <a:r>
-              <a:rPr lang="en-US" dirty="0"/>
-              <a:t>Animation?</a:t>
+              <a:t>F1 Score: .2</a:t>
             </a:r>
           </a:p>
         </p:txBody>
@@ -1597,7 +1833,7 @@
           <a:p>
             <a:fld id="{9A6E0AFD-2E99-43A4-B753-A9B7F1577876}" type="slidenum">
               <a:rPr lang="en-US" smtClean="0"/>
-              <a:t>14</a:t>
+              <a:t>12</a:t>
             </a:fld>
             <a:endParaRPr lang="en-US"/>
           </a:p>
@@ -1606,7 +1842,7 @@
     </p:spTree>
     <p:extLst>
       <p:ext uri="{BB962C8B-B14F-4D97-AF65-F5344CB8AC3E}">
-        <p14:creationId xmlns:p14="http://schemas.microsoft.com/office/powerpoint/2010/main" val="2330112359"/>
+        <p14:creationId xmlns:p14="http://schemas.microsoft.com/office/powerpoint/2010/main" val="2155606467"/>
       </p:ext>
     </p:extLst>
   </p:cSld>
@@ -1662,38 +1898,7 @@
           <a:p>
             <a:r>
               <a:rPr lang="en-US" dirty="0"/>
-              <a:t>Also note – the 3 points each component picks up are not the same 3 values as the other</a:t>
-            </a:r>
-          </a:p>
-          <a:p>
-            <a:endParaRPr lang="en-US" dirty="0"/>
-          </a:p>
-          <a:p>
-            <a:r>
-              <a:rPr lang="en-US" dirty="0"/>
-              <a:t>Add resources at the end: MCA</a:t>
-            </a:r>
-          </a:p>
-          <a:p>
-            <a:r>
-              <a:rPr lang="en-US" dirty="0"/>
-              <a:t>Gilbert </a:t>
-            </a:r>
-            <a:r>
-              <a:rPr lang="en-US" dirty="0" err="1"/>
-              <a:t>strang</a:t>
-            </a:r>
-            <a:r>
-              <a:rPr lang="en-US" dirty="0"/>
-              <a:t> </a:t>
-            </a:r>
-            <a:r>
-              <a:rPr lang="en-US" dirty="0" err="1"/>
-              <a:t>mit</a:t>
-            </a:r>
-            <a:r>
-              <a:rPr lang="en-US" dirty="0"/>
-              <a:t> lecture</a:t>
+              <a:t>Make sure to explain the finite permutations due to categories</a:t>
             </a:r>
           </a:p>
         </p:txBody>
@@ -1715,7 +1920,7 @@
           <a:p>
             <a:fld id="{9A6E0AFD-2E99-43A4-B753-A9B7F1577876}" type="slidenum">
               <a:rPr lang="en-US" smtClean="0"/>
-              <a:t>15</a:t>
+              <a:t>13</a:t>
             </a:fld>
             <a:endParaRPr lang="en-US"/>
           </a:p>
@@ -1724,7 +1929,7 @@
     </p:spTree>
     <p:extLst>
       <p:ext uri="{BB962C8B-B14F-4D97-AF65-F5344CB8AC3E}">
-        <p14:creationId xmlns:p14="http://schemas.microsoft.com/office/powerpoint/2010/main" val="3392197165"/>
+        <p14:creationId xmlns:p14="http://schemas.microsoft.com/office/powerpoint/2010/main" val="1161681457"/>
       </p:ext>
     </p:extLst>
   </p:cSld>
@@ -6121,531 +6326,8 @@
           <a:chExt cx="0" cy="0"/>
         </a:xfrm>
       </p:grpSpPr>
-      <p:sp>
-        <p:nvSpPr>
-          <p:cNvPr id="4" name="Rectangle 3">
-            <a:extLst>
-              <a:ext uri="{FF2B5EF4-FFF2-40B4-BE49-F238E27FC236}">
-                <a16:creationId xmlns:a16="http://schemas.microsoft.com/office/drawing/2014/main" id="{EAC4D742-BBDF-4B86-8616-C724315B18A5}"/>
-              </a:ext>
-            </a:extLst>
-          </p:cNvPr>
-          <p:cNvSpPr/>
-          <p:nvPr/>
-        </p:nvSpPr>
-        <p:spPr>
-          <a:xfrm>
-            <a:off x="854242" y="1660358"/>
-            <a:ext cx="10539663" cy="144379"/>
-          </a:xfrm>
-          <a:prstGeom prst="rect">
-            <a:avLst/>
-          </a:prstGeom>
-          <a:ln>
-            <a:solidFill>
-              <a:schemeClr val="bg1"/>
-            </a:solidFill>
-          </a:ln>
-        </p:spPr>
-        <p:style>
-          <a:lnRef idx="2">
-            <a:schemeClr val="dk1"/>
-          </a:lnRef>
-          <a:fillRef idx="1">
-            <a:schemeClr val="lt1"/>
-          </a:fillRef>
-          <a:effectRef idx="0">
-            <a:schemeClr val="dk1"/>
-          </a:effectRef>
-          <a:fontRef idx="minor">
-            <a:schemeClr val="dk1"/>
-          </a:fontRef>
-        </p:style>
-        <p:txBody>
-          <a:bodyPr rtlCol="0" anchor="ctr"/>
-          <a:lstStyle/>
-          <a:p>
-            <a:pPr algn="ctr"/>
-            <a:endParaRPr lang="en-US" dirty="0"/>
-          </a:p>
-        </p:txBody>
-      </p:sp>
-      <p:sp>
-        <p:nvSpPr>
-          <p:cNvPr id="2" name="Title 1">
-            <a:extLst>
-              <a:ext uri="{FF2B5EF4-FFF2-40B4-BE49-F238E27FC236}">
-                <a16:creationId xmlns:a16="http://schemas.microsoft.com/office/drawing/2014/main" id="{5BC616D9-14F3-4F9A-94DD-D8464CB9287C}"/>
-              </a:ext>
-            </a:extLst>
-          </p:cNvPr>
-          <p:cNvSpPr>
-            <a:spLocks noGrp="1"/>
-          </p:cNvSpPr>
-          <p:nvPr>
-            <p:ph type="title"/>
-          </p:nvPr>
-        </p:nvSpPr>
-        <p:spPr>
-          <a:xfrm>
-            <a:off x="1097280" y="143395"/>
-            <a:ext cx="10058400" cy="845511"/>
-          </a:xfrm>
-        </p:spPr>
-        <p:txBody>
-          <a:bodyPr/>
-          <a:lstStyle/>
-          <a:p>
-            <a:r>
-              <a:rPr lang="en-US" dirty="0"/>
-              <a:t>Predicting Disruptive Behavior</a:t>
-            </a:r>
-          </a:p>
-        </p:txBody>
-      </p:sp>
-      <p:sp>
-        <p:nvSpPr>
-          <p:cNvPr id="3" name="Content Placeholder 2">
-            <a:extLst>
-              <a:ext uri="{FF2B5EF4-FFF2-40B4-BE49-F238E27FC236}">
-                <a16:creationId xmlns:a16="http://schemas.microsoft.com/office/drawing/2014/main" id="{F33731AE-60CD-44F7-A6CE-837F375F5F65}"/>
-              </a:ext>
-            </a:extLst>
-          </p:cNvPr>
-          <p:cNvSpPr>
-            <a:spLocks noGrp="1"/>
-          </p:cNvSpPr>
-          <p:nvPr>
-            <p:ph idx="1"/>
-          </p:nvPr>
-        </p:nvSpPr>
-        <p:spPr>
-          <a:xfrm>
-            <a:off x="1036320" y="988907"/>
-            <a:ext cx="8380947" cy="845512"/>
-          </a:xfrm>
-        </p:spPr>
-        <p:txBody>
-          <a:bodyPr>
-            <a:normAutofit/>
-          </a:bodyPr>
-          <a:lstStyle/>
-          <a:p>
-            <a:r>
-              <a:rPr lang="en-US" dirty="0"/>
-              <a:t>Search for the correct class balance, then retry:</a:t>
-            </a:r>
-          </a:p>
-        </p:txBody>
-      </p:sp>
-      <mc:AlternateContent xmlns:mc="http://schemas.openxmlformats.org/markup-compatibility/2006" xmlns:a14="http://schemas.microsoft.com/office/drawing/2010/main">
-        <mc:Choice Requires="a14">
-          <p:sp>
-            <p:nvSpPr>
-              <p:cNvPr id="6" name="TextBox 5">
-                <a:extLst>
-                  <a:ext uri="{FF2B5EF4-FFF2-40B4-BE49-F238E27FC236}">
-                    <a16:creationId xmlns:a16="http://schemas.microsoft.com/office/drawing/2014/main" id="{27BC44FB-643B-4F67-9944-6DD485EED81A}"/>
-                  </a:ext>
-                </a:extLst>
-              </p:cNvPr>
-              <p:cNvSpPr txBox="1"/>
-              <p:nvPr/>
-            </p:nvSpPr>
-            <p:spPr>
-              <a:xfrm>
-                <a:off x="590389" y="1732547"/>
-                <a:ext cx="7032459" cy="557012"/>
-              </a:xfrm>
-              <a:prstGeom prst="rect">
-                <a:avLst/>
-              </a:prstGeom>
-              <a:noFill/>
-            </p:spPr>
-            <p:txBody>
-              <a:bodyPr wrap="square" lIns="0" tIns="0" rIns="0" bIns="0" rtlCol="0">
-                <a:spAutoFit/>
-              </a:bodyPr>
-              <a:lstStyle/>
-              <a:p>
-                <a14:m>
-                  <m:oMath xmlns:m="http://schemas.openxmlformats.org/officeDocument/2006/math">
-                    <m:r>
-                      <a:rPr lang="en-US" sz="2400" b="0" i="1" smtClean="0">
-                        <a:latin typeface="Cambria Math" panose="02040503050406030204" pitchFamily="18" charset="0"/>
-                      </a:rPr>
-                      <m:t>𝑝𝑟𝑒𝑐𝑖𝑠𝑖𝑜𝑛</m:t>
-                    </m:r>
-                    <m:r>
-                      <a:rPr lang="en-US" sz="2400" b="0" i="1" smtClean="0">
-                        <a:latin typeface="Cambria Math" panose="02040503050406030204" pitchFamily="18" charset="0"/>
-                      </a:rPr>
-                      <m:t>=</m:t>
-                    </m:r>
-                    <m:f>
-                      <m:fPr>
-                        <m:ctrlPr>
-                          <a:rPr lang="en-US" sz="2400" b="0" i="1" smtClean="0">
-                            <a:latin typeface="Cambria Math" panose="02040503050406030204" pitchFamily="18" charset="0"/>
-                          </a:rPr>
-                        </m:ctrlPr>
-                      </m:fPr>
-                      <m:num>
-                        <m:r>
-                          <a:rPr lang="en-US" sz="2400" b="0" i="1" smtClean="0">
-                            <a:latin typeface="Cambria Math" panose="02040503050406030204" pitchFamily="18" charset="0"/>
-                          </a:rPr>
-                          <m:t>𝑇𝑟𝑢𝑒</m:t>
-                        </m:r>
-                        <m:r>
-                          <a:rPr lang="en-US" sz="2400" b="0" i="1" smtClean="0">
-                            <a:latin typeface="Cambria Math" panose="02040503050406030204" pitchFamily="18" charset="0"/>
-                          </a:rPr>
-                          <m:t> </m:t>
-                        </m:r>
-                        <m:r>
-                          <a:rPr lang="en-US" sz="2400" b="0" i="1" smtClean="0">
-                            <a:latin typeface="Cambria Math" panose="02040503050406030204" pitchFamily="18" charset="0"/>
-                          </a:rPr>
-                          <m:t>𝑃𝑜𝑠𝑖𝑡𝑖𝑣𝑒𝑠</m:t>
-                        </m:r>
-                      </m:num>
-                      <m:den>
-                        <m:r>
-                          <a:rPr lang="en-US" sz="2400" b="0" i="1" smtClean="0">
-                            <a:latin typeface="Cambria Math" panose="02040503050406030204" pitchFamily="18" charset="0"/>
-                          </a:rPr>
-                          <m:t>𝑇𝑟𝑢𝑒</m:t>
-                        </m:r>
-                        <m:r>
-                          <a:rPr lang="en-US" sz="2400" b="0" i="1" smtClean="0">
-                            <a:latin typeface="Cambria Math" panose="02040503050406030204" pitchFamily="18" charset="0"/>
-                          </a:rPr>
-                          <m:t> </m:t>
-                        </m:r>
-                        <m:r>
-                          <a:rPr lang="en-US" sz="2400" b="0" i="1" smtClean="0">
-                            <a:latin typeface="Cambria Math" panose="02040503050406030204" pitchFamily="18" charset="0"/>
-                          </a:rPr>
-                          <m:t>𝑃𝑜𝑠𝑖𝑡𝑖𝑣𝑒𝑠</m:t>
-                        </m:r>
-                        <m:r>
-                          <a:rPr lang="en-US" sz="2400" b="0" i="1" smtClean="0">
-                            <a:latin typeface="Cambria Math" panose="02040503050406030204" pitchFamily="18" charset="0"/>
-                          </a:rPr>
-                          <m:t>+</m:t>
-                        </m:r>
-                        <m:r>
-                          <a:rPr lang="en-US" sz="2400" b="0" i="1" smtClean="0">
-                            <a:latin typeface="Cambria Math" panose="02040503050406030204" pitchFamily="18" charset="0"/>
-                          </a:rPr>
-                          <m:t>𝐹𝑎𝑙𝑠𝑒</m:t>
-                        </m:r>
-                        <m:r>
-                          <a:rPr lang="en-US" sz="2400" b="0" i="1" smtClean="0">
-                            <a:latin typeface="Cambria Math" panose="02040503050406030204" pitchFamily="18" charset="0"/>
-                          </a:rPr>
-                          <m:t> </m:t>
-                        </m:r>
-                        <m:r>
-                          <a:rPr lang="en-US" sz="2400" b="0" i="1" smtClean="0">
-                            <a:latin typeface="Cambria Math" panose="02040503050406030204" pitchFamily="18" charset="0"/>
-                          </a:rPr>
-                          <m:t>𝑃𝑜𝑠𝑖𝑡𝑖𝑣𝑒𝑠</m:t>
-                        </m:r>
-                      </m:den>
-                    </m:f>
-                    <m:r>
-                      <a:rPr lang="en-US" sz="2400" b="0" i="1" smtClean="0">
-                        <a:latin typeface="Cambria Math" panose="02040503050406030204" pitchFamily="18" charset="0"/>
-                      </a:rPr>
-                      <m:t>= </m:t>
-                    </m:r>
-                    <m:f>
-                      <m:fPr>
-                        <m:ctrlPr>
-                          <a:rPr lang="en-US" sz="2400" b="0" i="1" smtClean="0">
-                            <a:latin typeface="Cambria Math" panose="02040503050406030204" pitchFamily="18" charset="0"/>
-                          </a:rPr>
-                        </m:ctrlPr>
-                      </m:fPr>
-                      <m:num>
-                        <m:r>
-                          <a:rPr lang="en-US" sz="2400" b="0" i="1" smtClean="0">
-                            <a:latin typeface="Cambria Math" panose="02040503050406030204" pitchFamily="18" charset="0"/>
-                          </a:rPr>
-                          <m:t>1</m:t>
-                        </m:r>
-                      </m:num>
-                      <m:den>
-                        <m:r>
-                          <a:rPr lang="en-US" sz="2400" b="0" i="1" smtClean="0">
-                            <a:latin typeface="Cambria Math" panose="02040503050406030204" pitchFamily="18" charset="0"/>
-                          </a:rPr>
-                          <m:t>1+0</m:t>
-                        </m:r>
-                      </m:den>
-                    </m:f>
-                  </m:oMath>
-                </a14:m>
-                <a:r>
-                  <a:rPr lang="en-US" sz="2400" dirty="0"/>
-                  <a:t> </a:t>
-                </a:r>
-              </a:p>
-            </p:txBody>
-          </p:sp>
-        </mc:Choice>
-        <mc:Fallback xmlns="">
-          <p:sp>
-            <p:nvSpPr>
-              <p:cNvPr id="6" name="TextBox 5">
-                <a:extLst>
-                  <a:ext uri="{FF2B5EF4-FFF2-40B4-BE49-F238E27FC236}">
-                    <a16:creationId xmlns:a16="http://schemas.microsoft.com/office/drawing/2014/main" id="{27BC44FB-643B-4F67-9944-6DD485EED81A}"/>
-                  </a:ext>
-                </a:extLst>
-              </p:cNvPr>
-              <p:cNvSpPr txBox="1">
-                <a:spLocks noRot="1" noChangeAspect="1" noMove="1" noResize="1" noEditPoints="1" noAdjustHandles="1" noChangeArrowheads="1" noChangeShapeType="1" noTextEdit="1"/>
-              </p:cNvSpPr>
-              <p:nvPr/>
-            </p:nvSpPr>
-            <p:spPr>
-              <a:xfrm>
-                <a:off x="590389" y="1732547"/>
-                <a:ext cx="7032459" cy="557012"/>
-              </a:xfrm>
-              <a:prstGeom prst="rect">
-                <a:avLst/>
-              </a:prstGeom>
-              <a:blipFill>
-                <a:blip r:embed="rId3"/>
-                <a:stretch>
-                  <a:fillRect/>
-                </a:stretch>
-              </a:blipFill>
-            </p:spPr>
-            <p:txBody>
-              <a:bodyPr/>
-              <a:lstStyle/>
-              <a:p>
-                <a:r>
-                  <a:rPr lang="en-US">
-                    <a:noFill/>
-                  </a:rPr>
-                  <a:t> </a:t>
-                </a:r>
-              </a:p>
-            </p:txBody>
-          </p:sp>
-        </mc:Fallback>
-      </mc:AlternateContent>
-      <mc:AlternateContent xmlns:mc="http://schemas.openxmlformats.org/markup-compatibility/2006" xmlns:a14="http://schemas.microsoft.com/office/drawing/2010/main">
-        <mc:Choice Requires="a14">
-          <p:sp>
-            <p:nvSpPr>
-              <p:cNvPr id="15" name="TextBox 14">
-                <a:extLst>
-                  <a:ext uri="{FF2B5EF4-FFF2-40B4-BE49-F238E27FC236}">
-                    <a16:creationId xmlns:a16="http://schemas.microsoft.com/office/drawing/2014/main" id="{363A199C-813E-4935-A966-65ED5A5803FC}"/>
-                  </a:ext>
-                </a:extLst>
-              </p:cNvPr>
-              <p:cNvSpPr txBox="1"/>
-              <p:nvPr/>
-            </p:nvSpPr>
-            <p:spPr>
-              <a:xfrm>
-                <a:off x="966403" y="2666968"/>
-                <a:ext cx="6280429" cy="579454"/>
-              </a:xfrm>
-              <a:prstGeom prst="rect">
-                <a:avLst/>
-              </a:prstGeom>
-              <a:noFill/>
-            </p:spPr>
-            <p:txBody>
-              <a:bodyPr wrap="square" lIns="0" tIns="0" rIns="0" bIns="0" rtlCol="0">
-                <a:spAutoFit/>
-              </a:bodyPr>
-              <a:lstStyle/>
-              <a:p>
-                <a14:m>
-                  <m:oMath xmlns:m="http://schemas.openxmlformats.org/officeDocument/2006/math">
-                    <m:r>
-                      <a:rPr lang="en-US" sz="2400" b="0" i="1" smtClean="0">
-                        <a:latin typeface="Cambria Math" panose="02040503050406030204" pitchFamily="18" charset="0"/>
-                      </a:rPr>
-                      <m:t>𝑟𝑒𝑐𝑎𝑙𝑙</m:t>
-                    </m:r>
-                    <m:r>
-                      <a:rPr lang="en-US" sz="2400" b="0" i="1" smtClean="0">
-                        <a:latin typeface="Cambria Math" panose="02040503050406030204" pitchFamily="18" charset="0"/>
-                      </a:rPr>
-                      <m:t>=</m:t>
-                    </m:r>
-                    <m:f>
-                      <m:fPr>
-                        <m:ctrlPr>
-                          <a:rPr lang="en-US" sz="2400" b="0" i="1" smtClean="0">
-                            <a:latin typeface="Cambria Math" panose="02040503050406030204" pitchFamily="18" charset="0"/>
-                          </a:rPr>
-                        </m:ctrlPr>
-                      </m:fPr>
-                      <m:num>
-                        <m:r>
-                          <a:rPr lang="en-US" sz="2400" b="0" i="1" smtClean="0">
-                            <a:latin typeface="Cambria Math" panose="02040503050406030204" pitchFamily="18" charset="0"/>
-                          </a:rPr>
-                          <m:t>𝑇𝑟𝑢𝑒</m:t>
-                        </m:r>
-                        <m:r>
-                          <a:rPr lang="en-US" sz="2400" b="0" i="1" smtClean="0">
-                            <a:latin typeface="Cambria Math" panose="02040503050406030204" pitchFamily="18" charset="0"/>
-                          </a:rPr>
-                          <m:t> </m:t>
-                        </m:r>
-                        <m:r>
-                          <a:rPr lang="en-US" sz="2400" b="0" i="1" smtClean="0">
-                            <a:latin typeface="Cambria Math" panose="02040503050406030204" pitchFamily="18" charset="0"/>
-                          </a:rPr>
-                          <m:t>𝑃𝑜𝑠𝑖𝑡𝑖𝑣𝑒𝑠</m:t>
-                        </m:r>
-                      </m:num>
-                      <m:den>
-                        <m:r>
-                          <a:rPr lang="en-US" sz="2400" b="0" i="1" smtClean="0">
-                            <a:latin typeface="Cambria Math" panose="02040503050406030204" pitchFamily="18" charset="0"/>
-                          </a:rPr>
-                          <m:t>𝑇𝑟𝑢𝑒</m:t>
-                        </m:r>
-                        <m:r>
-                          <a:rPr lang="en-US" sz="2400" b="0" i="1" smtClean="0">
-                            <a:latin typeface="Cambria Math" panose="02040503050406030204" pitchFamily="18" charset="0"/>
-                          </a:rPr>
-                          <m:t> </m:t>
-                        </m:r>
-                        <m:r>
-                          <a:rPr lang="en-US" sz="2400" b="0" i="1" smtClean="0">
-                            <a:latin typeface="Cambria Math" panose="02040503050406030204" pitchFamily="18" charset="0"/>
-                          </a:rPr>
-                          <m:t>𝑃𝑜𝑠𝑖𝑡𝑖𝑣𝑒𝑠</m:t>
-                        </m:r>
-                        <m:r>
-                          <a:rPr lang="en-US" sz="2400" b="0" i="1" smtClean="0">
-                            <a:latin typeface="Cambria Math" panose="02040503050406030204" pitchFamily="18" charset="0"/>
-                          </a:rPr>
-                          <m:t>+</m:t>
-                        </m:r>
-                        <m:r>
-                          <a:rPr lang="en-US" sz="2400" b="0" i="1" smtClean="0">
-                            <a:latin typeface="Cambria Math" panose="02040503050406030204" pitchFamily="18" charset="0"/>
-                          </a:rPr>
-                          <m:t>𝐹𝑎𝑙𝑠𝑒</m:t>
-                        </m:r>
-                        <m:r>
-                          <a:rPr lang="en-US" sz="2400" b="0" i="1" smtClean="0">
-                            <a:latin typeface="Cambria Math" panose="02040503050406030204" pitchFamily="18" charset="0"/>
-                          </a:rPr>
-                          <m:t> </m:t>
-                        </m:r>
-                        <m:r>
-                          <a:rPr lang="en-US" sz="2400" b="0" i="1" smtClean="0">
-                            <a:latin typeface="Cambria Math" panose="02040503050406030204" pitchFamily="18" charset="0"/>
-                          </a:rPr>
-                          <m:t>𝑁𝑒𝑔𝑎𝑡𝑖𝑣𝑒𝑠</m:t>
-                        </m:r>
-                      </m:den>
-                    </m:f>
-                    <m:r>
-                      <a:rPr lang="en-US" sz="2400" b="0" i="1" smtClean="0">
-                        <a:latin typeface="Cambria Math" panose="02040503050406030204" pitchFamily="18" charset="0"/>
-                      </a:rPr>
-                      <m:t>= </m:t>
-                    </m:r>
-                    <m:f>
-                      <m:fPr>
-                        <m:ctrlPr>
-                          <a:rPr lang="en-US" sz="2400" b="0" i="1" smtClean="0">
-                            <a:latin typeface="Cambria Math" panose="02040503050406030204" pitchFamily="18" charset="0"/>
-                          </a:rPr>
-                        </m:ctrlPr>
-                      </m:fPr>
-                      <m:num>
-                        <m:r>
-                          <a:rPr lang="en-US" sz="2400" b="0" i="1" smtClean="0">
-                            <a:latin typeface="Cambria Math" panose="02040503050406030204" pitchFamily="18" charset="0"/>
-                          </a:rPr>
-                          <m:t>1</m:t>
-                        </m:r>
-                      </m:num>
-                      <m:den>
-                        <m:r>
-                          <a:rPr lang="en-US" sz="2400" b="0" i="1" smtClean="0">
-                            <a:latin typeface="Cambria Math" panose="02040503050406030204" pitchFamily="18" charset="0"/>
-                          </a:rPr>
-                          <m:t>1+32</m:t>
-                        </m:r>
-                      </m:den>
-                    </m:f>
-                  </m:oMath>
-                </a14:m>
-                <a:r>
-                  <a:rPr lang="en-US" sz="2400" dirty="0"/>
-                  <a:t> </a:t>
-                </a:r>
-              </a:p>
-            </p:txBody>
-          </p:sp>
-        </mc:Choice>
-        <mc:Fallback xmlns="">
-          <p:sp>
-            <p:nvSpPr>
-              <p:cNvPr id="15" name="TextBox 14">
-                <a:extLst>
-                  <a:ext uri="{FF2B5EF4-FFF2-40B4-BE49-F238E27FC236}">
-                    <a16:creationId xmlns:a16="http://schemas.microsoft.com/office/drawing/2014/main" id="{363A199C-813E-4935-A966-65ED5A5803FC}"/>
-                  </a:ext>
-                </a:extLst>
-              </p:cNvPr>
-              <p:cNvSpPr txBox="1">
-                <a:spLocks noRot="1" noChangeAspect="1" noMove="1" noResize="1" noEditPoints="1" noAdjustHandles="1" noChangeArrowheads="1" noChangeShapeType="1" noTextEdit="1"/>
-              </p:cNvSpPr>
-              <p:nvPr/>
-            </p:nvSpPr>
-            <p:spPr>
-              <a:xfrm>
-                <a:off x="966403" y="2666968"/>
-                <a:ext cx="6280429" cy="579454"/>
-              </a:xfrm>
-              <a:prstGeom prst="rect">
-                <a:avLst/>
-              </a:prstGeom>
-              <a:blipFill>
-                <a:blip r:embed="rId4"/>
-                <a:stretch>
-                  <a:fillRect/>
-                </a:stretch>
-              </a:blipFill>
-            </p:spPr>
-            <p:txBody>
-              <a:bodyPr/>
-              <a:lstStyle/>
-              <a:p>
-                <a:r>
-                  <a:rPr lang="en-US">
-                    <a:noFill/>
-                  </a:rPr>
-                  <a:t> </a:t>
-                </a:r>
-              </a:p>
-            </p:txBody>
-          </p:sp>
-        </mc:Fallback>
-      </mc:AlternateContent>
-      <mc:AlternateContent xmlns:mc="http://schemas.openxmlformats.org/markup-compatibility/2006" xmlns:a14="http://schemas.microsoft.com/office/drawing/2010/main">
-        <mc:Choice Requires="a14">
+      <mc:AlternateContent xmlns:mc="http://schemas.openxmlformats.org/markup-compatibility/2006">
+        <mc:Choice xmlns:a14="http://schemas.microsoft.com/office/drawing/2010/main" Requires="a14">
           <p:sp>
             <p:nvSpPr>
               <p:cNvPr id="16" name="TextBox 15">
@@ -6660,7 +6342,7 @@
             </p:nvSpPr>
             <p:spPr>
               <a:xfrm>
-                <a:off x="1496243" y="3748624"/>
+                <a:off x="1524819" y="3748624"/>
                 <a:ext cx="8237416" cy="928396"/>
               </a:xfrm>
               <a:prstGeom prst="rect">
@@ -6830,7 +6512,13 @@
                       <a:rPr lang="en-US" sz="3600" b="0" i="1" smtClean="0">
                         <a:latin typeface="Cambria Math" panose="02040503050406030204" pitchFamily="18" charset="0"/>
                       </a:rPr>
-                      <m:t>= .059</m:t>
+                      <m:t>= .0</m:t>
+                    </m:r>
+                    <m:r>
+                      <a:rPr lang="en-US" sz="3600" b="0" i="1" smtClean="0">
+                        <a:latin typeface="Cambria Math" panose="02040503050406030204" pitchFamily="18" charset="0"/>
+                      </a:rPr>
+                      <m:t>6</m:t>
                     </m:r>
                   </m:oMath>
                 </a14:m>
@@ -6842,7 +6530,7 @@
             </p:txBody>
           </p:sp>
         </mc:Choice>
-        <mc:Fallback xmlns="">
+        <mc:Fallback>
           <p:sp>
             <p:nvSpPr>
               <p:cNvPr id="16" name="TextBox 15">
@@ -6859,8 +6547,580 @@
             </p:nvSpPr>
             <p:spPr>
               <a:xfrm>
-                <a:off x="1496243" y="3748624"/>
+                <a:off x="1524819" y="3748624"/>
                 <a:ext cx="8237416" cy="928396"/>
+              </a:xfrm>
+              <a:prstGeom prst="rect">
+                <a:avLst/>
+              </a:prstGeom>
+              <a:blipFill>
+                <a:blip r:embed="rId3"/>
+                <a:stretch>
+                  <a:fillRect/>
+                </a:stretch>
+              </a:blipFill>
+            </p:spPr>
+            <p:txBody>
+              <a:bodyPr/>
+              <a:lstStyle/>
+              <a:p>
+                <a:r>
+                  <a:rPr lang="en-US">
+                    <a:noFill/>
+                  </a:rPr>
+                  <a:t> </a:t>
+                </a:r>
+              </a:p>
+            </p:txBody>
+          </p:sp>
+        </mc:Fallback>
+      </mc:AlternateContent>
+      <p:sp>
+        <p:nvSpPr>
+          <p:cNvPr id="4" name="Rectangle 3">
+            <a:extLst>
+              <a:ext uri="{FF2B5EF4-FFF2-40B4-BE49-F238E27FC236}">
+                <a16:creationId xmlns:a16="http://schemas.microsoft.com/office/drawing/2014/main" id="{EAC4D742-BBDF-4B86-8616-C724315B18A5}"/>
+              </a:ext>
+            </a:extLst>
+          </p:cNvPr>
+          <p:cNvSpPr/>
+          <p:nvPr/>
+        </p:nvSpPr>
+        <p:spPr>
+          <a:xfrm>
+            <a:off x="854242" y="1660358"/>
+            <a:ext cx="10539663" cy="144379"/>
+          </a:xfrm>
+          <a:prstGeom prst="rect">
+            <a:avLst/>
+          </a:prstGeom>
+          <a:ln>
+            <a:solidFill>
+              <a:schemeClr val="bg1"/>
+            </a:solidFill>
+          </a:ln>
+        </p:spPr>
+        <p:style>
+          <a:lnRef idx="2">
+            <a:schemeClr val="dk1"/>
+          </a:lnRef>
+          <a:fillRef idx="1">
+            <a:schemeClr val="lt1"/>
+          </a:fillRef>
+          <a:effectRef idx="0">
+            <a:schemeClr val="dk1"/>
+          </a:effectRef>
+          <a:fontRef idx="minor">
+            <a:schemeClr val="dk1"/>
+          </a:fontRef>
+        </p:style>
+        <p:txBody>
+          <a:bodyPr rtlCol="0" anchor="ctr"/>
+          <a:lstStyle/>
+          <a:p>
+            <a:pPr algn="ctr"/>
+            <a:endParaRPr lang="en-US" dirty="0"/>
+          </a:p>
+        </p:txBody>
+      </p:sp>
+      <p:sp>
+        <p:nvSpPr>
+          <p:cNvPr id="2" name="Title 1">
+            <a:extLst>
+              <a:ext uri="{FF2B5EF4-FFF2-40B4-BE49-F238E27FC236}">
+                <a16:creationId xmlns:a16="http://schemas.microsoft.com/office/drawing/2014/main" id="{5BC616D9-14F3-4F9A-94DD-D8464CB9287C}"/>
+              </a:ext>
+            </a:extLst>
+          </p:cNvPr>
+          <p:cNvSpPr>
+            <a:spLocks noGrp="1"/>
+          </p:cNvSpPr>
+          <p:nvPr>
+            <p:ph type="title"/>
+          </p:nvPr>
+        </p:nvSpPr>
+        <p:spPr>
+          <a:xfrm>
+            <a:off x="1097280" y="143395"/>
+            <a:ext cx="10058400" cy="845511"/>
+          </a:xfrm>
+        </p:spPr>
+        <p:txBody>
+          <a:bodyPr/>
+          <a:lstStyle/>
+          <a:p>
+            <a:r>
+              <a:rPr lang="en-US" dirty="0"/>
+              <a:t>Predicting Disruptive Behavior</a:t>
+            </a:r>
+          </a:p>
+        </p:txBody>
+      </p:sp>
+      <p:sp>
+        <p:nvSpPr>
+          <p:cNvPr id="3" name="Content Placeholder 2">
+            <a:extLst>
+              <a:ext uri="{FF2B5EF4-FFF2-40B4-BE49-F238E27FC236}">
+                <a16:creationId xmlns:a16="http://schemas.microsoft.com/office/drawing/2014/main" id="{F33731AE-60CD-44F7-A6CE-837F375F5F65}"/>
+              </a:ext>
+            </a:extLst>
+          </p:cNvPr>
+          <p:cNvSpPr>
+            <a:spLocks noGrp="1"/>
+          </p:cNvSpPr>
+          <p:nvPr>
+            <p:ph idx="1"/>
+          </p:nvPr>
+        </p:nvSpPr>
+        <p:spPr>
+          <a:xfrm>
+            <a:off x="1036320" y="988907"/>
+            <a:ext cx="8380947" cy="845512"/>
+          </a:xfrm>
+        </p:spPr>
+        <p:txBody>
+          <a:bodyPr>
+            <a:normAutofit/>
+          </a:bodyPr>
+          <a:lstStyle/>
+          <a:p>
+            <a:r>
+              <a:rPr lang="en-US" dirty="0"/>
+              <a:t>Search for the correct class balance, then retry:</a:t>
+            </a:r>
+          </a:p>
+        </p:txBody>
+      </p:sp>
+      <p:sp>
+        <p:nvSpPr>
+          <p:cNvPr id="11" name="TextBox 10">
+            <a:extLst>
+              <a:ext uri="{FF2B5EF4-FFF2-40B4-BE49-F238E27FC236}">
+                <a16:creationId xmlns:a16="http://schemas.microsoft.com/office/drawing/2014/main" id="{10C46224-711B-4D12-9E0E-3293926FC588}"/>
+              </a:ext>
+            </a:extLst>
+          </p:cNvPr>
+          <p:cNvSpPr txBox="1"/>
+          <p:nvPr/>
+        </p:nvSpPr>
+        <p:spPr>
+          <a:xfrm>
+            <a:off x="590390" y="5191932"/>
+            <a:ext cx="5670925" cy="923330"/>
+          </a:xfrm>
+          <a:prstGeom prst="rect">
+            <a:avLst/>
+          </a:prstGeom>
+          <a:noFill/>
+        </p:spPr>
+        <p:txBody>
+          <a:bodyPr wrap="square" rtlCol="0">
+            <a:spAutoFit/>
+          </a:bodyPr>
+          <a:lstStyle/>
+          <a:p>
+            <a:r>
+              <a:rPr lang="en-US" dirty="0"/>
+              <a:t>Bottom line – F1-score (aka F-measure or F-score) gives us a single number to understand the confusion matrix, enabling grid searching that doesn’t penalize small classes</a:t>
+            </a:r>
+          </a:p>
+        </p:txBody>
+      </p:sp>
+      <mc:AlternateContent xmlns:mc="http://schemas.openxmlformats.org/markup-compatibility/2006">
+        <mc:Choice xmlns:a14="http://schemas.microsoft.com/office/drawing/2010/main" Requires="a14">
+          <p:sp>
+            <p:nvSpPr>
+              <p:cNvPr id="6" name="TextBox 5">
+                <a:extLst>
+                  <a:ext uri="{FF2B5EF4-FFF2-40B4-BE49-F238E27FC236}">
+                    <a16:creationId xmlns:a16="http://schemas.microsoft.com/office/drawing/2014/main" id="{27BC44FB-643B-4F67-9944-6DD485EED81A}"/>
+                  </a:ext>
+                </a:extLst>
+              </p:cNvPr>
+              <p:cNvSpPr txBox="1"/>
+              <p:nvPr/>
+            </p:nvSpPr>
+            <p:spPr>
+              <a:xfrm>
+                <a:off x="769109" y="1734395"/>
+                <a:ext cx="8032478" cy="537648"/>
+              </a:xfrm>
+              <a:prstGeom prst="rect">
+                <a:avLst/>
+              </a:prstGeom>
+              <a:noFill/>
+            </p:spPr>
+            <p:txBody>
+              <a:bodyPr wrap="square" lIns="0" tIns="0" rIns="0" bIns="0" rtlCol="0">
+                <a:spAutoFit/>
+              </a:bodyPr>
+              <a:lstStyle/>
+              <a:p>
+                <a14:m>
+                  <m:oMath xmlns:m="http://schemas.openxmlformats.org/officeDocument/2006/math">
+                    <m:r>
+                      <a:rPr lang="en-US" sz="2400" b="0" i="1" smtClean="0">
+                        <a:latin typeface="Cambria Math" panose="02040503050406030204" pitchFamily="18" charset="0"/>
+                      </a:rPr>
+                      <m:t>𝑝𝑟𝑒𝑐𝑖𝑠𝑖𝑜𝑛</m:t>
+                    </m:r>
+                    <m:r>
+                      <a:rPr lang="en-US" sz="2400" b="0" i="1" smtClean="0">
+                        <a:latin typeface="Cambria Math" panose="02040503050406030204" pitchFamily="18" charset="0"/>
+                      </a:rPr>
+                      <m:t>=</m:t>
+                    </m:r>
+                    <m:f>
+                      <m:fPr>
+                        <m:ctrlPr>
+                          <a:rPr lang="en-US" sz="2400" b="0" i="1" smtClean="0">
+                            <a:latin typeface="Cambria Math" panose="02040503050406030204" pitchFamily="18" charset="0"/>
+                          </a:rPr>
+                        </m:ctrlPr>
+                      </m:fPr>
+                      <m:num>
+                        <m:r>
+                          <a:rPr lang="en-US" sz="2400" b="0" i="1" smtClean="0">
+                            <a:latin typeface="Cambria Math" panose="02040503050406030204" pitchFamily="18" charset="0"/>
+                          </a:rPr>
+                          <m:t>𝑇𝑟𝑢𝑒</m:t>
+                        </m:r>
+                        <m:r>
+                          <a:rPr lang="en-US" sz="2400" b="0" i="1" smtClean="0">
+                            <a:latin typeface="Cambria Math" panose="02040503050406030204" pitchFamily="18" charset="0"/>
+                          </a:rPr>
+                          <m:t> </m:t>
+                        </m:r>
+                        <m:r>
+                          <a:rPr lang="en-US" sz="2400" b="0" i="1" smtClean="0">
+                            <a:latin typeface="Cambria Math" panose="02040503050406030204" pitchFamily="18" charset="0"/>
+                          </a:rPr>
+                          <m:t>𝑃𝑜𝑠𝑖𝑡𝑖𝑣𝑒𝑠</m:t>
+                        </m:r>
+                      </m:num>
+                      <m:den>
+                        <m:r>
+                          <a:rPr lang="en-US" sz="2400" b="0" i="1" smtClean="0">
+                            <a:latin typeface="Cambria Math" panose="02040503050406030204" pitchFamily="18" charset="0"/>
+                          </a:rPr>
+                          <m:t>𝑇𝑟𝑢𝑒</m:t>
+                        </m:r>
+                        <m:r>
+                          <a:rPr lang="en-US" sz="2400" b="0" i="1" smtClean="0">
+                            <a:latin typeface="Cambria Math" panose="02040503050406030204" pitchFamily="18" charset="0"/>
+                          </a:rPr>
+                          <m:t> </m:t>
+                        </m:r>
+                        <m:r>
+                          <a:rPr lang="en-US" sz="2400" b="0" i="1" smtClean="0">
+                            <a:latin typeface="Cambria Math" panose="02040503050406030204" pitchFamily="18" charset="0"/>
+                          </a:rPr>
+                          <m:t>𝑃𝑜𝑠𝑖𝑡𝑖𝑣𝑒𝑠</m:t>
+                        </m:r>
+                        <m:r>
+                          <a:rPr lang="en-US" sz="2400" b="0" i="1" smtClean="0">
+                            <a:latin typeface="Cambria Math" panose="02040503050406030204" pitchFamily="18" charset="0"/>
+                          </a:rPr>
+                          <m:t>+</m:t>
+                        </m:r>
+                        <m:r>
+                          <a:rPr lang="en-US" sz="2400" b="0" i="1" smtClean="0">
+                            <a:latin typeface="Cambria Math" panose="02040503050406030204" pitchFamily="18" charset="0"/>
+                          </a:rPr>
+                          <m:t>𝐹𝑎𝑙𝑠𝑒</m:t>
+                        </m:r>
+                        <m:r>
+                          <a:rPr lang="en-US" sz="2400" b="0" i="1" smtClean="0">
+                            <a:latin typeface="Cambria Math" panose="02040503050406030204" pitchFamily="18" charset="0"/>
+                          </a:rPr>
+                          <m:t> </m:t>
+                        </m:r>
+                        <m:r>
+                          <a:rPr lang="en-US" sz="2400" b="0" i="1" smtClean="0">
+                            <a:latin typeface="Cambria Math" panose="02040503050406030204" pitchFamily="18" charset="0"/>
+                          </a:rPr>
+                          <m:t>𝑃𝑜𝑠𝑖𝑡𝑖𝑣𝑒𝑠</m:t>
+                        </m:r>
+                      </m:den>
+                    </m:f>
+                    <m:r>
+                      <a:rPr lang="en-US" sz="2400" b="0" i="1" smtClean="0">
+                        <a:latin typeface="Cambria Math" panose="02040503050406030204" pitchFamily="18" charset="0"/>
+                      </a:rPr>
+                      <m:t>= </m:t>
+                    </m:r>
+                    <m:f>
+                      <m:fPr>
+                        <m:ctrlPr>
+                          <a:rPr lang="en-US" sz="2400" b="0" i="1" smtClean="0">
+                            <a:latin typeface="Cambria Math" panose="02040503050406030204" pitchFamily="18" charset="0"/>
+                          </a:rPr>
+                        </m:ctrlPr>
+                      </m:fPr>
+                      <m:num>
+                        <m:r>
+                          <a:rPr lang="en-US" sz="2400" b="0" i="1" smtClean="0">
+                            <a:latin typeface="Cambria Math" panose="02040503050406030204" pitchFamily="18" charset="0"/>
+                          </a:rPr>
+                          <m:t>1</m:t>
+                        </m:r>
+                      </m:num>
+                      <m:den>
+                        <m:r>
+                          <a:rPr lang="en-US" sz="2400" b="0" i="1" smtClean="0">
+                            <a:latin typeface="Cambria Math" panose="02040503050406030204" pitchFamily="18" charset="0"/>
+                          </a:rPr>
+                          <m:t>1+0</m:t>
+                        </m:r>
+                      </m:den>
+                    </m:f>
+                    <m:r>
+                      <a:rPr lang="en-US" sz="2400" b="0" i="1" smtClean="0">
+                        <a:latin typeface="Cambria Math" panose="02040503050406030204" pitchFamily="18" charset="0"/>
+                      </a:rPr>
+                      <m:t>=1</m:t>
+                    </m:r>
+                  </m:oMath>
+                </a14:m>
+                <a:r>
+                  <a:rPr lang="en-US" sz="2400" dirty="0"/>
+                  <a:t>00%</a:t>
+                </a:r>
+              </a:p>
+            </p:txBody>
+          </p:sp>
+        </mc:Choice>
+        <mc:Fallback>
+          <p:sp>
+            <p:nvSpPr>
+              <p:cNvPr id="6" name="TextBox 5">
+                <a:extLst>
+                  <a:ext uri="{FF2B5EF4-FFF2-40B4-BE49-F238E27FC236}">
+                    <a16:creationId xmlns:a16="http://schemas.microsoft.com/office/drawing/2014/main" id="{27BC44FB-643B-4F67-9944-6DD485EED81A}"/>
+                  </a:ext>
+                </a:extLst>
+              </p:cNvPr>
+              <p:cNvSpPr txBox="1">
+                <a:spLocks noRot="1" noChangeAspect="1" noMove="1" noResize="1" noEditPoints="1" noAdjustHandles="1" noChangeArrowheads="1" noChangeShapeType="1" noTextEdit="1"/>
+              </p:cNvSpPr>
+              <p:nvPr/>
+            </p:nvSpPr>
+            <p:spPr>
+              <a:xfrm>
+                <a:off x="769109" y="1734395"/>
+                <a:ext cx="8032478" cy="537648"/>
+              </a:xfrm>
+              <a:prstGeom prst="rect">
+                <a:avLst/>
+              </a:prstGeom>
+              <a:blipFill>
+                <a:blip r:embed="rId4"/>
+                <a:stretch>
+                  <a:fillRect t="-1136" b="-19318"/>
+                </a:stretch>
+              </a:blipFill>
+            </p:spPr>
+            <p:txBody>
+              <a:bodyPr/>
+              <a:lstStyle/>
+              <a:p>
+                <a:r>
+                  <a:rPr lang="en-US">
+                    <a:noFill/>
+                  </a:rPr>
+                  <a:t> </a:t>
+                </a:r>
+              </a:p>
+            </p:txBody>
+          </p:sp>
+        </mc:Fallback>
+      </mc:AlternateContent>
+      <mc:AlternateContent xmlns:mc="http://schemas.openxmlformats.org/markup-compatibility/2006">
+        <mc:Choice xmlns:a14="http://schemas.microsoft.com/office/drawing/2010/main" Requires="a14">
+          <p:sp>
+            <p:nvSpPr>
+              <p:cNvPr id="15" name="TextBox 14">
+                <a:extLst>
+                  <a:ext uri="{FF2B5EF4-FFF2-40B4-BE49-F238E27FC236}">
+                    <a16:creationId xmlns:a16="http://schemas.microsoft.com/office/drawing/2014/main" id="{363A199C-813E-4935-A966-65ED5A5803FC}"/>
+                  </a:ext>
+                </a:extLst>
+              </p:cNvPr>
+              <p:cNvSpPr txBox="1"/>
+              <p:nvPr/>
+            </p:nvSpPr>
+            <p:spPr>
+              <a:xfrm>
+                <a:off x="45098" y="2574758"/>
+                <a:ext cx="8032478" cy="758669"/>
+              </a:xfrm>
+              <a:prstGeom prst="rect">
+                <a:avLst/>
+              </a:prstGeom>
+              <a:noFill/>
+            </p:spPr>
+            <p:txBody>
+              <a:bodyPr wrap="square" lIns="0" tIns="0" rIns="0" bIns="0" rtlCol="0">
+                <a:spAutoFit/>
+              </a:bodyPr>
+              <a:lstStyle/>
+              <a:p>
+                <a14:m>
+                  <m:oMathPara xmlns:m="http://schemas.openxmlformats.org/officeDocument/2006/math">
+                    <m:oMathParaPr>
+                      <m:jc m:val="centerGroup"/>
+                    </m:oMathParaPr>
+                    <m:oMath xmlns:m="http://schemas.openxmlformats.org/officeDocument/2006/math">
+                      <m:r>
+                        <a:rPr lang="en-US" sz="2400" b="0" i="1" smtClean="0">
+                          <a:latin typeface="Cambria Math" panose="02040503050406030204" pitchFamily="18" charset="0"/>
+                        </a:rPr>
+                        <m:t>𝑟𝑒𝑐𝑎𝑙𝑙</m:t>
+                      </m:r>
+                      <m:r>
+                        <a:rPr lang="en-US" sz="2400" b="0" i="1" smtClean="0">
+                          <a:latin typeface="Cambria Math" panose="02040503050406030204" pitchFamily="18" charset="0"/>
+                        </a:rPr>
+                        <m:t>=</m:t>
+                      </m:r>
+                      <m:f>
+                        <m:fPr>
+                          <m:ctrlPr>
+                            <a:rPr lang="en-US" sz="2400" b="0" i="1" smtClean="0">
+                              <a:latin typeface="Cambria Math" panose="02040503050406030204" pitchFamily="18" charset="0"/>
+                            </a:rPr>
+                          </m:ctrlPr>
+                        </m:fPr>
+                        <m:num>
+                          <m:r>
+                            <a:rPr lang="en-US" sz="2400" b="0" i="1" smtClean="0">
+                              <a:latin typeface="Cambria Math" panose="02040503050406030204" pitchFamily="18" charset="0"/>
+                            </a:rPr>
+                            <m:t>𝑇𝑟𝑢𝑒</m:t>
+                          </m:r>
+                          <m:r>
+                            <a:rPr lang="en-US" sz="2400" b="0" i="1" smtClean="0">
+                              <a:latin typeface="Cambria Math" panose="02040503050406030204" pitchFamily="18" charset="0"/>
+                            </a:rPr>
+                            <m:t> </m:t>
+                          </m:r>
+                          <m:r>
+                            <a:rPr lang="en-US" sz="2400" b="0" i="1" smtClean="0">
+                              <a:latin typeface="Cambria Math" panose="02040503050406030204" pitchFamily="18" charset="0"/>
+                            </a:rPr>
+                            <m:t>𝑃𝑜𝑠𝑖𝑡𝑖𝑣𝑒𝑠</m:t>
+                          </m:r>
+                        </m:num>
+                        <m:den>
+                          <m:r>
+                            <a:rPr lang="en-US" sz="2400" b="0" i="1" smtClean="0">
+                              <a:latin typeface="Cambria Math" panose="02040503050406030204" pitchFamily="18" charset="0"/>
+                            </a:rPr>
+                            <m:t>𝑇𝑟𝑢𝑒</m:t>
+                          </m:r>
+                          <m:r>
+                            <a:rPr lang="en-US" sz="2400" b="0" i="1" smtClean="0">
+                              <a:latin typeface="Cambria Math" panose="02040503050406030204" pitchFamily="18" charset="0"/>
+                            </a:rPr>
+                            <m:t> </m:t>
+                          </m:r>
+                          <m:r>
+                            <a:rPr lang="en-US" sz="2400" b="0" i="1" smtClean="0">
+                              <a:latin typeface="Cambria Math" panose="02040503050406030204" pitchFamily="18" charset="0"/>
+                            </a:rPr>
+                            <m:t>𝑃𝑜𝑠𝑖𝑡𝑖𝑣𝑒𝑠</m:t>
+                          </m:r>
+                          <m:r>
+                            <a:rPr lang="en-US" sz="2400" b="0" i="1" smtClean="0">
+                              <a:latin typeface="Cambria Math" panose="02040503050406030204" pitchFamily="18" charset="0"/>
+                            </a:rPr>
+                            <m:t>+</m:t>
+                          </m:r>
+                          <m:r>
+                            <a:rPr lang="en-US" sz="2400" b="0" i="1" smtClean="0">
+                              <a:latin typeface="Cambria Math" panose="02040503050406030204" pitchFamily="18" charset="0"/>
+                            </a:rPr>
+                            <m:t>𝐹𝑎𝑙𝑠𝑒</m:t>
+                          </m:r>
+                          <m:r>
+                            <a:rPr lang="en-US" sz="2400" b="0" i="1" smtClean="0">
+                              <a:latin typeface="Cambria Math" panose="02040503050406030204" pitchFamily="18" charset="0"/>
+                            </a:rPr>
+                            <m:t> </m:t>
+                          </m:r>
+                          <m:r>
+                            <a:rPr lang="en-US" sz="2400" b="0" i="1" smtClean="0">
+                              <a:latin typeface="Cambria Math" panose="02040503050406030204" pitchFamily="18" charset="0"/>
+                            </a:rPr>
+                            <m:t>𝑁𝑒𝑔𝑎𝑡𝑖𝑣𝑒𝑠</m:t>
+                          </m:r>
+                        </m:den>
+                      </m:f>
+                      <m:r>
+                        <a:rPr lang="en-US" sz="2400" b="0" i="1" smtClean="0">
+                          <a:latin typeface="Cambria Math" panose="02040503050406030204" pitchFamily="18" charset="0"/>
+                        </a:rPr>
+                        <m:t>= </m:t>
+                      </m:r>
+                      <m:f>
+                        <m:fPr>
+                          <m:ctrlPr>
+                            <a:rPr lang="en-US" sz="2400" b="0" i="1" smtClean="0">
+                              <a:latin typeface="Cambria Math" panose="02040503050406030204" pitchFamily="18" charset="0"/>
+                            </a:rPr>
+                          </m:ctrlPr>
+                        </m:fPr>
+                        <m:num>
+                          <m:r>
+                            <a:rPr lang="en-US" sz="2400" b="0" i="1" smtClean="0">
+                              <a:latin typeface="Cambria Math" panose="02040503050406030204" pitchFamily="18" charset="0"/>
+                            </a:rPr>
+                            <m:t>1</m:t>
+                          </m:r>
+                        </m:num>
+                        <m:den>
+                          <m:r>
+                            <a:rPr lang="en-US" sz="2400" b="0" i="1" smtClean="0">
+                              <a:latin typeface="Cambria Math" panose="02040503050406030204" pitchFamily="18" charset="0"/>
+                            </a:rPr>
+                            <m:t>1+32</m:t>
+                          </m:r>
+                        </m:den>
+                      </m:f>
+                      <m:r>
+                        <a:rPr lang="en-US" sz="2400" b="0" i="1" smtClean="0">
+                          <a:latin typeface="Cambria Math" panose="02040503050406030204" pitchFamily="18" charset="0"/>
+                        </a:rPr>
+                        <m:t>=3%</m:t>
+                      </m:r>
+                    </m:oMath>
+                  </m:oMathPara>
+                </a14:m>
+                <a:endParaRPr lang="en-US" sz="2400" dirty="0"/>
+              </a:p>
+            </p:txBody>
+          </p:sp>
+        </mc:Choice>
+        <mc:Fallback>
+          <p:sp>
+            <p:nvSpPr>
+              <p:cNvPr id="15" name="TextBox 14">
+                <a:extLst>
+                  <a:ext uri="{FF2B5EF4-FFF2-40B4-BE49-F238E27FC236}">
+                    <a16:creationId xmlns:a16="http://schemas.microsoft.com/office/drawing/2014/main" id="{363A199C-813E-4935-A966-65ED5A5803FC}"/>
+                  </a:ext>
+                </a:extLst>
+              </p:cNvPr>
+              <p:cNvSpPr txBox="1">
+                <a:spLocks noRot="1" noChangeAspect="1" noMove="1" noResize="1" noEditPoints="1" noAdjustHandles="1" noChangeArrowheads="1" noChangeShapeType="1" noTextEdit="1"/>
+              </p:cNvSpPr>
+              <p:nvPr/>
+            </p:nvSpPr>
+            <p:spPr>
+              <a:xfrm>
+                <a:off x="45098" y="2574758"/>
+                <a:ext cx="8032478" cy="758669"/>
               </a:xfrm>
               <a:prstGeom prst="rect">
                 <a:avLst/>
@@ -6887,41 +7147,123 @@
           </p:sp>
         </mc:Fallback>
       </mc:AlternateContent>
-      <p:sp>
-        <p:nvSpPr>
-          <p:cNvPr id="11" name="TextBox 10">
+      <p:pic>
+        <p:nvPicPr>
+          <p:cNvPr id="8" name="Graphic 7" descr="Thumbs Up Sign">
             <a:extLst>
               <a:ext uri="{FF2B5EF4-FFF2-40B4-BE49-F238E27FC236}">
-                <a16:creationId xmlns:a16="http://schemas.microsoft.com/office/drawing/2014/main" id="{10C46224-711B-4D12-9E0E-3293926FC588}"/>
+                <a16:creationId xmlns:a16="http://schemas.microsoft.com/office/drawing/2014/main" id="{1F9C4A93-0BB9-41EF-9894-244B372CC216}"/>
               </a:ext>
             </a:extLst>
           </p:cNvPr>
-          <p:cNvSpPr txBox="1"/>
+          <p:cNvPicPr>
+            <a:picLocks noChangeAspect="1"/>
+          </p:cNvPicPr>
           <p:nvPr/>
-        </p:nvSpPr>
+        </p:nvPicPr>
+        <p:blipFill>
+          <a:blip r:embed="rId6">
+            <a:extLst>
+              <a:ext uri="{28A0092B-C50C-407E-A947-70E740481C1C}">
+                <a14:useLocalDpi xmlns:a14="http://schemas.microsoft.com/office/drawing/2010/main" val="0"/>
+              </a:ext>
+              <a:ext uri="{96DAC541-7B7A-43D3-8B79-37D633B846F1}">
+                <asvg:svgBlip xmlns:asvg="http://schemas.microsoft.com/office/drawing/2016/SVG/main" r:embed="rId7"/>
+              </a:ext>
+            </a:extLst>
+          </a:blip>
+          <a:stretch>
+            <a:fillRect/>
+          </a:stretch>
+        </p:blipFill>
         <p:spPr>
           <a:xfrm>
-            <a:off x="590390" y="5191932"/>
-            <a:ext cx="5670925" cy="923330"/>
+            <a:off x="7935002" y="1454577"/>
+            <a:ext cx="914400" cy="914400"/>
           </a:xfrm>
           <a:prstGeom prst="rect">
             <a:avLst/>
           </a:prstGeom>
-          <a:noFill/>
         </p:spPr>
-        <p:txBody>
-          <a:bodyPr wrap="square" rtlCol="0">
-            <a:spAutoFit/>
-          </a:bodyPr>
-          <a:lstStyle/>
-          <a:p>
-            <a:r>
-              <a:rPr lang="en-US" dirty="0"/>
-              <a:t>Bottom line – F1-score (aka F-measure or F-score) gives us a single number to understand the confusion matrix, enabling grid searching that doesn’t penalize small classes</a:t>
-            </a:r>
-          </a:p>
-        </p:txBody>
-      </p:sp>
+      </p:pic>
+      <p:pic>
+        <p:nvPicPr>
+          <p:cNvPr id="17" name="Graphic 16" descr="Thumbs Up Sign">
+            <a:extLst>
+              <a:ext uri="{FF2B5EF4-FFF2-40B4-BE49-F238E27FC236}">
+                <a16:creationId xmlns:a16="http://schemas.microsoft.com/office/drawing/2014/main" id="{04AB757B-230C-4EE3-995C-D4E066E751F8}"/>
+              </a:ext>
+            </a:extLst>
+          </p:cNvPr>
+          <p:cNvPicPr>
+            <a:picLocks noChangeAspect="1"/>
+          </p:cNvPicPr>
+          <p:nvPr/>
+        </p:nvPicPr>
+        <p:blipFill>
+          <a:blip r:embed="rId8">
+            <a:extLst>
+              <a:ext uri="{28A0092B-C50C-407E-A947-70E740481C1C}">
+                <a14:useLocalDpi xmlns:a14="http://schemas.microsoft.com/office/drawing/2010/main" val="0"/>
+              </a:ext>
+              <a:ext uri="{96DAC541-7B7A-43D3-8B79-37D633B846F1}">
+                <asvg:svgBlip xmlns:asvg="http://schemas.microsoft.com/office/drawing/2016/SVG/main" r:embed="rId9"/>
+              </a:ext>
+            </a:extLst>
+          </a:blip>
+          <a:stretch>
+            <a:fillRect/>
+          </a:stretch>
+        </p:blipFill>
+        <p:spPr>
+          <a:xfrm rot="10800000" flipH="1">
+            <a:off x="8145792" y="2652176"/>
+            <a:ext cx="914400" cy="914400"/>
+          </a:xfrm>
+          <a:prstGeom prst="rect">
+            <a:avLst/>
+          </a:prstGeom>
+        </p:spPr>
+      </p:pic>
+      <p:pic>
+        <p:nvPicPr>
+          <p:cNvPr id="18" name="Graphic 17" descr="Thumbs Up Sign">
+            <a:extLst>
+              <a:ext uri="{FF2B5EF4-FFF2-40B4-BE49-F238E27FC236}">
+                <a16:creationId xmlns:a16="http://schemas.microsoft.com/office/drawing/2014/main" id="{D4766757-D0ED-4140-A196-43D61234018D}"/>
+              </a:ext>
+            </a:extLst>
+          </p:cNvPr>
+          <p:cNvPicPr>
+            <a:picLocks noChangeAspect="1"/>
+          </p:cNvPicPr>
+          <p:nvPr/>
+        </p:nvPicPr>
+        <p:blipFill>
+          <a:blip r:embed="rId8">
+            <a:extLst>
+              <a:ext uri="{28A0092B-C50C-407E-A947-70E740481C1C}">
+                <a14:useLocalDpi xmlns:a14="http://schemas.microsoft.com/office/drawing/2010/main" val="0"/>
+              </a:ext>
+              <a:ext uri="{96DAC541-7B7A-43D3-8B79-37D633B846F1}">
+                <asvg:svgBlip xmlns:asvg="http://schemas.microsoft.com/office/drawing/2016/SVG/main" r:embed="rId9"/>
+              </a:ext>
+            </a:extLst>
+          </a:blip>
+          <a:stretch>
+            <a:fillRect/>
+          </a:stretch>
+        </p:blipFill>
+        <p:spPr>
+          <a:xfrm rot="10800000" flipH="1">
+            <a:off x="9303164" y="3867340"/>
+            <a:ext cx="914400" cy="914400"/>
+          </a:xfrm>
+          <a:prstGeom prst="rect">
+            <a:avLst/>
+          </a:prstGeom>
+        </p:spPr>
+      </p:pic>
       <p:sp>
         <p:nvSpPr>
           <p:cNvPr id="5" name="Rectangle 4">
@@ -6936,8 +7278,8 @@
         </p:nvSpPr>
         <p:spPr>
           <a:xfrm>
-            <a:off x="5734228" y="1732547"/>
-            <a:ext cx="5491369" cy="3004245"/>
+            <a:off x="5861030" y="1503818"/>
+            <a:ext cx="5491369" cy="3232355"/>
           </a:xfrm>
           <a:prstGeom prst="rect">
             <a:avLst/>
@@ -6991,7 +7333,7 @@
           <p:nvPr/>
         </p:nvPicPr>
         <p:blipFill>
-          <a:blip r:embed="rId6">
+          <a:blip r:embed="rId10">
             <a:extLst>
               <a:ext uri="{28A0092B-C50C-407E-A947-70E740481C1C}">
                 <a14:useLocalDpi xmlns:a14="http://schemas.microsoft.com/office/drawing/2010/main" val="0"/>
@@ -7005,7 +7347,7 @@
         </p:blipFill>
         <p:spPr bwMode="auto">
           <a:xfrm>
-            <a:off x="6443393" y="1478068"/>
+            <a:off x="6170245" y="1137914"/>
             <a:ext cx="5553075" cy="4391025"/>
           </a:xfrm>
           <a:prstGeom prst="rect">
@@ -7054,7 +7396,7 @@
                             </p:stCondLst>
                             <p:childTnLst>
                               <p:par>
-                                <p:cTn id="5" presetID="10" presetClass="entr" presetSubtype="0" fill="hold" grpId="0" nodeType="clickEffect">
+                                <p:cTn id="5" presetID="10" presetClass="entr" presetSubtype="0" fill="hold" nodeType="clickEffect">
                                   <p:stCondLst>
                                     <p:cond delay="0"/>
                                   </p:stCondLst>
@@ -7062,6 +7404,94 @@
                                     <p:set>
                                       <p:cBhvr>
                                         <p:cTn id="6" dur="1" fill="hold">
+                                          <p:stCondLst>
+                                            <p:cond delay="0"/>
+                                          </p:stCondLst>
+                                        </p:cTn>
+                                        <p:tgtEl>
+                                          <p:spTgt spid="8"/>
+                                        </p:tgtEl>
+                                        <p:attrNameLst>
+                                          <p:attrName>style.visibility</p:attrName>
+                                        </p:attrNameLst>
+                                      </p:cBhvr>
+                                      <p:to>
+                                        <p:strVal val="visible"/>
+                                      </p:to>
+                                    </p:set>
+                                    <p:animEffect transition="in" filter="fade">
+                                      <p:cBhvr>
+                                        <p:cTn id="7" dur="500"/>
+                                        <p:tgtEl>
+                                          <p:spTgt spid="8"/>
+                                        </p:tgtEl>
+                                      </p:cBhvr>
+                                    </p:animEffect>
+                                  </p:childTnLst>
+                                </p:cTn>
+                              </p:par>
+                              <p:par>
+                                <p:cTn id="8" presetID="10" presetClass="entr" presetSubtype="0" fill="hold" nodeType="withEffect">
+                                  <p:stCondLst>
+                                    <p:cond delay="0"/>
+                                  </p:stCondLst>
+                                  <p:childTnLst>
+                                    <p:set>
+                                      <p:cBhvr>
+                                        <p:cTn id="9" dur="1" fill="hold">
+                                          <p:stCondLst>
+                                            <p:cond delay="0"/>
+                                          </p:stCondLst>
+                                        </p:cTn>
+                                        <p:tgtEl>
+                                          <p:spTgt spid="17"/>
+                                        </p:tgtEl>
+                                        <p:attrNameLst>
+                                          <p:attrName>style.visibility</p:attrName>
+                                        </p:attrNameLst>
+                                      </p:cBhvr>
+                                      <p:to>
+                                        <p:strVal val="visible"/>
+                                      </p:to>
+                                    </p:set>
+                                    <p:animEffect transition="in" filter="fade">
+                                      <p:cBhvr>
+                                        <p:cTn id="10" dur="500"/>
+                                        <p:tgtEl>
+                                          <p:spTgt spid="17"/>
+                                        </p:tgtEl>
+                                      </p:cBhvr>
+                                    </p:animEffect>
+                                  </p:childTnLst>
+                                </p:cTn>
+                              </p:par>
+                            </p:childTnLst>
+                          </p:cTn>
+                        </p:par>
+                      </p:childTnLst>
+                    </p:cTn>
+                  </p:par>
+                  <p:par>
+                    <p:cTn id="11" fill="hold">
+                      <p:stCondLst>
+                        <p:cond delay="indefinite"/>
+                      </p:stCondLst>
+                      <p:childTnLst>
+                        <p:par>
+                          <p:cTn id="12" fill="hold">
+                            <p:stCondLst>
+                              <p:cond delay="0"/>
+                            </p:stCondLst>
+                            <p:childTnLst>
+                              <p:par>
+                                <p:cTn id="13" presetID="10" presetClass="entr" presetSubtype="0" fill="hold" grpId="0" nodeType="clickEffect">
+                                  <p:stCondLst>
+                                    <p:cond delay="0"/>
+                                  </p:stCondLst>
+                                  <p:childTnLst>
+                                    <p:set>
+                                      <p:cBhvr>
+                                        <p:cTn id="14" dur="1" fill="hold">
                                           <p:stCondLst>
                                             <p:cond delay="0"/>
                                           </p:stCondLst>
@@ -7079,7 +7509,7 @@
                                     </p:set>
                                     <p:animEffect transition="in" filter="fade">
                                       <p:cBhvr>
-                                        <p:cTn id="7" dur="500"/>
+                                        <p:cTn id="15" dur="500"/>
                                         <p:tgtEl>
                                           <p:spTgt spid="16"/>
                                         </p:tgtEl>
@@ -7095,26 +7525,79 @@
                     </p:cTn>
                   </p:par>
                   <p:par>
-                    <p:cTn id="8" fill="hold">
+                    <p:cTn id="16" fill="hold">
                       <p:stCondLst>
                         <p:cond delay="indefinite"/>
                       </p:stCondLst>
                       <p:childTnLst>
                         <p:par>
-                          <p:cTn id="9" fill="hold">
+                          <p:cTn id="17" fill="hold">
                             <p:stCondLst>
                               <p:cond delay="0"/>
                             </p:stCondLst>
                             <p:childTnLst>
                               <p:par>
-                                <p:cTn id="10" presetID="10" presetClass="entr" presetSubtype="0" fill="hold" grpId="0" nodeType="clickEffect">
+                                <p:cTn id="18" presetID="10" presetClass="entr" presetSubtype="0" fill="hold" nodeType="clickEffect">
                                   <p:stCondLst>
                                     <p:cond delay="0"/>
                                   </p:stCondLst>
                                   <p:childTnLst>
                                     <p:set>
                                       <p:cBhvr>
-                                        <p:cTn id="11" dur="1" fill="hold">
+                                        <p:cTn id="19" dur="1" fill="hold">
+                                          <p:stCondLst>
+                                            <p:cond delay="0"/>
+                                          </p:stCondLst>
+                                        </p:cTn>
+                                        <p:tgtEl>
+                                          <p:spTgt spid="18"/>
+                                        </p:tgtEl>
+                                        <p:attrNameLst>
+                                          <p:attrName>style.visibility</p:attrName>
+                                        </p:attrNameLst>
+                                      </p:cBhvr>
+                                      <p:to>
+                                        <p:strVal val="visible"/>
+                                      </p:to>
+                                    </p:set>
+                                    <p:animEffect transition="in" filter="fade">
+                                      <p:cBhvr>
+                                        <p:cTn id="20" dur="500"/>
+                                        <p:tgtEl>
+                                          <p:spTgt spid="18"/>
+                                        </p:tgtEl>
+                                      </p:cBhvr>
+                                    </p:animEffect>
+                                  </p:childTnLst>
+                                </p:cTn>
+                              </p:par>
+                            </p:childTnLst>
+                          </p:cTn>
+                        </p:par>
+                      </p:childTnLst>
+                    </p:cTn>
+                  </p:par>
+                  <p:par>
+                    <p:cTn id="21" fill="hold">
+                      <p:stCondLst>
+                        <p:cond delay="indefinite"/>
+                      </p:stCondLst>
+                      <p:childTnLst>
+                        <p:par>
+                          <p:cTn id="22" fill="hold">
+                            <p:stCondLst>
+                              <p:cond delay="0"/>
+                            </p:stCondLst>
+                            <p:childTnLst>
+                              <p:par>
+                                <p:cTn id="23" presetID="10" presetClass="entr" presetSubtype="0" fill="hold" grpId="0" nodeType="clickEffect">
+                                  <p:stCondLst>
+                                    <p:cond delay="0"/>
+                                  </p:stCondLst>
+                                  <p:childTnLst>
+                                    <p:set>
+                                      <p:cBhvr>
+                                        <p:cTn id="24" dur="1" fill="hold">
                                           <p:stCondLst>
                                             <p:cond delay="0"/>
                                           </p:stCondLst>
@@ -7132,7 +7615,7 @@
                                     </p:set>
                                     <p:animEffect transition="in" filter="fade">
                                       <p:cBhvr>
-                                        <p:cTn id="12" dur="500"/>
+                                        <p:cTn id="25" dur="500"/>
                                         <p:tgtEl>
                                           <p:spTgt spid="5"/>
                                         </p:tgtEl>
@@ -7142,14 +7625,14 @@
                                 </p:cTn>
                               </p:par>
                               <p:par>
-                                <p:cTn id="13" presetID="10" presetClass="entr" presetSubtype="0" fill="hold" grpId="0" nodeType="withEffect">
+                                <p:cTn id="26" presetID="10" presetClass="entr" presetSubtype="0" fill="hold" grpId="0" nodeType="withEffect">
                                   <p:stCondLst>
                                     <p:cond delay="0"/>
                                   </p:stCondLst>
                                   <p:childTnLst>
                                     <p:set>
                                       <p:cBhvr>
-                                        <p:cTn id="14" dur="1" fill="hold">
+                                        <p:cTn id="27" dur="1" fill="hold">
                                           <p:stCondLst>
                                             <p:cond delay="0"/>
                                           </p:stCondLst>
@@ -7167,7 +7650,7 @@
                                     </p:set>
                                     <p:animEffect transition="in" filter="fade">
                                       <p:cBhvr>
-                                        <p:cTn id="15" dur="500"/>
+                                        <p:cTn id="28" dur="500"/>
                                         <p:tgtEl>
                                           <p:spTgt spid="11"/>
                                         </p:tgtEl>
@@ -7179,21 +7662,30 @@
                             </p:childTnLst>
                           </p:cTn>
                         </p:par>
+                      </p:childTnLst>
+                    </p:cTn>
+                  </p:par>
+                  <p:par>
+                    <p:cTn id="29" fill="hold">
+                      <p:stCondLst>
+                        <p:cond delay="indefinite"/>
+                      </p:stCondLst>
+                      <p:childTnLst>
                         <p:par>
-                          <p:cTn id="16" fill="hold">
+                          <p:cTn id="30" fill="hold">
                             <p:stCondLst>
-                              <p:cond delay="500"/>
+                              <p:cond delay="0"/>
                             </p:stCondLst>
                             <p:childTnLst>
                               <p:par>
-                                <p:cTn id="17" presetID="10" presetClass="entr" presetSubtype="0" fill="hold" nodeType="afterEffect">
+                                <p:cTn id="31" presetID="10" presetClass="entr" presetSubtype="0" fill="hold" nodeType="clickEffect">
                                   <p:stCondLst>
                                     <p:cond delay="0"/>
                                   </p:stCondLst>
                                   <p:childTnLst>
                                     <p:set>
                                       <p:cBhvr>
-                                        <p:cTn id="18" dur="1" fill="hold">
+                                        <p:cTn id="32" dur="1" fill="hold">
                                           <p:stCondLst>
                                             <p:cond delay="0"/>
                                           </p:stCondLst>
@@ -7211,7 +7703,7 @@
                                     </p:set>
                                     <p:animEffect transition="in" filter="fade">
                                       <p:cBhvr>
-                                        <p:cTn id="19" dur="500"/>
+                                        <p:cTn id="33" dur="500"/>
                                         <p:tgtEl>
                                           <p:spTgt spid="4098"/>
                                         </p:tgtEl>
@@ -7404,7 +7896,7 @@
         </p:nvSpPr>
         <p:spPr>
           <a:xfrm>
-            <a:off x="92107" y="4999811"/>
+            <a:off x="113213" y="5197642"/>
             <a:ext cx="11965574" cy="1200329"/>
           </a:xfrm>
           <a:prstGeom prst="rect">
@@ -7525,6 +8017,41 @@
           </a:extLst>
         </p:spPr>
       </p:pic>
+      <p:sp>
+        <p:nvSpPr>
+          <p:cNvPr id="3" name="TextBox 2">
+            <a:extLst>
+              <a:ext uri="{FF2B5EF4-FFF2-40B4-BE49-F238E27FC236}">
+                <a16:creationId xmlns:a16="http://schemas.microsoft.com/office/drawing/2014/main" id="{5F5E3417-061A-4CB3-9857-0B62635FB4E8}"/>
+              </a:ext>
+            </a:extLst>
+          </p:cNvPr>
+          <p:cNvSpPr txBox="1"/>
+          <p:nvPr/>
+        </p:nvSpPr>
+        <p:spPr>
+          <a:xfrm>
+            <a:off x="9205992" y="143395"/>
+            <a:ext cx="2706639" cy="646331"/>
+          </a:xfrm>
+          <a:prstGeom prst="rect">
+            <a:avLst/>
+          </a:prstGeom>
+          <a:noFill/>
+        </p:spPr>
+        <p:txBody>
+          <a:bodyPr wrap="square" rtlCol="0">
+            <a:spAutoFit/>
+          </a:bodyPr>
+          <a:lstStyle/>
+          <a:p>
+            <a:r>
+              <a:rPr lang="en-US" sz="3600" dirty="0"/>
+              <a:t>F1 Score: .20</a:t>
+            </a:r>
+          </a:p>
+        </p:txBody>
+      </p:sp>
     </p:spTree>
     <p:extLst>
       <p:ext uri="{BB962C8B-B14F-4D97-AF65-F5344CB8AC3E}">
@@ -12127,6 +12654,41 @@
           </a:extLst>
         </p:spPr>
       </p:pic>
+      <p:sp>
+        <p:nvSpPr>
+          <p:cNvPr id="6" name="TextBox 5">
+            <a:extLst>
+              <a:ext uri="{FF2B5EF4-FFF2-40B4-BE49-F238E27FC236}">
+                <a16:creationId xmlns:a16="http://schemas.microsoft.com/office/drawing/2014/main" id="{79918C77-BCA7-496E-8DA7-1281D7A7C332}"/>
+              </a:ext>
+            </a:extLst>
+          </p:cNvPr>
+          <p:cNvSpPr txBox="1"/>
+          <p:nvPr/>
+        </p:nvSpPr>
+        <p:spPr>
+          <a:xfrm>
+            <a:off x="9205993" y="143395"/>
+            <a:ext cx="2800270" cy="646331"/>
+          </a:xfrm>
+          <a:prstGeom prst="rect">
+            <a:avLst/>
+          </a:prstGeom>
+          <a:noFill/>
+        </p:spPr>
+        <p:txBody>
+          <a:bodyPr wrap="square" rtlCol="0">
+            <a:spAutoFit/>
+          </a:bodyPr>
+          <a:lstStyle/>
+          <a:p>
+            <a:r>
+              <a:rPr lang="en-US" sz="3600" dirty="0"/>
+              <a:t>F1 Score: .24</a:t>
+            </a:r>
+          </a:p>
+        </p:txBody>
+      </p:sp>
     </p:spTree>
     <p:extLst>
       <p:ext uri="{BB962C8B-B14F-4D97-AF65-F5344CB8AC3E}">
@@ -16586,7 +17148,7 @@
           <p:nvPr/>
         </p:nvPicPr>
         <p:blipFill>
-          <a:blip r:embed="rId2"/>
+          <a:blip r:embed="rId3"/>
           <a:stretch>
             <a:fillRect/>
           </a:stretch>
@@ -16720,7 +17282,7 @@
           <p:nvPr/>
         </p:nvPicPr>
         <p:blipFill>
-          <a:blip r:embed="rId3">
+          <a:blip r:embed="rId4">
             <a:extLst>
               <a:ext uri="{28A0092B-C50C-407E-A947-70E740481C1C}">
                 <a14:useLocalDpi xmlns:a14="http://schemas.microsoft.com/office/drawing/2010/main" val="0"/>
@@ -17229,8 +17791,8 @@
         </p:blipFill>
         <p:spPr bwMode="auto">
           <a:xfrm>
-            <a:off x="0" y="1860492"/>
-            <a:ext cx="3600450" cy="2571750"/>
+            <a:off x="-21022" y="1860492"/>
+            <a:ext cx="5522289" cy="3944492"/>
           </a:xfrm>
           <a:prstGeom prst="rect">
             <a:avLst/>

--- a/DisruptCapstone.pptx
+++ b/DisruptCapstone.pptx
@@ -1709,13 +1709,13 @@
           <a:p>
             <a:r>
               <a:rPr lang="en-US" dirty="0"/>
-              <a:t>Precision, aka – how many of our positive predictions were correct?</a:t>
+              <a:t>Precision, aka – how many of our positive predictions were correct? (type 1)</a:t>
             </a:r>
           </a:p>
           <a:p>
             <a:r>
               <a:rPr lang="en-US" dirty="0"/>
-              <a:t>Recall, aka – how many of the positive cases did we catch?</a:t>
+              <a:t>Recall, aka – how many of the positive cases did we catch? (type 2)</a:t>
             </a:r>
           </a:p>
           <a:p>
@@ -14626,14 +14626,14 @@
             <p:ph idx="1"/>
             <p:extLst>
               <p:ext uri="{D42A27DB-BD31-4B8C-83A1-F6EECF244321}">
-                <p14:modId xmlns:p14="http://schemas.microsoft.com/office/powerpoint/2010/main" val="2408344643"/>
+                <p14:modId xmlns:p14="http://schemas.microsoft.com/office/powerpoint/2010/main" val="1989578987"/>
               </p:ext>
             </p:extLst>
           </p:nvPr>
         </p:nvGraphicFramePr>
         <p:xfrm>
-          <a:off x="3200559" y="583684"/>
-          <a:ext cx="9020013" cy="5760720"/>
+          <a:off x="3200559" y="1"/>
+          <a:ext cx="9020013" cy="6857998"/>
         </p:xfrm>
         <a:graphic>
           <a:graphicData uri="http://schemas.openxmlformats.org/drawingml/2006/table">
@@ -14664,7 +14664,7 @@
                   </a:extLst>
                 </a:gridCol>
               </a:tblGrid>
-              <a:tr h="362919">
+              <a:tr h="394525">
                 <a:tc>
                   <a:txBody>
                     <a:bodyPr/>
@@ -14710,7 +14710,7 @@
                   </a:ext>
                 </a:extLst>
               </a:tr>
-              <a:tr h="362919">
+              <a:tr h="394525">
                 <a:tc>
                   <a:txBody>
                     <a:bodyPr/>
@@ -14756,7 +14756,7 @@
                   </a:ext>
                 </a:extLst>
               </a:tr>
-              <a:tr h="629096">
+              <a:tr h="690420">
                 <a:tc>
                   <a:txBody>
                     <a:bodyPr/>
@@ -14802,7 +14802,7 @@
                   </a:ext>
                 </a:extLst>
               </a:tr>
-              <a:tr h="629096">
+              <a:tr h="690420">
                 <a:tc>
                   <a:txBody>
                     <a:bodyPr/>
@@ -14865,7 +14865,87 @@
                   </a:ext>
                 </a:extLst>
               </a:tr>
-              <a:tr h="362919">
+              <a:tr h="644223">
+                <a:tc>
+                  <a:txBody>
+                    <a:bodyPr/>
+                    <a:lstStyle/>
+                    <a:p>
+                      <a:r>
+                        <a:rPr lang="en-US" dirty="0"/>
+                        <a:t>disrupt</a:t>
+                      </a:r>
+                    </a:p>
+                  </a:txBody>
+                  <a:tcPr/>
+                </a:tc>
+                <a:tc>
+                  <a:txBody>
+                    <a:bodyPr/>
+                    <a:lstStyle/>
+                    <a:p>
+                      <a:pPr marL="0" marR="0" lvl="0" indent="0" algn="l" defTabSz="914400" rtl="0" eaLnBrk="1" fontAlgn="auto" latinLnBrk="0" hangingPunct="1">
+                        <a:lnSpc>
+                          <a:spcPct val="100000"/>
+                        </a:lnSpc>
+                        <a:spcBef>
+                          <a:spcPts val="0"/>
+                        </a:spcBef>
+                        <a:spcAft>
+                          <a:spcPts val="0"/>
+                        </a:spcAft>
+                        <a:buClrTx/>
+                        <a:buSzTx/>
+                        <a:buFontTx/>
+                        <a:buNone/>
+                        <a:tabLst/>
+                        <a:defRPr/>
+                      </a:pPr>
+                      <a:r>
+                        <a:rPr lang="en-US" dirty="0"/>
+                        <a:t>Child’s tendency to disrupt</a:t>
+                      </a:r>
+                    </a:p>
+                  </a:txBody>
+                  <a:tcPr/>
+                </a:tc>
+                <a:tc>
+                  <a:txBody>
+                    <a:bodyPr/>
+                    <a:lstStyle/>
+                    <a:p>
+                      <a:pPr marL="0" marR="0" lvl="0" indent="0" algn="l" defTabSz="914400" rtl="0" eaLnBrk="1" fontAlgn="auto" latinLnBrk="0" hangingPunct="1">
+                        <a:lnSpc>
+                          <a:spcPct val="100000"/>
+                        </a:lnSpc>
+                        <a:spcBef>
+                          <a:spcPts val="0"/>
+                        </a:spcBef>
+                        <a:spcAft>
+                          <a:spcPts val="0"/>
+                        </a:spcAft>
+                        <a:buClrTx/>
+                        <a:buSzTx/>
+                        <a:buFontTx/>
+                        <a:buNone/>
+                        <a:tabLst/>
+                        <a:defRPr/>
+                      </a:pPr>
+                      <a:r>
+                        <a:rPr lang="en-US" dirty="0"/>
+                        <a:t>“continuous” integer (really a sum of 7 Likert scales)</a:t>
+                      </a:r>
+                    </a:p>
+                  </a:txBody>
+                  <a:tcPr/>
+                </a:tc>
+                <a:extLst>
+                  <a:ext uri="{0D108BD9-81ED-4DB2-BD59-A6C34878D82A}">
+                    <a16:rowId xmlns:a16="http://schemas.microsoft.com/office/drawing/2014/main" val="478818092"/>
+                  </a:ext>
+                </a:extLst>
+              </a:tr>
+              <a:tr h="394525">
                 <a:tc>
                   <a:txBody>
                     <a:bodyPr/>
@@ -14912,7 +14992,7 @@
                   </a:ext>
                 </a:extLst>
               </a:tr>
-              <a:tr h="362919">
+              <a:tr h="394525">
                 <a:tc>
                   <a:txBody>
                     <a:bodyPr/>
@@ -14959,7 +15039,7 @@
                   </a:ext>
                 </a:extLst>
               </a:tr>
-              <a:tr h="362919">
+              <a:tr h="394525">
                 <a:tc>
                   <a:txBody>
                     <a:bodyPr/>
@@ -15006,7 +15086,7 @@
                   </a:ext>
                 </a:extLst>
               </a:tr>
-              <a:tr h="362919">
+              <a:tr h="394525">
                 <a:tc>
                   <a:txBody>
                     <a:bodyPr/>
@@ -15052,7 +15132,7 @@
                   </a:ext>
                 </a:extLst>
               </a:tr>
-              <a:tr h="629096">
+              <a:tr h="690420">
                 <a:tc>
                   <a:txBody>
                     <a:bodyPr/>
@@ -15099,7 +15179,7 @@
                   </a:ext>
                 </a:extLst>
               </a:tr>
-              <a:tr h="629096">
+              <a:tr h="690420">
                 <a:tc>
                   <a:txBody>
                     <a:bodyPr/>
@@ -15146,7 +15226,7 @@
                   </a:ext>
                 </a:extLst>
               </a:tr>
-              <a:tr h="629096">
+              <a:tr h="690420">
                 <a:tc>
                   <a:txBody>
                     <a:bodyPr/>
@@ -15193,7 +15273,7 @@
                   </a:ext>
                 </a:extLst>
               </a:tr>
-              <a:tr h="362919">
+              <a:tr h="394525">
                 <a:tc>
                   <a:txBody>
                     <a:bodyPr/>
@@ -15437,7 +15517,7 @@
                                           </p:stCondLst>
                                         </p:cTn>
                                         <p:tgtEl>
-                                          <p:spTgt spid="33"/>
+                                          <p:spTgt spid="38"/>
                                         </p:tgtEl>
                                         <p:attrNameLst>
                                           <p:attrName>style.visibility</p:attrName>
@@ -15451,7 +15531,7 @@
                                       <p:cBhvr>
                                         <p:cTn id="21" dur="500"/>
                                         <p:tgtEl>
-                                          <p:spTgt spid="33"/>
+                                          <p:spTgt spid="38"/>
                                         </p:tgtEl>
                                       </p:cBhvr>
                                     </p:animEffect>
@@ -15490,7 +15570,7 @@
                                           </p:stCondLst>
                                         </p:cTn>
                                         <p:tgtEl>
-                                          <p:spTgt spid="38"/>
+                                          <p:spTgt spid="33"/>
                                         </p:tgtEl>
                                         <p:attrNameLst>
                                           <p:attrName>style.visibility</p:attrName>
@@ -15504,7 +15584,7 @@
                                       <p:cBhvr>
                                         <p:cTn id="26" dur="500"/>
                                         <p:tgtEl>
-                                          <p:spTgt spid="38"/>
+                                          <p:spTgt spid="33"/>
                                         </p:tgtEl>
                                       </p:cBhvr>
                                     </p:animEffect>
@@ -17296,7 +17376,7 @@
         </p:blipFill>
         <p:spPr bwMode="auto">
           <a:xfrm>
-            <a:off x="1930400" y="2549215"/>
+            <a:off x="1930400" y="2518219"/>
             <a:ext cx="10261600" cy="3820809"/>
           </a:xfrm>
           <a:prstGeom prst="rect">
